--- a/Literature/immd_ver2_research.pptx
+++ b/Literature/immd_ver2_research.pptx
@@ -5,18 +5,26 @@
     <p:sldMasterId id="2147483660" r:id="rId1"/>
   </p:sldMasterIdLst>
   <p:notesMasterIdLst>
-    <p:notesMasterId r:id="rId11"/>
+    <p:notesMasterId r:id="rId19"/>
   </p:notesMasterIdLst>
   <p:sldIdLst>
     <p:sldId id="256" r:id="rId2"/>
     <p:sldId id="257" r:id="rId3"/>
-    <p:sldId id="258" r:id="rId4"/>
-    <p:sldId id="259" r:id="rId5"/>
-    <p:sldId id="260" r:id="rId6"/>
-    <p:sldId id="261" r:id="rId7"/>
-    <p:sldId id="262" r:id="rId8"/>
-    <p:sldId id="263" r:id="rId9"/>
-    <p:sldId id="264" r:id="rId10"/>
+    <p:sldId id="265" r:id="rId4"/>
+    <p:sldId id="266" r:id="rId5"/>
+    <p:sldId id="271" r:id="rId6"/>
+    <p:sldId id="268" r:id="rId7"/>
+    <p:sldId id="269" r:id="rId8"/>
+    <p:sldId id="270" r:id="rId9"/>
+    <p:sldId id="272" r:id="rId10"/>
+    <p:sldId id="267" r:id="rId11"/>
+    <p:sldId id="258" r:id="rId12"/>
+    <p:sldId id="259" r:id="rId13"/>
+    <p:sldId id="260" r:id="rId14"/>
+    <p:sldId id="261" r:id="rId15"/>
+    <p:sldId id="262" r:id="rId16"/>
+    <p:sldId id="263" r:id="rId17"/>
+    <p:sldId id="264" r:id="rId18"/>
   </p:sldIdLst>
   <p:sldSz cx="9144000" cy="6858000" type="screen4x3"/>
   <p:notesSz cx="6858000" cy="9144000"/>
@@ -557,6 +565,594 @@
 </p:notes>
 </file>
 
+<file path=ppt/notesSlides/notesSlide10.xml><?xml version="1.0" encoding="utf-8"?>
+<p:notes xmlns:a="http://schemas.openxmlformats.org/drawingml/2006/main" xmlns:r="http://schemas.openxmlformats.org/officeDocument/2006/relationships" xmlns:p="http://schemas.openxmlformats.org/presentationml/2006/main">
+  <p:cSld>
+    <p:spTree>
+      <p:nvGrpSpPr>
+        <p:cNvPr id="1" name=""/>
+        <p:cNvGrpSpPr/>
+        <p:nvPr/>
+      </p:nvGrpSpPr>
+      <p:grpSpPr>
+        <a:xfrm>
+          <a:off x="0" y="0"/>
+          <a:ext cx="0" cy="0"/>
+          <a:chOff x="0" y="0"/>
+          <a:chExt cx="0" cy="0"/>
+        </a:xfrm>
+      </p:grpSpPr>
+      <p:sp>
+        <p:nvSpPr>
+          <p:cNvPr id="2" name="Slide Image Placeholder 1"/>
+          <p:cNvSpPr>
+            <a:spLocks noGrp="1" noRot="1" noChangeAspect="1"/>
+          </p:cNvSpPr>
+          <p:nvPr>
+            <p:ph type="sldImg"/>
+          </p:nvPr>
+        </p:nvSpPr>
+        <p:spPr/>
+      </p:sp>
+      <p:sp>
+        <p:nvSpPr>
+          <p:cNvPr id="3" name="Notes Placeholder 2"/>
+          <p:cNvSpPr>
+            <a:spLocks noGrp="1"/>
+          </p:cNvSpPr>
+          <p:nvPr>
+            <p:ph type="body" idx="1"/>
+          </p:nvPr>
+        </p:nvSpPr>
+        <p:spPr/>
+        <p:txBody>
+          <a:bodyPr/>
+          <a:lstStyle/>
+          <a:p>
+            <a:endParaRPr lang="en-US" dirty="0"/>
+          </a:p>
+        </p:txBody>
+      </p:sp>
+      <p:sp>
+        <p:nvSpPr>
+          <p:cNvPr id="4" name="Slide Number Placeholder 3"/>
+          <p:cNvSpPr>
+            <a:spLocks noGrp="1"/>
+          </p:cNvSpPr>
+          <p:nvPr>
+            <p:ph type="sldNum" sz="quarter" idx="10"/>
+          </p:nvPr>
+        </p:nvSpPr>
+        <p:spPr/>
+        <p:txBody>
+          <a:bodyPr/>
+          <a:lstStyle/>
+          <a:p>
+            <a:fld id="{035DD5C9-B5A2-47F1-BC40-0D7BD2C50D7F}" type="slidenum">
+              <a:rPr lang="en-US" smtClean="0"/>
+              <a:t>11</a:t>
+            </a:fld>
+            <a:endParaRPr lang="en-US"/>
+          </a:p>
+        </p:txBody>
+      </p:sp>
+    </p:spTree>
+    <p:extLst>
+      <p:ext uri="{BB962C8B-B14F-4D97-AF65-F5344CB8AC3E}">
+        <p14:creationId xmlns:p14="http://schemas.microsoft.com/office/powerpoint/2010/main" val="845414095"/>
+      </p:ext>
+    </p:extLst>
+  </p:cSld>
+  <p:clrMapOvr>
+    <a:masterClrMapping/>
+  </p:clrMapOvr>
+</p:notes>
+</file>
+
+<file path=ppt/notesSlides/notesSlide11.xml><?xml version="1.0" encoding="utf-8"?>
+<p:notes xmlns:a="http://schemas.openxmlformats.org/drawingml/2006/main" xmlns:r="http://schemas.openxmlformats.org/officeDocument/2006/relationships" xmlns:p="http://schemas.openxmlformats.org/presentationml/2006/main">
+  <p:cSld>
+    <p:spTree>
+      <p:nvGrpSpPr>
+        <p:cNvPr id="1" name=""/>
+        <p:cNvGrpSpPr/>
+        <p:nvPr/>
+      </p:nvGrpSpPr>
+      <p:grpSpPr>
+        <a:xfrm>
+          <a:off x="0" y="0"/>
+          <a:ext cx="0" cy="0"/>
+          <a:chOff x="0" y="0"/>
+          <a:chExt cx="0" cy="0"/>
+        </a:xfrm>
+      </p:grpSpPr>
+      <p:sp>
+        <p:nvSpPr>
+          <p:cNvPr id="2" name="Slide Image Placeholder 1"/>
+          <p:cNvSpPr>
+            <a:spLocks noGrp="1" noRot="1" noChangeAspect="1"/>
+          </p:cNvSpPr>
+          <p:nvPr>
+            <p:ph type="sldImg"/>
+          </p:nvPr>
+        </p:nvSpPr>
+        <p:spPr/>
+      </p:sp>
+      <p:sp>
+        <p:nvSpPr>
+          <p:cNvPr id="3" name="Notes Placeholder 2"/>
+          <p:cNvSpPr>
+            <a:spLocks noGrp="1"/>
+          </p:cNvSpPr>
+          <p:nvPr>
+            <p:ph type="body" idx="1"/>
+          </p:nvPr>
+        </p:nvSpPr>
+        <p:spPr/>
+        <p:txBody>
+          <a:bodyPr/>
+          <a:lstStyle/>
+          <a:p>
+            <a:endParaRPr lang="en-US" dirty="0"/>
+          </a:p>
+        </p:txBody>
+      </p:sp>
+      <p:sp>
+        <p:nvSpPr>
+          <p:cNvPr id="4" name="Slide Number Placeholder 3"/>
+          <p:cNvSpPr>
+            <a:spLocks noGrp="1"/>
+          </p:cNvSpPr>
+          <p:nvPr>
+            <p:ph type="sldNum" sz="quarter" idx="10"/>
+          </p:nvPr>
+        </p:nvSpPr>
+        <p:spPr/>
+        <p:txBody>
+          <a:bodyPr/>
+          <a:lstStyle/>
+          <a:p>
+            <a:fld id="{035DD5C9-B5A2-47F1-BC40-0D7BD2C50D7F}" type="slidenum">
+              <a:rPr lang="en-US" smtClean="0"/>
+              <a:t>12</a:t>
+            </a:fld>
+            <a:endParaRPr lang="en-US"/>
+          </a:p>
+        </p:txBody>
+      </p:sp>
+    </p:spTree>
+    <p:extLst>
+      <p:ext uri="{BB962C8B-B14F-4D97-AF65-F5344CB8AC3E}">
+        <p14:creationId xmlns:p14="http://schemas.microsoft.com/office/powerpoint/2010/main" val="1128012955"/>
+      </p:ext>
+    </p:extLst>
+  </p:cSld>
+  <p:clrMapOvr>
+    <a:masterClrMapping/>
+  </p:clrMapOvr>
+</p:notes>
+</file>
+
+<file path=ppt/notesSlides/notesSlide12.xml><?xml version="1.0" encoding="utf-8"?>
+<p:notes xmlns:a="http://schemas.openxmlformats.org/drawingml/2006/main" xmlns:r="http://schemas.openxmlformats.org/officeDocument/2006/relationships" xmlns:p="http://schemas.openxmlformats.org/presentationml/2006/main">
+  <p:cSld>
+    <p:spTree>
+      <p:nvGrpSpPr>
+        <p:cNvPr id="1" name=""/>
+        <p:cNvGrpSpPr/>
+        <p:nvPr/>
+      </p:nvGrpSpPr>
+      <p:grpSpPr>
+        <a:xfrm>
+          <a:off x="0" y="0"/>
+          <a:ext cx="0" cy="0"/>
+          <a:chOff x="0" y="0"/>
+          <a:chExt cx="0" cy="0"/>
+        </a:xfrm>
+      </p:grpSpPr>
+      <p:sp>
+        <p:nvSpPr>
+          <p:cNvPr id="2" name="Slide Image Placeholder 1"/>
+          <p:cNvSpPr>
+            <a:spLocks noGrp="1" noRot="1" noChangeAspect="1"/>
+          </p:cNvSpPr>
+          <p:nvPr>
+            <p:ph type="sldImg"/>
+          </p:nvPr>
+        </p:nvSpPr>
+        <p:spPr/>
+      </p:sp>
+      <p:sp>
+        <p:nvSpPr>
+          <p:cNvPr id="3" name="Notes Placeholder 2"/>
+          <p:cNvSpPr>
+            <a:spLocks noGrp="1"/>
+          </p:cNvSpPr>
+          <p:nvPr>
+            <p:ph type="body" idx="1"/>
+          </p:nvPr>
+        </p:nvSpPr>
+        <p:spPr/>
+        <p:txBody>
+          <a:bodyPr/>
+          <a:lstStyle/>
+          <a:p>
+            <a:endParaRPr lang="en-US" dirty="0"/>
+          </a:p>
+        </p:txBody>
+      </p:sp>
+      <p:sp>
+        <p:nvSpPr>
+          <p:cNvPr id="4" name="Slide Number Placeholder 3"/>
+          <p:cNvSpPr>
+            <a:spLocks noGrp="1"/>
+          </p:cNvSpPr>
+          <p:nvPr>
+            <p:ph type="sldNum" sz="quarter" idx="10"/>
+          </p:nvPr>
+        </p:nvSpPr>
+        <p:spPr/>
+        <p:txBody>
+          <a:bodyPr/>
+          <a:lstStyle/>
+          <a:p>
+            <a:fld id="{035DD5C9-B5A2-47F1-BC40-0D7BD2C50D7F}" type="slidenum">
+              <a:rPr lang="en-US" smtClean="0"/>
+              <a:t>13</a:t>
+            </a:fld>
+            <a:endParaRPr lang="en-US"/>
+          </a:p>
+        </p:txBody>
+      </p:sp>
+    </p:spTree>
+    <p:extLst>
+      <p:ext uri="{BB962C8B-B14F-4D97-AF65-F5344CB8AC3E}">
+        <p14:creationId xmlns:p14="http://schemas.microsoft.com/office/powerpoint/2010/main" val="898967486"/>
+      </p:ext>
+    </p:extLst>
+  </p:cSld>
+  <p:clrMapOvr>
+    <a:masterClrMapping/>
+  </p:clrMapOvr>
+</p:notes>
+</file>
+
+<file path=ppt/notesSlides/notesSlide13.xml><?xml version="1.0" encoding="utf-8"?>
+<p:notes xmlns:a="http://schemas.openxmlformats.org/drawingml/2006/main" xmlns:r="http://schemas.openxmlformats.org/officeDocument/2006/relationships" xmlns:p="http://schemas.openxmlformats.org/presentationml/2006/main">
+  <p:cSld>
+    <p:spTree>
+      <p:nvGrpSpPr>
+        <p:cNvPr id="1" name=""/>
+        <p:cNvGrpSpPr/>
+        <p:nvPr/>
+      </p:nvGrpSpPr>
+      <p:grpSpPr>
+        <a:xfrm>
+          <a:off x="0" y="0"/>
+          <a:ext cx="0" cy="0"/>
+          <a:chOff x="0" y="0"/>
+          <a:chExt cx="0" cy="0"/>
+        </a:xfrm>
+      </p:grpSpPr>
+      <p:sp>
+        <p:nvSpPr>
+          <p:cNvPr id="2" name="Slide Image Placeholder 1"/>
+          <p:cNvSpPr>
+            <a:spLocks noGrp="1" noRot="1" noChangeAspect="1"/>
+          </p:cNvSpPr>
+          <p:nvPr>
+            <p:ph type="sldImg"/>
+          </p:nvPr>
+        </p:nvSpPr>
+        <p:spPr/>
+      </p:sp>
+      <p:sp>
+        <p:nvSpPr>
+          <p:cNvPr id="3" name="Notes Placeholder 2"/>
+          <p:cNvSpPr>
+            <a:spLocks noGrp="1"/>
+          </p:cNvSpPr>
+          <p:nvPr>
+            <p:ph type="body" idx="1"/>
+          </p:nvPr>
+        </p:nvSpPr>
+        <p:spPr/>
+        <p:txBody>
+          <a:bodyPr/>
+          <a:lstStyle/>
+          <a:p>
+            <a:endParaRPr lang="en-US" dirty="0"/>
+          </a:p>
+        </p:txBody>
+      </p:sp>
+      <p:sp>
+        <p:nvSpPr>
+          <p:cNvPr id="4" name="Slide Number Placeholder 3"/>
+          <p:cNvSpPr>
+            <a:spLocks noGrp="1"/>
+          </p:cNvSpPr>
+          <p:nvPr>
+            <p:ph type="sldNum" sz="quarter" idx="10"/>
+          </p:nvPr>
+        </p:nvSpPr>
+        <p:spPr/>
+        <p:txBody>
+          <a:bodyPr/>
+          <a:lstStyle/>
+          <a:p>
+            <a:fld id="{035DD5C9-B5A2-47F1-BC40-0D7BD2C50D7F}" type="slidenum">
+              <a:rPr lang="en-US" smtClean="0"/>
+              <a:t>14</a:t>
+            </a:fld>
+            <a:endParaRPr lang="en-US"/>
+          </a:p>
+        </p:txBody>
+      </p:sp>
+    </p:spTree>
+    <p:extLst>
+      <p:ext uri="{BB962C8B-B14F-4D97-AF65-F5344CB8AC3E}">
+        <p14:creationId xmlns:p14="http://schemas.microsoft.com/office/powerpoint/2010/main" val="2702248589"/>
+      </p:ext>
+    </p:extLst>
+  </p:cSld>
+  <p:clrMapOvr>
+    <a:masterClrMapping/>
+  </p:clrMapOvr>
+</p:notes>
+</file>
+
+<file path=ppt/notesSlides/notesSlide14.xml><?xml version="1.0" encoding="utf-8"?>
+<p:notes xmlns:a="http://schemas.openxmlformats.org/drawingml/2006/main" xmlns:r="http://schemas.openxmlformats.org/officeDocument/2006/relationships" xmlns:p="http://schemas.openxmlformats.org/presentationml/2006/main">
+  <p:cSld>
+    <p:spTree>
+      <p:nvGrpSpPr>
+        <p:cNvPr id="1" name=""/>
+        <p:cNvGrpSpPr/>
+        <p:nvPr/>
+      </p:nvGrpSpPr>
+      <p:grpSpPr>
+        <a:xfrm>
+          <a:off x="0" y="0"/>
+          <a:ext cx="0" cy="0"/>
+          <a:chOff x="0" y="0"/>
+          <a:chExt cx="0" cy="0"/>
+        </a:xfrm>
+      </p:grpSpPr>
+      <p:sp>
+        <p:nvSpPr>
+          <p:cNvPr id="2" name="Slide Image Placeholder 1"/>
+          <p:cNvSpPr>
+            <a:spLocks noGrp="1" noRot="1" noChangeAspect="1"/>
+          </p:cNvSpPr>
+          <p:nvPr>
+            <p:ph type="sldImg"/>
+          </p:nvPr>
+        </p:nvSpPr>
+        <p:spPr/>
+      </p:sp>
+      <p:sp>
+        <p:nvSpPr>
+          <p:cNvPr id="3" name="Notes Placeholder 2"/>
+          <p:cNvSpPr>
+            <a:spLocks noGrp="1"/>
+          </p:cNvSpPr>
+          <p:nvPr>
+            <p:ph type="body" idx="1"/>
+          </p:nvPr>
+        </p:nvSpPr>
+        <p:spPr/>
+        <p:txBody>
+          <a:bodyPr/>
+          <a:lstStyle/>
+          <a:p>
+            <a:endParaRPr lang="en-US" dirty="0"/>
+          </a:p>
+        </p:txBody>
+      </p:sp>
+      <p:sp>
+        <p:nvSpPr>
+          <p:cNvPr id="4" name="Slide Number Placeholder 3"/>
+          <p:cNvSpPr>
+            <a:spLocks noGrp="1"/>
+          </p:cNvSpPr>
+          <p:nvPr>
+            <p:ph type="sldNum" sz="quarter" idx="10"/>
+          </p:nvPr>
+        </p:nvSpPr>
+        <p:spPr/>
+        <p:txBody>
+          <a:bodyPr/>
+          <a:lstStyle/>
+          <a:p>
+            <a:fld id="{035DD5C9-B5A2-47F1-BC40-0D7BD2C50D7F}" type="slidenum">
+              <a:rPr lang="en-US" smtClean="0"/>
+              <a:t>15</a:t>
+            </a:fld>
+            <a:endParaRPr lang="en-US"/>
+          </a:p>
+        </p:txBody>
+      </p:sp>
+    </p:spTree>
+    <p:extLst>
+      <p:ext uri="{BB962C8B-B14F-4D97-AF65-F5344CB8AC3E}">
+        <p14:creationId xmlns:p14="http://schemas.microsoft.com/office/powerpoint/2010/main" val="2445784330"/>
+      </p:ext>
+    </p:extLst>
+  </p:cSld>
+  <p:clrMapOvr>
+    <a:masterClrMapping/>
+  </p:clrMapOvr>
+</p:notes>
+</file>
+
+<file path=ppt/notesSlides/notesSlide15.xml><?xml version="1.0" encoding="utf-8"?>
+<p:notes xmlns:a="http://schemas.openxmlformats.org/drawingml/2006/main" xmlns:r="http://schemas.openxmlformats.org/officeDocument/2006/relationships" xmlns:p="http://schemas.openxmlformats.org/presentationml/2006/main">
+  <p:cSld>
+    <p:spTree>
+      <p:nvGrpSpPr>
+        <p:cNvPr id="1" name=""/>
+        <p:cNvGrpSpPr/>
+        <p:nvPr/>
+      </p:nvGrpSpPr>
+      <p:grpSpPr>
+        <a:xfrm>
+          <a:off x="0" y="0"/>
+          <a:ext cx="0" cy="0"/>
+          <a:chOff x="0" y="0"/>
+          <a:chExt cx="0" cy="0"/>
+        </a:xfrm>
+      </p:grpSpPr>
+      <p:sp>
+        <p:nvSpPr>
+          <p:cNvPr id="2" name="Slide Image Placeholder 1"/>
+          <p:cNvSpPr>
+            <a:spLocks noGrp="1" noRot="1" noChangeAspect="1"/>
+          </p:cNvSpPr>
+          <p:nvPr>
+            <p:ph type="sldImg"/>
+          </p:nvPr>
+        </p:nvSpPr>
+        <p:spPr/>
+      </p:sp>
+      <p:sp>
+        <p:nvSpPr>
+          <p:cNvPr id="3" name="Notes Placeholder 2"/>
+          <p:cNvSpPr>
+            <a:spLocks noGrp="1"/>
+          </p:cNvSpPr>
+          <p:nvPr>
+            <p:ph type="body" idx="1"/>
+          </p:nvPr>
+        </p:nvSpPr>
+        <p:spPr/>
+        <p:txBody>
+          <a:bodyPr/>
+          <a:lstStyle/>
+          <a:p>
+            <a:endParaRPr lang="en-US" dirty="0"/>
+          </a:p>
+        </p:txBody>
+      </p:sp>
+      <p:sp>
+        <p:nvSpPr>
+          <p:cNvPr id="4" name="Slide Number Placeholder 3"/>
+          <p:cNvSpPr>
+            <a:spLocks noGrp="1"/>
+          </p:cNvSpPr>
+          <p:nvPr>
+            <p:ph type="sldNum" sz="quarter" idx="10"/>
+          </p:nvPr>
+        </p:nvSpPr>
+        <p:spPr/>
+        <p:txBody>
+          <a:bodyPr/>
+          <a:lstStyle/>
+          <a:p>
+            <a:fld id="{035DD5C9-B5A2-47F1-BC40-0D7BD2C50D7F}" type="slidenum">
+              <a:rPr lang="en-US" smtClean="0"/>
+              <a:t>16</a:t>
+            </a:fld>
+            <a:endParaRPr lang="en-US"/>
+          </a:p>
+        </p:txBody>
+      </p:sp>
+    </p:spTree>
+    <p:extLst>
+      <p:ext uri="{BB962C8B-B14F-4D97-AF65-F5344CB8AC3E}">
+        <p14:creationId xmlns:p14="http://schemas.microsoft.com/office/powerpoint/2010/main" val="2617716752"/>
+      </p:ext>
+    </p:extLst>
+  </p:cSld>
+  <p:clrMapOvr>
+    <a:masterClrMapping/>
+  </p:clrMapOvr>
+</p:notes>
+</file>
+
+<file path=ppt/notesSlides/notesSlide16.xml><?xml version="1.0" encoding="utf-8"?>
+<p:notes xmlns:a="http://schemas.openxmlformats.org/drawingml/2006/main" xmlns:r="http://schemas.openxmlformats.org/officeDocument/2006/relationships" xmlns:p="http://schemas.openxmlformats.org/presentationml/2006/main">
+  <p:cSld>
+    <p:spTree>
+      <p:nvGrpSpPr>
+        <p:cNvPr id="1" name=""/>
+        <p:cNvGrpSpPr/>
+        <p:nvPr/>
+      </p:nvGrpSpPr>
+      <p:grpSpPr>
+        <a:xfrm>
+          <a:off x="0" y="0"/>
+          <a:ext cx="0" cy="0"/>
+          <a:chOff x="0" y="0"/>
+          <a:chExt cx="0" cy="0"/>
+        </a:xfrm>
+      </p:grpSpPr>
+      <p:sp>
+        <p:nvSpPr>
+          <p:cNvPr id="2" name="Slide Image Placeholder 1"/>
+          <p:cNvSpPr>
+            <a:spLocks noGrp="1" noRot="1" noChangeAspect="1"/>
+          </p:cNvSpPr>
+          <p:nvPr>
+            <p:ph type="sldImg"/>
+          </p:nvPr>
+        </p:nvSpPr>
+        <p:spPr/>
+      </p:sp>
+      <p:sp>
+        <p:nvSpPr>
+          <p:cNvPr id="3" name="Notes Placeholder 2"/>
+          <p:cNvSpPr>
+            <a:spLocks noGrp="1"/>
+          </p:cNvSpPr>
+          <p:nvPr>
+            <p:ph type="body" idx="1"/>
+          </p:nvPr>
+        </p:nvSpPr>
+        <p:spPr/>
+        <p:txBody>
+          <a:bodyPr/>
+          <a:lstStyle/>
+          <a:p>
+            <a:endParaRPr lang="en-US" dirty="0"/>
+          </a:p>
+        </p:txBody>
+      </p:sp>
+      <p:sp>
+        <p:nvSpPr>
+          <p:cNvPr id="4" name="Slide Number Placeholder 3"/>
+          <p:cNvSpPr>
+            <a:spLocks noGrp="1"/>
+          </p:cNvSpPr>
+          <p:nvPr>
+            <p:ph type="sldNum" sz="quarter" idx="10"/>
+          </p:nvPr>
+        </p:nvSpPr>
+        <p:spPr/>
+        <p:txBody>
+          <a:bodyPr/>
+          <a:lstStyle/>
+          <a:p>
+            <a:fld id="{035DD5C9-B5A2-47F1-BC40-0D7BD2C50D7F}" type="slidenum">
+              <a:rPr lang="en-US" smtClean="0"/>
+              <a:t>17</a:t>
+            </a:fld>
+            <a:endParaRPr lang="en-US"/>
+          </a:p>
+        </p:txBody>
+      </p:sp>
+    </p:spTree>
+    <p:extLst>
+      <p:ext uri="{BB962C8B-B14F-4D97-AF65-F5344CB8AC3E}">
+        <p14:creationId xmlns:p14="http://schemas.microsoft.com/office/powerpoint/2010/main" val="2662359820"/>
+      </p:ext>
+    </p:extLst>
+  </p:cSld>
+  <p:clrMapOvr>
+    <a:masterClrMapping/>
+  </p:clrMapOvr>
+</p:notes>
+</file>
+
 <file path=ppt/notesSlides/notesSlide2.xml><?xml version="1.0" encoding="utf-8"?>
 <p:notes xmlns:a="http://schemas.openxmlformats.org/drawingml/2006/main" xmlns:r="http://schemas.openxmlformats.org/officeDocument/2006/relationships" xmlns:p="http://schemas.openxmlformats.org/presentationml/2006/main">
   <p:cSld>
@@ -631,7 +1227,7 @@
     </p:spTree>
     <p:extLst>
       <p:ext uri="{BB962C8B-B14F-4D97-AF65-F5344CB8AC3E}">
-        <p14:creationId xmlns:p14="http://schemas.microsoft.com/office/powerpoint/2010/main" val="845414095"/>
+        <p14:creationId xmlns:p14="http://schemas.microsoft.com/office/powerpoint/2010/main" val="2760278834"/>
       </p:ext>
     </p:extLst>
   </p:cSld>
@@ -715,7 +1311,7 @@
     </p:spTree>
     <p:extLst>
       <p:ext uri="{BB962C8B-B14F-4D97-AF65-F5344CB8AC3E}">
-        <p14:creationId xmlns:p14="http://schemas.microsoft.com/office/powerpoint/2010/main" val="1128012955"/>
+        <p14:creationId xmlns:p14="http://schemas.microsoft.com/office/powerpoint/2010/main" val="2342508286"/>
       </p:ext>
     </p:extLst>
   </p:cSld>
@@ -799,7 +1395,7 @@
     </p:spTree>
     <p:extLst>
       <p:ext uri="{BB962C8B-B14F-4D97-AF65-F5344CB8AC3E}">
-        <p14:creationId xmlns:p14="http://schemas.microsoft.com/office/powerpoint/2010/main" val="898967486"/>
+        <p14:creationId xmlns:p14="http://schemas.microsoft.com/office/powerpoint/2010/main" val="429386509"/>
       </p:ext>
     </p:extLst>
   </p:cSld>
@@ -883,7 +1479,7 @@
     </p:spTree>
     <p:extLst>
       <p:ext uri="{BB962C8B-B14F-4D97-AF65-F5344CB8AC3E}">
-        <p14:creationId xmlns:p14="http://schemas.microsoft.com/office/powerpoint/2010/main" val="2702248589"/>
+        <p14:creationId xmlns:p14="http://schemas.microsoft.com/office/powerpoint/2010/main" val="3230443305"/>
       </p:ext>
     </p:extLst>
   </p:cSld>
@@ -967,7 +1563,7 @@
     </p:spTree>
     <p:extLst>
       <p:ext uri="{BB962C8B-B14F-4D97-AF65-F5344CB8AC3E}">
-        <p14:creationId xmlns:p14="http://schemas.microsoft.com/office/powerpoint/2010/main" val="2445784330"/>
+        <p14:creationId xmlns:p14="http://schemas.microsoft.com/office/powerpoint/2010/main" val="559618118"/>
       </p:ext>
     </p:extLst>
   </p:cSld>
@@ -1051,7 +1647,7 @@
     </p:spTree>
     <p:extLst>
       <p:ext uri="{BB962C8B-B14F-4D97-AF65-F5344CB8AC3E}">
-        <p14:creationId xmlns:p14="http://schemas.microsoft.com/office/powerpoint/2010/main" val="2617716752"/>
+        <p14:creationId xmlns:p14="http://schemas.microsoft.com/office/powerpoint/2010/main" val="2418575380"/>
       </p:ext>
     </p:extLst>
   </p:cSld>
@@ -1135,7 +1731,91 @@
     </p:spTree>
     <p:extLst>
       <p:ext uri="{BB962C8B-B14F-4D97-AF65-F5344CB8AC3E}">
-        <p14:creationId xmlns:p14="http://schemas.microsoft.com/office/powerpoint/2010/main" val="2662359820"/>
+        <p14:creationId xmlns:p14="http://schemas.microsoft.com/office/powerpoint/2010/main" val="3696761378"/>
+      </p:ext>
+    </p:extLst>
+  </p:cSld>
+  <p:clrMapOvr>
+    <a:masterClrMapping/>
+  </p:clrMapOvr>
+</p:notes>
+</file>
+
+<file path=ppt/notesSlides/notesSlide9.xml><?xml version="1.0" encoding="utf-8"?>
+<p:notes xmlns:a="http://schemas.openxmlformats.org/drawingml/2006/main" xmlns:r="http://schemas.openxmlformats.org/officeDocument/2006/relationships" xmlns:p="http://schemas.openxmlformats.org/presentationml/2006/main">
+  <p:cSld>
+    <p:spTree>
+      <p:nvGrpSpPr>
+        <p:cNvPr id="1" name=""/>
+        <p:cNvGrpSpPr/>
+        <p:nvPr/>
+      </p:nvGrpSpPr>
+      <p:grpSpPr>
+        <a:xfrm>
+          <a:off x="0" y="0"/>
+          <a:ext cx="0" cy="0"/>
+          <a:chOff x="0" y="0"/>
+          <a:chExt cx="0" cy="0"/>
+        </a:xfrm>
+      </p:grpSpPr>
+      <p:sp>
+        <p:nvSpPr>
+          <p:cNvPr id="2" name="Slide Image Placeholder 1"/>
+          <p:cNvSpPr>
+            <a:spLocks noGrp="1" noRot="1" noChangeAspect="1"/>
+          </p:cNvSpPr>
+          <p:nvPr>
+            <p:ph type="sldImg"/>
+          </p:nvPr>
+        </p:nvSpPr>
+        <p:spPr/>
+      </p:sp>
+      <p:sp>
+        <p:nvSpPr>
+          <p:cNvPr id="3" name="Notes Placeholder 2"/>
+          <p:cNvSpPr>
+            <a:spLocks noGrp="1"/>
+          </p:cNvSpPr>
+          <p:nvPr>
+            <p:ph type="body" idx="1"/>
+          </p:nvPr>
+        </p:nvSpPr>
+        <p:spPr/>
+        <p:txBody>
+          <a:bodyPr/>
+          <a:lstStyle/>
+          <a:p>
+            <a:endParaRPr lang="en-US" dirty="0"/>
+          </a:p>
+        </p:txBody>
+      </p:sp>
+      <p:sp>
+        <p:nvSpPr>
+          <p:cNvPr id="4" name="Slide Number Placeholder 3"/>
+          <p:cNvSpPr>
+            <a:spLocks noGrp="1"/>
+          </p:cNvSpPr>
+          <p:nvPr>
+            <p:ph type="sldNum" sz="quarter" idx="10"/>
+          </p:nvPr>
+        </p:nvSpPr>
+        <p:spPr/>
+        <p:txBody>
+          <a:bodyPr/>
+          <a:lstStyle/>
+          <a:p>
+            <a:fld id="{035DD5C9-B5A2-47F1-BC40-0D7BD2C50D7F}" type="slidenum">
+              <a:rPr lang="en-US" smtClean="0"/>
+              <a:t>10</a:t>
+            </a:fld>
+            <a:endParaRPr lang="en-US"/>
+          </a:p>
+        </p:txBody>
+      </p:sp>
+    </p:spTree>
+    <p:extLst>
+      <p:ext uri="{BB962C8B-B14F-4D97-AF65-F5344CB8AC3E}">
+        <p14:creationId xmlns:p14="http://schemas.microsoft.com/office/powerpoint/2010/main" val="2829331313"/>
       </p:ext>
     </p:extLst>
   </p:cSld>
@@ -4063,7 +4743,7 @@
           <a:p>
             <a:pPr algn="ctr"/>
             <a:r>
-              <a:rPr lang="tr-TR" sz="4000" b="1" dirty="0" err="1" smtClean="0">
+              <a:rPr lang="tr-TR" sz="4000" b="1" dirty="0" smtClean="0">
                 <a:solidFill>
                   <a:schemeClr val="accent1">
                     <a:lumMod val="50000"/>
@@ -4071,10 +4751,10 @@
                 </a:solidFill>
                 <a:cs typeface="Arial" panose="020B0604020202020204" pitchFamily="34" charset="0"/>
               </a:rPr>
-              <a:t>Literature</a:t>
-            </a:r>
-            <a:r>
-              <a:rPr lang="tr-TR" sz="4000" b="1" dirty="0" smtClean="0">
+              <a:t>Literature </a:t>
+            </a:r>
+            <a:r>
+              <a:rPr lang="en-US" sz="4000" b="1" dirty="0" smtClean="0">
                 <a:solidFill>
                   <a:schemeClr val="accent1">
                     <a:lumMod val="50000"/>
@@ -4082,18 +4762,7 @@
                 </a:solidFill>
                 <a:cs typeface="Arial" panose="020B0604020202020204" pitchFamily="34" charset="0"/>
               </a:rPr>
-              <a:t> </a:t>
-            </a:r>
-            <a:r>
-              <a:rPr lang="tr-TR" sz="4000" b="1" dirty="0" err="1" smtClean="0">
-                <a:solidFill>
-                  <a:schemeClr val="accent1">
-                    <a:lumMod val="50000"/>
-                  </a:schemeClr>
-                </a:solidFill>
-                <a:cs typeface="Arial" panose="020B0604020202020204" pitchFamily="34" charset="0"/>
-              </a:rPr>
-              <a:t>Survey</a:t>
+              <a:t>Research</a:t>
             </a:r>
             <a:endParaRPr lang="tr-TR" sz="4000" b="1" dirty="0">
               <a:solidFill>
@@ -4220,14 +4889,6 @@
               </a:rPr>
               <a:t>06/10/2018</a:t>
             </a:r>
-            <a:endParaRPr lang="tr-TR" sz="2200" b="1" dirty="0" smtClean="0">
-              <a:solidFill>
-                <a:schemeClr val="bg2">
-                  <a:lumMod val="50000"/>
-                </a:schemeClr>
-              </a:solidFill>
-              <a:cs typeface="Arial" panose="020B0604020202020204" pitchFamily="34" charset="0"/>
-            </a:endParaRPr>
           </a:p>
           <a:p>
             <a:pPr algn="ctr"/>
@@ -4310,7 +4971,7 @@
 </p:sld>
 </file>
 
-<file path=ppt/slides/slide2.xml><?xml version="1.0" encoding="utf-8"?>
+<file path=ppt/slides/slide10.xml><?xml version="1.0" encoding="utf-8"?>
 <p:sld xmlns:a="http://schemas.openxmlformats.org/drawingml/2006/main" xmlns:r="http://schemas.openxmlformats.org/officeDocument/2006/relationships" xmlns:p="http://schemas.openxmlformats.org/presentationml/2006/main">
   <p:cSld>
     <p:spTree>
@@ -4327,30 +4988,6 @@
           <a:chExt cx="0" cy="0"/>
         </a:xfrm>
       </p:grpSpPr>
-      <p:pic>
-        <p:nvPicPr>
-          <p:cNvPr id="2" name="Picture 1"/>
-          <p:cNvPicPr>
-            <a:picLocks noChangeAspect="1"/>
-          </p:cNvPicPr>
-          <p:nvPr/>
-        </p:nvPicPr>
-        <p:blipFill>
-          <a:blip r:embed="rId3"/>
-          <a:stretch>
-            <a:fillRect/>
-          </a:stretch>
-        </p:blipFill>
-        <p:spPr>
-          <a:xfrm>
-            <a:off x="0" y="1020537"/>
-            <a:ext cx="7475055" cy="5429250"/>
-          </a:xfrm>
-          <a:prstGeom prst="rect">
-            <a:avLst/>
-          </a:prstGeom>
-        </p:spPr>
-      </p:pic>
       <p:sp>
         <p:nvSpPr>
           <p:cNvPr id="8" name="Rectangle 7"/>
@@ -4374,7 +5011,7 @@
           <a:p>
             <a:pPr algn="ctr"/>
             <a:r>
-              <a:rPr lang="tr-TR" sz="2800" b="1" dirty="0" err="1" smtClean="0">
+              <a:rPr lang="en-US" sz="2800" b="1" dirty="0" smtClean="0">
                 <a:solidFill>
                   <a:schemeClr val="accent1">
                     <a:lumMod val="50000"/>
@@ -4382,95 +5019,7 @@
                 </a:solidFill>
                 <a:cs typeface="Arial" panose="020B0604020202020204" pitchFamily="34" charset="0"/>
               </a:rPr>
-              <a:t>Fault</a:t>
-            </a:r>
-            <a:r>
-              <a:rPr lang="tr-TR" sz="2800" b="1" dirty="0" smtClean="0">
-                <a:solidFill>
-                  <a:schemeClr val="accent1">
-                    <a:lumMod val="50000"/>
-                  </a:schemeClr>
-                </a:solidFill>
-                <a:cs typeface="Arial" panose="020B0604020202020204" pitchFamily="34" charset="0"/>
-              </a:rPr>
-              <a:t> </a:t>
-            </a:r>
-            <a:r>
-              <a:rPr lang="tr-TR" sz="2800" b="1" dirty="0" err="1" smtClean="0">
-                <a:solidFill>
-                  <a:schemeClr val="accent1">
-                    <a:lumMod val="50000"/>
-                  </a:schemeClr>
-                </a:solidFill>
-                <a:cs typeface="Arial" panose="020B0604020202020204" pitchFamily="34" charset="0"/>
-              </a:rPr>
-              <a:t>Tolerant</a:t>
-            </a:r>
-            <a:r>
-              <a:rPr lang="tr-TR" sz="2800" b="1" dirty="0" smtClean="0">
-                <a:solidFill>
-                  <a:schemeClr val="accent1">
-                    <a:lumMod val="50000"/>
-                  </a:schemeClr>
-                </a:solidFill>
-                <a:cs typeface="Arial" panose="020B0604020202020204" pitchFamily="34" charset="0"/>
-              </a:rPr>
-              <a:t> </a:t>
-            </a:r>
-            <a:r>
-              <a:rPr lang="tr-TR" sz="2800" b="1" dirty="0" err="1" smtClean="0">
-                <a:solidFill>
-                  <a:schemeClr val="accent1">
-                    <a:lumMod val="50000"/>
-                  </a:schemeClr>
-                </a:solidFill>
-                <a:cs typeface="Arial" panose="020B0604020202020204" pitchFamily="34" charset="0"/>
-              </a:rPr>
-              <a:t>topologies</a:t>
-            </a:r>
-            <a:r>
-              <a:rPr lang="tr-TR" sz="2800" b="1" dirty="0" smtClean="0">
-                <a:solidFill>
-                  <a:schemeClr val="accent1">
-                    <a:lumMod val="50000"/>
-                  </a:schemeClr>
-                </a:solidFill>
-                <a:cs typeface="Arial" panose="020B0604020202020204" pitchFamily="34" charset="0"/>
-              </a:rPr>
-              <a:t> </a:t>
-            </a:r>
-            <a:r>
-              <a:rPr lang="tr-TR" sz="2800" b="1" dirty="0" err="1" smtClean="0">
-                <a:solidFill>
-                  <a:schemeClr val="accent1">
-                    <a:lumMod val="50000"/>
-                  </a:schemeClr>
-                </a:solidFill>
-                <a:cs typeface="Arial" panose="020B0604020202020204" pitchFamily="34" charset="0"/>
-              </a:rPr>
-              <a:t>for</a:t>
-            </a:r>
-            <a:r>
-              <a:rPr lang="tr-TR" sz="2800" b="1" dirty="0" smtClean="0">
-                <a:solidFill>
-                  <a:schemeClr val="accent1">
-                    <a:lumMod val="50000"/>
-                  </a:schemeClr>
-                </a:solidFill>
-                <a:cs typeface="Arial" panose="020B0604020202020204" pitchFamily="34" charset="0"/>
-              </a:rPr>
-              <a:t> 3-phase </a:t>
-            </a:r>
-            <a:r>
-              <a:rPr lang="tr-TR" sz="2800" b="1" dirty="0" err="1" smtClean="0">
-                <a:solidFill>
-                  <a:schemeClr val="accent1">
-                    <a:lumMod val="50000"/>
-                  </a:schemeClr>
-                </a:solidFill>
-                <a:cs typeface="Arial" panose="020B0604020202020204" pitchFamily="34" charset="0"/>
-              </a:rPr>
-              <a:t>drives</a:t>
+              <a:t>Application</a:t>
             </a:r>
             <a:endParaRPr lang="en-US" sz="2800" dirty="0">
               <a:solidFill>
@@ -4491,8 +5040,8 @@
         </p:nvSpPr>
         <p:spPr>
           <a:xfrm>
-            <a:off x="6086332" y="3081863"/>
-            <a:ext cx="3057668" cy="1077218"/>
+            <a:off x="224970" y="673889"/>
+            <a:ext cx="8461829" cy="2246769"/>
           </a:xfrm>
           <a:prstGeom prst="rect">
             <a:avLst/>
@@ -4504,535 +5053,146 @@
           </a:bodyPr>
           <a:lstStyle/>
           <a:p>
-            <a:r>
-              <a:rPr lang="tr-TR" sz="1600" dirty="0">
-                <a:solidFill>
-                  <a:srgbClr val="002060"/>
-                </a:solidFill>
-                <a:cs typeface="Arial" panose="020B0604020202020204" pitchFamily="34" charset="0"/>
-              </a:rPr>
-              <a:t>T</a:t>
-            </a:r>
-            <a:r>
-              <a:rPr lang="en-US" sz="1600" dirty="0" smtClean="0">
-                <a:solidFill>
-                  <a:srgbClr val="002060"/>
-                </a:solidFill>
-                <a:cs typeface="Arial" panose="020B0604020202020204" pitchFamily="34" charset="0"/>
-              </a:rPr>
-              <a:t>he </a:t>
-            </a:r>
-            <a:r>
-              <a:rPr lang="en-US" sz="1600" dirty="0">
-                <a:solidFill>
-                  <a:srgbClr val="002060"/>
-                </a:solidFill>
-                <a:cs typeface="Arial" panose="020B0604020202020204" pitchFamily="34" charset="0"/>
-              </a:rPr>
-              <a:t>product of </a:t>
-            </a:r>
-            <a:r>
-              <a:rPr lang="en-US" sz="1600" dirty="0" smtClean="0">
-                <a:solidFill>
-                  <a:srgbClr val="002060"/>
-                </a:solidFill>
-                <a:cs typeface="Arial" panose="020B0604020202020204" pitchFamily="34" charset="0"/>
-              </a:rPr>
-              <a:t>the </a:t>
-            </a:r>
-            <a:r>
-              <a:rPr lang="en-US" sz="1600" dirty="0">
-                <a:solidFill>
-                  <a:srgbClr val="002060"/>
-                </a:solidFill>
-                <a:cs typeface="Arial" panose="020B0604020202020204" pitchFamily="34" charset="0"/>
-              </a:rPr>
-              <a:t>number </a:t>
-            </a:r>
-            <a:r>
-              <a:rPr lang="en-US" sz="1600" dirty="0" smtClean="0">
-                <a:solidFill>
-                  <a:srgbClr val="002060"/>
-                </a:solidFill>
-                <a:cs typeface="Arial" panose="020B0604020202020204" pitchFamily="34" charset="0"/>
-              </a:rPr>
-              <a:t>of</a:t>
-            </a:r>
-            <a:r>
-              <a:rPr lang="tr-TR" sz="1600" dirty="0" smtClean="0">
-                <a:solidFill>
-                  <a:srgbClr val="002060"/>
-                </a:solidFill>
-                <a:cs typeface="Arial" panose="020B0604020202020204" pitchFamily="34" charset="0"/>
-              </a:rPr>
-              <a:t> </a:t>
-            </a:r>
-            <a:r>
-              <a:rPr lang="en-US" sz="1600" dirty="0" smtClean="0">
-                <a:solidFill>
-                  <a:srgbClr val="002060"/>
-                </a:solidFill>
-                <a:cs typeface="Arial" panose="020B0604020202020204" pitchFamily="34" charset="0"/>
-              </a:rPr>
-              <a:t>switches </a:t>
-            </a:r>
-            <a:r>
-              <a:rPr lang="en-US" sz="1600" dirty="0">
-                <a:solidFill>
-                  <a:srgbClr val="002060"/>
-                </a:solidFill>
-                <a:cs typeface="Arial" panose="020B0604020202020204" pitchFamily="34" charset="0"/>
-              </a:rPr>
-              <a:t>and the rating </a:t>
-            </a:r>
-            <a:r>
-              <a:rPr lang="en-US" sz="1600" dirty="0" smtClean="0">
-                <a:solidFill>
-                  <a:srgbClr val="002060"/>
-                </a:solidFill>
-                <a:cs typeface="Arial" panose="020B0604020202020204" pitchFamily="34" charset="0"/>
-              </a:rPr>
-              <a:t>of</a:t>
-            </a:r>
-            <a:r>
-              <a:rPr lang="tr-TR" sz="1600" dirty="0" smtClean="0">
-                <a:solidFill>
-                  <a:srgbClr val="002060"/>
-                </a:solidFill>
-                <a:cs typeface="Arial" panose="020B0604020202020204" pitchFamily="34" charset="0"/>
-              </a:rPr>
-              <a:t> </a:t>
-            </a:r>
-            <a:r>
-              <a:rPr lang="en-US" sz="1600" dirty="0" smtClean="0">
-                <a:solidFill>
-                  <a:srgbClr val="002060"/>
-                </a:solidFill>
-                <a:cs typeface="Arial" panose="020B0604020202020204" pitchFamily="34" charset="0"/>
-              </a:rPr>
-              <a:t>each </a:t>
-            </a:r>
-            <a:r>
-              <a:rPr lang="en-US" sz="1600" dirty="0">
-                <a:solidFill>
-                  <a:srgbClr val="002060"/>
-                </a:solidFill>
-                <a:cs typeface="Arial" panose="020B0604020202020204" pitchFamily="34" charset="0"/>
-              </a:rPr>
-              <a:t>switch (V·I) is increased by a </a:t>
-            </a:r>
-            <a:r>
-              <a:rPr lang="en-US" sz="1600" dirty="0" err="1" smtClean="0">
-                <a:solidFill>
-                  <a:srgbClr val="002060"/>
-                </a:solidFill>
-                <a:cs typeface="Arial" panose="020B0604020202020204" pitchFamily="34" charset="0"/>
-              </a:rPr>
-              <a:t>fac</a:t>
-            </a:r>
-            <a:r>
-              <a:rPr lang="tr-TR" sz="1600" dirty="0" smtClean="0">
-                <a:solidFill>
-                  <a:srgbClr val="002060"/>
-                </a:solidFill>
-                <a:cs typeface="Arial" panose="020B0604020202020204" pitchFamily="34" charset="0"/>
-              </a:rPr>
-              <a:t>tor 1.15 </a:t>
-            </a:r>
-            <a:r>
-              <a:rPr lang="tr-TR" sz="1600" dirty="0" err="1" smtClean="0">
-                <a:solidFill>
-                  <a:srgbClr val="002060"/>
-                </a:solidFill>
-                <a:cs typeface="Arial" panose="020B0604020202020204" pitchFamily="34" charset="0"/>
-              </a:rPr>
-              <a:t>compared</a:t>
-            </a:r>
-            <a:r>
-              <a:rPr lang="tr-TR" sz="1600" dirty="0" smtClean="0">
-                <a:solidFill>
-                  <a:srgbClr val="002060"/>
-                </a:solidFill>
-                <a:cs typeface="Arial" panose="020B0604020202020204" pitchFamily="34" charset="0"/>
-              </a:rPr>
-              <a:t> </a:t>
-            </a:r>
-            <a:r>
-              <a:rPr lang="tr-TR" sz="1600" dirty="0" err="1" smtClean="0">
-                <a:solidFill>
-                  <a:srgbClr val="002060"/>
-                </a:solidFill>
-                <a:cs typeface="Arial" panose="020B0604020202020204" pitchFamily="34" charset="0"/>
-              </a:rPr>
-              <a:t>to</a:t>
-            </a:r>
-            <a:r>
-              <a:rPr lang="tr-TR" sz="1600" dirty="0" smtClean="0">
-                <a:solidFill>
-                  <a:srgbClr val="002060"/>
-                </a:solidFill>
-                <a:cs typeface="Arial" panose="020B0604020202020204" pitchFamily="34" charset="0"/>
-              </a:rPr>
-              <a:t> </a:t>
-            </a:r>
-            <a:r>
-              <a:rPr lang="tr-TR" sz="1600" dirty="0" err="1" smtClean="0">
-                <a:solidFill>
-                  <a:srgbClr val="002060"/>
-                </a:solidFill>
-                <a:cs typeface="Arial" panose="020B0604020202020204" pitchFamily="34" charset="0"/>
-              </a:rPr>
-              <a:t>conventional</a:t>
-            </a:r>
-            <a:endParaRPr lang="tr-TR" sz="1600" dirty="0" smtClean="0">
+            <a:pPr marL="342900" indent="-342900">
+              <a:buFont typeface="Arial" panose="020B0604020202020204" pitchFamily="34" charset="0"/>
+              <a:buChar char="•"/>
+            </a:pPr>
+            <a:r>
+              <a:rPr lang="en-US" sz="2000" dirty="0">
+                <a:solidFill>
+                  <a:srgbClr val="002060"/>
+                </a:solidFill>
+                <a:cs typeface="Arial" panose="020B0604020202020204" pitchFamily="34" charset="0"/>
+              </a:rPr>
+              <a:t>This becomes of the utmost importance </a:t>
+            </a:r>
+            <a:r>
+              <a:rPr lang="en-US" sz="2000" b="1" dirty="0">
+                <a:solidFill>
+                  <a:srgbClr val="002060"/>
+                </a:solidFill>
+                <a:cs typeface="Arial" panose="020B0604020202020204" pitchFamily="34" charset="0"/>
+              </a:rPr>
+              <a:t>in safety critical applications</a:t>
+            </a:r>
+            <a:r>
+              <a:rPr lang="en-US" sz="2000" dirty="0">
+                <a:solidFill>
+                  <a:srgbClr val="002060"/>
+                </a:solidFill>
+                <a:cs typeface="Arial" panose="020B0604020202020204" pitchFamily="34" charset="0"/>
+              </a:rPr>
+              <a:t>, in which the failure of the system </a:t>
+            </a:r>
+            <a:r>
+              <a:rPr lang="en-US" sz="2000" b="1" dirty="0">
+                <a:solidFill>
+                  <a:srgbClr val="002060"/>
+                </a:solidFill>
+                <a:cs typeface="Arial" panose="020B0604020202020204" pitchFamily="34" charset="0"/>
+              </a:rPr>
+              <a:t>cannot be </a:t>
+            </a:r>
+            <a:r>
+              <a:rPr lang="en-US" sz="2000" b="1" dirty="0" smtClean="0">
+                <a:solidFill>
+                  <a:srgbClr val="002060"/>
+                </a:solidFill>
+                <a:cs typeface="Arial" panose="020B0604020202020204" pitchFamily="34" charset="0"/>
+              </a:rPr>
+              <a:t>tolerated</a:t>
+            </a:r>
+            <a:r>
+              <a:rPr lang="en-US" sz="2000" dirty="0" smtClean="0">
+                <a:solidFill>
+                  <a:srgbClr val="002060"/>
+                </a:solidFill>
+                <a:cs typeface="Arial" panose="020B0604020202020204" pitchFamily="34" charset="0"/>
+              </a:rPr>
+              <a:t>.</a:t>
+            </a:r>
+          </a:p>
+          <a:p>
+            <a:pPr marL="342900" indent="-342900">
+              <a:buFont typeface="Arial" panose="020B0604020202020204" pitchFamily="34" charset="0"/>
+              <a:buChar char="•"/>
+            </a:pPr>
+            <a:r>
+              <a:rPr lang="en-US" sz="2000" dirty="0" smtClean="0">
+                <a:solidFill>
+                  <a:srgbClr val="002060"/>
+                </a:solidFill>
+                <a:cs typeface="Arial" panose="020B0604020202020204" pitchFamily="34" charset="0"/>
+              </a:rPr>
+              <a:t>For </a:t>
+            </a:r>
+            <a:r>
+              <a:rPr lang="en-US" sz="2000" b="1" dirty="0">
+                <a:solidFill>
+                  <a:srgbClr val="002060"/>
+                </a:solidFill>
+                <a:cs typeface="Arial" panose="020B0604020202020204" pitchFamily="34" charset="0"/>
+              </a:rPr>
+              <a:t>non safety critical systems</a:t>
+            </a:r>
+            <a:r>
+              <a:rPr lang="en-US" sz="2000" dirty="0">
+                <a:solidFill>
+                  <a:srgbClr val="002060"/>
+                </a:solidFill>
+                <a:cs typeface="Arial" panose="020B0604020202020204" pitchFamily="34" charset="0"/>
+              </a:rPr>
+              <a:t>, such as those found in production industry, fault-tolerance can also bring benefits regarding </a:t>
+            </a:r>
+            <a:r>
+              <a:rPr lang="en-US" sz="2000" b="1" dirty="0">
+                <a:solidFill>
+                  <a:srgbClr val="002060"/>
+                </a:solidFill>
+                <a:cs typeface="Arial" panose="020B0604020202020204" pitchFamily="34" charset="0"/>
+              </a:rPr>
+              <a:t>increased running times and longer maintenance cycles</a:t>
+            </a:r>
+            <a:r>
+              <a:rPr lang="en-US" sz="2000" dirty="0" smtClean="0">
+                <a:solidFill>
+                  <a:srgbClr val="002060"/>
+                </a:solidFill>
+                <a:cs typeface="Arial" panose="020B0604020202020204" pitchFamily="34" charset="0"/>
+              </a:rPr>
+              <a:t>.</a:t>
+            </a:r>
+          </a:p>
+          <a:p>
+            <a:pPr marL="342900" indent="-342900">
+              <a:buFont typeface="Arial" panose="020B0604020202020204" pitchFamily="34" charset="0"/>
+              <a:buChar char="•"/>
+            </a:pPr>
+            <a:endParaRPr lang="en-US" sz="2000" dirty="0">
               <a:solidFill>
                 <a:srgbClr val="002060"/>
               </a:solidFill>
               <a:cs typeface="Arial" panose="020B0604020202020204" pitchFamily="34" charset="0"/>
             </a:endParaRPr>
           </a:p>
-        </p:txBody>
-      </p:sp>
-      <p:sp>
-        <p:nvSpPr>
-          <p:cNvPr id="7" name="Rectangle 6"/>
-          <p:cNvSpPr/>
-          <p:nvPr/>
-        </p:nvSpPr>
-        <p:spPr>
-          <a:xfrm>
-            <a:off x="2556921" y="851260"/>
-            <a:ext cx="2984188" cy="338554"/>
-          </a:xfrm>
-          <a:prstGeom prst="rect">
-            <a:avLst/>
-          </a:prstGeom>
-        </p:spPr>
-        <p:txBody>
-          <a:bodyPr wrap="square">
-            <a:spAutoFit/>
-          </a:bodyPr>
-          <a:lstStyle/>
-          <a:p>
-            <a:r>
-              <a:rPr lang="tr-TR" sz="1600" dirty="0" err="1" smtClean="0">
-                <a:solidFill>
-                  <a:srgbClr val="FF0000"/>
-                </a:solidFill>
-                <a:cs typeface="Arial" panose="020B0604020202020204" pitchFamily="34" charset="0"/>
-              </a:rPr>
-              <a:t>Redundant</a:t>
-            </a:r>
-            <a:r>
-              <a:rPr lang="tr-TR" sz="1600" dirty="0" smtClean="0">
-                <a:solidFill>
-                  <a:srgbClr val="FF0000"/>
-                </a:solidFill>
-                <a:cs typeface="Arial" panose="020B0604020202020204" pitchFamily="34" charset="0"/>
-              </a:rPr>
-              <a:t> </a:t>
-            </a:r>
-            <a:r>
-              <a:rPr lang="tr-TR" sz="1600" dirty="0" err="1" smtClean="0">
-                <a:solidFill>
-                  <a:srgbClr val="FF0000"/>
-                </a:solidFill>
-                <a:cs typeface="Arial" panose="020B0604020202020204" pitchFamily="34" charset="0"/>
-              </a:rPr>
-              <a:t>bridge</a:t>
-            </a:r>
-            <a:r>
-              <a:rPr lang="tr-TR" sz="1600" dirty="0" smtClean="0">
-                <a:solidFill>
-                  <a:srgbClr val="FF0000"/>
-                </a:solidFill>
-                <a:cs typeface="Arial" panose="020B0604020202020204" pitchFamily="34" charset="0"/>
-              </a:rPr>
-              <a:t> </a:t>
-            </a:r>
-            <a:r>
-              <a:rPr lang="tr-TR" sz="1600" dirty="0" err="1" smtClean="0">
-                <a:solidFill>
-                  <a:srgbClr val="FF0000"/>
-                </a:solidFill>
-                <a:cs typeface="Arial" panose="020B0604020202020204" pitchFamily="34" charset="0"/>
-              </a:rPr>
-              <a:t>arm</a:t>
-            </a:r>
-            <a:endParaRPr lang="tr-TR" sz="1600" dirty="0" smtClean="0">
+          <a:p>
+            <a:pPr marL="342900" indent="-342900">
+              <a:buFont typeface="Arial" panose="020B0604020202020204" pitchFamily="34" charset="0"/>
+              <a:buChar char="•"/>
+            </a:pPr>
+            <a:endParaRPr lang="en-US" sz="2000" dirty="0" smtClean="0">
               <a:solidFill>
-                <a:srgbClr val="FF0000"/>
+                <a:srgbClr val="002060"/>
               </a:solidFill>
               <a:cs typeface="Arial" panose="020B0604020202020204" pitchFamily="34" charset="0"/>
             </a:endParaRPr>
           </a:p>
         </p:txBody>
       </p:sp>
-      <p:cxnSp>
-        <p:nvCxnSpPr>
-          <p:cNvPr id="5" name="Straight Arrow Connector 4"/>
-          <p:cNvCxnSpPr/>
-          <p:nvPr/>
-        </p:nvCxnSpPr>
-        <p:spPr>
-          <a:xfrm>
-            <a:off x="3970094" y="1286780"/>
-            <a:ext cx="157841" cy="499364"/>
-          </a:xfrm>
-          <a:prstGeom prst="straightConnector1">
-            <a:avLst/>
-          </a:prstGeom>
-          <a:ln w="28575">
-            <a:solidFill>
-              <a:srgbClr val="FF0000"/>
-            </a:solidFill>
-            <a:tailEnd type="triangle"/>
-          </a:ln>
-        </p:spPr>
-        <p:style>
-          <a:lnRef idx="1">
-            <a:schemeClr val="accent1"/>
-          </a:lnRef>
-          <a:fillRef idx="0">
-            <a:schemeClr val="accent1"/>
-          </a:fillRef>
-          <a:effectRef idx="0">
-            <a:schemeClr val="accent1"/>
-          </a:effectRef>
-          <a:fontRef idx="minor">
-            <a:schemeClr val="tx1"/>
-          </a:fontRef>
-        </p:style>
-      </p:cxnSp>
-      <p:sp>
-        <p:nvSpPr>
-          <p:cNvPr id="10" name="Rectangle 9"/>
-          <p:cNvSpPr/>
-          <p:nvPr/>
-        </p:nvSpPr>
-        <p:spPr>
-          <a:xfrm>
-            <a:off x="346840" y="6350170"/>
-            <a:ext cx="2984188" cy="338554"/>
-          </a:xfrm>
-          <a:prstGeom prst="rect">
-            <a:avLst/>
-          </a:prstGeom>
-        </p:spPr>
-        <p:txBody>
-          <a:bodyPr wrap="square">
-            <a:spAutoFit/>
-          </a:bodyPr>
-          <a:lstStyle/>
-          <a:p>
-            <a:r>
-              <a:rPr lang="tr-TR" sz="1600" dirty="0" smtClean="0">
-                <a:solidFill>
-                  <a:srgbClr val="FF0000"/>
-                </a:solidFill>
-                <a:cs typeface="Arial" panose="020B0604020202020204" pitchFamily="34" charset="0"/>
-              </a:rPr>
-              <a:t>Solution </a:t>
-            </a:r>
-            <a:r>
-              <a:rPr lang="tr-TR" sz="1600" dirty="0" err="1" smtClean="0">
-                <a:solidFill>
-                  <a:srgbClr val="FF0000"/>
-                </a:solidFill>
-                <a:cs typeface="Arial" panose="020B0604020202020204" pitchFamily="34" charset="0"/>
-              </a:rPr>
-              <a:t>with</a:t>
-            </a:r>
-            <a:r>
-              <a:rPr lang="tr-TR" sz="1600" dirty="0" smtClean="0">
-                <a:solidFill>
-                  <a:srgbClr val="FF0000"/>
-                </a:solidFill>
-                <a:cs typeface="Arial" panose="020B0604020202020204" pitchFamily="34" charset="0"/>
-              </a:rPr>
-              <a:t> </a:t>
-            </a:r>
-            <a:r>
-              <a:rPr lang="tr-TR" sz="1600" dirty="0" err="1" smtClean="0">
-                <a:solidFill>
-                  <a:srgbClr val="FF0000"/>
-                </a:solidFill>
-                <a:cs typeface="Arial" panose="020B0604020202020204" pitchFamily="34" charset="0"/>
-              </a:rPr>
-              <a:t>less</a:t>
-            </a:r>
-            <a:r>
-              <a:rPr lang="tr-TR" sz="1600" dirty="0" smtClean="0">
-                <a:solidFill>
-                  <a:srgbClr val="FF0000"/>
-                </a:solidFill>
-                <a:cs typeface="Arial" panose="020B0604020202020204" pitchFamily="34" charset="0"/>
-              </a:rPr>
-              <a:t> </a:t>
-            </a:r>
-            <a:r>
-              <a:rPr lang="tr-TR" sz="1600" dirty="0" err="1" smtClean="0">
-                <a:solidFill>
-                  <a:srgbClr val="FF0000"/>
-                </a:solidFill>
-                <a:cs typeface="Arial" panose="020B0604020202020204" pitchFamily="34" charset="0"/>
-              </a:rPr>
-              <a:t>switch</a:t>
-            </a:r>
-            <a:r>
-              <a:rPr lang="tr-TR" sz="1600" dirty="0" smtClean="0">
-                <a:solidFill>
-                  <a:srgbClr val="FF0000"/>
-                </a:solidFill>
-                <a:cs typeface="Arial" panose="020B0604020202020204" pitchFamily="34" charset="0"/>
-              </a:rPr>
-              <a:t> </a:t>
-            </a:r>
-            <a:r>
-              <a:rPr lang="tr-TR" sz="1600" dirty="0" err="1" smtClean="0">
-                <a:solidFill>
-                  <a:srgbClr val="FF0000"/>
-                </a:solidFill>
-                <a:cs typeface="Arial" panose="020B0604020202020204" pitchFamily="34" charset="0"/>
-              </a:rPr>
-              <a:t>number</a:t>
-            </a:r>
-            <a:endParaRPr lang="tr-TR" sz="1600" dirty="0" smtClean="0">
-              <a:solidFill>
-                <a:srgbClr val="FF0000"/>
-              </a:solidFill>
-              <a:cs typeface="Arial" panose="020B0604020202020204" pitchFamily="34" charset="0"/>
-            </a:endParaRPr>
-          </a:p>
-        </p:txBody>
-      </p:sp>
-      <p:sp>
-        <p:nvSpPr>
-          <p:cNvPr id="11" name="Rectangle 10"/>
-          <p:cNvSpPr/>
-          <p:nvPr/>
-        </p:nvSpPr>
-        <p:spPr>
-          <a:xfrm>
-            <a:off x="346840" y="3451195"/>
-            <a:ext cx="2984188" cy="338554"/>
-          </a:xfrm>
-          <a:prstGeom prst="rect">
-            <a:avLst/>
-          </a:prstGeom>
-        </p:spPr>
-        <p:txBody>
-          <a:bodyPr wrap="square">
-            <a:spAutoFit/>
-          </a:bodyPr>
-          <a:lstStyle/>
-          <a:p>
-            <a:r>
-              <a:rPr lang="tr-TR" sz="1600" dirty="0" err="1" smtClean="0">
-                <a:solidFill>
-                  <a:srgbClr val="FF0000"/>
-                </a:solidFill>
-                <a:cs typeface="Arial" panose="020B0604020202020204" pitchFamily="34" charset="0"/>
-              </a:rPr>
-              <a:t>Conventional</a:t>
-            </a:r>
-            <a:endParaRPr lang="tr-TR" sz="1600" dirty="0" smtClean="0">
-              <a:solidFill>
-                <a:srgbClr val="FF0000"/>
-              </a:solidFill>
-              <a:cs typeface="Arial" panose="020B0604020202020204" pitchFamily="34" charset="0"/>
-            </a:endParaRPr>
-          </a:p>
-        </p:txBody>
-      </p:sp>
-      <p:cxnSp>
-        <p:nvCxnSpPr>
-          <p:cNvPr id="12" name="Straight Arrow Connector 11"/>
-          <p:cNvCxnSpPr/>
-          <p:nvPr/>
-        </p:nvCxnSpPr>
-        <p:spPr>
-          <a:xfrm flipV="1">
-            <a:off x="5730858" y="3943350"/>
-            <a:ext cx="355474" cy="312509"/>
-          </a:xfrm>
-          <a:prstGeom prst="straightConnector1">
-            <a:avLst/>
-          </a:prstGeom>
-          <a:ln w="28575">
-            <a:solidFill>
-              <a:srgbClr val="FF0000"/>
-            </a:solidFill>
-            <a:tailEnd type="triangle"/>
-          </a:ln>
-        </p:spPr>
-        <p:style>
-          <a:lnRef idx="1">
-            <a:schemeClr val="accent1"/>
-          </a:lnRef>
-          <a:fillRef idx="0">
-            <a:schemeClr val="accent1"/>
-          </a:fillRef>
-          <a:effectRef idx="0">
-            <a:schemeClr val="accent1"/>
-          </a:effectRef>
-          <a:fontRef idx="minor">
-            <a:schemeClr val="tx1"/>
-          </a:fontRef>
-        </p:style>
-      </p:cxnSp>
-      <p:sp>
-        <p:nvSpPr>
-          <p:cNvPr id="13" name="Rectangle 12"/>
-          <p:cNvSpPr/>
-          <p:nvPr/>
-        </p:nvSpPr>
-        <p:spPr>
-          <a:xfrm>
-            <a:off x="7261068" y="4241890"/>
-            <a:ext cx="1882932" cy="2554545"/>
-          </a:xfrm>
-          <a:prstGeom prst="rect">
-            <a:avLst/>
-          </a:prstGeom>
-        </p:spPr>
-        <p:txBody>
-          <a:bodyPr wrap="square">
-            <a:spAutoFit/>
-          </a:bodyPr>
-          <a:lstStyle/>
-          <a:p>
-            <a:r>
-              <a:rPr lang="tr-TR" sz="1600" dirty="0" smtClean="0">
-                <a:solidFill>
-                  <a:srgbClr val="002060"/>
-                </a:solidFill>
-              </a:rPr>
-              <a:t>A</a:t>
-            </a:r>
-            <a:r>
-              <a:rPr lang="en-US" sz="1600" dirty="0" smtClean="0">
-                <a:solidFill>
-                  <a:srgbClr val="002060"/>
-                </a:solidFill>
-              </a:rPr>
-              <a:t> </a:t>
-            </a:r>
-            <a:r>
-              <a:rPr lang="en-US" sz="1600" dirty="0">
-                <a:solidFill>
-                  <a:srgbClr val="002060"/>
-                </a:solidFill>
-              </a:rPr>
-              <a:t>phase can be completely short circuited to limit the short circuit current in case of a turn to turn short circuit fault, while it is still possible to control the two remaining phases.</a:t>
-            </a:r>
-          </a:p>
-        </p:txBody>
-      </p:sp>
     </p:spTree>
     <p:extLst>
       <p:ext uri="{BB962C8B-B14F-4D97-AF65-F5344CB8AC3E}">
-        <p14:creationId xmlns:p14="http://schemas.microsoft.com/office/powerpoint/2010/main" val="741087433"/>
+        <p14:creationId xmlns:p14="http://schemas.microsoft.com/office/powerpoint/2010/main" val="1969396199"/>
       </p:ext>
     </p:extLst>
   </p:cSld>
@@ -5049,7 +5209,7 @@
 </p:sld>
 </file>
 
-<file path=ppt/slides/slide3.xml><?xml version="1.0" encoding="utf-8"?>
+<file path=ppt/slides/slide11.xml><?xml version="1.0" encoding="utf-8"?>
 <p:sld xmlns:a="http://schemas.openxmlformats.org/drawingml/2006/main" xmlns:r="http://schemas.openxmlformats.org/officeDocument/2006/relationships" xmlns:p="http://schemas.openxmlformats.org/presentationml/2006/main">
   <p:cSld>
     <p:spTree>
@@ -5305,12 +5465,6 @@
               </a:rPr>
               <a:t> </a:t>
             </a:r>
-            <a:endParaRPr lang="tr-TR" sz="1600" dirty="0" smtClean="0">
-              <a:solidFill>
-                <a:srgbClr val="002060"/>
-              </a:solidFill>
-              <a:cs typeface="Arial" panose="020B0604020202020204" pitchFamily="34" charset="0"/>
-            </a:endParaRPr>
           </a:p>
         </p:txBody>
       </p:sp>
@@ -5492,12 +5646,6 @@
               </a:rPr>
               <a:t> </a:t>
             </a:r>
-            <a:endParaRPr lang="tr-TR" sz="1600" dirty="0" smtClean="0">
-              <a:solidFill>
-                <a:srgbClr val="002060"/>
-              </a:solidFill>
-              <a:cs typeface="Arial" panose="020B0604020202020204" pitchFamily="34" charset="0"/>
-            </a:endParaRPr>
           </a:p>
         </p:txBody>
       </p:sp>
@@ -5541,12 +5689,6 @@
               </a:rPr>
               <a:t> ?</a:t>
             </a:r>
-            <a:endParaRPr lang="tr-TR" sz="1600" dirty="0" smtClean="0">
-              <a:solidFill>
-                <a:srgbClr val="FF0000"/>
-              </a:solidFill>
-              <a:cs typeface="Arial" panose="020B0604020202020204" pitchFamily="34" charset="0"/>
-            </a:endParaRPr>
           </a:p>
         </p:txBody>
       </p:sp>
@@ -6063,12 +6205,6 @@
               </a:rPr>
               <a:t>?</a:t>
             </a:r>
-            <a:endParaRPr lang="tr-TR" sz="1600" dirty="0" smtClean="0">
-              <a:solidFill>
-                <a:srgbClr val="002060"/>
-              </a:solidFill>
-              <a:cs typeface="Arial" panose="020B0604020202020204" pitchFamily="34" charset="0"/>
-            </a:endParaRPr>
           </a:p>
         </p:txBody>
       </p:sp>
@@ -6092,7 +6228,7 @@
 </p:sld>
 </file>
 
-<file path=ppt/slides/slide4.xml><?xml version="1.0" encoding="utf-8"?>
+<file path=ppt/slides/slide12.xml><?xml version="1.0" encoding="utf-8"?>
 <p:sld xmlns:a="http://schemas.openxmlformats.org/drawingml/2006/main" xmlns:r="http://schemas.openxmlformats.org/officeDocument/2006/relationships" xmlns:p="http://schemas.openxmlformats.org/presentationml/2006/main">
   <p:cSld>
     <p:spTree>
@@ -6243,12 +6379,6 @@
               </a:rPr>
               <a:t> here !</a:t>
             </a:r>
-            <a:endParaRPr lang="tr-TR" sz="1600" dirty="0" smtClean="0">
-              <a:solidFill>
-                <a:srgbClr val="FF0000"/>
-              </a:solidFill>
-              <a:cs typeface="Arial" panose="020B0604020202020204" pitchFamily="34" charset="0"/>
-            </a:endParaRPr>
           </a:p>
         </p:txBody>
       </p:sp>
@@ -6332,7 +6462,7 @@
 </p:sld>
 </file>
 
-<file path=ppt/slides/slide5.xml><?xml version="1.0" encoding="utf-8"?>
+<file path=ppt/slides/slide13.xml><?xml version="1.0" encoding="utf-8"?>
 <p:sld xmlns:a="http://schemas.openxmlformats.org/drawingml/2006/main" xmlns:r="http://schemas.openxmlformats.org/officeDocument/2006/relationships" xmlns:p="http://schemas.openxmlformats.org/presentationml/2006/main">
   <p:cSld>
     <p:spTree>
@@ -7023,7 +7153,7 @@
 </p:sld>
 </file>
 
-<file path=ppt/slides/slide6.xml><?xml version="1.0" encoding="utf-8"?>
+<file path=ppt/slides/slide14.xml><?xml version="1.0" encoding="utf-8"?>
 <p:sld xmlns:a="http://schemas.openxmlformats.org/drawingml/2006/main" xmlns:r="http://schemas.openxmlformats.org/officeDocument/2006/relationships" xmlns:p="http://schemas.openxmlformats.org/presentationml/2006/main">
   <p:cSld>
     <p:spTree>
@@ -7204,12 +7334,6 @@
               </a:rPr>
               <a:t>60A GaN bölgesi</a:t>
             </a:r>
-            <a:endParaRPr lang="tr-TR" sz="1600" dirty="0" smtClean="0">
-              <a:solidFill>
-                <a:srgbClr val="FF0000"/>
-              </a:solidFill>
-              <a:cs typeface="Arial" panose="020B0604020202020204" pitchFamily="34" charset="0"/>
-            </a:endParaRPr>
           </a:p>
         </p:txBody>
       </p:sp>
@@ -7243,12 +7367,6 @@
               </a:rPr>
               <a:t>30A GaN bölgesi</a:t>
             </a:r>
-            <a:endParaRPr lang="tr-TR" sz="1600" dirty="0" smtClean="0">
-              <a:solidFill>
-                <a:srgbClr val="FF0000"/>
-              </a:solidFill>
-              <a:cs typeface="Arial" panose="020B0604020202020204" pitchFamily="34" charset="0"/>
-            </a:endParaRPr>
           </a:p>
         </p:txBody>
       </p:sp>
@@ -7433,9 +7551,6 @@
               </a:rPr>
               <a:t>60 Amperlik GaN kullansam hep, ne olur?</a:t>
             </a:r>
-            <a:endParaRPr lang="tr-TR" sz="1600" dirty="0" smtClean="0">
-              <a:cs typeface="Arial" panose="020B0604020202020204" pitchFamily="34" charset="0"/>
-            </a:endParaRPr>
           </a:p>
         </p:txBody>
       </p:sp>
@@ -7493,12 +7608,6 @@
               </a:rPr>
               <a:t>60A GaN bölgesi</a:t>
             </a:r>
-            <a:endParaRPr lang="tr-TR" sz="1600" dirty="0" smtClean="0">
-              <a:solidFill>
-                <a:srgbClr val="FF0000"/>
-              </a:solidFill>
-              <a:cs typeface="Arial" panose="020B0604020202020204" pitchFamily="34" charset="0"/>
-            </a:endParaRPr>
           </a:p>
         </p:txBody>
       </p:sp>
@@ -7532,12 +7641,6 @@
               </a:rPr>
               <a:t>30A GaN bölgesi</a:t>
             </a:r>
-            <a:endParaRPr lang="tr-TR" sz="1600" dirty="0" smtClean="0">
-              <a:solidFill>
-                <a:srgbClr val="FF0000"/>
-              </a:solidFill>
-              <a:cs typeface="Arial" panose="020B0604020202020204" pitchFamily="34" charset="0"/>
-            </a:endParaRPr>
           </a:p>
         </p:txBody>
       </p:sp>
@@ -7633,7 +7736,7 @@
 </p:sld>
 </file>
 
-<file path=ppt/slides/slide7.xml><?xml version="1.0" encoding="utf-8"?>
+<file path=ppt/slides/slide15.xml><?xml version="1.0" encoding="utf-8"?>
 <p:sld xmlns:a="http://schemas.openxmlformats.org/drawingml/2006/main" xmlns:r="http://schemas.openxmlformats.org/officeDocument/2006/relationships" xmlns:p="http://schemas.openxmlformats.org/presentationml/2006/main">
   <p:cSld>
     <p:spTree>
@@ -7841,9 +7944,6 @@
               </a:rPr>
               <a:t>: 2 </a:t>
             </a:r>
-            <a:endParaRPr lang="tr-TR" sz="1600" b="1" dirty="0" smtClean="0">
-              <a:cs typeface="Arial" panose="020B0604020202020204" pitchFamily="34" charset="0"/>
-            </a:endParaRPr>
           </a:p>
         </p:txBody>
       </p:sp>
@@ -7880,9 +7980,6 @@
               </a:rPr>
               <a:t>: 1.2</a:t>
             </a:r>
-            <a:endParaRPr lang="tr-TR" sz="1600" b="1" dirty="0" smtClean="0">
-              <a:cs typeface="Arial" panose="020B0604020202020204" pitchFamily="34" charset="0"/>
-            </a:endParaRPr>
           </a:p>
         </p:txBody>
       </p:sp>
@@ -7916,12 +8013,6 @@
               </a:rPr>
               <a:t>60A GaN bölgesi</a:t>
             </a:r>
-            <a:endParaRPr lang="tr-TR" sz="1600" dirty="0" smtClean="0">
-              <a:solidFill>
-                <a:srgbClr val="FF0000"/>
-              </a:solidFill>
-              <a:cs typeface="Arial" panose="020B0604020202020204" pitchFamily="34" charset="0"/>
-            </a:endParaRPr>
           </a:p>
         </p:txBody>
       </p:sp>
@@ -7955,12 +8046,6 @@
               </a:rPr>
               <a:t>30A GaN bölgesi</a:t>
             </a:r>
-            <a:endParaRPr lang="tr-TR" sz="1600" dirty="0" smtClean="0">
-              <a:solidFill>
-                <a:srgbClr val="FF0000"/>
-              </a:solidFill>
-              <a:cs typeface="Arial" panose="020B0604020202020204" pitchFamily="34" charset="0"/>
-            </a:endParaRPr>
           </a:p>
         </p:txBody>
       </p:sp>
@@ -8068,12 +8153,6 @@
               </a:rPr>
               <a:t>60A GaN bölgesi</a:t>
             </a:r>
-            <a:endParaRPr lang="tr-TR" sz="1600" dirty="0" smtClean="0">
-              <a:solidFill>
-                <a:srgbClr val="FF0000"/>
-              </a:solidFill>
-              <a:cs typeface="Arial" panose="020B0604020202020204" pitchFamily="34" charset="0"/>
-            </a:endParaRPr>
           </a:p>
         </p:txBody>
       </p:sp>
@@ -8107,12 +8186,6 @@
               </a:rPr>
               <a:t>30A GaN bölgesi</a:t>
             </a:r>
-            <a:endParaRPr lang="tr-TR" sz="1600" dirty="0" smtClean="0">
-              <a:solidFill>
-                <a:srgbClr val="FF0000"/>
-              </a:solidFill>
-              <a:cs typeface="Arial" panose="020B0604020202020204" pitchFamily="34" charset="0"/>
-            </a:endParaRPr>
           </a:p>
         </p:txBody>
       </p:sp>
@@ -8232,7 +8305,7 @@
 </p:sld>
 </file>
 
-<file path=ppt/slides/slide8.xml><?xml version="1.0" encoding="utf-8"?>
+<file path=ppt/slides/slide16.xml><?xml version="1.0" encoding="utf-8"?>
 <p:sld xmlns:a="http://schemas.openxmlformats.org/drawingml/2006/main" xmlns:r="http://schemas.openxmlformats.org/officeDocument/2006/relationships" xmlns:p="http://schemas.openxmlformats.org/presentationml/2006/main">
   <p:cSld>
     <p:spTree>
@@ -8455,12 +8528,6 @@
               </a:rPr>
               <a:t> hesaplayabilmeliyiz !</a:t>
             </a:r>
-            <a:endParaRPr lang="tr-TR" sz="1600" dirty="0" smtClean="0">
-              <a:solidFill>
-                <a:srgbClr val="FF0000"/>
-              </a:solidFill>
-              <a:cs typeface="Arial" panose="020B0604020202020204" pitchFamily="34" charset="0"/>
-            </a:endParaRPr>
           </a:p>
         </p:txBody>
       </p:sp>
@@ -8484,7 +8551,7 @@
 </p:sld>
 </file>
 
-<file path=ppt/slides/slide9.xml><?xml version="1.0" encoding="utf-8"?>
+<file path=ppt/slides/slide17.xml><?xml version="1.0" encoding="utf-8"?>
 <p:sld xmlns:a="http://schemas.openxmlformats.org/drawingml/2006/main" xmlns:r="http://schemas.openxmlformats.org/officeDocument/2006/relationships" xmlns:p="http://schemas.openxmlformats.org/presentationml/2006/main">
   <p:cSld>
     <p:spTree>
@@ -9250,6 +9317,3583 @@
     <p:extLst>
       <p:ext uri="{BB962C8B-B14F-4D97-AF65-F5344CB8AC3E}">
         <p14:creationId xmlns:p14="http://schemas.microsoft.com/office/powerpoint/2010/main" val="1476606950"/>
+      </p:ext>
+    </p:extLst>
+  </p:cSld>
+  <p:clrMapOvr>
+    <a:masterClrMapping/>
+  </p:clrMapOvr>
+  <p:timing>
+    <p:tnLst>
+      <p:par>
+        <p:cTn id="1" dur="indefinite" restart="never" nodeType="tmRoot"/>
+      </p:par>
+    </p:tnLst>
+  </p:timing>
+</p:sld>
+</file>
+
+<file path=ppt/slides/slide2.xml><?xml version="1.0" encoding="utf-8"?>
+<p:sld xmlns:a="http://schemas.openxmlformats.org/drawingml/2006/main" xmlns:r="http://schemas.openxmlformats.org/officeDocument/2006/relationships" xmlns:p="http://schemas.openxmlformats.org/presentationml/2006/main">
+  <p:cSld>
+    <p:spTree>
+      <p:nvGrpSpPr>
+        <p:cNvPr id="1" name=""/>
+        <p:cNvGrpSpPr/>
+        <p:nvPr/>
+      </p:nvGrpSpPr>
+      <p:grpSpPr>
+        <a:xfrm>
+          <a:off x="0" y="0"/>
+          <a:ext cx="0" cy="0"/>
+          <a:chOff x="0" y="0"/>
+          <a:chExt cx="0" cy="0"/>
+        </a:xfrm>
+      </p:grpSpPr>
+      <p:pic>
+        <p:nvPicPr>
+          <p:cNvPr id="2" name="Picture 1"/>
+          <p:cNvPicPr>
+            <a:picLocks noChangeAspect="1"/>
+          </p:cNvPicPr>
+          <p:nvPr/>
+        </p:nvPicPr>
+        <p:blipFill>
+          <a:blip r:embed="rId3"/>
+          <a:stretch>
+            <a:fillRect/>
+          </a:stretch>
+        </p:blipFill>
+        <p:spPr>
+          <a:xfrm>
+            <a:off x="0" y="1020537"/>
+            <a:ext cx="7475055" cy="5429250"/>
+          </a:xfrm>
+          <a:prstGeom prst="rect">
+            <a:avLst/>
+          </a:prstGeom>
+        </p:spPr>
+      </p:pic>
+      <p:sp>
+        <p:nvSpPr>
+          <p:cNvPr id="8" name="Rectangle 7"/>
+          <p:cNvSpPr/>
+          <p:nvPr/>
+        </p:nvSpPr>
+        <p:spPr>
+          <a:xfrm>
+            <a:off x="478970" y="150669"/>
+            <a:ext cx="8207829" cy="523220"/>
+          </a:xfrm>
+          <a:prstGeom prst="rect">
+            <a:avLst/>
+          </a:prstGeom>
+        </p:spPr>
+        <p:txBody>
+          <a:bodyPr wrap="square">
+            <a:spAutoFit/>
+          </a:bodyPr>
+          <a:lstStyle/>
+          <a:p>
+            <a:pPr algn="ctr"/>
+            <a:r>
+              <a:rPr lang="tr-TR" sz="2800" b="1" dirty="0" err="1" smtClean="0">
+                <a:solidFill>
+                  <a:schemeClr val="accent1">
+                    <a:lumMod val="50000"/>
+                  </a:schemeClr>
+                </a:solidFill>
+                <a:cs typeface="Arial" panose="020B0604020202020204" pitchFamily="34" charset="0"/>
+              </a:rPr>
+              <a:t>Fault</a:t>
+            </a:r>
+            <a:r>
+              <a:rPr lang="tr-TR" sz="2800" b="1" dirty="0" smtClean="0">
+                <a:solidFill>
+                  <a:schemeClr val="accent1">
+                    <a:lumMod val="50000"/>
+                  </a:schemeClr>
+                </a:solidFill>
+                <a:cs typeface="Arial" panose="020B0604020202020204" pitchFamily="34" charset="0"/>
+              </a:rPr>
+              <a:t> </a:t>
+            </a:r>
+            <a:r>
+              <a:rPr lang="tr-TR" sz="2800" b="1" dirty="0" err="1" smtClean="0">
+                <a:solidFill>
+                  <a:schemeClr val="accent1">
+                    <a:lumMod val="50000"/>
+                  </a:schemeClr>
+                </a:solidFill>
+                <a:cs typeface="Arial" panose="020B0604020202020204" pitchFamily="34" charset="0"/>
+              </a:rPr>
+              <a:t>Tolerant</a:t>
+            </a:r>
+            <a:r>
+              <a:rPr lang="tr-TR" sz="2800" b="1" dirty="0" smtClean="0">
+                <a:solidFill>
+                  <a:schemeClr val="accent1">
+                    <a:lumMod val="50000"/>
+                  </a:schemeClr>
+                </a:solidFill>
+                <a:cs typeface="Arial" panose="020B0604020202020204" pitchFamily="34" charset="0"/>
+              </a:rPr>
+              <a:t> </a:t>
+            </a:r>
+            <a:r>
+              <a:rPr lang="tr-TR" sz="2800" b="1" dirty="0" err="1" smtClean="0">
+                <a:solidFill>
+                  <a:schemeClr val="accent1">
+                    <a:lumMod val="50000"/>
+                  </a:schemeClr>
+                </a:solidFill>
+                <a:cs typeface="Arial" panose="020B0604020202020204" pitchFamily="34" charset="0"/>
+              </a:rPr>
+              <a:t>topologies</a:t>
+            </a:r>
+            <a:r>
+              <a:rPr lang="tr-TR" sz="2800" b="1" dirty="0" smtClean="0">
+                <a:solidFill>
+                  <a:schemeClr val="accent1">
+                    <a:lumMod val="50000"/>
+                  </a:schemeClr>
+                </a:solidFill>
+                <a:cs typeface="Arial" panose="020B0604020202020204" pitchFamily="34" charset="0"/>
+              </a:rPr>
+              <a:t> </a:t>
+            </a:r>
+            <a:r>
+              <a:rPr lang="tr-TR" sz="2800" b="1" dirty="0" err="1" smtClean="0">
+                <a:solidFill>
+                  <a:schemeClr val="accent1">
+                    <a:lumMod val="50000"/>
+                  </a:schemeClr>
+                </a:solidFill>
+                <a:cs typeface="Arial" panose="020B0604020202020204" pitchFamily="34" charset="0"/>
+              </a:rPr>
+              <a:t>for</a:t>
+            </a:r>
+            <a:r>
+              <a:rPr lang="tr-TR" sz="2800" b="1" dirty="0" smtClean="0">
+                <a:solidFill>
+                  <a:schemeClr val="accent1">
+                    <a:lumMod val="50000"/>
+                  </a:schemeClr>
+                </a:solidFill>
+                <a:cs typeface="Arial" panose="020B0604020202020204" pitchFamily="34" charset="0"/>
+              </a:rPr>
+              <a:t> 3-phase </a:t>
+            </a:r>
+            <a:r>
+              <a:rPr lang="tr-TR" sz="2800" b="1" dirty="0" err="1" smtClean="0">
+                <a:solidFill>
+                  <a:schemeClr val="accent1">
+                    <a:lumMod val="50000"/>
+                  </a:schemeClr>
+                </a:solidFill>
+                <a:cs typeface="Arial" panose="020B0604020202020204" pitchFamily="34" charset="0"/>
+              </a:rPr>
+              <a:t>drives</a:t>
+            </a:r>
+            <a:endParaRPr lang="en-US" sz="2800" dirty="0">
+              <a:solidFill>
+                <a:schemeClr val="accent1">
+                  <a:lumMod val="50000"/>
+                </a:schemeClr>
+              </a:solidFill>
+              <a:cs typeface="Arial" panose="020B0604020202020204" pitchFamily="34" charset="0"/>
+            </a:endParaRPr>
+          </a:p>
+        </p:txBody>
+      </p:sp>
+      <p:sp>
+        <p:nvSpPr>
+          <p:cNvPr id="9" name="Rectangle 8"/>
+          <p:cNvSpPr/>
+          <p:nvPr/>
+        </p:nvSpPr>
+        <p:spPr>
+          <a:xfrm>
+            <a:off x="6086332" y="3081863"/>
+            <a:ext cx="3057668" cy="1077218"/>
+          </a:xfrm>
+          <a:prstGeom prst="rect">
+            <a:avLst/>
+          </a:prstGeom>
+        </p:spPr>
+        <p:txBody>
+          <a:bodyPr wrap="square">
+            <a:spAutoFit/>
+          </a:bodyPr>
+          <a:lstStyle/>
+          <a:p>
+            <a:r>
+              <a:rPr lang="tr-TR" sz="1600" dirty="0">
+                <a:solidFill>
+                  <a:srgbClr val="002060"/>
+                </a:solidFill>
+                <a:cs typeface="Arial" panose="020B0604020202020204" pitchFamily="34" charset="0"/>
+              </a:rPr>
+              <a:t>T</a:t>
+            </a:r>
+            <a:r>
+              <a:rPr lang="en-US" sz="1600" dirty="0" smtClean="0">
+                <a:solidFill>
+                  <a:srgbClr val="002060"/>
+                </a:solidFill>
+                <a:cs typeface="Arial" panose="020B0604020202020204" pitchFamily="34" charset="0"/>
+              </a:rPr>
+              <a:t>he </a:t>
+            </a:r>
+            <a:r>
+              <a:rPr lang="en-US" sz="1600" dirty="0">
+                <a:solidFill>
+                  <a:srgbClr val="002060"/>
+                </a:solidFill>
+                <a:cs typeface="Arial" panose="020B0604020202020204" pitchFamily="34" charset="0"/>
+              </a:rPr>
+              <a:t>product of </a:t>
+            </a:r>
+            <a:r>
+              <a:rPr lang="en-US" sz="1600" dirty="0" smtClean="0">
+                <a:solidFill>
+                  <a:srgbClr val="002060"/>
+                </a:solidFill>
+                <a:cs typeface="Arial" panose="020B0604020202020204" pitchFamily="34" charset="0"/>
+              </a:rPr>
+              <a:t>the </a:t>
+            </a:r>
+            <a:r>
+              <a:rPr lang="en-US" sz="1600" dirty="0">
+                <a:solidFill>
+                  <a:srgbClr val="002060"/>
+                </a:solidFill>
+                <a:cs typeface="Arial" panose="020B0604020202020204" pitchFamily="34" charset="0"/>
+              </a:rPr>
+              <a:t>number </a:t>
+            </a:r>
+            <a:r>
+              <a:rPr lang="en-US" sz="1600" dirty="0" smtClean="0">
+                <a:solidFill>
+                  <a:srgbClr val="002060"/>
+                </a:solidFill>
+                <a:cs typeface="Arial" panose="020B0604020202020204" pitchFamily="34" charset="0"/>
+              </a:rPr>
+              <a:t>of</a:t>
+            </a:r>
+            <a:r>
+              <a:rPr lang="tr-TR" sz="1600" dirty="0" smtClean="0">
+                <a:solidFill>
+                  <a:srgbClr val="002060"/>
+                </a:solidFill>
+                <a:cs typeface="Arial" panose="020B0604020202020204" pitchFamily="34" charset="0"/>
+              </a:rPr>
+              <a:t> </a:t>
+            </a:r>
+            <a:r>
+              <a:rPr lang="en-US" sz="1600" dirty="0" smtClean="0">
+                <a:solidFill>
+                  <a:srgbClr val="002060"/>
+                </a:solidFill>
+                <a:cs typeface="Arial" panose="020B0604020202020204" pitchFamily="34" charset="0"/>
+              </a:rPr>
+              <a:t>switches </a:t>
+            </a:r>
+            <a:r>
+              <a:rPr lang="en-US" sz="1600" dirty="0">
+                <a:solidFill>
+                  <a:srgbClr val="002060"/>
+                </a:solidFill>
+                <a:cs typeface="Arial" panose="020B0604020202020204" pitchFamily="34" charset="0"/>
+              </a:rPr>
+              <a:t>and the rating </a:t>
+            </a:r>
+            <a:r>
+              <a:rPr lang="en-US" sz="1600" dirty="0" smtClean="0">
+                <a:solidFill>
+                  <a:srgbClr val="002060"/>
+                </a:solidFill>
+                <a:cs typeface="Arial" panose="020B0604020202020204" pitchFamily="34" charset="0"/>
+              </a:rPr>
+              <a:t>of</a:t>
+            </a:r>
+            <a:r>
+              <a:rPr lang="tr-TR" sz="1600" dirty="0" smtClean="0">
+                <a:solidFill>
+                  <a:srgbClr val="002060"/>
+                </a:solidFill>
+                <a:cs typeface="Arial" panose="020B0604020202020204" pitchFamily="34" charset="0"/>
+              </a:rPr>
+              <a:t> </a:t>
+            </a:r>
+            <a:r>
+              <a:rPr lang="en-US" sz="1600" dirty="0" smtClean="0">
+                <a:solidFill>
+                  <a:srgbClr val="002060"/>
+                </a:solidFill>
+                <a:cs typeface="Arial" panose="020B0604020202020204" pitchFamily="34" charset="0"/>
+              </a:rPr>
+              <a:t>each </a:t>
+            </a:r>
+            <a:r>
+              <a:rPr lang="en-US" sz="1600" dirty="0">
+                <a:solidFill>
+                  <a:srgbClr val="002060"/>
+                </a:solidFill>
+                <a:cs typeface="Arial" panose="020B0604020202020204" pitchFamily="34" charset="0"/>
+              </a:rPr>
+              <a:t>switch (V·I) is increased by a </a:t>
+            </a:r>
+            <a:r>
+              <a:rPr lang="en-US" sz="1600" dirty="0" err="1" smtClean="0">
+                <a:solidFill>
+                  <a:srgbClr val="002060"/>
+                </a:solidFill>
+                <a:cs typeface="Arial" panose="020B0604020202020204" pitchFamily="34" charset="0"/>
+              </a:rPr>
+              <a:t>fac</a:t>
+            </a:r>
+            <a:r>
+              <a:rPr lang="tr-TR" sz="1600" dirty="0" smtClean="0">
+                <a:solidFill>
+                  <a:srgbClr val="002060"/>
+                </a:solidFill>
+                <a:cs typeface="Arial" panose="020B0604020202020204" pitchFamily="34" charset="0"/>
+              </a:rPr>
+              <a:t>tor 1.15 </a:t>
+            </a:r>
+            <a:r>
+              <a:rPr lang="tr-TR" sz="1600" dirty="0" err="1" smtClean="0">
+                <a:solidFill>
+                  <a:srgbClr val="002060"/>
+                </a:solidFill>
+                <a:cs typeface="Arial" panose="020B0604020202020204" pitchFamily="34" charset="0"/>
+              </a:rPr>
+              <a:t>compared</a:t>
+            </a:r>
+            <a:r>
+              <a:rPr lang="tr-TR" sz="1600" dirty="0" smtClean="0">
+                <a:solidFill>
+                  <a:srgbClr val="002060"/>
+                </a:solidFill>
+                <a:cs typeface="Arial" panose="020B0604020202020204" pitchFamily="34" charset="0"/>
+              </a:rPr>
+              <a:t> </a:t>
+            </a:r>
+            <a:r>
+              <a:rPr lang="tr-TR" sz="1600" dirty="0" err="1" smtClean="0">
+                <a:solidFill>
+                  <a:srgbClr val="002060"/>
+                </a:solidFill>
+                <a:cs typeface="Arial" panose="020B0604020202020204" pitchFamily="34" charset="0"/>
+              </a:rPr>
+              <a:t>to</a:t>
+            </a:r>
+            <a:r>
+              <a:rPr lang="tr-TR" sz="1600" dirty="0" smtClean="0">
+                <a:solidFill>
+                  <a:srgbClr val="002060"/>
+                </a:solidFill>
+                <a:cs typeface="Arial" panose="020B0604020202020204" pitchFamily="34" charset="0"/>
+              </a:rPr>
+              <a:t> </a:t>
+            </a:r>
+            <a:r>
+              <a:rPr lang="tr-TR" sz="1600" dirty="0" err="1" smtClean="0">
+                <a:solidFill>
+                  <a:srgbClr val="002060"/>
+                </a:solidFill>
+                <a:cs typeface="Arial" panose="020B0604020202020204" pitchFamily="34" charset="0"/>
+              </a:rPr>
+              <a:t>conventional</a:t>
+            </a:r>
+            <a:endParaRPr lang="tr-TR" sz="1600" dirty="0" smtClean="0">
+              <a:solidFill>
+                <a:srgbClr val="002060"/>
+              </a:solidFill>
+              <a:cs typeface="Arial" panose="020B0604020202020204" pitchFamily="34" charset="0"/>
+            </a:endParaRPr>
+          </a:p>
+        </p:txBody>
+      </p:sp>
+      <p:sp>
+        <p:nvSpPr>
+          <p:cNvPr id="7" name="Rectangle 6"/>
+          <p:cNvSpPr/>
+          <p:nvPr/>
+        </p:nvSpPr>
+        <p:spPr>
+          <a:xfrm>
+            <a:off x="2556921" y="851260"/>
+            <a:ext cx="2984188" cy="338554"/>
+          </a:xfrm>
+          <a:prstGeom prst="rect">
+            <a:avLst/>
+          </a:prstGeom>
+        </p:spPr>
+        <p:txBody>
+          <a:bodyPr wrap="square">
+            <a:spAutoFit/>
+          </a:bodyPr>
+          <a:lstStyle/>
+          <a:p>
+            <a:r>
+              <a:rPr lang="tr-TR" sz="1600" dirty="0" err="1" smtClean="0">
+                <a:solidFill>
+                  <a:srgbClr val="FF0000"/>
+                </a:solidFill>
+                <a:cs typeface="Arial" panose="020B0604020202020204" pitchFamily="34" charset="0"/>
+              </a:rPr>
+              <a:t>Redundant</a:t>
+            </a:r>
+            <a:r>
+              <a:rPr lang="tr-TR" sz="1600" dirty="0" smtClean="0">
+                <a:solidFill>
+                  <a:srgbClr val="FF0000"/>
+                </a:solidFill>
+                <a:cs typeface="Arial" panose="020B0604020202020204" pitchFamily="34" charset="0"/>
+              </a:rPr>
+              <a:t> </a:t>
+            </a:r>
+            <a:r>
+              <a:rPr lang="tr-TR" sz="1600" dirty="0" err="1" smtClean="0">
+                <a:solidFill>
+                  <a:srgbClr val="FF0000"/>
+                </a:solidFill>
+                <a:cs typeface="Arial" panose="020B0604020202020204" pitchFamily="34" charset="0"/>
+              </a:rPr>
+              <a:t>bridge</a:t>
+            </a:r>
+            <a:r>
+              <a:rPr lang="tr-TR" sz="1600" dirty="0" smtClean="0">
+                <a:solidFill>
+                  <a:srgbClr val="FF0000"/>
+                </a:solidFill>
+                <a:cs typeface="Arial" panose="020B0604020202020204" pitchFamily="34" charset="0"/>
+              </a:rPr>
+              <a:t> </a:t>
+            </a:r>
+            <a:r>
+              <a:rPr lang="tr-TR" sz="1600" dirty="0" err="1" smtClean="0">
+                <a:solidFill>
+                  <a:srgbClr val="FF0000"/>
+                </a:solidFill>
+                <a:cs typeface="Arial" panose="020B0604020202020204" pitchFamily="34" charset="0"/>
+              </a:rPr>
+              <a:t>arm</a:t>
+            </a:r>
+            <a:endParaRPr lang="tr-TR" sz="1600" dirty="0" smtClean="0">
+              <a:solidFill>
+                <a:srgbClr val="FF0000"/>
+              </a:solidFill>
+              <a:cs typeface="Arial" panose="020B0604020202020204" pitchFamily="34" charset="0"/>
+            </a:endParaRPr>
+          </a:p>
+        </p:txBody>
+      </p:sp>
+      <p:cxnSp>
+        <p:nvCxnSpPr>
+          <p:cNvPr id="5" name="Straight Arrow Connector 4"/>
+          <p:cNvCxnSpPr/>
+          <p:nvPr/>
+        </p:nvCxnSpPr>
+        <p:spPr>
+          <a:xfrm>
+            <a:off x="3970094" y="1286780"/>
+            <a:ext cx="157841" cy="499364"/>
+          </a:xfrm>
+          <a:prstGeom prst="straightConnector1">
+            <a:avLst/>
+          </a:prstGeom>
+          <a:ln w="28575">
+            <a:solidFill>
+              <a:srgbClr val="FF0000"/>
+            </a:solidFill>
+            <a:tailEnd type="triangle"/>
+          </a:ln>
+        </p:spPr>
+        <p:style>
+          <a:lnRef idx="1">
+            <a:schemeClr val="accent1"/>
+          </a:lnRef>
+          <a:fillRef idx="0">
+            <a:schemeClr val="accent1"/>
+          </a:fillRef>
+          <a:effectRef idx="0">
+            <a:schemeClr val="accent1"/>
+          </a:effectRef>
+          <a:fontRef idx="minor">
+            <a:schemeClr val="tx1"/>
+          </a:fontRef>
+        </p:style>
+      </p:cxnSp>
+      <p:sp>
+        <p:nvSpPr>
+          <p:cNvPr id="10" name="Rectangle 9"/>
+          <p:cNvSpPr/>
+          <p:nvPr/>
+        </p:nvSpPr>
+        <p:spPr>
+          <a:xfrm>
+            <a:off x="346840" y="6350170"/>
+            <a:ext cx="2984188" cy="338554"/>
+          </a:xfrm>
+          <a:prstGeom prst="rect">
+            <a:avLst/>
+          </a:prstGeom>
+        </p:spPr>
+        <p:txBody>
+          <a:bodyPr wrap="square">
+            <a:spAutoFit/>
+          </a:bodyPr>
+          <a:lstStyle/>
+          <a:p>
+            <a:r>
+              <a:rPr lang="tr-TR" sz="1600" dirty="0" smtClean="0">
+                <a:solidFill>
+                  <a:srgbClr val="FF0000"/>
+                </a:solidFill>
+                <a:cs typeface="Arial" panose="020B0604020202020204" pitchFamily="34" charset="0"/>
+              </a:rPr>
+              <a:t>Solution </a:t>
+            </a:r>
+            <a:r>
+              <a:rPr lang="tr-TR" sz="1600" dirty="0" err="1" smtClean="0">
+                <a:solidFill>
+                  <a:srgbClr val="FF0000"/>
+                </a:solidFill>
+                <a:cs typeface="Arial" panose="020B0604020202020204" pitchFamily="34" charset="0"/>
+              </a:rPr>
+              <a:t>with</a:t>
+            </a:r>
+            <a:r>
+              <a:rPr lang="tr-TR" sz="1600" dirty="0" smtClean="0">
+                <a:solidFill>
+                  <a:srgbClr val="FF0000"/>
+                </a:solidFill>
+                <a:cs typeface="Arial" panose="020B0604020202020204" pitchFamily="34" charset="0"/>
+              </a:rPr>
+              <a:t> </a:t>
+            </a:r>
+            <a:r>
+              <a:rPr lang="tr-TR" sz="1600" dirty="0" err="1" smtClean="0">
+                <a:solidFill>
+                  <a:srgbClr val="FF0000"/>
+                </a:solidFill>
+                <a:cs typeface="Arial" panose="020B0604020202020204" pitchFamily="34" charset="0"/>
+              </a:rPr>
+              <a:t>less</a:t>
+            </a:r>
+            <a:r>
+              <a:rPr lang="tr-TR" sz="1600" dirty="0" smtClean="0">
+                <a:solidFill>
+                  <a:srgbClr val="FF0000"/>
+                </a:solidFill>
+                <a:cs typeface="Arial" panose="020B0604020202020204" pitchFamily="34" charset="0"/>
+              </a:rPr>
+              <a:t> </a:t>
+            </a:r>
+            <a:r>
+              <a:rPr lang="tr-TR" sz="1600" dirty="0" err="1" smtClean="0">
+                <a:solidFill>
+                  <a:srgbClr val="FF0000"/>
+                </a:solidFill>
+                <a:cs typeface="Arial" panose="020B0604020202020204" pitchFamily="34" charset="0"/>
+              </a:rPr>
+              <a:t>switch</a:t>
+            </a:r>
+            <a:r>
+              <a:rPr lang="tr-TR" sz="1600" dirty="0" smtClean="0">
+                <a:solidFill>
+                  <a:srgbClr val="FF0000"/>
+                </a:solidFill>
+                <a:cs typeface="Arial" panose="020B0604020202020204" pitchFamily="34" charset="0"/>
+              </a:rPr>
+              <a:t> </a:t>
+            </a:r>
+            <a:r>
+              <a:rPr lang="tr-TR" sz="1600" dirty="0" err="1" smtClean="0">
+                <a:solidFill>
+                  <a:srgbClr val="FF0000"/>
+                </a:solidFill>
+                <a:cs typeface="Arial" panose="020B0604020202020204" pitchFamily="34" charset="0"/>
+              </a:rPr>
+              <a:t>number</a:t>
+            </a:r>
+            <a:endParaRPr lang="tr-TR" sz="1600" dirty="0" smtClean="0">
+              <a:solidFill>
+                <a:srgbClr val="FF0000"/>
+              </a:solidFill>
+              <a:cs typeface="Arial" panose="020B0604020202020204" pitchFamily="34" charset="0"/>
+            </a:endParaRPr>
+          </a:p>
+        </p:txBody>
+      </p:sp>
+      <p:sp>
+        <p:nvSpPr>
+          <p:cNvPr id="11" name="Rectangle 10"/>
+          <p:cNvSpPr/>
+          <p:nvPr/>
+        </p:nvSpPr>
+        <p:spPr>
+          <a:xfrm>
+            <a:off x="346840" y="3451195"/>
+            <a:ext cx="2984188" cy="338554"/>
+          </a:xfrm>
+          <a:prstGeom prst="rect">
+            <a:avLst/>
+          </a:prstGeom>
+        </p:spPr>
+        <p:txBody>
+          <a:bodyPr wrap="square">
+            <a:spAutoFit/>
+          </a:bodyPr>
+          <a:lstStyle/>
+          <a:p>
+            <a:r>
+              <a:rPr lang="tr-TR" sz="1600" dirty="0" err="1" smtClean="0">
+                <a:solidFill>
+                  <a:srgbClr val="FF0000"/>
+                </a:solidFill>
+                <a:cs typeface="Arial" panose="020B0604020202020204" pitchFamily="34" charset="0"/>
+              </a:rPr>
+              <a:t>Conventional</a:t>
+            </a:r>
+            <a:endParaRPr lang="tr-TR" sz="1600" dirty="0" smtClean="0">
+              <a:solidFill>
+                <a:srgbClr val="FF0000"/>
+              </a:solidFill>
+              <a:cs typeface="Arial" panose="020B0604020202020204" pitchFamily="34" charset="0"/>
+            </a:endParaRPr>
+          </a:p>
+        </p:txBody>
+      </p:sp>
+      <p:cxnSp>
+        <p:nvCxnSpPr>
+          <p:cNvPr id="12" name="Straight Arrow Connector 11"/>
+          <p:cNvCxnSpPr/>
+          <p:nvPr/>
+        </p:nvCxnSpPr>
+        <p:spPr>
+          <a:xfrm flipV="1">
+            <a:off x="5730858" y="3943350"/>
+            <a:ext cx="355474" cy="312509"/>
+          </a:xfrm>
+          <a:prstGeom prst="straightConnector1">
+            <a:avLst/>
+          </a:prstGeom>
+          <a:ln w="28575">
+            <a:solidFill>
+              <a:srgbClr val="FF0000"/>
+            </a:solidFill>
+            <a:tailEnd type="triangle"/>
+          </a:ln>
+        </p:spPr>
+        <p:style>
+          <a:lnRef idx="1">
+            <a:schemeClr val="accent1"/>
+          </a:lnRef>
+          <a:fillRef idx="0">
+            <a:schemeClr val="accent1"/>
+          </a:fillRef>
+          <a:effectRef idx="0">
+            <a:schemeClr val="accent1"/>
+          </a:effectRef>
+          <a:fontRef idx="minor">
+            <a:schemeClr val="tx1"/>
+          </a:fontRef>
+        </p:style>
+      </p:cxnSp>
+      <p:sp>
+        <p:nvSpPr>
+          <p:cNvPr id="13" name="Rectangle 12"/>
+          <p:cNvSpPr/>
+          <p:nvPr/>
+        </p:nvSpPr>
+        <p:spPr>
+          <a:xfrm>
+            <a:off x="7261068" y="4241890"/>
+            <a:ext cx="1882932" cy="2554545"/>
+          </a:xfrm>
+          <a:prstGeom prst="rect">
+            <a:avLst/>
+          </a:prstGeom>
+        </p:spPr>
+        <p:txBody>
+          <a:bodyPr wrap="square">
+            <a:spAutoFit/>
+          </a:bodyPr>
+          <a:lstStyle/>
+          <a:p>
+            <a:r>
+              <a:rPr lang="tr-TR" sz="1600" dirty="0" smtClean="0">
+                <a:solidFill>
+                  <a:srgbClr val="002060"/>
+                </a:solidFill>
+              </a:rPr>
+              <a:t>A</a:t>
+            </a:r>
+            <a:r>
+              <a:rPr lang="en-US" sz="1600" dirty="0" smtClean="0">
+                <a:solidFill>
+                  <a:srgbClr val="002060"/>
+                </a:solidFill>
+              </a:rPr>
+              <a:t> </a:t>
+            </a:r>
+            <a:r>
+              <a:rPr lang="en-US" sz="1600" dirty="0">
+                <a:solidFill>
+                  <a:srgbClr val="002060"/>
+                </a:solidFill>
+              </a:rPr>
+              <a:t>phase can be completely short circuited to limit the short circuit current in case of a turn to turn short circuit fault, while it is still possible to control the two remaining phases.</a:t>
+            </a:r>
+          </a:p>
+        </p:txBody>
+      </p:sp>
+    </p:spTree>
+    <p:extLst>
+      <p:ext uri="{BB962C8B-B14F-4D97-AF65-F5344CB8AC3E}">
+        <p14:creationId xmlns:p14="http://schemas.microsoft.com/office/powerpoint/2010/main" val="741087433"/>
+      </p:ext>
+    </p:extLst>
+  </p:cSld>
+  <p:clrMapOvr>
+    <a:masterClrMapping/>
+  </p:clrMapOvr>
+  <p:timing>
+    <p:tnLst>
+      <p:par>
+        <p:cTn id="1" dur="indefinite" restart="never" nodeType="tmRoot"/>
+      </p:par>
+    </p:tnLst>
+  </p:timing>
+</p:sld>
+</file>
+
+<file path=ppt/slides/slide3.xml><?xml version="1.0" encoding="utf-8"?>
+<p:sld xmlns:a="http://schemas.openxmlformats.org/drawingml/2006/main" xmlns:r="http://schemas.openxmlformats.org/officeDocument/2006/relationships" xmlns:p="http://schemas.openxmlformats.org/presentationml/2006/main">
+  <p:cSld>
+    <p:spTree>
+      <p:nvGrpSpPr>
+        <p:cNvPr id="1" name=""/>
+        <p:cNvGrpSpPr/>
+        <p:nvPr/>
+      </p:nvGrpSpPr>
+      <p:grpSpPr>
+        <a:xfrm>
+          <a:off x="0" y="0"/>
+          <a:ext cx="0" cy="0"/>
+          <a:chOff x="0" y="0"/>
+          <a:chExt cx="0" cy="0"/>
+        </a:xfrm>
+      </p:grpSpPr>
+      <p:sp>
+        <p:nvSpPr>
+          <p:cNvPr id="8" name="Rectangle 7"/>
+          <p:cNvSpPr/>
+          <p:nvPr/>
+        </p:nvSpPr>
+        <p:spPr>
+          <a:xfrm>
+            <a:off x="478970" y="150669"/>
+            <a:ext cx="8207829" cy="523220"/>
+          </a:xfrm>
+          <a:prstGeom prst="rect">
+            <a:avLst/>
+          </a:prstGeom>
+        </p:spPr>
+        <p:txBody>
+          <a:bodyPr wrap="square">
+            <a:spAutoFit/>
+          </a:bodyPr>
+          <a:lstStyle/>
+          <a:p>
+            <a:pPr algn="ctr"/>
+            <a:r>
+              <a:rPr lang="tr-TR" sz="2800" b="1" dirty="0" smtClean="0">
+                <a:solidFill>
+                  <a:schemeClr val="accent1">
+                    <a:lumMod val="50000"/>
+                  </a:schemeClr>
+                </a:solidFill>
+                <a:cs typeface="Arial" panose="020B0604020202020204" pitchFamily="34" charset="0"/>
+              </a:rPr>
+              <a:t>Fault Tolerant </a:t>
+            </a:r>
+            <a:r>
+              <a:rPr lang="tr-TR" sz="2800" b="1" dirty="0" smtClean="0">
+                <a:solidFill>
+                  <a:schemeClr val="accent1">
+                    <a:lumMod val="50000"/>
+                  </a:schemeClr>
+                </a:solidFill>
+                <a:cs typeface="Arial" panose="020B0604020202020204" pitchFamily="34" charset="0"/>
+              </a:rPr>
+              <a:t>topologie</a:t>
+            </a:r>
+            <a:r>
+              <a:rPr lang="en-US" sz="2800" b="1" dirty="0" smtClean="0">
+                <a:solidFill>
+                  <a:schemeClr val="accent1">
+                    <a:lumMod val="50000"/>
+                  </a:schemeClr>
+                </a:solidFill>
+                <a:cs typeface="Arial" panose="020B0604020202020204" pitchFamily="34" charset="0"/>
+              </a:rPr>
+              <a:t>s</a:t>
+            </a:r>
+            <a:endParaRPr lang="en-US" sz="2800" dirty="0">
+              <a:solidFill>
+                <a:schemeClr val="accent1">
+                  <a:lumMod val="50000"/>
+                </a:schemeClr>
+              </a:solidFill>
+              <a:cs typeface="Arial" panose="020B0604020202020204" pitchFamily="34" charset="0"/>
+            </a:endParaRPr>
+          </a:p>
+        </p:txBody>
+      </p:sp>
+      <p:sp>
+        <p:nvSpPr>
+          <p:cNvPr id="9" name="Rectangle 8"/>
+          <p:cNvSpPr/>
+          <p:nvPr/>
+        </p:nvSpPr>
+        <p:spPr>
+          <a:xfrm>
+            <a:off x="224969" y="884763"/>
+            <a:ext cx="8461829" cy="2554545"/>
+          </a:xfrm>
+          <a:prstGeom prst="rect">
+            <a:avLst/>
+          </a:prstGeom>
+        </p:spPr>
+        <p:txBody>
+          <a:bodyPr wrap="square">
+            <a:spAutoFit/>
+          </a:bodyPr>
+          <a:lstStyle/>
+          <a:p>
+            <a:pPr marL="342900" indent="-342900">
+              <a:buFont typeface="Arial" panose="020B0604020202020204" pitchFamily="34" charset="0"/>
+              <a:buChar char="•"/>
+            </a:pPr>
+            <a:r>
+              <a:rPr lang="en-US" sz="2000" dirty="0" smtClean="0">
+                <a:solidFill>
+                  <a:srgbClr val="002060"/>
+                </a:solidFill>
+                <a:cs typeface="Arial" panose="020B0604020202020204" pitchFamily="34" charset="0"/>
+              </a:rPr>
+              <a:t>Magnetic coupling between modules should be analyzed.</a:t>
+            </a:r>
+          </a:p>
+          <a:p>
+            <a:endParaRPr lang="en-US" sz="2000" dirty="0" smtClean="0">
+              <a:solidFill>
+                <a:srgbClr val="002060"/>
+              </a:solidFill>
+              <a:cs typeface="Arial" panose="020B0604020202020204" pitchFamily="34" charset="0"/>
+            </a:endParaRPr>
+          </a:p>
+          <a:p>
+            <a:r>
+              <a:rPr lang="en-US" sz="2000" dirty="0" smtClean="0">
+                <a:solidFill>
+                  <a:srgbClr val="002060"/>
+                </a:solidFill>
+                <a:cs typeface="Arial" panose="020B0604020202020204" pitchFamily="34" charset="0"/>
+              </a:rPr>
+              <a:t>Limit the short circuit current. Inductance calculation is necessary.</a:t>
+            </a:r>
+          </a:p>
+          <a:p>
+            <a:pPr marL="342900" indent="-342900">
+              <a:buFont typeface="Arial" panose="020B0604020202020204" pitchFamily="34" charset="0"/>
+              <a:buChar char="•"/>
+            </a:pPr>
+            <a:r>
+              <a:rPr lang="en-US" sz="2000" dirty="0">
+                <a:solidFill>
+                  <a:srgbClr val="002060"/>
+                </a:solidFill>
+                <a:cs typeface="Arial" panose="020B0604020202020204" pitchFamily="34" charset="0"/>
+                <a:hlinkClick r:id="rId3"/>
+              </a:rPr>
+              <a:t>https://ieeexplore.ieee.org/document/6918483</a:t>
+            </a:r>
+            <a:endParaRPr lang="en-US" sz="2000" dirty="0" smtClean="0">
+              <a:solidFill>
+                <a:srgbClr val="002060"/>
+              </a:solidFill>
+              <a:cs typeface="Arial" panose="020B0604020202020204" pitchFamily="34" charset="0"/>
+            </a:endParaRPr>
+          </a:p>
+          <a:p>
+            <a:endParaRPr lang="en-US" sz="2000" dirty="0" smtClean="0">
+              <a:solidFill>
+                <a:srgbClr val="002060"/>
+              </a:solidFill>
+              <a:cs typeface="Arial" panose="020B0604020202020204" pitchFamily="34" charset="0"/>
+            </a:endParaRPr>
+          </a:p>
+          <a:p>
+            <a:r>
+              <a:rPr lang="en-US" sz="2000" dirty="0" smtClean="0">
+                <a:solidFill>
+                  <a:srgbClr val="002060"/>
+                </a:solidFill>
+                <a:cs typeface="Arial" panose="020B0604020202020204" pitchFamily="34" charset="0"/>
+              </a:rPr>
+              <a:t>Core loss and magnet loss calculation</a:t>
+            </a:r>
+          </a:p>
+          <a:p>
+            <a:pPr marL="342900" indent="-342900">
+              <a:buFont typeface="Arial" panose="020B0604020202020204" pitchFamily="34" charset="0"/>
+              <a:buChar char="•"/>
+            </a:pPr>
+            <a:r>
+              <a:rPr lang="en-US" sz="2000" dirty="0">
+                <a:solidFill>
+                  <a:srgbClr val="002060"/>
+                </a:solidFill>
+                <a:cs typeface="Arial" panose="020B0604020202020204" pitchFamily="34" charset="0"/>
+                <a:hlinkClick r:id="rId4"/>
+              </a:rPr>
+              <a:t>https://ieeexplore.ieee.org/document/1597318</a:t>
+            </a:r>
+            <a:endParaRPr lang="en-US" sz="2000" dirty="0" smtClean="0">
+              <a:solidFill>
+                <a:srgbClr val="002060"/>
+              </a:solidFill>
+              <a:cs typeface="Arial" panose="020B0604020202020204" pitchFamily="34" charset="0"/>
+            </a:endParaRPr>
+          </a:p>
+          <a:p>
+            <a:pPr marL="342900" indent="-342900">
+              <a:buFont typeface="Arial" panose="020B0604020202020204" pitchFamily="34" charset="0"/>
+              <a:buChar char="•"/>
+            </a:pPr>
+            <a:endParaRPr lang="en-US" sz="2000" dirty="0" smtClean="0">
+              <a:solidFill>
+                <a:srgbClr val="002060"/>
+              </a:solidFill>
+              <a:cs typeface="Arial" panose="020B0604020202020204" pitchFamily="34" charset="0"/>
+            </a:endParaRPr>
+          </a:p>
+        </p:txBody>
+      </p:sp>
+    </p:spTree>
+    <p:extLst>
+      <p:ext uri="{BB962C8B-B14F-4D97-AF65-F5344CB8AC3E}">
+        <p14:creationId xmlns:p14="http://schemas.microsoft.com/office/powerpoint/2010/main" val="157547213"/>
+      </p:ext>
+    </p:extLst>
+  </p:cSld>
+  <p:clrMapOvr>
+    <a:masterClrMapping/>
+  </p:clrMapOvr>
+  <p:timing>
+    <p:tnLst>
+      <p:par>
+        <p:cTn id="1" dur="indefinite" restart="never" nodeType="tmRoot"/>
+      </p:par>
+    </p:tnLst>
+  </p:timing>
+</p:sld>
+</file>
+
+<file path=ppt/slides/slide4.xml><?xml version="1.0" encoding="utf-8"?>
+<p:sld xmlns:a="http://schemas.openxmlformats.org/drawingml/2006/main" xmlns:r="http://schemas.openxmlformats.org/officeDocument/2006/relationships" xmlns:p="http://schemas.openxmlformats.org/presentationml/2006/main">
+  <p:cSld>
+    <p:spTree>
+      <p:nvGrpSpPr>
+        <p:cNvPr id="1" name=""/>
+        <p:cNvGrpSpPr/>
+        <p:nvPr/>
+      </p:nvGrpSpPr>
+      <p:grpSpPr>
+        <a:xfrm>
+          <a:off x="0" y="0"/>
+          <a:ext cx="0" cy="0"/>
+          <a:chOff x="0" y="0"/>
+          <a:chExt cx="0" cy="0"/>
+        </a:xfrm>
+      </p:grpSpPr>
+      <p:sp>
+        <p:nvSpPr>
+          <p:cNvPr id="8" name="Rectangle 7"/>
+          <p:cNvSpPr/>
+          <p:nvPr/>
+        </p:nvSpPr>
+        <p:spPr>
+          <a:xfrm>
+            <a:off x="478970" y="150669"/>
+            <a:ext cx="8207829" cy="523220"/>
+          </a:xfrm>
+          <a:prstGeom prst="rect">
+            <a:avLst/>
+          </a:prstGeom>
+        </p:spPr>
+        <p:txBody>
+          <a:bodyPr wrap="square">
+            <a:spAutoFit/>
+          </a:bodyPr>
+          <a:lstStyle/>
+          <a:p>
+            <a:pPr algn="ctr"/>
+            <a:r>
+              <a:rPr lang="en-US" sz="2800" b="1" dirty="0" smtClean="0">
+                <a:solidFill>
+                  <a:schemeClr val="accent1">
+                    <a:lumMod val="50000"/>
+                  </a:schemeClr>
+                </a:solidFill>
+                <a:cs typeface="Arial" panose="020B0604020202020204" pitchFamily="34" charset="0"/>
+              </a:rPr>
+              <a:t>Types of faults</a:t>
+            </a:r>
+            <a:endParaRPr lang="en-US" sz="2800" dirty="0">
+              <a:solidFill>
+                <a:schemeClr val="accent1">
+                  <a:lumMod val="50000"/>
+                </a:schemeClr>
+              </a:solidFill>
+              <a:cs typeface="Arial" panose="020B0604020202020204" pitchFamily="34" charset="0"/>
+            </a:endParaRPr>
+          </a:p>
+        </p:txBody>
+      </p:sp>
+      <p:sp>
+        <p:nvSpPr>
+          <p:cNvPr id="9" name="Rectangle 8"/>
+          <p:cNvSpPr/>
+          <p:nvPr/>
+        </p:nvSpPr>
+        <p:spPr>
+          <a:xfrm>
+            <a:off x="224970" y="707752"/>
+            <a:ext cx="8461829" cy="5940088"/>
+          </a:xfrm>
+          <a:prstGeom prst="rect">
+            <a:avLst/>
+          </a:prstGeom>
+        </p:spPr>
+        <p:txBody>
+          <a:bodyPr wrap="square">
+            <a:spAutoFit/>
+          </a:bodyPr>
+          <a:lstStyle/>
+          <a:p>
+            <a:pPr marL="342900" indent="-342900">
+              <a:buFont typeface="Arial" panose="020B0604020202020204" pitchFamily="34" charset="0"/>
+              <a:buChar char="•"/>
+            </a:pPr>
+            <a:r>
+              <a:rPr lang="en-US" sz="2000" dirty="0" smtClean="0">
+                <a:solidFill>
+                  <a:srgbClr val="002060"/>
+                </a:solidFill>
+                <a:cs typeface="Arial" panose="020B0604020202020204" pitchFamily="34" charset="0"/>
+              </a:rPr>
+              <a:t>Winding </a:t>
+            </a:r>
+            <a:r>
+              <a:rPr lang="en-US" sz="2000" dirty="0">
+                <a:solidFill>
+                  <a:srgbClr val="002060"/>
+                </a:solidFill>
+                <a:cs typeface="Arial" panose="020B0604020202020204" pitchFamily="34" charset="0"/>
+              </a:rPr>
+              <a:t>open-circuit </a:t>
+            </a:r>
+            <a:r>
+              <a:rPr lang="en-US" sz="2000" dirty="0" smtClean="0">
+                <a:solidFill>
+                  <a:srgbClr val="002060"/>
+                </a:solidFill>
+                <a:cs typeface="Arial" panose="020B0604020202020204" pitchFamily="34" charset="0"/>
+              </a:rPr>
+              <a:t>faults</a:t>
+            </a:r>
+          </a:p>
+          <a:p>
+            <a:pPr marL="342900" indent="-342900">
+              <a:buFont typeface="Arial" panose="020B0604020202020204" pitchFamily="34" charset="0"/>
+              <a:buChar char="•"/>
+            </a:pPr>
+            <a:r>
+              <a:rPr lang="en-US" sz="2000" dirty="0" smtClean="0">
+                <a:solidFill>
+                  <a:srgbClr val="002060"/>
+                </a:solidFill>
+                <a:cs typeface="Arial" panose="020B0604020202020204" pitchFamily="34" charset="0"/>
+              </a:rPr>
+              <a:t>Winding </a:t>
+            </a:r>
+            <a:r>
+              <a:rPr lang="en-US" sz="2000" dirty="0">
+                <a:solidFill>
+                  <a:srgbClr val="002060"/>
+                </a:solidFill>
+                <a:cs typeface="Arial" panose="020B0604020202020204" pitchFamily="34" charset="0"/>
+              </a:rPr>
+              <a:t>short-circuit </a:t>
+            </a:r>
+            <a:r>
+              <a:rPr lang="en-US" sz="2000" dirty="0" smtClean="0">
+                <a:solidFill>
+                  <a:srgbClr val="002060"/>
+                </a:solidFill>
+                <a:cs typeface="Arial" panose="020B0604020202020204" pitchFamily="34" charset="0"/>
+              </a:rPr>
+              <a:t>faults;</a:t>
+            </a:r>
+          </a:p>
+          <a:p>
+            <a:pPr marL="800100" lvl="1" indent="-342900">
+              <a:buFont typeface="Wingdings" panose="05000000000000000000" pitchFamily="2" charset="2"/>
+              <a:buChar char="q"/>
+            </a:pPr>
+            <a:r>
+              <a:rPr lang="en-US" sz="2000" dirty="0" smtClean="0">
+                <a:solidFill>
+                  <a:srgbClr val="002060"/>
+                </a:solidFill>
+                <a:cs typeface="Arial" panose="020B0604020202020204" pitchFamily="34" charset="0"/>
+              </a:rPr>
+              <a:t>inter-turn </a:t>
+            </a:r>
+            <a:r>
+              <a:rPr lang="en-US" sz="2000" dirty="0">
+                <a:solidFill>
+                  <a:srgbClr val="002060"/>
+                </a:solidFill>
+                <a:cs typeface="Arial" panose="020B0604020202020204" pitchFamily="34" charset="0"/>
+              </a:rPr>
+              <a:t>short-circuit </a:t>
+            </a:r>
+            <a:r>
+              <a:rPr lang="en-US" sz="2000" dirty="0" smtClean="0">
+                <a:solidFill>
+                  <a:srgbClr val="002060"/>
+                </a:solidFill>
+                <a:cs typeface="Arial" panose="020B0604020202020204" pitchFamily="34" charset="0"/>
+              </a:rPr>
+              <a:t>faults,</a:t>
+            </a:r>
+          </a:p>
+          <a:p>
+            <a:pPr marL="800100" lvl="1" indent="-342900">
+              <a:buFont typeface="Wingdings" panose="05000000000000000000" pitchFamily="2" charset="2"/>
+              <a:buChar char="q"/>
+            </a:pPr>
+            <a:r>
+              <a:rPr lang="en-US" sz="2000" dirty="0" smtClean="0">
+                <a:solidFill>
+                  <a:srgbClr val="002060"/>
+                </a:solidFill>
+                <a:cs typeface="Arial" panose="020B0604020202020204" pitchFamily="34" charset="0"/>
+              </a:rPr>
+              <a:t>coil </a:t>
+            </a:r>
+            <a:r>
+              <a:rPr lang="en-US" sz="2000" dirty="0">
+                <a:solidFill>
+                  <a:srgbClr val="002060"/>
+                </a:solidFill>
+                <a:cs typeface="Arial" panose="020B0604020202020204" pitchFamily="34" charset="0"/>
+              </a:rPr>
+              <a:t>to coil </a:t>
+            </a:r>
+            <a:r>
+              <a:rPr lang="en-US" sz="2000" dirty="0" smtClean="0">
+                <a:solidFill>
+                  <a:srgbClr val="002060"/>
+                </a:solidFill>
+                <a:cs typeface="Arial" panose="020B0604020202020204" pitchFamily="34" charset="0"/>
+              </a:rPr>
+              <a:t>faults,</a:t>
+            </a:r>
+          </a:p>
+          <a:p>
+            <a:pPr marL="800100" lvl="1" indent="-342900">
+              <a:buFont typeface="Wingdings" panose="05000000000000000000" pitchFamily="2" charset="2"/>
+              <a:buChar char="q"/>
+            </a:pPr>
+            <a:r>
+              <a:rPr lang="en-US" sz="2000" dirty="0" smtClean="0">
+                <a:solidFill>
+                  <a:srgbClr val="002060"/>
+                </a:solidFill>
+                <a:cs typeface="Arial" panose="020B0604020202020204" pitchFamily="34" charset="0"/>
+              </a:rPr>
+              <a:t>line </a:t>
+            </a:r>
+            <a:r>
+              <a:rPr lang="en-US" sz="2000" dirty="0">
+                <a:solidFill>
+                  <a:srgbClr val="002060"/>
+                </a:solidFill>
+                <a:cs typeface="Arial" panose="020B0604020202020204" pitchFamily="34" charset="0"/>
+              </a:rPr>
+              <a:t>to </a:t>
+            </a:r>
+            <a:r>
+              <a:rPr lang="en-US" sz="2000" dirty="0" smtClean="0">
+                <a:solidFill>
+                  <a:srgbClr val="002060"/>
+                </a:solidFill>
+                <a:cs typeface="Arial" panose="020B0604020202020204" pitchFamily="34" charset="0"/>
+              </a:rPr>
+              <a:t>line faults</a:t>
+            </a:r>
+          </a:p>
+          <a:p>
+            <a:pPr marL="800100" lvl="1" indent="-342900">
+              <a:buFont typeface="Wingdings" panose="05000000000000000000" pitchFamily="2" charset="2"/>
+              <a:buChar char="q"/>
+            </a:pPr>
+            <a:r>
+              <a:rPr lang="en-US" sz="2000" dirty="0" smtClean="0">
+                <a:solidFill>
+                  <a:srgbClr val="002060"/>
+                </a:solidFill>
+                <a:cs typeface="Arial" panose="020B0604020202020204" pitchFamily="34" charset="0"/>
+              </a:rPr>
+              <a:t>line </a:t>
+            </a:r>
+            <a:r>
+              <a:rPr lang="en-US" sz="2000" dirty="0">
+                <a:solidFill>
+                  <a:srgbClr val="002060"/>
+                </a:solidFill>
+                <a:cs typeface="Arial" panose="020B0604020202020204" pitchFamily="34" charset="0"/>
+              </a:rPr>
+              <a:t>to ground </a:t>
+            </a:r>
+            <a:r>
+              <a:rPr lang="en-US" sz="2000" dirty="0" smtClean="0">
+                <a:solidFill>
+                  <a:srgbClr val="002060"/>
+                </a:solidFill>
+                <a:cs typeface="Arial" panose="020B0604020202020204" pitchFamily="34" charset="0"/>
+              </a:rPr>
+              <a:t>faults</a:t>
+            </a:r>
+          </a:p>
+          <a:p>
+            <a:pPr lvl="1"/>
+            <a:endParaRPr lang="en-US" sz="2000" dirty="0" smtClean="0">
+              <a:solidFill>
+                <a:srgbClr val="002060"/>
+              </a:solidFill>
+              <a:cs typeface="Arial" panose="020B0604020202020204" pitchFamily="34" charset="0"/>
+            </a:endParaRPr>
+          </a:p>
+          <a:p>
+            <a:pPr marL="342900" lvl="1" indent="-342900">
+              <a:buFont typeface="Arial" panose="020B0604020202020204" pitchFamily="34" charset="0"/>
+              <a:buChar char="•"/>
+            </a:pPr>
+            <a:r>
+              <a:rPr lang="en-US" sz="2000" dirty="0">
+                <a:solidFill>
+                  <a:srgbClr val="FF0000"/>
+                </a:solidFill>
+                <a:cs typeface="Arial" panose="020B0604020202020204" pitchFamily="34" charset="0"/>
+              </a:rPr>
+              <a:t>T</a:t>
+            </a:r>
+            <a:r>
+              <a:rPr lang="en-US" sz="2000" dirty="0" smtClean="0">
+                <a:solidFill>
+                  <a:srgbClr val="FF0000"/>
+                </a:solidFill>
+                <a:cs typeface="Arial" panose="020B0604020202020204" pitchFamily="34" charset="0"/>
+              </a:rPr>
+              <a:t>ransistor short-circuit faults</a:t>
+            </a:r>
+          </a:p>
+          <a:p>
+            <a:pPr marL="342900" lvl="1" indent="-342900">
+              <a:buFont typeface="Arial" panose="020B0604020202020204" pitchFamily="34" charset="0"/>
+              <a:buChar char="•"/>
+            </a:pPr>
+            <a:r>
+              <a:rPr lang="en-US" sz="2000" dirty="0">
+                <a:solidFill>
+                  <a:srgbClr val="FF0000"/>
+                </a:solidFill>
+                <a:cs typeface="Arial" panose="020B0604020202020204" pitchFamily="34" charset="0"/>
+              </a:rPr>
+              <a:t>T</a:t>
+            </a:r>
+            <a:r>
+              <a:rPr lang="en-US" sz="2000" dirty="0" smtClean="0">
+                <a:solidFill>
+                  <a:srgbClr val="FF0000"/>
+                </a:solidFill>
+                <a:cs typeface="Arial" panose="020B0604020202020204" pitchFamily="34" charset="0"/>
+              </a:rPr>
+              <a:t>ransistor </a:t>
+            </a:r>
+            <a:r>
+              <a:rPr lang="en-US" sz="2000" dirty="0">
+                <a:solidFill>
+                  <a:srgbClr val="FF0000"/>
+                </a:solidFill>
+                <a:cs typeface="Arial" panose="020B0604020202020204" pitchFamily="34" charset="0"/>
+              </a:rPr>
+              <a:t>open circuit </a:t>
+            </a:r>
+            <a:r>
+              <a:rPr lang="en-US" sz="2000" dirty="0" smtClean="0">
+                <a:solidFill>
+                  <a:srgbClr val="FF0000"/>
+                </a:solidFill>
+                <a:cs typeface="Arial" panose="020B0604020202020204" pitchFamily="34" charset="0"/>
+              </a:rPr>
+              <a:t>faults</a:t>
+            </a:r>
+          </a:p>
+          <a:p>
+            <a:pPr marL="342900" lvl="1" indent="-342900">
+              <a:buFont typeface="Arial" panose="020B0604020202020204" pitchFamily="34" charset="0"/>
+              <a:buChar char="•"/>
+            </a:pPr>
+            <a:r>
+              <a:rPr lang="en-US" sz="2000" dirty="0">
+                <a:solidFill>
+                  <a:srgbClr val="FF0000"/>
+                </a:solidFill>
+                <a:cs typeface="Arial" panose="020B0604020202020204" pitchFamily="34" charset="0"/>
+              </a:rPr>
+              <a:t>DC bus capacitor </a:t>
+            </a:r>
+            <a:r>
+              <a:rPr lang="en-US" sz="2000" dirty="0" smtClean="0">
+                <a:solidFill>
+                  <a:srgbClr val="FF0000"/>
+                </a:solidFill>
+                <a:cs typeface="Arial" panose="020B0604020202020204" pitchFamily="34" charset="0"/>
+              </a:rPr>
+              <a:t>faults.</a:t>
+            </a:r>
+          </a:p>
+          <a:p>
+            <a:pPr marL="342900" lvl="1" indent="-342900">
+              <a:buFont typeface="Arial" panose="020B0604020202020204" pitchFamily="34" charset="0"/>
+              <a:buChar char="•"/>
+            </a:pPr>
+            <a:r>
+              <a:rPr lang="en-US" sz="2000" dirty="0" smtClean="0">
+                <a:solidFill>
+                  <a:srgbClr val="FF0000"/>
+                </a:solidFill>
+                <a:cs typeface="Arial" panose="020B0604020202020204" pitchFamily="34" charset="0"/>
+              </a:rPr>
+              <a:t>Power </a:t>
+            </a:r>
+            <a:r>
+              <a:rPr lang="en-US" sz="2000" dirty="0">
+                <a:solidFill>
+                  <a:srgbClr val="FF0000"/>
+                </a:solidFill>
+                <a:cs typeface="Arial" panose="020B0604020202020204" pitchFamily="34" charset="0"/>
+              </a:rPr>
+              <a:t>supply failure or AC line fault in mains supplied </a:t>
+            </a:r>
+            <a:r>
+              <a:rPr lang="en-US" sz="2000" dirty="0" smtClean="0">
+                <a:solidFill>
+                  <a:srgbClr val="FF0000"/>
+                </a:solidFill>
+                <a:cs typeface="Arial" panose="020B0604020202020204" pitchFamily="34" charset="0"/>
+              </a:rPr>
+              <a:t>rectifier</a:t>
+            </a:r>
+          </a:p>
+          <a:p>
+            <a:pPr marL="0" lvl="1"/>
+            <a:endParaRPr lang="en-US" sz="2000" dirty="0">
+              <a:solidFill>
+                <a:srgbClr val="002060"/>
+              </a:solidFill>
+              <a:cs typeface="Arial" panose="020B0604020202020204" pitchFamily="34" charset="0"/>
+            </a:endParaRPr>
+          </a:p>
+          <a:p>
+            <a:pPr marL="342900" indent="-342900">
+              <a:buFont typeface="Arial" panose="020B0604020202020204" pitchFamily="34" charset="0"/>
+              <a:buChar char="•"/>
+            </a:pPr>
+            <a:r>
+              <a:rPr lang="en-US" sz="2000" dirty="0">
+                <a:solidFill>
+                  <a:schemeClr val="accent6">
+                    <a:lumMod val="50000"/>
+                  </a:schemeClr>
+                </a:solidFill>
+                <a:cs typeface="Arial" panose="020B0604020202020204" pitchFamily="34" charset="0"/>
+              </a:rPr>
+              <a:t>Sensor </a:t>
+            </a:r>
+            <a:r>
+              <a:rPr lang="en-US" sz="2000" dirty="0" smtClean="0">
+                <a:solidFill>
+                  <a:schemeClr val="accent6">
+                    <a:lumMod val="50000"/>
+                  </a:schemeClr>
+                </a:solidFill>
+                <a:cs typeface="Arial" panose="020B0604020202020204" pitchFamily="34" charset="0"/>
+              </a:rPr>
+              <a:t>failure.</a:t>
+            </a:r>
+          </a:p>
+          <a:p>
+            <a:pPr marL="342900" indent="-342900">
+              <a:buFont typeface="Arial" panose="020B0604020202020204" pitchFamily="34" charset="0"/>
+              <a:buChar char="•"/>
+            </a:pPr>
+            <a:r>
+              <a:rPr lang="en-US" sz="2000" dirty="0" smtClean="0">
+                <a:solidFill>
+                  <a:schemeClr val="accent6">
+                    <a:lumMod val="50000"/>
+                  </a:schemeClr>
+                </a:solidFill>
+                <a:cs typeface="Arial" panose="020B0604020202020204" pitchFamily="34" charset="0"/>
+              </a:rPr>
+              <a:t>Control </a:t>
+            </a:r>
+            <a:r>
+              <a:rPr lang="en-US" sz="2000" dirty="0">
+                <a:solidFill>
+                  <a:schemeClr val="accent6">
+                    <a:lumMod val="50000"/>
+                  </a:schemeClr>
+                </a:solidFill>
+                <a:cs typeface="Arial" panose="020B0604020202020204" pitchFamily="34" charset="0"/>
+              </a:rPr>
+              <a:t>equipment </a:t>
+            </a:r>
+            <a:r>
+              <a:rPr lang="en-US" sz="2000" dirty="0" smtClean="0">
+                <a:solidFill>
+                  <a:schemeClr val="accent6">
+                    <a:lumMod val="50000"/>
+                  </a:schemeClr>
+                </a:solidFill>
+                <a:cs typeface="Arial" panose="020B0604020202020204" pitchFamily="34" charset="0"/>
+              </a:rPr>
+              <a:t>failure</a:t>
+            </a:r>
+          </a:p>
+          <a:p>
+            <a:endParaRPr lang="en-US" sz="2000" dirty="0" smtClean="0">
+              <a:solidFill>
+                <a:srgbClr val="002060"/>
+              </a:solidFill>
+              <a:cs typeface="Arial" panose="020B0604020202020204" pitchFamily="34" charset="0"/>
+            </a:endParaRPr>
+          </a:p>
+          <a:p>
+            <a:pPr marL="342900" indent="-342900">
+              <a:buFont typeface="Arial" panose="020B0604020202020204" pitchFamily="34" charset="0"/>
+              <a:buChar char="•"/>
+            </a:pPr>
+            <a:r>
+              <a:rPr lang="en-US" sz="2000" dirty="0">
+                <a:solidFill>
+                  <a:srgbClr val="7030A0"/>
+                </a:solidFill>
+                <a:cs typeface="Arial" panose="020B0604020202020204" pitchFamily="34" charset="0"/>
+              </a:rPr>
+              <a:t>Bearing </a:t>
+            </a:r>
+            <a:r>
+              <a:rPr lang="en-US" sz="2000" dirty="0" smtClean="0">
+                <a:solidFill>
+                  <a:srgbClr val="7030A0"/>
+                </a:solidFill>
+                <a:cs typeface="Arial" panose="020B0604020202020204" pitchFamily="34" charset="0"/>
+              </a:rPr>
+              <a:t>faults.</a:t>
+            </a:r>
+          </a:p>
+          <a:p>
+            <a:pPr marL="342900" indent="-342900">
+              <a:buFont typeface="Arial" panose="020B0604020202020204" pitchFamily="34" charset="0"/>
+              <a:buChar char="•"/>
+            </a:pPr>
+            <a:r>
+              <a:rPr lang="en-US" sz="2000" dirty="0" smtClean="0">
+                <a:solidFill>
+                  <a:srgbClr val="7030A0"/>
+                </a:solidFill>
+                <a:cs typeface="Arial" panose="020B0604020202020204" pitchFamily="34" charset="0"/>
+              </a:rPr>
+              <a:t>Static </a:t>
+            </a:r>
+            <a:r>
+              <a:rPr lang="en-US" sz="2000" dirty="0">
+                <a:solidFill>
+                  <a:srgbClr val="7030A0"/>
+                </a:solidFill>
+                <a:cs typeface="Arial" panose="020B0604020202020204" pitchFamily="34" charset="0"/>
+              </a:rPr>
+              <a:t>and dynamic eccentricity conditions (due to a bent shaft or a shaft misalignment</a:t>
+            </a:r>
+            <a:r>
+              <a:rPr lang="en-US" sz="2000" dirty="0" smtClean="0">
+                <a:solidFill>
+                  <a:srgbClr val="7030A0"/>
+                </a:solidFill>
+                <a:cs typeface="Arial" panose="020B0604020202020204" pitchFamily="34" charset="0"/>
+              </a:rPr>
+              <a:t>).</a:t>
+            </a:r>
+          </a:p>
+          <a:p>
+            <a:pPr marL="342900" indent="-342900">
+              <a:buFont typeface="Arial" panose="020B0604020202020204" pitchFamily="34" charset="0"/>
+              <a:buChar char="•"/>
+            </a:pPr>
+            <a:r>
+              <a:rPr lang="en-US" sz="2000" dirty="0" smtClean="0">
+                <a:solidFill>
+                  <a:srgbClr val="7030A0"/>
+                </a:solidFill>
+                <a:cs typeface="Arial" panose="020B0604020202020204" pitchFamily="34" charset="0"/>
+              </a:rPr>
+              <a:t>Gearbox </a:t>
+            </a:r>
+            <a:r>
+              <a:rPr lang="en-US" sz="2000" dirty="0">
+                <a:solidFill>
+                  <a:srgbClr val="7030A0"/>
+                </a:solidFill>
+                <a:cs typeface="Arial" panose="020B0604020202020204" pitchFamily="34" charset="0"/>
+              </a:rPr>
+              <a:t>faults in non direct-driven machines</a:t>
+            </a:r>
+            <a:r>
+              <a:rPr lang="en-US" sz="2000" dirty="0" smtClean="0">
+                <a:solidFill>
+                  <a:srgbClr val="7030A0"/>
+                </a:solidFill>
+                <a:cs typeface="Arial" panose="020B0604020202020204" pitchFamily="34" charset="0"/>
+              </a:rPr>
+              <a:t>.</a:t>
+            </a:r>
+            <a:endParaRPr lang="en-US" sz="2000" dirty="0">
+              <a:solidFill>
+                <a:srgbClr val="7030A0"/>
+              </a:solidFill>
+              <a:cs typeface="Arial" panose="020B0604020202020204" pitchFamily="34" charset="0"/>
+            </a:endParaRPr>
+          </a:p>
+        </p:txBody>
+      </p:sp>
+    </p:spTree>
+    <p:extLst>
+      <p:ext uri="{BB962C8B-B14F-4D97-AF65-F5344CB8AC3E}">
+        <p14:creationId xmlns:p14="http://schemas.microsoft.com/office/powerpoint/2010/main" val="1967521132"/>
+      </p:ext>
+    </p:extLst>
+  </p:cSld>
+  <p:clrMapOvr>
+    <a:masterClrMapping/>
+  </p:clrMapOvr>
+  <p:timing>
+    <p:tnLst>
+      <p:par>
+        <p:cTn id="1" dur="indefinite" restart="never" nodeType="tmRoot"/>
+      </p:par>
+    </p:tnLst>
+  </p:timing>
+</p:sld>
+</file>
+
+<file path=ppt/slides/slide5.xml><?xml version="1.0" encoding="utf-8"?>
+<p:sld xmlns:a="http://schemas.openxmlformats.org/drawingml/2006/main" xmlns:r="http://schemas.openxmlformats.org/officeDocument/2006/relationships" xmlns:p="http://schemas.openxmlformats.org/presentationml/2006/main">
+  <p:cSld>
+    <p:spTree>
+      <p:nvGrpSpPr>
+        <p:cNvPr id="1" name=""/>
+        <p:cNvGrpSpPr/>
+        <p:nvPr/>
+      </p:nvGrpSpPr>
+      <p:grpSpPr>
+        <a:xfrm>
+          <a:off x="0" y="0"/>
+          <a:ext cx="0" cy="0"/>
+          <a:chOff x="0" y="0"/>
+          <a:chExt cx="0" cy="0"/>
+        </a:xfrm>
+      </p:grpSpPr>
+      <p:sp>
+        <p:nvSpPr>
+          <p:cNvPr id="8" name="Rectangle 7"/>
+          <p:cNvSpPr/>
+          <p:nvPr/>
+        </p:nvSpPr>
+        <p:spPr>
+          <a:xfrm>
+            <a:off x="478970" y="150669"/>
+            <a:ext cx="8207829" cy="523220"/>
+          </a:xfrm>
+          <a:prstGeom prst="rect">
+            <a:avLst/>
+          </a:prstGeom>
+        </p:spPr>
+        <p:txBody>
+          <a:bodyPr wrap="square">
+            <a:spAutoFit/>
+          </a:bodyPr>
+          <a:lstStyle/>
+          <a:p>
+            <a:pPr algn="ctr"/>
+            <a:r>
+              <a:rPr lang="en-US" sz="2800" b="1" dirty="0" smtClean="0">
+                <a:solidFill>
+                  <a:schemeClr val="accent1">
+                    <a:lumMod val="50000"/>
+                  </a:schemeClr>
+                </a:solidFill>
+                <a:cs typeface="Arial" panose="020B0604020202020204" pitchFamily="34" charset="0"/>
+              </a:rPr>
+              <a:t>Types of faults</a:t>
+            </a:r>
+            <a:endParaRPr lang="en-US" sz="2800" dirty="0">
+              <a:solidFill>
+                <a:schemeClr val="accent1">
+                  <a:lumMod val="50000"/>
+                </a:schemeClr>
+              </a:solidFill>
+              <a:cs typeface="Arial" panose="020B0604020202020204" pitchFamily="34" charset="0"/>
+            </a:endParaRPr>
+          </a:p>
+        </p:txBody>
+      </p:sp>
+      <p:pic>
+        <p:nvPicPr>
+          <p:cNvPr id="2" name="Picture 1"/>
+          <p:cNvPicPr>
+            <a:picLocks noChangeAspect="1"/>
+          </p:cNvPicPr>
+          <p:nvPr/>
+        </p:nvPicPr>
+        <p:blipFill>
+          <a:blip r:embed="rId3"/>
+          <a:stretch>
+            <a:fillRect/>
+          </a:stretch>
+        </p:blipFill>
+        <p:spPr>
+          <a:xfrm>
+            <a:off x="255587" y="673889"/>
+            <a:ext cx="8749519" cy="4799811"/>
+          </a:xfrm>
+          <a:prstGeom prst="rect">
+            <a:avLst/>
+          </a:prstGeom>
+        </p:spPr>
+      </p:pic>
+    </p:spTree>
+    <p:extLst>
+      <p:ext uri="{BB962C8B-B14F-4D97-AF65-F5344CB8AC3E}">
+        <p14:creationId xmlns:p14="http://schemas.microsoft.com/office/powerpoint/2010/main" val="1591189072"/>
+      </p:ext>
+    </p:extLst>
+  </p:cSld>
+  <p:clrMapOvr>
+    <a:masterClrMapping/>
+  </p:clrMapOvr>
+  <p:timing>
+    <p:tnLst>
+      <p:par>
+        <p:cTn id="1" dur="indefinite" restart="never" nodeType="tmRoot"/>
+      </p:par>
+    </p:tnLst>
+  </p:timing>
+</p:sld>
+</file>
+
+<file path=ppt/slides/slide6.xml><?xml version="1.0" encoding="utf-8"?>
+<p:sld xmlns:a="http://schemas.openxmlformats.org/drawingml/2006/main" xmlns:r="http://schemas.openxmlformats.org/officeDocument/2006/relationships" xmlns:p="http://schemas.openxmlformats.org/presentationml/2006/main">
+  <p:cSld>
+    <p:spTree>
+      <p:nvGrpSpPr>
+        <p:cNvPr id="1" name=""/>
+        <p:cNvGrpSpPr/>
+        <p:nvPr/>
+      </p:nvGrpSpPr>
+      <p:grpSpPr>
+        <a:xfrm>
+          <a:off x="0" y="0"/>
+          <a:ext cx="0" cy="0"/>
+          <a:chOff x="0" y="0"/>
+          <a:chExt cx="0" cy="0"/>
+        </a:xfrm>
+      </p:grpSpPr>
+      <p:sp>
+        <p:nvSpPr>
+          <p:cNvPr id="8" name="Rectangle 7"/>
+          <p:cNvSpPr/>
+          <p:nvPr/>
+        </p:nvSpPr>
+        <p:spPr>
+          <a:xfrm>
+            <a:off x="478970" y="150669"/>
+            <a:ext cx="8207829" cy="523220"/>
+          </a:xfrm>
+          <a:prstGeom prst="rect">
+            <a:avLst/>
+          </a:prstGeom>
+        </p:spPr>
+        <p:txBody>
+          <a:bodyPr wrap="square">
+            <a:spAutoFit/>
+          </a:bodyPr>
+          <a:lstStyle/>
+          <a:p>
+            <a:pPr algn="ctr"/>
+            <a:r>
+              <a:rPr lang="en-US" sz="2800" b="1" dirty="0" smtClean="0">
+                <a:solidFill>
+                  <a:schemeClr val="accent1">
+                    <a:lumMod val="50000"/>
+                  </a:schemeClr>
+                </a:solidFill>
+                <a:cs typeface="Arial" panose="020B0604020202020204" pitchFamily="34" charset="0"/>
+              </a:rPr>
+              <a:t>Types of faults</a:t>
+            </a:r>
+            <a:endParaRPr lang="en-US" sz="2800" dirty="0">
+              <a:solidFill>
+                <a:schemeClr val="accent1">
+                  <a:lumMod val="50000"/>
+                </a:schemeClr>
+              </a:solidFill>
+              <a:cs typeface="Arial" panose="020B0604020202020204" pitchFamily="34" charset="0"/>
+            </a:endParaRPr>
+          </a:p>
+        </p:txBody>
+      </p:sp>
+      <p:sp>
+        <p:nvSpPr>
+          <p:cNvPr id="9" name="Rectangle 8"/>
+          <p:cNvSpPr/>
+          <p:nvPr/>
+        </p:nvSpPr>
+        <p:spPr>
+          <a:xfrm>
+            <a:off x="224970" y="707752"/>
+            <a:ext cx="8461829" cy="5632311"/>
+          </a:xfrm>
+          <a:prstGeom prst="rect">
+            <a:avLst/>
+          </a:prstGeom>
+        </p:spPr>
+        <p:txBody>
+          <a:bodyPr wrap="square">
+            <a:spAutoFit/>
+          </a:bodyPr>
+          <a:lstStyle/>
+          <a:p>
+            <a:r>
+              <a:rPr lang="en-US" sz="2000" b="1" dirty="0">
+                <a:solidFill>
+                  <a:srgbClr val="002060"/>
+                </a:solidFill>
+                <a:cs typeface="Arial" panose="020B0604020202020204" pitchFamily="34" charset="0"/>
+              </a:rPr>
+              <a:t>Winding open-circuit </a:t>
+            </a:r>
+            <a:r>
+              <a:rPr lang="en-US" sz="2000" b="1" dirty="0" smtClean="0">
+                <a:solidFill>
+                  <a:srgbClr val="002060"/>
+                </a:solidFill>
+                <a:cs typeface="Arial" panose="020B0604020202020204" pitchFamily="34" charset="0"/>
+              </a:rPr>
+              <a:t>faults:</a:t>
+            </a:r>
+          </a:p>
+          <a:p>
+            <a:pPr marL="342900" indent="-342900">
+              <a:buFont typeface="Arial" panose="020B0604020202020204" pitchFamily="34" charset="0"/>
+              <a:buChar char="•"/>
+            </a:pPr>
+            <a:r>
+              <a:rPr lang="en-US" sz="2000" dirty="0" smtClean="0">
+                <a:solidFill>
+                  <a:srgbClr val="002060"/>
+                </a:solidFill>
+                <a:cs typeface="Arial" panose="020B0604020202020204" pitchFamily="34" charset="0"/>
+              </a:rPr>
+              <a:t>among </a:t>
+            </a:r>
+            <a:r>
+              <a:rPr lang="en-US" sz="2000" dirty="0">
+                <a:solidFill>
+                  <a:srgbClr val="002060"/>
+                </a:solidFill>
+                <a:cs typeface="Arial" panose="020B0604020202020204" pitchFamily="34" charset="0"/>
+              </a:rPr>
+              <a:t>the most common </a:t>
+            </a:r>
+            <a:r>
+              <a:rPr lang="en-US" sz="2000" dirty="0" smtClean="0">
+                <a:solidFill>
+                  <a:srgbClr val="002060"/>
+                </a:solidFill>
+                <a:cs typeface="Arial" panose="020B0604020202020204" pitchFamily="34" charset="0"/>
+              </a:rPr>
+              <a:t>faults</a:t>
+            </a:r>
+          </a:p>
+          <a:p>
+            <a:pPr marL="342900" indent="-342900">
+              <a:buFont typeface="Arial" panose="020B0604020202020204" pitchFamily="34" charset="0"/>
+              <a:buChar char="•"/>
+            </a:pPr>
+            <a:r>
+              <a:rPr lang="en-US" sz="2000" dirty="0" smtClean="0">
+                <a:solidFill>
+                  <a:srgbClr val="002060"/>
+                </a:solidFill>
+                <a:cs typeface="Arial" panose="020B0604020202020204" pitchFamily="34" charset="0"/>
+              </a:rPr>
+              <a:t>caused </a:t>
+            </a:r>
+            <a:r>
+              <a:rPr lang="en-US" sz="2000" dirty="0">
+                <a:solidFill>
+                  <a:srgbClr val="002060"/>
+                </a:solidFill>
+                <a:cs typeface="Arial" panose="020B0604020202020204" pitchFamily="34" charset="0"/>
+              </a:rPr>
+              <a:t>as a consequence of the internal interruption of the motor windings, mechanical faults at the machine terminals, mechanical stresses on the connectors that link the motor and the inverter or by an electrical failure on an inverter phase </a:t>
+            </a:r>
+            <a:r>
+              <a:rPr lang="en-US" sz="2000" dirty="0" smtClean="0">
+                <a:solidFill>
+                  <a:srgbClr val="002060"/>
+                </a:solidFill>
+                <a:cs typeface="Arial" panose="020B0604020202020204" pitchFamily="34" charset="0"/>
+              </a:rPr>
+              <a:t>leg</a:t>
+            </a:r>
+          </a:p>
+          <a:p>
+            <a:pPr marL="342900" indent="-342900">
+              <a:buFont typeface="Arial" panose="020B0604020202020204" pitchFamily="34" charset="0"/>
+              <a:buChar char="•"/>
+            </a:pPr>
+            <a:r>
+              <a:rPr lang="en-US" sz="2000" dirty="0" smtClean="0">
+                <a:solidFill>
+                  <a:srgbClr val="002060"/>
+                </a:solidFill>
+                <a:cs typeface="Arial" panose="020B0604020202020204" pitchFamily="34" charset="0"/>
+              </a:rPr>
+              <a:t>leads </a:t>
+            </a:r>
+            <a:r>
+              <a:rPr lang="en-US" sz="2000" dirty="0">
+                <a:solidFill>
+                  <a:srgbClr val="002060"/>
+                </a:solidFill>
+                <a:cs typeface="Arial" panose="020B0604020202020204" pitchFamily="34" charset="0"/>
+              </a:rPr>
+              <a:t>to the inability to produce a standard 3-phase </a:t>
+            </a:r>
+            <a:r>
+              <a:rPr lang="en-US" sz="2000" dirty="0" smtClean="0">
+                <a:solidFill>
+                  <a:srgbClr val="002060"/>
+                </a:solidFill>
+                <a:cs typeface="Arial" panose="020B0604020202020204" pitchFamily="34" charset="0"/>
+              </a:rPr>
+              <a:t>constant </a:t>
+            </a:r>
+            <a:r>
+              <a:rPr lang="en-US" sz="2000" dirty="0">
+                <a:solidFill>
+                  <a:srgbClr val="002060"/>
+                </a:solidFill>
+                <a:cs typeface="Arial" panose="020B0604020202020204" pitchFamily="34" charset="0"/>
+              </a:rPr>
+              <a:t>magnitude rotating magnetic field </a:t>
+            </a:r>
+            <a:r>
+              <a:rPr lang="en-US" sz="2000" dirty="0" smtClean="0">
+                <a:solidFill>
+                  <a:srgbClr val="002060"/>
+                </a:solidFill>
+                <a:cs typeface="Arial" panose="020B0604020202020204" pitchFamily="34" charset="0"/>
+              </a:rPr>
+              <a:t>which</a:t>
+            </a:r>
+          </a:p>
+          <a:p>
+            <a:pPr marL="342900" indent="-342900">
+              <a:buFont typeface="Arial" panose="020B0604020202020204" pitchFamily="34" charset="0"/>
+              <a:buChar char="•"/>
+            </a:pPr>
+            <a:r>
+              <a:rPr lang="en-US" sz="2000" dirty="0" smtClean="0">
+                <a:solidFill>
+                  <a:srgbClr val="002060"/>
+                </a:solidFill>
+                <a:cs typeface="Arial" panose="020B0604020202020204" pitchFamily="34" charset="0"/>
+              </a:rPr>
+              <a:t>causes </a:t>
+            </a:r>
+            <a:r>
+              <a:rPr lang="en-US" sz="2000" dirty="0">
+                <a:solidFill>
+                  <a:srgbClr val="002060"/>
+                </a:solidFill>
+                <a:cs typeface="Arial" panose="020B0604020202020204" pitchFamily="34" charset="0"/>
+              </a:rPr>
+              <a:t>large torque pulsations, mainly at twice the frequency of the supply </a:t>
+            </a:r>
+            <a:r>
+              <a:rPr lang="en-US" sz="2000" dirty="0" smtClean="0">
+                <a:solidFill>
+                  <a:srgbClr val="002060"/>
+                </a:solidFill>
+                <a:cs typeface="Arial" panose="020B0604020202020204" pitchFamily="34" charset="0"/>
+              </a:rPr>
+              <a:t>signal</a:t>
+            </a:r>
+          </a:p>
+          <a:p>
+            <a:pPr marL="342900" indent="-342900">
+              <a:buFont typeface="Arial" panose="020B0604020202020204" pitchFamily="34" charset="0"/>
+              <a:buChar char="•"/>
+            </a:pPr>
+            <a:endParaRPr lang="en-US" sz="2000" dirty="0">
+              <a:solidFill>
+                <a:srgbClr val="002060"/>
+              </a:solidFill>
+              <a:cs typeface="Arial" panose="020B0604020202020204" pitchFamily="34" charset="0"/>
+            </a:endParaRPr>
+          </a:p>
+          <a:p>
+            <a:r>
+              <a:rPr lang="en-US" sz="2000" dirty="0" smtClean="0">
+                <a:solidFill>
+                  <a:srgbClr val="002060"/>
+                </a:solidFill>
+                <a:cs typeface="Arial" panose="020B0604020202020204" pitchFamily="34" charset="0"/>
+              </a:rPr>
+              <a:t>Majority </a:t>
+            </a:r>
+            <a:r>
+              <a:rPr lang="en-US" sz="2000" dirty="0">
+                <a:solidFill>
+                  <a:srgbClr val="002060"/>
+                </a:solidFill>
+                <a:cs typeface="Arial" panose="020B0604020202020204" pitchFamily="34" charset="0"/>
+              </a:rPr>
+              <a:t>of stator winding faults begin as </a:t>
+            </a:r>
+            <a:r>
+              <a:rPr lang="en-US" sz="2000" b="1" dirty="0">
+                <a:solidFill>
+                  <a:srgbClr val="002060"/>
+                </a:solidFill>
+                <a:cs typeface="Arial" panose="020B0604020202020204" pitchFamily="34" charset="0"/>
+              </a:rPr>
+              <a:t>insulation breakdown </a:t>
+            </a:r>
+            <a:r>
+              <a:rPr lang="en-US" sz="2000" dirty="0">
+                <a:solidFill>
+                  <a:srgbClr val="002060"/>
+                </a:solidFill>
+                <a:cs typeface="Arial" panose="020B0604020202020204" pitchFamily="34" charset="0"/>
+              </a:rPr>
+              <a:t>failures that lead to a </a:t>
+            </a:r>
+            <a:r>
+              <a:rPr lang="en-US" sz="2000" b="1" dirty="0">
+                <a:solidFill>
+                  <a:srgbClr val="002060"/>
+                </a:solidFill>
+                <a:cs typeface="Arial" panose="020B0604020202020204" pitchFamily="34" charset="0"/>
+              </a:rPr>
+              <a:t>short-circuit</a:t>
+            </a:r>
+            <a:r>
+              <a:rPr lang="en-US" sz="2000" dirty="0">
+                <a:solidFill>
+                  <a:srgbClr val="002060"/>
+                </a:solidFill>
+                <a:cs typeface="Arial" panose="020B0604020202020204" pitchFamily="34" charset="0"/>
+              </a:rPr>
+              <a:t> between several turns of a phase </a:t>
+            </a:r>
+            <a:r>
+              <a:rPr lang="en-US" sz="2000" dirty="0" smtClean="0">
+                <a:solidFill>
+                  <a:srgbClr val="002060"/>
+                </a:solidFill>
+                <a:cs typeface="Arial" panose="020B0604020202020204" pitchFamily="34" charset="0"/>
+              </a:rPr>
+              <a:t>winding.</a:t>
+            </a:r>
+          </a:p>
+          <a:p>
+            <a:pPr marL="342900" indent="-342900">
+              <a:buFont typeface="Arial" panose="020B0604020202020204" pitchFamily="34" charset="0"/>
+              <a:buChar char="•"/>
+            </a:pPr>
+            <a:r>
+              <a:rPr lang="en-US" sz="2000" dirty="0" smtClean="0">
+                <a:solidFill>
+                  <a:srgbClr val="002060"/>
+                </a:solidFill>
+                <a:cs typeface="Arial" panose="020B0604020202020204" pitchFamily="34" charset="0"/>
+              </a:rPr>
+              <a:t>causes </a:t>
+            </a:r>
+            <a:r>
+              <a:rPr lang="en-US" sz="2000" dirty="0">
+                <a:solidFill>
+                  <a:srgbClr val="002060"/>
+                </a:solidFill>
+                <a:cs typeface="Arial" panose="020B0604020202020204" pitchFamily="34" charset="0"/>
+              </a:rPr>
+              <a:t>a </a:t>
+            </a:r>
+            <a:r>
+              <a:rPr lang="en-US" sz="2000" b="1" dirty="0">
+                <a:solidFill>
+                  <a:srgbClr val="002060"/>
+                </a:solidFill>
+                <a:cs typeface="Arial" panose="020B0604020202020204" pitchFamily="34" charset="0"/>
+              </a:rPr>
+              <a:t>large circulating current </a:t>
+            </a:r>
+            <a:r>
+              <a:rPr lang="en-US" sz="2000" dirty="0" smtClean="0">
+                <a:solidFill>
+                  <a:srgbClr val="002060"/>
+                </a:solidFill>
+                <a:cs typeface="Arial" panose="020B0604020202020204" pitchFamily="34" charset="0"/>
+              </a:rPr>
+              <a:t>that </a:t>
+            </a:r>
+            <a:r>
+              <a:rPr lang="en-US" sz="2000" dirty="0">
+                <a:solidFill>
+                  <a:srgbClr val="002060"/>
+                </a:solidFill>
+                <a:cs typeface="Arial" panose="020B0604020202020204" pitchFamily="34" charset="0"/>
+              </a:rPr>
+              <a:t>generates a high amount of heat to be locally released within a short </a:t>
+            </a:r>
+            <a:r>
+              <a:rPr lang="en-US" sz="2000" dirty="0" smtClean="0">
+                <a:solidFill>
+                  <a:srgbClr val="002060"/>
+                </a:solidFill>
+                <a:cs typeface="Arial" panose="020B0604020202020204" pitchFamily="34" charset="0"/>
+              </a:rPr>
+              <a:t>time.</a:t>
+            </a:r>
+          </a:p>
+          <a:p>
+            <a:pPr marL="342900" indent="-342900">
+              <a:buFont typeface="Arial" panose="020B0604020202020204" pitchFamily="34" charset="0"/>
+              <a:buChar char="•"/>
+            </a:pPr>
+            <a:r>
+              <a:rPr lang="en-US" sz="2000" dirty="0" smtClean="0">
+                <a:solidFill>
+                  <a:srgbClr val="002060"/>
+                </a:solidFill>
+                <a:cs typeface="Arial" panose="020B0604020202020204" pitchFamily="34" charset="0"/>
+              </a:rPr>
+              <a:t>If </a:t>
+            </a:r>
+            <a:r>
+              <a:rPr lang="en-US" sz="2000" dirty="0">
+                <a:solidFill>
+                  <a:srgbClr val="002060"/>
+                </a:solidFill>
+                <a:cs typeface="Arial" panose="020B0604020202020204" pitchFamily="34" charset="0"/>
+              </a:rPr>
+              <a:t>undetected, inter-turn short-circuit faults rapidly </a:t>
+            </a:r>
+            <a:r>
+              <a:rPr lang="en-US" sz="2000" b="1" dirty="0">
+                <a:solidFill>
+                  <a:srgbClr val="002060"/>
+                </a:solidFill>
+                <a:cs typeface="Arial" panose="020B0604020202020204" pitchFamily="34" charset="0"/>
+              </a:rPr>
+              <a:t>propagate to neighboring turns</a:t>
+            </a:r>
+            <a:r>
+              <a:rPr lang="en-US" sz="2000" dirty="0">
+                <a:solidFill>
+                  <a:srgbClr val="002060"/>
+                </a:solidFill>
+                <a:cs typeface="Arial" panose="020B0604020202020204" pitchFamily="34" charset="0"/>
+              </a:rPr>
+              <a:t>, culminating in major faults such as </a:t>
+            </a:r>
+            <a:r>
+              <a:rPr lang="en-US" sz="2000" b="1" dirty="0">
+                <a:solidFill>
+                  <a:srgbClr val="002060"/>
+                </a:solidFill>
+                <a:cs typeface="Arial" panose="020B0604020202020204" pitchFamily="34" charset="0"/>
+              </a:rPr>
+              <a:t>coil to coil, phase to phase, phase to ground or open-circuit </a:t>
+            </a:r>
+            <a:r>
+              <a:rPr lang="en-US" sz="2000" b="1" dirty="0" smtClean="0">
+                <a:solidFill>
+                  <a:srgbClr val="002060"/>
+                </a:solidFill>
+                <a:cs typeface="Arial" panose="020B0604020202020204" pitchFamily="34" charset="0"/>
+              </a:rPr>
+              <a:t>faults</a:t>
+            </a:r>
+          </a:p>
+        </p:txBody>
+      </p:sp>
+    </p:spTree>
+    <p:extLst>
+      <p:ext uri="{BB962C8B-B14F-4D97-AF65-F5344CB8AC3E}">
+        <p14:creationId xmlns:p14="http://schemas.microsoft.com/office/powerpoint/2010/main" val="2305943199"/>
+      </p:ext>
+    </p:extLst>
+  </p:cSld>
+  <p:clrMapOvr>
+    <a:masterClrMapping/>
+  </p:clrMapOvr>
+  <p:timing>
+    <p:tnLst>
+      <p:par>
+        <p:cTn id="1" dur="indefinite" restart="never" nodeType="tmRoot"/>
+      </p:par>
+    </p:tnLst>
+  </p:timing>
+</p:sld>
+</file>
+
+<file path=ppt/slides/slide7.xml><?xml version="1.0" encoding="utf-8"?>
+<p:sld xmlns:a="http://schemas.openxmlformats.org/drawingml/2006/main" xmlns:r="http://schemas.openxmlformats.org/officeDocument/2006/relationships" xmlns:p="http://schemas.openxmlformats.org/presentationml/2006/main">
+  <p:cSld>
+    <p:spTree>
+      <p:nvGrpSpPr>
+        <p:cNvPr id="1" name=""/>
+        <p:cNvGrpSpPr/>
+        <p:nvPr/>
+      </p:nvGrpSpPr>
+      <p:grpSpPr>
+        <a:xfrm>
+          <a:off x="0" y="0"/>
+          <a:ext cx="0" cy="0"/>
+          <a:chOff x="0" y="0"/>
+          <a:chExt cx="0" cy="0"/>
+        </a:xfrm>
+      </p:grpSpPr>
+      <p:sp>
+        <p:nvSpPr>
+          <p:cNvPr id="8" name="Rectangle 7"/>
+          <p:cNvSpPr/>
+          <p:nvPr/>
+        </p:nvSpPr>
+        <p:spPr>
+          <a:xfrm>
+            <a:off x="478970" y="150669"/>
+            <a:ext cx="8207829" cy="523220"/>
+          </a:xfrm>
+          <a:prstGeom prst="rect">
+            <a:avLst/>
+          </a:prstGeom>
+        </p:spPr>
+        <p:txBody>
+          <a:bodyPr wrap="square">
+            <a:spAutoFit/>
+          </a:bodyPr>
+          <a:lstStyle/>
+          <a:p>
+            <a:pPr algn="ctr"/>
+            <a:r>
+              <a:rPr lang="en-US" sz="2800" b="1" dirty="0" smtClean="0">
+                <a:solidFill>
+                  <a:schemeClr val="accent1">
+                    <a:lumMod val="50000"/>
+                  </a:schemeClr>
+                </a:solidFill>
+                <a:cs typeface="Arial" panose="020B0604020202020204" pitchFamily="34" charset="0"/>
+              </a:rPr>
+              <a:t>Types of faults</a:t>
+            </a:r>
+            <a:endParaRPr lang="en-US" sz="2800" dirty="0">
+              <a:solidFill>
+                <a:schemeClr val="accent1">
+                  <a:lumMod val="50000"/>
+                </a:schemeClr>
+              </a:solidFill>
+              <a:cs typeface="Arial" panose="020B0604020202020204" pitchFamily="34" charset="0"/>
+            </a:endParaRPr>
+          </a:p>
+        </p:txBody>
+      </p:sp>
+      <p:sp>
+        <p:nvSpPr>
+          <p:cNvPr id="9" name="Rectangle 8"/>
+          <p:cNvSpPr/>
+          <p:nvPr/>
+        </p:nvSpPr>
+        <p:spPr>
+          <a:xfrm>
+            <a:off x="224970" y="707752"/>
+            <a:ext cx="8461829" cy="5940088"/>
+          </a:xfrm>
+          <a:prstGeom prst="rect">
+            <a:avLst/>
+          </a:prstGeom>
+        </p:spPr>
+        <p:txBody>
+          <a:bodyPr wrap="square">
+            <a:spAutoFit/>
+          </a:bodyPr>
+          <a:lstStyle/>
+          <a:p>
+            <a:r>
+              <a:rPr lang="en-US" sz="2000" b="1" dirty="0" smtClean="0">
+                <a:solidFill>
+                  <a:srgbClr val="002060"/>
+                </a:solidFill>
+                <a:cs typeface="Arial" panose="020B0604020202020204" pitchFamily="34" charset="0"/>
+              </a:rPr>
+              <a:t>Winding </a:t>
+            </a:r>
+            <a:r>
+              <a:rPr lang="en-US" sz="2000" b="1" dirty="0">
+                <a:solidFill>
+                  <a:srgbClr val="002060"/>
+                </a:solidFill>
+                <a:cs typeface="Arial" panose="020B0604020202020204" pitchFamily="34" charset="0"/>
+              </a:rPr>
+              <a:t>short-circuit faults </a:t>
+            </a:r>
+            <a:r>
+              <a:rPr lang="en-US" sz="2000" dirty="0">
+                <a:solidFill>
+                  <a:srgbClr val="002060"/>
+                </a:solidFill>
+                <a:cs typeface="Arial" panose="020B0604020202020204" pitchFamily="34" charset="0"/>
+              </a:rPr>
+              <a:t>involving the whole phase </a:t>
+            </a:r>
+            <a:r>
+              <a:rPr lang="en-US" sz="2000" dirty="0" smtClean="0">
+                <a:solidFill>
+                  <a:srgbClr val="002060"/>
+                </a:solidFill>
+                <a:cs typeface="Arial" panose="020B0604020202020204" pitchFamily="34" charset="0"/>
+              </a:rPr>
+              <a:t>winding.</a:t>
+            </a:r>
+          </a:p>
+          <a:p>
+            <a:pPr marL="342900" indent="-342900">
+              <a:buFont typeface="Arial" panose="020B0604020202020204" pitchFamily="34" charset="0"/>
+              <a:buChar char="•"/>
+            </a:pPr>
+            <a:r>
+              <a:rPr lang="en-US" sz="2000" dirty="0" smtClean="0">
+                <a:solidFill>
+                  <a:srgbClr val="002060"/>
+                </a:solidFill>
+                <a:cs typeface="Arial" panose="020B0604020202020204" pitchFamily="34" charset="0"/>
+              </a:rPr>
+              <a:t>may </a:t>
+            </a:r>
+            <a:r>
+              <a:rPr lang="en-US" sz="2000" dirty="0">
+                <a:solidFill>
+                  <a:srgbClr val="002060"/>
+                </a:solidFill>
+                <a:cs typeface="Arial" panose="020B0604020202020204" pitchFamily="34" charset="0"/>
+              </a:rPr>
+              <a:t>happen as a consequence </a:t>
+            </a:r>
+            <a:r>
+              <a:rPr lang="en-US" sz="2000" dirty="0" smtClean="0">
+                <a:solidFill>
+                  <a:srgbClr val="002060"/>
+                </a:solidFill>
+                <a:cs typeface="Arial" panose="020B0604020202020204" pitchFamily="34" charset="0"/>
+              </a:rPr>
+              <a:t>of</a:t>
+            </a:r>
+          </a:p>
+          <a:p>
+            <a:pPr marL="800100" lvl="1" indent="-342900">
+              <a:buFont typeface="Wingdings" panose="05000000000000000000" pitchFamily="2" charset="2"/>
+              <a:buChar char="q"/>
+            </a:pPr>
+            <a:r>
+              <a:rPr lang="en-US" sz="2000" dirty="0" smtClean="0">
+                <a:solidFill>
+                  <a:srgbClr val="002060"/>
+                </a:solidFill>
+                <a:cs typeface="Arial" panose="020B0604020202020204" pitchFamily="34" charset="0"/>
+              </a:rPr>
+              <a:t>the </a:t>
+            </a:r>
+            <a:r>
+              <a:rPr lang="en-US" sz="2000" dirty="0">
+                <a:solidFill>
+                  <a:srgbClr val="002060"/>
+                </a:solidFill>
+                <a:cs typeface="Arial" panose="020B0604020202020204" pitchFamily="34" charset="0"/>
+              </a:rPr>
+              <a:t>closing of all the high side or low side switches of the </a:t>
+            </a:r>
+            <a:r>
+              <a:rPr lang="en-US" sz="2000" dirty="0" smtClean="0">
+                <a:solidFill>
+                  <a:srgbClr val="002060"/>
+                </a:solidFill>
+                <a:cs typeface="Arial" panose="020B0604020202020204" pitchFamily="34" charset="0"/>
+              </a:rPr>
+              <a:t>inverter,</a:t>
+            </a:r>
+          </a:p>
+          <a:p>
+            <a:pPr marL="800100" lvl="1" indent="-342900">
+              <a:buFont typeface="Wingdings" panose="05000000000000000000" pitchFamily="2" charset="2"/>
+              <a:buChar char="q"/>
+            </a:pPr>
+            <a:r>
+              <a:rPr lang="en-US" sz="2000" dirty="0" smtClean="0">
+                <a:solidFill>
+                  <a:srgbClr val="002060"/>
+                </a:solidFill>
+                <a:cs typeface="Arial" panose="020B0604020202020204" pitchFamily="34" charset="0"/>
+              </a:rPr>
+              <a:t>a </a:t>
+            </a:r>
+            <a:r>
+              <a:rPr lang="en-US" sz="2000" dirty="0">
+                <a:solidFill>
+                  <a:srgbClr val="002060"/>
+                </a:solidFill>
+                <a:cs typeface="Arial" panose="020B0604020202020204" pitchFamily="34" charset="0"/>
+              </a:rPr>
+              <a:t>DC bus </a:t>
+            </a:r>
+            <a:r>
+              <a:rPr lang="en-US" sz="2000" dirty="0" smtClean="0">
+                <a:solidFill>
+                  <a:srgbClr val="002060"/>
+                </a:solidFill>
+                <a:cs typeface="Arial" panose="020B0604020202020204" pitchFamily="34" charset="0"/>
+              </a:rPr>
+              <a:t>short-circuit,</a:t>
+            </a:r>
+          </a:p>
+          <a:p>
+            <a:pPr marL="800100" lvl="1" indent="-342900">
+              <a:buFont typeface="Wingdings" panose="05000000000000000000" pitchFamily="2" charset="2"/>
+              <a:buChar char="q"/>
+            </a:pPr>
+            <a:r>
+              <a:rPr lang="en-US" sz="2000" dirty="0" smtClean="0">
+                <a:solidFill>
+                  <a:srgbClr val="002060"/>
+                </a:solidFill>
+                <a:cs typeface="Arial" panose="020B0604020202020204" pitchFamily="34" charset="0"/>
+              </a:rPr>
+              <a:t>a </a:t>
+            </a:r>
+            <a:r>
+              <a:rPr lang="en-US" sz="2000" dirty="0">
+                <a:solidFill>
+                  <a:srgbClr val="002060"/>
+                </a:solidFill>
+                <a:cs typeface="Arial" panose="020B0604020202020204" pitchFamily="34" charset="0"/>
+              </a:rPr>
+              <a:t>short-circuit between machine terminals in the terminal </a:t>
+            </a:r>
+            <a:r>
+              <a:rPr lang="en-US" sz="2000" dirty="0" smtClean="0">
+                <a:solidFill>
+                  <a:srgbClr val="002060"/>
+                </a:solidFill>
+                <a:cs typeface="Arial" panose="020B0604020202020204" pitchFamily="34" charset="0"/>
+              </a:rPr>
+              <a:t>box</a:t>
+            </a:r>
+          </a:p>
+          <a:p>
+            <a:pPr marL="800100" lvl="1" indent="-342900">
+              <a:buFont typeface="Wingdings" panose="05000000000000000000" pitchFamily="2" charset="2"/>
+              <a:buChar char="q"/>
+            </a:pPr>
+            <a:r>
+              <a:rPr lang="en-US" sz="2000" dirty="0">
+                <a:solidFill>
+                  <a:srgbClr val="002060"/>
+                </a:solidFill>
+                <a:cs typeface="Arial" panose="020B0604020202020204" pitchFamily="34" charset="0"/>
+              </a:rPr>
+              <a:t>physical damage on the cables connecting the motor and the </a:t>
+            </a:r>
+            <a:r>
+              <a:rPr lang="en-US" sz="2000" dirty="0" smtClean="0">
+                <a:solidFill>
+                  <a:srgbClr val="002060"/>
+                </a:solidFill>
+                <a:cs typeface="Arial" panose="020B0604020202020204" pitchFamily="34" charset="0"/>
+              </a:rPr>
+              <a:t>inverter</a:t>
+            </a:r>
+          </a:p>
+          <a:p>
+            <a:endParaRPr lang="en-US" sz="2000" dirty="0" smtClean="0">
+              <a:solidFill>
+                <a:srgbClr val="002060"/>
+              </a:solidFill>
+              <a:cs typeface="Arial" panose="020B0604020202020204" pitchFamily="34" charset="0"/>
+            </a:endParaRPr>
+          </a:p>
+          <a:p>
+            <a:endParaRPr lang="en-US" sz="2000" dirty="0">
+              <a:solidFill>
+                <a:srgbClr val="002060"/>
+              </a:solidFill>
+              <a:cs typeface="Arial" panose="020B0604020202020204" pitchFamily="34" charset="0"/>
+            </a:endParaRPr>
+          </a:p>
+          <a:p>
+            <a:r>
+              <a:rPr lang="en-US" sz="2000" dirty="0">
+                <a:solidFill>
+                  <a:srgbClr val="002060"/>
+                </a:solidFill>
+                <a:cs typeface="Arial" panose="020B0604020202020204" pitchFamily="34" charset="0"/>
+              </a:rPr>
+              <a:t>One of the most common inverter faults involves </a:t>
+            </a:r>
+            <a:r>
+              <a:rPr lang="en-US" sz="2000" b="1" dirty="0">
+                <a:solidFill>
+                  <a:srgbClr val="002060"/>
+                </a:solidFill>
+                <a:cs typeface="Arial" panose="020B0604020202020204" pitchFamily="34" charset="0"/>
+              </a:rPr>
+              <a:t>the permanent opening of a power semiconductor </a:t>
+            </a:r>
+            <a:r>
+              <a:rPr lang="en-US" sz="2000" dirty="0" smtClean="0">
+                <a:solidFill>
+                  <a:srgbClr val="002060"/>
+                </a:solidFill>
+                <a:cs typeface="Arial" panose="020B0604020202020204" pitchFamily="34" charset="0"/>
+              </a:rPr>
+              <a:t>switch</a:t>
+            </a:r>
+          </a:p>
+          <a:p>
+            <a:pPr marL="342900" indent="-342900">
+              <a:buFont typeface="Arial" panose="020B0604020202020204" pitchFamily="34" charset="0"/>
+              <a:buChar char="•"/>
+            </a:pPr>
+            <a:r>
+              <a:rPr lang="en-US" sz="2000" dirty="0" smtClean="0">
+                <a:solidFill>
+                  <a:srgbClr val="002060"/>
+                </a:solidFill>
+                <a:cs typeface="Arial" panose="020B0604020202020204" pitchFamily="34" charset="0"/>
+              </a:rPr>
+              <a:t>due to </a:t>
+            </a:r>
+            <a:r>
+              <a:rPr lang="en-US" sz="2000" b="1" dirty="0">
+                <a:solidFill>
+                  <a:srgbClr val="002060"/>
+                </a:solidFill>
+                <a:cs typeface="Arial" panose="020B0604020202020204" pitchFamily="34" charset="0"/>
+              </a:rPr>
+              <a:t>damage to the transistor </a:t>
+            </a:r>
+            <a:r>
+              <a:rPr lang="en-US" sz="2000" dirty="0" smtClean="0">
+                <a:solidFill>
+                  <a:srgbClr val="002060"/>
+                </a:solidFill>
+                <a:cs typeface="Arial" panose="020B0604020202020204" pitchFamily="34" charset="0"/>
+              </a:rPr>
+              <a:t>itself</a:t>
+            </a:r>
+          </a:p>
+          <a:p>
+            <a:pPr marL="342900" indent="-342900">
+              <a:buFont typeface="Arial" panose="020B0604020202020204" pitchFamily="34" charset="0"/>
+              <a:buChar char="•"/>
+            </a:pPr>
+            <a:r>
+              <a:rPr lang="en-US" sz="2000" dirty="0" smtClean="0">
+                <a:solidFill>
+                  <a:srgbClr val="002060"/>
+                </a:solidFill>
+                <a:cs typeface="Arial" panose="020B0604020202020204" pitchFamily="34" charset="0"/>
+              </a:rPr>
+              <a:t>or </a:t>
+            </a:r>
+            <a:r>
+              <a:rPr lang="en-US" sz="2000" dirty="0">
+                <a:solidFill>
+                  <a:srgbClr val="002060"/>
+                </a:solidFill>
+                <a:cs typeface="Arial" panose="020B0604020202020204" pitchFamily="34" charset="0"/>
+              </a:rPr>
+              <a:t>the </a:t>
+            </a:r>
+            <a:r>
+              <a:rPr lang="en-US" sz="2000" b="1" dirty="0">
+                <a:solidFill>
+                  <a:srgbClr val="002060"/>
+                </a:solidFill>
+                <a:cs typeface="Arial" panose="020B0604020202020204" pitchFamily="34" charset="0"/>
+              </a:rPr>
+              <a:t>control logic </a:t>
+            </a:r>
+            <a:r>
+              <a:rPr lang="en-US" sz="2000" dirty="0">
+                <a:solidFill>
+                  <a:srgbClr val="002060"/>
+                </a:solidFill>
+                <a:cs typeface="Arial" panose="020B0604020202020204" pitchFamily="34" charset="0"/>
+              </a:rPr>
+              <a:t>commanding the gate </a:t>
+            </a:r>
+            <a:r>
+              <a:rPr lang="en-US" sz="2000" dirty="0" smtClean="0">
+                <a:solidFill>
+                  <a:srgbClr val="002060"/>
+                </a:solidFill>
+                <a:cs typeface="Arial" panose="020B0604020202020204" pitchFamily="34" charset="0"/>
+              </a:rPr>
+              <a:t>signals.</a:t>
+            </a:r>
+          </a:p>
+          <a:p>
+            <a:pPr marL="342900" indent="-342900">
+              <a:buFont typeface="Arial" panose="020B0604020202020204" pitchFamily="34" charset="0"/>
+              <a:buChar char="•"/>
+            </a:pPr>
+            <a:r>
+              <a:rPr lang="en-US" sz="2000" dirty="0" smtClean="0">
+                <a:solidFill>
+                  <a:srgbClr val="002060"/>
+                </a:solidFill>
+                <a:cs typeface="Arial" panose="020B0604020202020204" pitchFamily="34" charset="0"/>
+              </a:rPr>
+              <a:t>current </a:t>
+            </a:r>
+            <a:r>
+              <a:rPr lang="en-US" sz="2000" dirty="0">
+                <a:solidFill>
+                  <a:srgbClr val="002060"/>
+                </a:solidFill>
+                <a:cs typeface="Arial" panose="020B0604020202020204" pitchFamily="34" charset="0"/>
+              </a:rPr>
+              <a:t>in the corresponding inverter leg is allowed to flow only during part of electrical </a:t>
+            </a:r>
+            <a:r>
+              <a:rPr lang="en-US" sz="2000" dirty="0" smtClean="0">
+                <a:solidFill>
+                  <a:srgbClr val="002060"/>
+                </a:solidFill>
+                <a:cs typeface="Arial" panose="020B0604020202020204" pitchFamily="34" charset="0"/>
+              </a:rPr>
+              <a:t>cycle,</a:t>
+            </a:r>
+          </a:p>
+          <a:p>
+            <a:pPr marL="342900" indent="-342900">
+              <a:buFont typeface="Arial" panose="020B0604020202020204" pitchFamily="34" charset="0"/>
+              <a:buChar char="•"/>
+            </a:pPr>
+            <a:r>
+              <a:rPr lang="en-US" sz="2000" dirty="0" smtClean="0">
+                <a:solidFill>
+                  <a:srgbClr val="002060"/>
+                </a:solidFill>
+                <a:cs typeface="Arial" panose="020B0604020202020204" pitchFamily="34" charset="0"/>
+              </a:rPr>
+              <a:t>either </a:t>
+            </a:r>
+            <a:r>
+              <a:rPr lang="en-US" sz="2000" dirty="0">
+                <a:solidFill>
+                  <a:srgbClr val="002060"/>
+                </a:solidFill>
+                <a:cs typeface="Arial" panose="020B0604020202020204" pitchFamily="34" charset="0"/>
+              </a:rPr>
+              <a:t>through the </a:t>
+            </a:r>
+            <a:r>
+              <a:rPr lang="en-US" sz="2000" b="1" dirty="0">
+                <a:solidFill>
+                  <a:srgbClr val="002060"/>
+                </a:solidFill>
+                <a:cs typeface="Arial" panose="020B0604020202020204" pitchFamily="34" charset="0"/>
+              </a:rPr>
+              <a:t>other transistor </a:t>
+            </a:r>
+            <a:r>
+              <a:rPr lang="en-US" sz="2000" dirty="0">
+                <a:solidFill>
+                  <a:srgbClr val="002060"/>
+                </a:solidFill>
+                <a:cs typeface="Arial" panose="020B0604020202020204" pitchFamily="34" charset="0"/>
+              </a:rPr>
+              <a:t>or through the associated </a:t>
+            </a:r>
+            <a:r>
+              <a:rPr lang="en-US" sz="2000" b="1" dirty="0">
+                <a:solidFill>
+                  <a:srgbClr val="002060"/>
+                </a:solidFill>
+                <a:cs typeface="Arial" panose="020B0604020202020204" pitchFamily="34" charset="0"/>
+              </a:rPr>
+              <a:t>free-wheeling</a:t>
+            </a:r>
+            <a:r>
+              <a:rPr lang="en-US" sz="2000" dirty="0">
+                <a:solidFill>
+                  <a:srgbClr val="002060"/>
+                </a:solidFill>
+                <a:cs typeface="Arial" panose="020B0604020202020204" pitchFamily="34" charset="0"/>
+              </a:rPr>
+              <a:t> </a:t>
+            </a:r>
+            <a:r>
+              <a:rPr lang="en-US" sz="2000" dirty="0" smtClean="0">
+                <a:solidFill>
+                  <a:srgbClr val="002060"/>
+                </a:solidFill>
+                <a:cs typeface="Arial" panose="020B0604020202020204" pitchFamily="34" charset="0"/>
+              </a:rPr>
+              <a:t>diode,</a:t>
+            </a:r>
+          </a:p>
+          <a:p>
+            <a:pPr marL="342900" indent="-342900">
+              <a:buFont typeface="Arial" panose="020B0604020202020204" pitchFamily="34" charset="0"/>
+              <a:buChar char="•"/>
+            </a:pPr>
+            <a:r>
+              <a:rPr lang="en-US" sz="2000" dirty="0" smtClean="0">
+                <a:solidFill>
+                  <a:srgbClr val="002060"/>
+                </a:solidFill>
+                <a:cs typeface="Arial" panose="020B0604020202020204" pitchFamily="34" charset="0"/>
+              </a:rPr>
+              <a:t>leading </a:t>
+            </a:r>
+            <a:r>
+              <a:rPr lang="en-US" sz="2000" dirty="0">
+                <a:solidFill>
+                  <a:srgbClr val="002060"/>
+                </a:solidFill>
+                <a:cs typeface="Arial" panose="020B0604020202020204" pitchFamily="34" charset="0"/>
+              </a:rPr>
+              <a:t>to </a:t>
+            </a:r>
+            <a:r>
+              <a:rPr lang="en-US" sz="2000" b="1" dirty="0">
+                <a:solidFill>
+                  <a:srgbClr val="002060"/>
+                </a:solidFill>
+                <a:cs typeface="Arial" panose="020B0604020202020204" pitchFamily="34" charset="0"/>
+              </a:rPr>
+              <a:t>a DC component </a:t>
+            </a:r>
+            <a:r>
+              <a:rPr lang="en-US" sz="2000" dirty="0">
+                <a:solidFill>
+                  <a:srgbClr val="002060"/>
+                </a:solidFill>
+                <a:cs typeface="Arial" panose="020B0604020202020204" pitchFamily="34" charset="0"/>
+              </a:rPr>
+              <a:t>in the phase </a:t>
+            </a:r>
+            <a:r>
+              <a:rPr lang="en-US" sz="2000" dirty="0" smtClean="0">
+                <a:solidFill>
+                  <a:srgbClr val="002060"/>
+                </a:solidFill>
+                <a:cs typeface="Arial" panose="020B0604020202020204" pitchFamily="34" charset="0"/>
+              </a:rPr>
+              <a:t>currents and </a:t>
+            </a:r>
+            <a:r>
+              <a:rPr lang="en-US" sz="2000" b="1" dirty="0">
+                <a:solidFill>
+                  <a:srgbClr val="002060"/>
+                </a:solidFill>
+                <a:cs typeface="Arial" panose="020B0604020202020204" pitchFamily="34" charset="0"/>
+              </a:rPr>
+              <a:t>pulsations</a:t>
+            </a:r>
+            <a:r>
+              <a:rPr lang="en-US" sz="2000" dirty="0">
+                <a:solidFill>
+                  <a:srgbClr val="002060"/>
+                </a:solidFill>
+                <a:cs typeface="Arial" panose="020B0604020202020204" pitchFamily="34" charset="0"/>
+              </a:rPr>
+              <a:t> in the </a:t>
+            </a:r>
+            <a:r>
+              <a:rPr lang="en-US" sz="2000" b="1" dirty="0">
+                <a:solidFill>
+                  <a:srgbClr val="002060"/>
+                </a:solidFill>
+                <a:cs typeface="Arial" panose="020B0604020202020204" pitchFamily="34" charset="0"/>
+              </a:rPr>
+              <a:t>torque</a:t>
+            </a:r>
+            <a:r>
+              <a:rPr lang="en-US" sz="2000" dirty="0">
+                <a:solidFill>
+                  <a:srgbClr val="002060"/>
+                </a:solidFill>
+                <a:cs typeface="Arial" panose="020B0604020202020204" pitchFamily="34" charset="0"/>
+              </a:rPr>
+              <a:t> </a:t>
+            </a:r>
+            <a:r>
+              <a:rPr lang="en-US" sz="2000" dirty="0" smtClean="0">
+                <a:solidFill>
+                  <a:srgbClr val="002060"/>
+                </a:solidFill>
+                <a:cs typeface="Arial" panose="020B0604020202020204" pitchFamily="34" charset="0"/>
+              </a:rPr>
+              <a:t>waveform</a:t>
+            </a:r>
+          </a:p>
+          <a:p>
+            <a:pPr marL="342900" indent="-342900">
+              <a:buFont typeface="Arial" panose="020B0604020202020204" pitchFamily="34" charset="0"/>
+              <a:buChar char="•"/>
+            </a:pPr>
+            <a:r>
+              <a:rPr lang="en-US" sz="2000" dirty="0">
+                <a:solidFill>
+                  <a:srgbClr val="FF0000"/>
+                </a:solidFill>
+                <a:cs typeface="Arial" panose="020B0604020202020204" pitchFamily="34" charset="0"/>
+              </a:rPr>
+              <a:t>may remain undetected for a long time</a:t>
+            </a:r>
+            <a:endParaRPr lang="en-US" sz="2000" dirty="0" smtClean="0">
+              <a:solidFill>
+                <a:srgbClr val="FF0000"/>
+              </a:solidFill>
+              <a:cs typeface="Arial" panose="020B0604020202020204" pitchFamily="34" charset="0"/>
+            </a:endParaRPr>
+          </a:p>
+        </p:txBody>
+      </p:sp>
+    </p:spTree>
+    <p:extLst>
+      <p:ext uri="{BB962C8B-B14F-4D97-AF65-F5344CB8AC3E}">
+        <p14:creationId xmlns:p14="http://schemas.microsoft.com/office/powerpoint/2010/main" val="4138313658"/>
+      </p:ext>
+    </p:extLst>
+  </p:cSld>
+  <p:clrMapOvr>
+    <a:masterClrMapping/>
+  </p:clrMapOvr>
+  <p:timing>
+    <p:tnLst>
+      <p:par>
+        <p:cTn id="1" dur="indefinite" restart="never" nodeType="tmRoot"/>
+      </p:par>
+    </p:tnLst>
+  </p:timing>
+</p:sld>
+</file>
+
+<file path=ppt/slides/slide8.xml><?xml version="1.0" encoding="utf-8"?>
+<p:sld xmlns:a="http://schemas.openxmlformats.org/drawingml/2006/main" xmlns:r="http://schemas.openxmlformats.org/officeDocument/2006/relationships" xmlns:p="http://schemas.openxmlformats.org/presentationml/2006/main">
+  <p:cSld>
+    <p:spTree>
+      <p:nvGrpSpPr>
+        <p:cNvPr id="1" name=""/>
+        <p:cNvGrpSpPr/>
+        <p:nvPr/>
+      </p:nvGrpSpPr>
+      <p:grpSpPr>
+        <a:xfrm>
+          <a:off x="0" y="0"/>
+          <a:ext cx="0" cy="0"/>
+          <a:chOff x="0" y="0"/>
+          <a:chExt cx="0" cy="0"/>
+        </a:xfrm>
+      </p:grpSpPr>
+      <p:sp>
+        <p:nvSpPr>
+          <p:cNvPr id="8" name="Rectangle 7"/>
+          <p:cNvSpPr/>
+          <p:nvPr/>
+        </p:nvSpPr>
+        <p:spPr>
+          <a:xfrm>
+            <a:off x="478970" y="150669"/>
+            <a:ext cx="8207829" cy="523220"/>
+          </a:xfrm>
+          <a:prstGeom prst="rect">
+            <a:avLst/>
+          </a:prstGeom>
+        </p:spPr>
+        <p:txBody>
+          <a:bodyPr wrap="square">
+            <a:spAutoFit/>
+          </a:bodyPr>
+          <a:lstStyle/>
+          <a:p>
+            <a:pPr algn="ctr"/>
+            <a:r>
+              <a:rPr lang="en-US" sz="2800" b="1" dirty="0" smtClean="0">
+                <a:solidFill>
+                  <a:schemeClr val="accent1">
+                    <a:lumMod val="50000"/>
+                  </a:schemeClr>
+                </a:solidFill>
+                <a:cs typeface="Arial" panose="020B0604020202020204" pitchFamily="34" charset="0"/>
+              </a:rPr>
+              <a:t>Types of faults</a:t>
+            </a:r>
+            <a:endParaRPr lang="en-US" sz="2800" dirty="0">
+              <a:solidFill>
+                <a:schemeClr val="accent1">
+                  <a:lumMod val="50000"/>
+                </a:schemeClr>
+              </a:solidFill>
+              <a:cs typeface="Arial" panose="020B0604020202020204" pitchFamily="34" charset="0"/>
+            </a:endParaRPr>
+          </a:p>
+        </p:txBody>
+      </p:sp>
+      <p:sp>
+        <p:nvSpPr>
+          <p:cNvPr id="9" name="Rectangle 8"/>
+          <p:cNvSpPr/>
+          <p:nvPr/>
+        </p:nvSpPr>
+        <p:spPr>
+          <a:xfrm>
+            <a:off x="224970" y="707752"/>
+            <a:ext cx="8461829" cy="5940088"/>
+          </a:xfrm>
+          <a:prstGeom prst="rect">
+            <a:avLst/>
+          </a:prstGeom>
+        </p:spPr>
+        <p:txBody>
+          <a:bodyPr wrap="square">
+            <a:spAutoFit/>
+          </a:bodyPr>
+          <a:lstStyle/>
+          <a:p>
+            <a:r>
+              <a:rPr lang="en-US" sz="2000" b="1" dirty="0">
+                <a:solidFill>
+                  <a:srgbClr val="002060"/>
+                </a:solidFill>
+                <a:cs typeface="Arial" panose="020B0604020202020204" pitchFamily="34" charset="0"/>
+              </a:rPr>
+              <a:t>Transistor short-circuit </a:t>
+            </a:r>
+            <a:r>
+              <a:rPr lang="en-US" sz="2000" b="1" dirty="0" smtClean="0">
+                <a:solidFill>
+                  <a:srgbClr val="002060"/>
+                </a:solidFill>
+                <a:cs typeface="Arial" panose="020B0604020202020204" pitchFamily="34" charset="0"/>
+              </a:rPr>
+              <a:t>faults </a:t>
+            </a:r>
+            <a:r>
+              <a:rPr lang="en-US" sz="2000" dirty="0" smtClean="0">
+                <a:solidFill>
+                  <a:srgbClr val="002060"/>
+                </a:solidFill>
+                <a:cs typeface="Arial" panose="020B0604020202020204" pitchFamily="34" charset="0"/>
+              </a:rPr>
+              <a:t>usually </a:t>
+            </a:r>
+            <a:r>
+              <a:rPr lang="en-US" sz="2000" dirty="0">
+                <a:solidFill>
+                  <a:srgbClr val="002060"/>
+                </a:solidFill>
+                <a:cs typeface="Arial" panose="020B0604020202020204" pitchFamily="34" charset="0"/>
+              </a:rPr>
+              <a:t>occurs as a consequence of a single power semiconductor switch being </a:t>
+            </a:r>
+            <a:r>
+              <a:rPr lang="en-US" sz="2000" dirty="0" smtClean="0">
+                <a:solidFill>
+                  <a:srgbClr val="002060"/>
+                </a:solidFill>
+                <a:cs typeface="Arial" panose="020B0604020202020204" pitchFamily="34" charset="0"/>
+              </a:rPr>
+              <a:t>permanently damaged.</a:t>
+            </a:r>
+          </a:p>
+          <a:p>
+            <a:pPr marL="342900" indent="-342900">
+              <a:buFont typeface="Arial" panose="020B0604020202020204" pitchFamily="34" charset="0"/>
+              <a:buChar char="•"/>
+            </a:pPr>
+            <a:r>
+              <a:rPr lang="en-US" sz="2000" dirty="0" smtClean="0">
+                <a:solidFill>
+                  <a:srgbClr val="002060"/>
+                </a:solidFill>
+                <a:cs typeface="Arial" panose="020B0604020202020204" pitchFamily="34" charset="0"/>
+              </a:rPr>
+              <a:t>The </a:t>
+            </a:r>
+            <a:r>
+              <a:rPr lang="en-US" sz="2000" dirty="0">
+                <a:solidFill>
+                  <a:srgbClr val="002060"/>
+                </a:solidFill>
+                <a:cs typeface="Arial" panose="020B0604020202020204" pitchFamily="34" charset="0"/>
+              </a:rPr>
+              <a:t>damage may be due </a:t>
+            </a:r>
+            <a:r>
+              <a:rPr lang="en-US" sz="2000" dirty="0" smtClean="0">
+                <a:solidFill>
+                  <a:srgbClr val="002060"/>
+                </a:solidFill>
+                <a:cs typeface="Arial" panose="020B0604020202020204" pitchFamily="34" charset="0"/>
+              </a:rPr>
+              <a:t>to</a:t>
+            </a:r>
+          </a:p>
+          <a:p>
+            <a:pPr marL="800100" lvl="1" indent="-342900">
+              <a:buFont typeface="Wingdings" panose="05000000000000000000" pitchFamily="2" charset="2"/>
+              <a:buChar char="q"/>
+            </a:pPr>
+            <a:r>
+              <a:rPr lang="en-US" sz="2000" dirty="0" smtClean="0">
+                <a:solidFill>
+                  <a:srgbClr val="002060"/>
+                </a:solidFill>
+                <a:cs typeface="Arial" panose="020B0604020202020204" pitchFamily="34" charset="0"/>
+              </a:rPr>
+              <a:t>a </a:t>
+            </a:r>
+            <a:r>
+              <a:rPr lang="en-US" sz="2000" dirty="0">
+                <a:solidFill>
+                  <a:srgbClr val="002060"/>
+                </a:solidFill>
+                <a:cs typeface="Arial" panose="020B0604020202020204" pitchFamily="34" charset="0"/>
+              </a:rPr>
+              <a:t>short-circuit fault in the associated </a:t>
+            </a:r>
+            <a:r>
+              <a:rPr lang="en-US" sz="2000" b="1" dirty="0" smtClean="0">
+                <a:solidFill>
+                  <a:srgbClr val="002060"/>
+                </a:solidFill>
+                <a:cs typeface="Arial" panose="020B0604020202020204" pitchFamily="34" charset="0"/>
+              </a:rPr>
+              <a:t>free-wheeling diode</a:t>
+            </a:r>
+          </a:p>
+          <a:p>
+            <a:pPr marL="800100" lvl="1" indent="-342900">
+              <a:buFont typeface="Wingdings" panose="05000000000000000000" pitchFamily="2" charset="2"/>
+              <a:buChar char="q"/>
+            </a:pPr>
+            <a:r>
+              <a:rPr lang="en-US" sz="2000" dirty="0">
+                <a:solidFill>
+                  <a:srgbClr val="002060"/>
+                </a:solidFill>
+                <a:cs typeface="Arial" panose="020B0604020202020204" pitchFamily="34" charset="0"/>
+              </a:rPr>
+              <a:t>p</a:t>
+            </a:r>
+            <a:r>
+              <a:rPr lang="en-US" sz="2000" dirty="0" smtClean="0">
+                <a:solidFill>
+                  <a:srgbClr val="002060"/>
+                </a:solidFill>
+                <a:cs typeface="Arial" panose="020B0604020202020204" pitchFamily="34" charset="0"/>
+              </a:rPr>
+              <a:t>resence </a:t>
+            </a:r>
+            <a:r>
+              <a:rPr lang="en-US" sz="2000" dirty="0">
+                <a:solidFill>
+                  <a:srgbClr val="002060"/>
+                </a:solidFill>
+                <a:cs typeface="Arial" panose="020B0604020202020204" pitchFamily="34" charset="0"/>
+              </a:rPr>
+              <a:t>of </a:t>
+            </a:r>
+            <a:r>
+              <a:rPr lang="en-US" sz="2000" b="1" dirty="0">
+                <a:solidFill>
+                  <a:srgbClr val="002060"/>
+                </a:solidFill>
+                <a:cs typeface="Arial" panose="020B0604020202020204" pitchFamily="34" charset="0"/>
+              </a:rPr>
+              <a:t>impurities</a:t>
+            </a:r>
+            <a:r>
+              <a:rPr lang="en-US" sz="2000" dirty="0">
+                <a:solidFill>
+                  <a:srgbClr val="002060"/>
+                </a:solidFill>
+                <a:cs typeface="Arial" panose="020B0604020202020204" pitchFamily="34" charset="0"/>
+              </a:rPr>
+              <a:t> in the fabrication process may also trigger the short-circuiting of the power semiconductor switch</a:t>
+            </a:r>
+            <a:r>
+              <a:rPr lang="en-US" sz="2000" dirty="0" smtClean="0">
+                <a:solidFill>
+                  <a:srgbClr val="002060"/>
+                </a:solidFill>
+                <a:cs typeface="Arial" panose="020B0604020202020204" pitchFamily="34" charset="0"/>
+              </a:rPr>
+              <a:t>.</a:t>
+            </a:r>
+          </a:p>
+          <a:p>
+            <a:pPr marL="800100" lvl="1" indent="-342900">
+              <a:buFont typeface="Wingdings" panose="05000000000000000000" pitchFamily="2" charset="2"/>
+              <a:buChar char="q"/>
+            </a:pPr>
+            <a:r>
+              <a:rPr lang="en-US" sz="2000" dirty="0" smtClean="0">
+                <a:solidFill>
+                  <a:srgbClr val="002060"/>
+                </a:solidFill>
+                <a:cs typeface="Arial" panose="020B0604020202020204" pitchFamily="34" charset="0"/>
+              </a:rPr>
+              <a:t>erroneous </a:t>
+            </a:r>
+            <a:r>
+              <a:rPr lang="en-US" sz="2000" b="1" dirty="0">
+                <a:solidFill>
+                  <a:srgbClr val="002060"/>
+                </a:solidFill>
+                <a:cs typeface="Arial" panose="020B0604020202020204" pitchFamily="34" charset="0"/>
+              </a:rPr>
+              <a:t>control signals </a:t>
+            </a:r>
+            <a:r>
+              <a:rPr lang="en-US" sz="2000" dirty="0">
+                <a:solidFill>
+                  <a:srgbClr val="002060"/>
+                </a:solidFill>
+                <a:cs typeface="Arial" panose="020B0604020202020204" pitchFamily="34" charset="0"/>
+              </a:rPr>
+              <a:t>caused by driver </a:t>
+            </a:r>
+            <a:r>
+              <a:rPr lang="en-US" sz="2000" dirty="0" smtClean="0">
+                <a:solidFill>
+                  <a:srgbClr val="002060"/>
+                </a:solidFill>
+                <a:cs typeface="Arial" panose="020B0604020202020204" pitchFamily="34" charset="0"/>
+              </a:rPr>
+              <a:t>malfunction</a:t>
+            </a:r>
+          </a:p>
+          <a:p>
+            <a:pPr marL="800100" lvl="1" indent="-342900">
+              <a:buFont typeface="Wingdings" panose="05000000000000000000" pitchFamily="2" charset="2"/>
+              <a:buChar char="q"/>
+            </a:pPr>
+            <a:r>
+              <a:rPr lang="en-US" sz="2000" b="1" dirty="0" smtClean="0">
+                <a:solidFill>
+                  <a:srgbClr val="002060"/>
+                </a:solidFill>
+                <a:cs typeface="Arial" panose="020B0604020202020204" pitchFamily="34" charset="0"/>
+              </a:rPr>
+              <a:t>auxiliary</a:t>
+            </a:r>
+            <a:r>
+              <a:rPr lang="en-US" sz="2000" dirty="0" smtClean="0">
+                <a:solidFill>
+                  <a:srgbClr val="002060"/>
+                </a:solidFill>
+                <a:cs typeface="Arial" panose="020B0604020202020204" pitchFamily="34" charset="0"/>
+              </a:rPr>
+              <a:t> </a:t>
+            </a:r>
+            <a:r>
+              <a:rPr lang="en-US" sz="2000" dirty="0">
+                <a:solidFill>
+                  <a:srgbClr val="002060"/>
+                </a:solidFill>
+                <a:cs typeface="Arial" panose="020B0604020202020204" pitchFamily="34" charset="0"/>
+              </a:rPr>
+              <a:t>power supply </a:t>
+            </a:r>
+            <a:r>
+              <a:rPr lang="en-US" sz="2000" dirty="0" smtClean="0">
+                <a:solidFill>
+                  <a:srgbClr val="002060"/>
+                </a:solidFill>
+                <a:cs typeface="Arial" panose="020B0604020202020204" pitchFamily="34" charset="0"/>
+              </a:rPr>
+              <a:t>failure</a:t>
+            </a:r>
+          </a:p>
+          <a:p>
+            <a:pPr marL="800100" lvl="1" indent="-342900">
+              <a:buFont typeface="Wingdings" panose="05000000000000000000" pitchFamily="2" charset="2"/>
+              <a:buChar char="q"/>
+            </a:pPr>
+            <a:r>
+              <a:rPr lang="en-US" sz="2000" b="1" dirty="0" smtClean="0">
+                <a:solidFill>
+                  <a:srgbClr val="002060"/>
+                </a:solidFill>
+                <a:cs typeface="Arial" panose="020B0604020202020204" pitchFamily="34" charset="0"/>
+              </a:rPr>
+              <a:t>electromagnetic</a:t>
+            </a:r>
+            <a:r>
+              <a:rPr lang="en-US" sz="2000" dirty="0" smtClean="0">
+                <a:solidFill>
+                  <a:srgbClr val="002060"/>
+                </a:solidFill>
+                <a:cs typeface="Arial" panose="020B0604020202020204" pitchFamily="34" charset="0"/>
+              </a:rPr>
+              <a:t> disturbance</a:t>
+            </a:r>
+          </a:p>
+          <a:p>
+            <a:pPr marL="800100" lvl="1" indent="-342900">
+              <a:buFont typeface="Wingdings" panose="05000000000000000000" pitchFamily="2" charset="2"/>
+              <a:buChar char="q"/>
+            </a:pPr>
+            <a:r>
+              <a:rPr lang="en-US" sz="2000" dirty="0" smtClean="0">
+                <a:solidFill>
+                  <a:srgbClr val="002060"/>
+                </a:solidFill>
+                <a:cs typeface="Arial" panose="020B0604020202020204" pitchFamily="34" charset="0"/>
+              </a:rPr>
+              <a:t>control </a:t>
+            </a:r>
+            <a:r>
+              <a:rPr lang="en-US" sz="2000" b="1" dirty="0">
+                <a:solidFill>
+                  <a:srgbClr val="002060"/>
+                </a:solidFill>
+                <a:cs typeface="Arial" panose="020B0604020202020204" pitchFamily="34" charset="0"/>
+              </a:rPr>
+              <a:t>software </a:t>
+            </a:r>
+            <a:r>
+              <a:rPr lang="en-US" sz="2000" b="1" dirty="0" smtClean="0">
+                <a:solidFill>
+                  <a:srgbClr val="002060"/>
+                </a:solidFill>
+                <a:cs typeface="Arial" panose="020B0604020202020204" pitchFamily="34" charset="0"/>
+              </a:rPr>
+              <a:t>errors</a:t>
+            </a:r>
+            <a:endParaRPr lang="en-US" sz="2000" dirty="0">
+              <a:solidFill>
+                <a:srgbClr val="002060"/>
+              </a:solidFill>
+              <a:cs typeface="Arial" panose="020B0604020202020204" pitchFamily="34" charset="0"/>
+            </a:endParaRPr>
+          </a:p>
+          <a:p>
+            <a:pPr marL="342900" indent="-342900">
+              <a:buFont typeface="Arial" panose="020B0604020202020204" pitchFamily="34" charset="0"/>
+              <a:buChar char="•"/>
+            </a:pPr>
+            <a:r>
+              <a:rPr lang="en-US" sz="2000" dirty="0" smtClean="0">
+                <a:solidFill>
+                  <a:srgbClr val="FF0000"/>
+                </a:solidFill>
+                <a:cs typeface="Arial" panose="020B0604020202020204" pitchFamily="34" charset="0"/>
+              </a:rPr>
+              <a:t>serious </a:t>
+            </a:r>
+            <a:r>
+              <a:rPr lang="en-US" sz="2000" dirty="0">
+                <a:solidFill>
+                  <a:srgbClr val="FF0000"/>
+                </a:solidFill>
+                <a:cs typeface="Arial" panose="020B0604020202020204" pitchFamily="34" charset="0"/>
+              </a:rPr>
+              <a:t>fault condition that demands immediate remedial </a:t>
+            </a:r>
+            <a:r>
+              <a:rPr lang="en-US" sz="2000" dirty="0" smtClean="0">
+                <a:solidFill>
+                  <a:srgbClr val="FF0000"/>
+                </a:solidFill>
+                <a:cs typeface="Arial" panose="020B0604020202020204" pitchFamily="34" charset="0"/>
+              </a:rPr>
+              <a:t>action</a:t>
+            </a:r>
+          </a:p>
+          <a:p>
+            <a:pPr marL="342900" indent="-342900">
+              <a:buFont typeface="Arial" panose="020B0604020202020204" pitchFamily="34" charset="0"/>
+              <a:buChar char="•"/>
+            </a:pPr>
+            <a:r>
+              <a:rPr lang="en-US" sz="2000" dirty="0" smtClean="0">
+                <a:solidFill>
+                  <a:srgbClr val="002060"/>
+                </a:solidFill>
+                <a:cs typeface="Arial" panose="020B0604020202020204" pitchFamily="34" charset="0"/>
+              </a:rPr>
+              <a:t>the </a:t>
+            </a:r>
+            <a:r>
+              <a:rPr lang="en-US" sz="2000" dirty="0">
+                <a:solidFill>
+                  <a:srgbClr val="002060"/>
+                </a:solidFill>
+                <a:cs typeface="Arial" panose="020B0604020202020204" pitchFamily="34" charset="0"/>
+              </a:rPr>
+              <a:t>other switch in the same leg has to be opened within </a:t>
+            </a:r>
+            <a:r>
+              <a:rPr lang="en-US" sz="2000" b="1" dirty="0">
+                <a:solidFill>
+                  <a:srgbClr val="002060"/>
+                </a:solidFill>
+                <a:cs typeface="Arial" panose="020B0604020202020204" pitchFamily="34" charset="0"/>
+              </a:rPr>
+              <a:t>a few µs </a:t>
+            </a:r>
+            <a:endParaRPr lang="en-US" sz="2000" dirty="0" smtClean="0">
+              <a:solidFill>
+                <a:srgbClr val="002060"/>
+              </a:solidFill>
+              <a:cs typeface="Arial" panose="020B0604020202020204" pitchFamily="34" charset="0"/>
+            </a:endParaRPr>
+          </a:p>
+          <a:p>
+            <a:pPr marL="342900" indent="-342900">
+              <a:buFont typeface="Arial" panose="020B0604020202020204" pitchFamily="34" charset="0"/>
+              <a:buChar char="•"/>
+            </a:pPr>
+            <a:r>
+              <a:rPr lang="en-US" sz="2000" dirty="0" smtClean="0">
+                <a:solidFill>
+                  <a:srgbClr val="002060"/>
+                </a:solidFill>
+                <a:cs typeface="Arial" panose="020B0604020202020204" pitchFamily="34" charset="0"/>
+              </a:rPr>
+              <a:t>As </a:t>
+            </a:r>
+            <a:r>
+              <a:rPr lang="en-US" sz="2000" dirty="0">
+                <a:solidFill>
+                  <a:srgbClr val="002060"/>
+                </a:solidFill>
+                <a:cs typeface="Arial" panose="020B0604020202020204" pitchFamily="34" charset="0"/>
+              </a:rPr>
+              <a:t>a consequence of the fault, high magnitude DC current components that are mainly limited by the stator resistance appear in all the </a:t>
+            </a:r>
+            <a:r>
+              <a:rPr lang="en-US" sz="2000" dirty="0" smtClean="0">
+                <a:solidFill>
+                  <a:srgbClr val="002060"/>
+                </a:solidFill>
+                <a:cs typeface="Arial" panose="020B0604020202020204" pitchFamily="34" charset="0"/>
+              </a:rPr>
+              <a:t>phases</a:t>
+            </a:r>
+          </a:p>
+          <a:p>
+            <a:pPr marL="342900" indent="-342900">
+              <a:buFont typeface="Arial" panose="020B0604020202020204" pitchFamily="34" charset="0"/>
+              <a:buChar char="•"/>
+            </a:pPr>
+            <a:r>
+              <a:rPr lang="en-US" sz="2000" dirty="0" smtClean="0">
+                <a:solidFill>
+                  <a:srgbClr val="002060"/>
+                </a:solidFill>
+                <a:cs typeface="Arial" panose="020B0604020202020204" pitchFamily="34" charset="0"/>
+              </a:rPr>
+              <a:t>poses </a:t>
+            </a:r>
+            <a:r>
+              <a:rPr lang="en-US" sz="2000" dirty="0">
+                <a:solidFill>
+                  <a:srgbClr val="002060"/>
+                </a:solidFill>
+                <a:cs typeface="Arial" panose="020B0604020202020204" pitchFamily="34" charset="0"/>
+              </a:rPr>
+              <a:t>a risk in terms </a:t>
+            </a:r>
+            <a:r>
+              <a:rPr lang="en-US" sz="2000" dirty="0" smtClean="0">
+                <a:solidFill>
+                  <a:srgbClr val="002060"/>
+                </a:solidFill>
+                <a:cs typeface="Arial" panose="020B0604020202020204" pitchFamily="34" charset="0"/>
+              </a:rPr>
+              <a:t>of</a:t>
+            </a:r>
+          </a:p>
+          <a:p>
+            <a:pPr marL="800100" lvl="1" indent="-342900">
+              <a:buFont typeface="Wingdings" panose="05000000000000000000" pitchFamily="2" charset="2"/>
+              <a:buChar char="q"/>
+            </a:pPr>
+            <a:r>
+              <a:rPr lang="en-US" sz="2000" dirty="0" smtClean="0">
+                <a:solidFill>
+                  <a:srgbClr val="002060"/>
+                </a:solidFill>
+                <a:cs typeface="Arial" panose="020B0604020202020204" pitchFamily="34" charset="0"/>
+              </a:rPr>
+              <a:t>current </a:t>
+            </a:r>
+            <a:r>
+              <a:rPr lang="en-US" sz="2000" dirty="0">
+                <a:solidFill>
+                  <a:srgbClr val="002060"/>
+                </a:solidFill>
+                <a:cs typeface="Arial" panose="020B0604020202020204" pitchFamily="34" charset="0"/>
+              </a:rPr>
+              <a:t>withstand capability of the remaining healthy transistors</a:t>
+            </a:r>
+            <a:r>
+              <a:rPr lang="en-US" sz="2000" dirty="0" smtClean="0">
+                <a:solidFill>
+                  <a:srgbClr val="002060"/>
+                </a:solidFill>
+                <a:cs typeface="Arial" panose="020B0604020202020204" pitchFamily="34" charset="0"/>
+              </a:rPr>
+              <a:t>,</a:t>
+            </a:r>
+          </a:p>
+          <a:p>
+            <a:pPr marL="800100" lvl="1" indent="-342900">
+              <a:buFont typeface="Wingdings" panose="05000000000000000000" pitchFamily="2" charset="2"/>
+              <a:buChar char="q"/>
+            </a:pPr>
+            <a:r>
+              <a:rPr lang="en-US" sz="2000" dirty="0" smtClean="0">
+                <a:solidFill>
+                  <a:srgbClr val="002060"/>
+                </a:solidFill>
+                <a:cs typeface="Arial" panose="020B0604020202020204" pitchFamily="34" charset="0"/>
+              </a:rPr>
+              <a:t>winding </a:t>
+            </a:r>
+            <a:r>
+              <a:rPr lang="en-US" sz="2000" dirty="0">
+                <a:solidFill>
+                  <a:srgbClr val="002060"/>
+                </a:solidFill>
+                <a:cs typeface="Arial" panose="020B0604020202020204" pitchFamily="34" charset="0"/>
+              </a:rPr>
+              <a:t>overheating </a:t>
+            </a:r>
+            <a:endParaRPr lang="en-US" sz="2000" dirty="0" smtClean="0">
+              <a:solidFill>
+                <a:srgbClr val="002060"/>
+              </a:solidFill>
+              <a:cs typeface="Arial" panose="020B0604020202020204" pitchFamily="34" charset="0"/>
+            </a:endParaRPr>
+          </a:p>
+          <a:p>
+            <a:pPr marL="800100" lvl="1" indent="-342900">
+              <a:buFont typeface="Wingdings" panose="05000000000000000000" pitchFamily="2" charset="2"/>
+              <a:buChar char="q"/>
+            </a:pPr>
+            <a:r>
+              <a:rPr lang="en-US" sz="2000" dirty="0">
+                <a:solidFill>
+                  <a:srgbClr val="002060"/>
+                </a:solidFill>
+                <a:cs typeface="Arial" panose="020B0604020202020204" pitchFamily="34" charset="0"/>
+              </a:rPr>
+              <a:t>P</a:t>
+            </a:r>
+            <a:r>
+              <a:rPr lang="en-US" sz="2000" dirty="0" smtClean="0">
+                <a:solidFill>
+                  <a:srgbClr val="002060"/>
+                </a:solidFill>
+                <a:cs typeface="Arial" panose="020B0604020202020204" pitchFamily="34" charset="0"/>
+              </a:rPr>
+              <a:t>M demagnetization</a:t>
+            </a:r>
+          </a:p>
+          <a:p>
+            <a:pPr marL="800100" lvl="1" indent="-342900">
+              <a:buFont typeface="Wingdings" panose="05000000000000000000" pitchFamily="2" charset="2"/>
+              <a:buChar char="q"/>
+            </a:pPr>
+            <a:r>
+              <a:rPr lang="en-US" sz="2000" dirty="0" smtClean="0">
+                <a:solidFill>
+                  <a:srgbClr val="002060"/>
+                </a:solidFill>
+                <a:cs typeface="Arial" panose="020B0604020202020204" pitchFamily="34" charset="0"/>
+              </a:rPr>
+              <a:t>An </a:t>
+            </a:r>
+            <a:r>
+              <a:rPr lang="en-US" sz="2000" b="1" dirty="0">
+                <a:solidFill>
+                  <a:srgbClr val="002060"/>
+                </a:solidFill>
+                <a:cs typeface="Arial" panose="020B0604020202020204" pitchFamily="34" charset="0"/>
+              </a:rPr>
+              <a:t>extremely high and oscillating torque </a:t>
+            </a:r>
+            <a:r>
+              <a:rPr lang="en-US" sz="2000" dirty="0">
+                <a:solidFill>
+                  <a:srgbClr val="002060"/>
+                </a:solidFill>
+                <a:cs typeface="Arial" panose="020B0604020202020204" pitchFamily="34" charset="0"/>
+              </a:rPr>
+              <a:t>is </a:t>
+            </a:r>
+            <a:r>
+              <a:rPr lang="en-US" sz="2000" dirty="0" smtClean="0">
+                <a:solidFill>
+                  <a:srgbClr val="002060"/>
+                </a:solidFill>
+                <a:cs typeface="Arial" panose="020B0604020202020204" pitchFamily="34" charset="0"/>
+              </a:rPr>
+              <a:t>produced</a:t>
+            </a:r>
+          </a:p>
+        </p:txBody>
+      </p:sp>
+    </p:spTree>
+    <p:extLst>
+      <p:ext uri="{BB962C8B-B14F-4D97-AF65-F5344CB8AC3E}">
+        <p14:creationId xmlns:p14="http://schemas.microsoft.com/office/powerpoint/2010/main" val="4097047597"/>
+      </p:ext>
+    </p:extLst>
+  </p:cSld>
+  <p:clrMapOvr>
+    <a:masterClrMapping/>
+  </p:clrMapOvr>
+  <p:timing>
+    <p:tnLst>
+      <p:par>
+        <p:cTn id="1" dur="indefinite" restart="never" nodeType="tmRoot"/>
+      </p:par>
+    </p:tnLst>
+  </p:timing>
+</p:sld>
+</file>
+
+<file path=ppt/slides/slide9.xml><?xml version="1.0" encoding="utf-8"?>
+<p:sld xmlns:a="http://schemas.openxmlformats.org/drawingml/2006/main" xmlns:r="http://schemas.openxmlformats.org/officeDocument/2006/relationships" xmlns:p="http://schemas.openxmlformats.org/presentationml/2006/main">
+  <p:cSld>
+    <p:spTree>
+      <p:nvGrpSpPr>
+        <p:cNvPr id="1" name=""/>
+        <p:cNvGrpSpPr/>
+        <p:nvPr/>
+      </p:nvGrpSpPr>
+      <p:grpSpPr>
+        <a:xfrm>
+          <a:off x="0" y="0"/>
+          <a:ext cx="0" cy="0"/>
+          <a:chOff x="0" y="0"/>
+          <a:chExt cx="0" cy="0"/>
+        </a:xfrm>
+      </p:grpSpPr>
+      <p:sp>
+        <p:nvSpPr>
+          <p:cNvPr id="8" name="Rectangle 7"/>
+          <p:cNvSpPr/>
+          <p:nvPr/>
+        </p:nvSpPr>
+        <p:spPr>
+          <a:xfrm>
+            <a:off x="478970" y="150669"/>
+            <a:ext cx="8207829" cy="523220"/>
+          </a:xfrm>
+          <a:prstGeom prst="rect">
+            <a:avLst/>
+          </a:prstGeom>
+        </p:spPr>
+        <p:txBody>
+          <a:bodyPr wrap="square">
+            <a:spAutoFit/>
+          </a:bodyPr>
+          <a:lstStyle/>
+          <a:p>
+            <a:pPr algn="ctr"/>
+            <a:r>
+              <a:rPr lang="en-US" sz="2800" b="1" dirty="0" smtClean="0">
+                <a:solidFill>
+                  <a:schemeClr val="accent1">
+                    <a:lumMod val="50000"/>
+                  </a:schemeClr>
+                </a:solidFill>
+                <a:cs typeface="Arial" panose="020B0604020202020204" pitchFamily="34" charset="0"/>
+              </a:rPr>
+              <a:t>Types of faults</a:t>
+            </a:r>
+            <a:endParaRPr lang="en-US" sz="2800" dirty="0">
+              <a:solidFill>
+                <a:schemeClr val="accent1">
+                  <a:lumMod val="50000"/>
+                </a:schemeClr>
+              </a:solidFill>
+              <a:cs typeface="Arial" panose="020B0604020202020204" pitchFamily="34" charset="0"/>
+            </a:endParaRPr>
+          </a:p>
+        </p:txBody>
+      </p:sp>
+    </p:spTree>
+    <p:extLst>
+      <p:ext uri="{BB962C8B-B14F-4D97-AF65-F5344CB8AC3E}">
+        <p14:creationId xmlns:p14="http://schemas.microsoft.com/office/powerpoint/2010/main" val="1806476916"/>
       </p:ext>
     </p:extLst>
   </p:cSld>

--- a/Literature/immd_ver2_research.pptx
+++ b/Literature/immd_ver2_research.pptx
@@ -5,7 +5,7 @@
     <p:sldMasterId id="2147483660" r:id="rId1"/>
   </p:sldMasterIdLst>
   <p:notesMasterIdLst>
-    <p:notesMasterId r:id="rId38"/>
+    <p:notesMasterId r:id="rId50"/>
   </p:notesMasterIdLst>
   <p:sldIdLst>
     <p:sldId id="256" r:id="rId2"/>
@@ -33,17 +33,29 @@
     <p:sldId id="288" r:id="rId24"/>
     <p:sldId id="289" r:id="rId25"/>
     <p:sldId id="290" r:id="rId26"/>
-    <p:sldId id="291" r:id="rId27"/>
-    <p:sldId id="292" r:id="rId28"/>
-    <p:sldId id="267" r:id="rId29"/>
-    <p:sldId id="258" r:id="rId30"/>
-    <p:sldId id="259" r:id="rId31"/>
-    <p:sldId id="260" r:id="rId32"/>
-    <p:sldId id="261" r:id="rId33"/>
-    <p:sldId id="262" r:id="rId34"/>
-    <p:sldId id="263" r:id="rId35"/>
-    <p:sldId id="264" r:id="rId36"/>
-    <p:sldId id="275" r:id="rId37"/>
+    <p:sldId id="302" r:id="rId27"/>
+    <p:sldId id="304" r:id="rId28"/>
+    <p:sldId id="293" r:id="rId29"/>
+    <p:sldId id="294" r:id="rId30"/>
+    <p:sldId id="295" r:id="rId31"/>
+    <p:sldId id="296" r:id="rId32"/>
+    <p:sldId id="297" r:id="rId33"/>
+    <p:sldId id="298" r:id="rId34"/>
+    <p:sldId id="299" r:id="rId35"/>
+    <p:sldId id="300" r:id="rId36"/>
+    <p:sldId id="301" r:id="rId37"/>
+    <p:sldId id="303" r:id="rId38"/>
+    <p:sldId id="291" r:id="rId39"/>
+    <p:sldId id="292" r:id="rId40"/>
+    <p:sldId id="267" r:id="rId41"/>
+    <p:sldId id="258" r:id="rId42"/>
+    <p:sldId id="259" r:id="rId43"/>
+    <p:sldId id="260" r:id="rId44"/>
+    <p:sldId id="261" r:id="rId45"/>
+    <p:sldId id="262" r:id="rId46"/>
+    <p:sldId id="263" r:id="rId47"/>
+    <p:sldId id="264" r:id="rId48"/>
+    <p:sldId id="275" r:id="rId49"/>
   </p:sldIdLst>
   <p:sldSz cx="9144000" cy="6858000" type="screen4x3"/>
   <p:notesSz cx="6858000" cy="9144000"/>
@@ -232,7 +244,7 @@
           <a:p>
             <a:fld id="{7BB5E0B0-ECA4-4AD9-955D-C242674DFFEA}" type="datetimeFigureOut">
               <a:rPr lang="en-US" smtClean="0"/>
-              <a:t>10/7/2018</a:t>
+              <a:t>10/13/2018</a:t>
             </a:fld>
             <a:endParaRPr lang="en-US"/>
           </a:p>
@@ -2002,7 +2014,7 @@
     </p:spTree>
     <p:extLst>
       <p:ext uri="{BB962C8B-B14F-4D97-AF65-F5344CB8AC3E}">
-        <p14:creationId xmlns:p14="http://schemas.microsoft.com/office/powerpoint/2010/main" val="2392373522"/>
+        <p14:creationId xmlns:p14="http://schemas.microsoft.com/office/powerpoint/2010/main" val="2562718807"/>
       </p:ext>
     </p:extLst>
   </p:cSld>
@@ -2086,7 +2098,7 @@
     </p:spTree>
     <p:extLst>
       <p:ext uri="{BB962C8B-B14F-4D97-AF65-F5344CB8AC3E}">
-        <p14:creationId xmlns:p14="http://schemas.microsoft.com/office/powerpoint/2010/main" val="179878038"/>
+        <p14:creationId xmlns:p14="http://schemas.microsoft.com/office/powerpoint/2010/main" val="322757292"/>
       </p:ext>
     </p:extLst>
   </p:cSld>
@@ -2170,7 +2182,7 @@
     </p:spTree>
     <p:extLst>
       <p:ext uri="{BB962C8B-B14F-4D97-AF65-F5344CB8AC3E}">
-        <p14:creationId xmlns:p14="http://schemas.microsoft.com/office/powerpoint/2010/main" val="2829331313"/>
+        <p14:creationId xmlns:p14="http://schemas.microsoft.com/office/powerpoint/2010/main" val="99569168"/>
       </p:ext>
     </p:extLst>
   </p:cSld>
@@ -2254,7 +2266,7 @@
     </p:spTree>
     <p:extLst>
       <p:ext uri="{BB962C8B-B14F-4D97-AF65-F5344CB8AC3E}">
-        <p14:creationId xmlns:p14="http://schemas.microsoft.com/office/powerpoint/2010/main" val="845414095"/>
+        <p14:creationId xmlns:p14="http://schemas.microsoft.com/office/powerpoint/2010/main" val="1607628439"/>
       </p:ext>
     </p:extLst>
   </p:cSld>
@@ -2338,7 +2350,7 @@
     </p:spTree>
     <p:extLst>
       <p:ext uri="{BB962C8B-B14F-4D97-AF65-F5344CB8AC3E}">
-        <p14:creationId xmlns:p14="http://schemas.microsoft.com/office/powerpoint/2010/main" val="1128012955"/>
+        <p14:creationId xmlns:p14="http://schemas.microsoft.com/office/powerpoint/2010/main" val="3965324975"/>
       </p:ext>
     </p:extLst>
   </p:cSld>
@@ -2506,7 +2518,7 @@
     </p:spTree>
     <p:extLst>
       <p:ext uri="{BB962C8B-B14F-4D97-AF65-F5344CB8AC3E}">
-        <p14:creationId xmlns:p14="http://schemas.microsoft.com/office/powerpoint/2010/main" val="898967486"/>
+        <p14:creationId xmlns:p14="http://schemas.microsoft.com/office/powerpoint/2010/main" val="3545711077"/>
       </p:ext>
     </p:extLst>
   </p:cSld>
@@ -2590,7 +2602,7 @@
     </p:spTree>
     <p:extLst>
       <p:ext uri="{BB962C8B-B14F-4D97-AF65-F5344CB8AC3E}">
-        <p14:creationId xmlns:p14="http://schemas.microsoft.com/office/powerpoint/2010/main" val="2702248589"/>
+        <p14:creationId xmlns:p14="http://schemas.microsoft.com/office/powerpoint/2010/main" val="3102402917"/>
       </p:ext>
     </p:extLst>
   </p:cSld>
@@ -2674,7 +2686,7 @@
     </p:spTree>
     <p:extLst>
       <p:ext uri="{BB962C8B-B14F-4D97-AF65-F5344CB8AC3E}">
-        <p14:creationId xmlns:p14="http://schemas.microsoft.com/office/powerpoint/2010/main" val="2445784330"/>
+        <p14:creationId xmlns:p14="http://schemas.microsoft.com/office/powerpoint/2010/main" val="631415106"/>
       </p:ext>
     </p:extLst>
   </p:cSld>
@@ -2758,7 +2770,7 @@
     </p:spTree>
     <p:extLst>
       <p:ext uri="{BB962C8B-B14F-4D97-AF65-F5344CB8AC3E}">
-        <p14:creationId xmlns:p14="http://schemas.microsoft.com/office/powerpoint/2010/main" val="2617716752"/>
+        <p14:creationId xmlns:p14="http://schemas.microsoft.com/office/powerpoint/2010/main" val="163768013"/>
       </p:ext>
     </p:extLst>
   </p:cSld>
@@ -2842,7 +2854,7 @@
     </p:spTree>
     <p:extLst>
       <p:ext uri="{BB962C8B-B14F-4D97-AF65-F5344CB8AC3E}">
-        <p14:creationId xmlns:p14="http://schemas.microsoft.com/office/powerpoint/2010/main" val="2662359820"/>
+        <p14:creationId xmlns:p14="http://schemas.microsoft.com/office/powerpoint/2010/main" val="3080026417"/>
       </p:ext>
     </p:extLst>
   </p:cSld>
@@ -2926,7 +2938,343 @@
     </p:spTree>
     <p:extLst>
       <p:ext uri="{BB962C8B-B14F-4D97-AF65-F5344CB8AC3E}">
-        <p14:creationId xmlns:p14="http://schemas.microsoft.com/office/powerpoint/2010/main" val="2454926224"/>
+        <p14:creationId xmlns:p14="http://schemas.microsoft.com/office/powerpoint/2010/main" val="2794816808"/>
+      </p:ext>
+    </p:extLst>
+  </p:cSld>
+  <p:clrMapOvr>
+    <a:masterClrMapping/>
+  </p:clrMapOvr>
+</p:notes>
+</file>
+
+<file path=ppt/notesSlides/notesSlide36.xml><?xml version="1.0" encoding="utf-8"?>
+<p:notes xmlns:a="http://schemas.openxmlformats.org/drawingml/2006/main" xmlns:r="http://schemas.openxmlformats.org/officeDocument/2006/relationships" xmlns:p="http://schemas.openxmlformats.org/presentationml/2006/main">
+  <p:cSld>
+    <p:spTree>
+      <p:nvGrpSpPr>
+        <p:cNvPr id="1" name=""/>
+        <p:cNvGrpSpPr/>
+        <p:nvPr/>
+      </p:nvGrpSpPr>
+      <p:grpSpPr>
+        <a:xfrm>
+          <a:off x="0" y="0"/>
+          <a:ext cx="0" cy="0"/>
+          <a:chOff x="0" y="0"/>
+          <a:chExt cx="0" cy="0"/>
+        </a:xfrm>
+      </p:grpSpPr>
+      <p:sp>
+        <p:nvSpPr>
+          <p:cNvPr id="2" name="Slide Image Placeholder 1"/>
+          <p:cNvSpPr>
+            <a:spLocks noGrp="1" noRot="1" noChangeAspect="1"/>
+          </p:cNvSpPr>
+          <p:nvPr>
+            <p:ph type="sldImg"/>
+          </p:nvPr>
+        </p:nvSpPr>
+        <p:spPr/>
+      </p:sp>
+      <p:sp>
+        <p:nvSpPr>
+          <p:cNvPr id="3" name="Notes Placeholder 2"/>
+          <p:cNvSpPr>
+            <a:spLocks noGrp="1"/>
+          </p:cNvSpPr>
+          <p:nvPr>
+            <p:ph type="body" idx="1"/>
+          </p:nvPr>
+        </p:nvSpPr>
+        <p:spPr/>
+        <p:txBody>
+          <a:bodyPr/>
+          <a:lstStyle/>
+          <a:p>
+            <a:endParaRPr lang="en-US" dirty="0"/>
+          </a:p>
+        </p:txBody>
+      </p:sp>
+      <p:sp>
+        <p:nvSpPr>
+          <p:cNvPr id="4" name="Slide Number Placeholder 3"/>
+          <p:cNvSpPr>
+            <a:spLocks noGrp="1"/>
+          </p:cNvSpPr>
+          <p:nvPr>
+            <p:ph type="sldNum" sz="quarter" idx="10"/>
+          </p:nvPr>
+        </p:nvSpPr>
+        <p:spPr/>
+        <p:txBody>
+          <a:bodyPr/>
+          <a:lstStyle/>
+          <a:p>
+            <a:fld id="{035DD5C9-B5A2-47F1-BC40-0D7BD2C50D7F}" type="slidenum">
+              <a:rPr lang="en-US" smtClean="0"/>
+              <a:t>37</a:t>
+            </a:fld>
+            <a:endParaRPr lang="en-US"/>
+          </a:p>
+        </p:txBody>
+      </p:sp>
+    </p:spTree>
+    <p:extLst>
+      <p:ext uri="{BB962C8B-B14F-4D97-AF65-F5344CB8AC3E}">
+        <p14:creationId xmlns:p14="http://schemas.microsoft.com/office/powerpoint/2010/main" val="1451015854"/>
+      </p:ext>
+    </p:extLst>
+  </p:cSld>
+  <p:clrMapOvr>
+    <a:masterClrMapping/>
+  </p:clrMapOvr>
+</p:notes>
+</file>
+
+<file path=ppt/notesSlides/notesSlide37.xml><?xml version="1.0" encoding="utf-8"?>
+<p:notes xmlns:a="http://schemas.openxmlformats.org/drawingml/2006/main" xmlns:r="http://schemas.openxmlformats.org/officeDocument/2006/relationships" xmlns:p="http://schemas.openxmlformats.org/presentationml/2006/main">
+  <p:cSld>
+    <p:spTree>
+      <p:nvGrpSpPr>
+        <p:cNvPr id="1" name=""/>
+        <p:cNvGrpSpPr/>
+        <p:nvPr/>
+      </p:nvGrpSpPr>
+      <p:grpSpPr>
+        <a:xfrm>
+          <a:off x="0" y="0"/>
+          <a:ext cx="0" cy="0"/>
+          <a:chOff x="0" y="0"/>
+          <a:chExt cx="0" cy="0"/>
+        </a:xfrm>
+      </p:grpSpPr>
+      <p:sp>
+        <p:nvSpPr>
+          <p:cNvPr id="2" name="Slide Image Placeholder 1"/>
+          <p:cNvSpPr>
+            <a:spLocks noGrp="1" noRot="1" noChangeAspect="1"/>
+          </p:cNvSpPr>
+          <p:nvPr>
+            <p:ph type="sldImg"/>
+          </p:nvPr>
+        </p:nvSpPr>
+        <p:spPr/>
+      </p:sp>
+      <p:sp>
+        <p:nvSpPr>
+          <p:cNvPr id="3" name="Notes Placeholder 2"/>
+          <p:cNvSpPr>
+            <a:spLocks noGrp="1"/>
+          </p:cNvSpPr>
+          <p:nvPr>
+            <p:ph type="body" idx="1"/>
+          </p:nvPr>
+        </p:nvSpPr>
+        <p:spPr/>
+        <p:txBody>
+          <a:bodyPr/>
+          <a:lstStyle/>
+          <a:p>
+            <a:endParaRPr lang="en-US" dirty="0"/>
+          </a:p>
+        </p:txBody>
+      </p:sp>
+      <p:sp>
+        <p:nvSpPr>
+          <p:cNvPr id="4" name="Slide Number Placeholder 3"/>
+          <p:cNvSpPr>
+            <a:spLocks noGrp="1"/>
+          </p:cNvSpPr>
+          <p:nvPr>
+            <p:ph type="sldNum" sz="quarter" idx="10"/>
+          </p:nvPr>
+        </p:nvSpPr>
+        <p:spPr/>
+        <p:txBody>
+          <a:bodyPr/>
+          <a:lstStyle/>
+          <a:p>
+            <a:fld id="{035DD5C9-B5A2-47F1-BC40-0D7BD2C50D7F}" type="slidenum">
+              <a:rPr lang="en-US" smtClean="0"/>
+              <a:t>38</a:t>
+            </a:fld>
+            <a:endParaRPr lang="en-US"/>
+          </a:p>
+        </p:txBody>
+      </p:sp>
+    </p:spTree>
+    <p:extLst>
+      <p:ext uri="{BB962C8B-B14F-4D97-AF65-F5344CB8AC3E}">
+        <p14:creationId xmlns:p14="http://schemas.microsoft.com/office/powerpoint/2010/main" val="2392373522"/>
+      </p:ext>
+    </p:extLst>
+  </p:cSld>
+  <p:clrMapOvr>
+    <a:masterClrMapping/>
+  </p:clrMapOvr>
+</p:notes>
+</file>
+
+<file path=ppt/notesSlides/notesSlide38.xml><?xml version="1.0" encoding="utf-8"?>
+<p:notes xmlns:a="http://schemas.openxmlformats.org/drawingml/2006/main" xmlns:r="http://schemas.openxmlformats.org/officeDocument/2006/relationships" xmlns:p="http://schemas.openxmlformats.org/presentationml/2006/main">
+  <p:cSld>
+    <p:spTree>
+      <p:nvGrpSpPr>
+        <p:cNvPr id="1" name=""/>
+        <p:cNvGrpSpPr/>
+        <p:nvPr/>
+      </p:nvGrpSpPr>
+      <p:grpSpPr>
+        <a:xfrm>
+          <a:off x="0" y="0"/>
+          <a:ext cx="0" cy="0"/>
+          <a:chOff x="0" y="0"/>
+          <a:chExt cx="0" cy="0"/>
+        </a:xfrm>
+      </p:grpSpPr>
+      <p:sp>
+        <p:nvSpPr>
+          <p:cNvPr id="2" name="Slide Image Placeholder 1"/>
+          <p:cNvSpPr>
+            <a:spLocks noGrp="1" noRot="1" noChangeAspect="1"/>
+          </p:cNvSpPr>
+          <p:nvPr>
+            <p:ph type="sldImg"/>
+          </p:nvPr>
+        </p:nvSpPr>
+        <p:spPr/>
+      </p:sp>
+      <p:sp>
+        <p:nvSpPr>
+          <p:cNvPr id="3" name="Notes Placeholder 2"/>
+          <p:cNvSpPr>
+            <a:spLocks noGrp="1"/>
+          </p:cNvSpPr>
+          <p:nvPr>
+            <p:ph type="body" idx="1"/>
+          </p:nvPr>
+        </p:nvSpPr>
+        <p:spPr/>
+        <p:txBody>
+          <a:bodyPr/>
+          <a:lstStyle/>
+          <a:p>
+            <a:endParaRPr lang="en-US" dirty="0"/>
+          </a:p>
+        </p:txBody>
+      </p:sp>
+      <p:sp>
+        <p:nvSpPr>
+          <p:cNvPr id="4" name="Slide Number Placeholder 3"/>
+          <p:cNvSpPr>
+            <a:spLocks noGrp="1"/>
+          </p:cNvSpPr>
+          <p:nvPr>
+            <p:ph type="sldNum" sz="quarter" idx="10"/>
+          </p:nvPr>
+        </p:nvSpPr>
+        <p:spPr/>
+        <p:txBody>
+          <a:bodyPr/>
+          <a:lstStyle/>
+          <a:p>
+            <a:fld id="{035DD5C9-B5A2-47F1-BC40-0D7BD2C50D7F}" type="slidenum">
+              <a:rPr lang="en-US" smtClean="0"/>
+              <a:t>39</a:t>
+            </a:fld>
+            <a:endParaRPr lang="en-US"/>
+          </a:p>
+        </p:txBody>
+      </p:sp>
+    </p:spTree>
+    <p:extLst>
+      <p:ext uri="{BB962C8B-B14F-4D97-AF65-F5344CB8AC3E}">
+        <p14:creationId xmlns:p14="http://schemas.microsoft.com/office/powerpoint/2010/main" val="179878038"/>
+      </p:ext>
+    </p:extLst>
+  </p:cSld>
+  <p:clrMapOvr>
+    <a:masterClrMapping/>
+  </p:clrMapOvr>
+</p:notes>
+</file>
+
+<file path=ppt/notesSlides/notesSlide39.xml><?xml version="1.0" encoding="utf-8"?>
+<p:notes xmlns:a="http://schemas.openxmlformats.org/drawingml/2006/main" xmlns:r="http://schemas.openxmlformats.org/officeDocument/2006/relationships" xmlns:p="http://schemas.openxmlformats.org/presentationml/2006/main">
+  <p:cSld>
+    <p:spTree>
+      <p:nvGrpSpPr>
+        <p:cNvPr id="1" name=""/>
+        <p:cNvGrpSpPr/>
+        <p:nvPr/>
+      </p:nvGrpSpPr>
+      <p:grpSpPr>
+        <a:xfrm>
+          <a:off x="0" y="0"/>
+          <a:ext cx="0" cy="0"/>
+          <a:chOff x="0" y="0"/>
+          <a:chExt cx="0" cy="0"/>
+        </a:xfrm>
+      </p:grpSpPr>
+      <p:sp>
+        <p:nvSpPr>
+          <p:cNvPr id="2" name="Slide Image Placeholder 1"/>
+          <p:cNvSpPr>
+            <a:spLocks noGrp="1" noRot="1" noChangeAspect="1"/>
+          </p:cNvSpPr>
+          <p:nvPr>
+            <p:ph type="sldImg"/>
+          </p:nvPr>
+        </p:nvSpPr>
+        <p:spPr/>
+      </p:sp>
+      <p:sp>
+        <p:nvSpPr>
+          <p:cNvPr id="3" name="Notes Placeholder 2"/>
+          <p:cNvSpPr>
+            <a:spLocks noGrp="1"/>
+          </p:cNvSpPr>
+          <p:nvPr>
+            <p:ph type="body" idx="1"/>
+          </p:nvPr>
+        </p:nvSpPr>
+        <p:spPr/>
+        <p:txBody>
+          <a:bodyPr/>
+          <a:lstStyle/>
+          <a:p>
+            <a:endParaRPr lang="en-US" dirty="0"/>
+          </a:p>
+        </p:txBody>
+      </p:sp>
+      <p:sp>
+        <p:nvSpPr>
+          <p:cNvPr id="4" name="Slide Number Placeholder 3"/>
+          <p:cNvSpPr>
+            <a:spLocks noGrp="1"/>
+          </p:cNvSpPr>
+          <p:nvPr>
+            <p:ph type="sldNum" sz="quarter" idx="10"/>
+          </p:nvPr>
+        </p:nvSpPr>
+        <p:spPr/>
+        <p:txBody>
+          <a:bodyPr/>
+          <a:lstStyle/>
+          <a:p>
+            <a:fld id="{035DD5C9-B5A2-47F1-BC40-0D7BD2C50D7F}" type="slidenum">
+              <a:rPr lang="en-US" smtClean="0"/>
+              <a:t>40</a:t>
+            </a:fld>
+            <a:endParaRPr lang="en-US"/>
+          </a:p>
+        </p:txBody>
+      </p:sp>
+    </p:spTree>
+    <p:extLst>
+      <p:ext uri="{BB962C8B-B14F-4D97-AF65-F5344CB8AC3E}">
+        <p14:creationId xmlns:p14="http://schemas.microsoft.com/office/powerpoint/2010/main" val="2829331313"/>
       </p:ext>
     </p:extLst>
   </p:cSld>
@@ -3011,6 +3359,678 @@
     <p:extLst>
       <p:ext uri="{BB962C8B-B14F-4D97-AF65-F5344CB8AC3E}">
         <p14:creationId xmlns:p14="http://schemas.microsoft.com/office/powerpoint/2010/main" val="2142910811"/>
+      </p:ext>
+    </p:extLst>
+  </p:cSld>
+  <p:clrMapOvr>
+    <a:masterClrMapping/>
+  </p:clrMapOvr>
+</p:notes>
+</file>
+
+<file path=ppt/notesSlides/notesSlide40.xml><?xml version="1.0" encoding="utf-8"?>
+<p:notes xmlns:a="http://schemas.openxmlformats.org/drawingml/2006/main" xmlns:r="http://schemas.openxmlformats.org/officeDocument/2006/relationships" xmlns:p="http://schemas.openxmlformats.org/presentationml/2006/main">
+  <p:cSld>
+    <p:spTree>
+      <p:nvGrpSpPr>
+        <p:cNvPr id="1" name=""/>
+        <p:cNvGrpSpPr/>
+        <p:nvPr/>
+      </p:nvGrpSpPr>
+      <p:grpSpPr>
+        <a:xfrm>
+          <a:off x="0" y="0"/>
+          <a:ext cx="0" cy="0"/>
+          <a:chOff x="0" y="0"/>
+          <a:chExt cx="0" cy="0"/>
+        </a:xfrm>
+      </p:grpSpPr>
+      <p:sp>
+        <p:nvSpPr>
+          <p:cNvPr id="2" name="Slide Image Placeholder 1"/>
+          <p:cNvSpPr>
+            <a:spLocks noGrp="1" noRot="1" noChangeAspect="1"/>
+          </p:cNvSpPr>
+          <p:nvPr>
+            <p:ph type="sldImg"/>
+          </p:nvPr>
+        </p:nvSpPr>
+        <p:spPr/>
+      </p:sp>
+      <p:sp>
+        <p:nvSpPr>
+          <p:cNvPr id="3" name="Notes Placeholder 2"/>
+          <p:cNvSpPr>
+            <a:spLocks noGrp="1"/>
+          </p:cNvSpPr>
+          <p:nvPr>
+            <p:ph type="body" idx="1"/>
+          </p:nvPr>
+        </p:nvSpPr>
+        <p:spPr/>
+        <p:txBody>
+          <a:bodyPr/>
+          <a:lstStyle/>
+          <a:p>
+            <a:endParaRPr lang="en-US" dirty="0"/>
+          </a:p>
+        </p:txBody>
+      </p:sp>
+      <p:sp>
+        <p:nvSpPr>
+          <p:cNvPr id="4" name="Slide Number Placeholder 3"/>
+          <p:cNvSpPr>
+            <a:spLocks noGrp="1"/>
+          </p:cNvSpPr>
+          <p:nvPr>
+            <p:ph type="sldNum" sz="quarter" idx="10"/>
+          </p:nvPr>
+        </p:nvSpPr>
+        <p:spPr/>
+        <p:txBody>
+          <a:bodyPr/>
+          <a:lstStyle/>
+          <a:p>
+            <a:fld id="{035DD5C9-B5A2-47F1-BC40-0D7BD2C50D7F}" type="slidenum">
+              <a:rPr lang="en-US" smtClean="0"/>
+              <a:t>41</a:t>
+            </a:fld>
+            <a:endParaRPr lang="en-US"/>
+          </a:p>
+        </p:txBody>
+      </p:sp>
+    </p:spTree>
+    <p:extLst>
+      <p:ext uri="{BB962C8B-B14F-4D97-AF65-F5344CB8AC3E}">
+        <p14:creationId xmlns:p14="http://schemas.microsoft.com/office/powerpoint/2010/main" val="845414095"/>
+      </p:ext>
+    </p:extLst>
+  </p:cSld>
+  <p:clrMapOvr>
+    <a:masterClrMapping/>
+  </p:clrMapOvr>
+</p:notes>
+</file>
+
+<file path=ppt/notesSlides/notesSlide41.xml><?xml version="1.0" encoding="utf-8"?>
+<p:notes xmlns:a="http://schemas.openxmlformats.org/drawingml/2006/main" xmlns:r="http://schemas.openxmlformats.org/officeDocument/2006/relationships" xmlns:p="http://schemas.openxmlformats.org/presentationml/2006/main">
+  <p:cSld>
+    <p:spTree>
+      <p:nvGrpSpPr>
+        <p:cNvPr id="1" name=""/>
+        <p:cNvGrpSpPr/>
+        <p:nvPr/>
+      </p:nvGrpSpPr>
+      <p:grpSpPr>
+        <a:xfrm>
+          <a:off x="0" y="0"/>
+          <a:ext cx="0" cy="0"/>
+          <a:chOff x="0" y="0"/>
+          <a:chExt cx="0" cy="0"/>
+        </a:xfrm>
+      </p:grpSpPr>
+      <p:sp>
+        <p:nvSpPr>
+          <p:cNvPr id="2" name="Slide Image Placeholder 1"/>
+          <p:cNvSpPr>
+            <a:spLocks noGrp="1" noRot="1" noChangeAspect="1"/>
+          </p:cNvSpPr>
+          <p:nvPr>
+            <p:ph type="sldImg"/>
+          </p:nvPr>
+        </p:nvSpPr>
+        <p:spPr/>
+      </p:sp>
+      <p:sp>
+        <p:nvSpPr>
+          <p:cNvPr id="3" name="Notes Placeholder 2"/>
+          <p:cNvSpPr>
+            <a:spLocks noGrp="1"/>
+          </p:cNvSpPr>
+          <p:nvPr>
+            <p:ph type="body" idx="1"/>
+          </p:nvPr>
+        </p:nvSpPr>
+        <p:spPr/>
+        <p:txBody>
+          <a:bodyPr/>
+          <a:lstStyle/>
+          <a:p>
+            <a:endParaRPr lang="en-US" dirty="0"/>
+          </a:p>
+        </p:txBody>
+      </p:sp>
+      <p:sp>
+        <p:nvSpPr>
+          <p:cNvPr id="4" name="Slide Number Placeholder 3"/>
+          <p:cNvSpPr>
+            <a:spLocks noGrp="1"/>
+          </p:cNvSpPr>
+          <p:nvPr>
+            <p:ph type="sldNum" sz="quarter" idx="10"/>
+          </p:nvPr>
+        </p:nvSpPr>
+        <p:spPr/>
+        <p:txBody>
+          <a:bodyPr/>
+          <a:lstStyle/>
+          <a:p>
+            <a:fld id="{035DD5C9-B5A2-47F1-BC40-0D7BD2C50D7F}" type="slidenum">
+              <a:rPr lang="en-US" smtClean="0"/>
+              <a:t>42</a:t>
+            </a:fld>
+            <a:endParaRPr lang="en-US"/>
+          </a:p>
+        </p:txBody>
+      </p:sp>
+    </p:spTree>
+    <p:extLst>
+      <p:ext uri="{BB962C8B-B14F-4D97-AF65-F5344CB8AC3E}">
+        <p14:creationId xmlns:p14="http://schemas.microsoft.com/office/powerpoint/2010/main" val="1128012955"/>
+      </p:ext>
+    </p:extLst>
+  </p:cSld>
+  <p:clrMapOvr>
+    <a:masterClrMapping/>
+  </p:clrMapOvr>
+</p:notes>
+</file>
+
+<file path=ppt/notesSlides/notesSlide42.xml><?xml version="1.0" encoding="utf-8"?>
+<p:notes xmlns:a="http://schemas.openxmlformats.org/drawingml/2006/main" xmlns:r="http://schemas.openxmlformats.org/officeDocument/2006/relationships" xmlns:p="http://schemas.openxmlformats.org/presentationml/2006/main">
+  <p:cSld>
+    <p:spTree>
+      <p:nvGrpSpPr>
+        <p:cNvPr id="1" name=""/>
+        <p:cNvGrpSpPr/>
+        <p:nvPr/>
+      </p:nvGrpSpPr>
+      <p:grpSpPr>
+        <a:xfrm>
+          <a:off x="0" y="0"/>
+          <a:ext cx="0" cy="0"/>
+          <a:chOff x="0" y="0"/>
+          <a:chExt cx="0" cy="0"/>
+        </a:xfrm>
+      </p:grpSpPr>
+      <p:sp>
+        <p:nvSpPr>
+          <p:cNvPr id="2" name="Slide Image Placeholder 1"/>
+          <p:cNvSpPr>
+            <a:spLocks noGrp="1" noRot="1" noChangeAspect="1"/>
+          </p:cNvSpPr>
+          <p:nvPr>
+            <p:ph type="sldImg"/>
+          </p:nvPr>
+        </p:nvSpPr>
+        <p:spPr/>
+      </p:sp>
+      <p:sp>
+        <p:nvSpPr>
+          <p:cNvPr id="3" name="Notes Placeholder 2"/>
+          <p:cNvSpPr>
+            <a:spLocks noGrp="1"/>
+          </p:cNvSpPr>
+          <p:nvPr>
+            <p:ph type="body" idx="1"/>
+          </p:nvPr>
+        </p:nvSpPr>
+        <p:spPr/>
+        <p:txBody>
+          <a:bodyPr/>
+          <a:lstStyle/>
+          <a:p>
+            <a:endParaRPr lang="en-US" dirty="0"/>
+          </a:p>
+        </p:txBody>
+      </p:sp>
+      <p:sp>
+        <p:nvSpPr>
+          <p:cNvPr id="4" name="Slide Number Placeholder 3"/>
+          <p:cNvSpPr>
+            <a:spLocks noGrp="1"/>
+          </p:cNvSpPr>
+          <p:nvPr>
+            <p:ph type="sldNum" sz="quarter" idx="10"/>
+          </p:nvPr>
+        </p:nvSpPr>
+        <p:spPr/>
+        <p:txBody>
+          <a:bodyPr/>
+          <a:lstStyle/>
+          <a:p>
+            <a:fld id="{035DD5C9-B5A2-47F1-BC40-0D7BD2C50D7F}" type="slidenum">
+              <a:rPr lang="en-US" smtClean="0"/>
+              <a:t>43</a:t>
+            </a:fld>
+            <a:endParaRPr lang="en-US"/>
+          </a:p>
+        </p:txBody>
+      </p:sp>
+    </p:spTree>
+    <p:extLst>
+      <p:ext uri="{BB962C8B-B14F-4D97-AF65-F5344CB8AC3E}">
+        <p14:creationId xmlns:p14="http://schemas.microsoft.com/office/powerpoint/2010/main" val="898967486"/>
+      </p:ext>
+    </p:extLst>
+  </p:cSld>
+  <p:clrMapOvr>
+    <a:masterClrMapping/>
+  </p:clrMapOvr>
+</p:notes>
+</file>
+
+<file path=ppt/notesSlides/notesSlide43.xml><?xml version="1.0" encoding="utf-8"?>
+<p:notes xmlns:a="http://schemas.openxmlformats.org/drawingml/2006/main" xmlns:r="http://schemas.openxmlformats.org/officeDocument/2006/relationships" xmlns:p="http://schemas.openxmlformats.org/presentationml/2006/main">
+  <p:cSld>
+    <p:spTree>
+      <p:nvGrpSpPr>
+        <p:cNvPr id="1" name=""/>
+        <p:cNvGrpSpPr/>
+        <p:nvPr/>
+      </p:nvGrpSpPr>
+      <p:grpSpPr>
+        <a:xfrm>
+          <a:off x="0" y="0"/>
+          <a:ext cx="0" cy="0"/>
+          <a:chOff x="0" y="0"/>
+          <a:chExt cx="0" cy="0"/>
+        </a:xfrm>
+      </p:grpSpPr>
+      <p:sp>
+        <p:nvSpPr>
+          <p:cNvPr id="2" name="Slide Image Placeholder 1"/>
+          <p:cNvSpPr>
+            <a:spLocks noGrp="1" noRot="1" noChangeAspect="1"/>
+          </p:cNvSpPr>
+          <p:nvPr>
+            <p:ph type="sldImg"/>
+          </p:nvPr>
+        </p:nvSpPr>
+        <p:spPr/>
+      </p:sp>
+      <p:sp>
+        <p:nvSpPr>
+          <p:cNvPr id="3" name="Notes Placeholder 2"/>
+          <p:cNvSpPr>
+            <a:spLocks noGrp="1"/>
+          </p:cNvSpPr>
+          <p:nvPr>
+            <p:ph type="body" idx="1"/>
+          </p:nvPr>
+        </p:nvSpPr>
+        <p:spPr/>
+        <p:txBody>
+          <a:bodyPr/>
+          <a:lstStyle/>
+          <a:p>
+            <a:endParaRPr lang="en-US" dirty="0"/>
+          </a:p>
+        </p:txBody>
+      </p:sp>
+      <p:sp>
+        <p:nvSpPr>
+          <p:cNvPr id="4" name="Slide Number Placeholder 3"/>
+          <p:cNvSpPr>
+            <a:spLocks noGrp="1"/>
+          </p:cNvSpPr>
+          <p:nvPr>
+            <p:ph type="sldNum" sz="quarter" idx="10"/>
+          </p:nvPr>
+        </p:nvSpPr>
+        <p:spPr/>
+        <p:txBody>
+          <a:bodyPr/>
+          <a:lstStyle/>
+          <a:p>
+            <a:fld id="{035DD5C9-B5A2-47F1-BC40-0D7BD2C50D7F}" type="slidenum">
+              <a:rPr lang="en-US" smtClean="0"/>
+              <a:t>44</a:t>
+            </a:fld>
+            <a:endParaRPr lang="en-US"/>
+          </a:p>
+        </p:txBody>
+      </p:sp>
+    </p:spTree>
+    <p:extLst>
+      <p:ext uri="{BB962C8B-B14F-4D97-AF65-F5344CB8AC3E}">
+        <p14:creationId xmlns:p14="http://schemas.microsoft.com/office/powerpoint/2010/main" val="2702248589"/>
+      </p:ext>
+    </p:extLst>
+  </p:cSld>
+  <p:clrMapOvr>
+    <a:masterClrMapping/>
+  </p:clrMapOvr>
+</p:notes>
+</file>
+
+<file path=ppt/notesSlides/notesSlide44.xml><?xml version="1.0" encoding="utf-8"?>
+<p:notes xmlns:a="http://schemas.openxmlformats.org/drawingml/2006/main" xmlns:r="http://schemas.openxmlformats.org/officeDocument/2006/relationships" xmlns:p="http://schemas.openxmlformats.org/presentationml/2006/main">
+  <p:cSld>
+    <p:spTree>
+      <p:nvGrpSpPr>
+        <p:cNvPr id="1" name=""/>
+        <p:cNvGrpSpPr/>
+        <p:nvPr/>
+      </p:nvGrpSpPr>
+      <p:grpSpPr>
+        <a:xfrm>
+          <a:off x="0" y="0"/>
+          <a:ext cx="0" cy="0"/>
+          <a:chOff x="0" y="0"/>
+          <a:chExt cx="0" cy="0"/>
+        </a:xfrm>
+      </p:grpSpPr>
+      <p:sp>
+        <p:nvSpPr>
+          <p:cNvPr id="2" name="Slide Image Placeholder 1"/>
+          <p:cNvSpPr>
+            <a:spLocks noGrp="1" noRot="1" noChangeAspect="1"/>
+          </p:cNvSpPr>
+          <p:nvPr>
+            <p:ph type="sldImg"/>
+          </p:nvPr>
+        </p:nvSpPr>
+        <p:spPr/>
+      </p:sp>
+      <p:sp>
+        <p:nvSpPr>
+          <p:cNvPr id="3" name="Notes Placeholder 2"/>
+          <p:cNvSpPr>
+            <a:spLocks noGrp="1"/>
+          </p:cNvSpPr>
+          <p:nvPr>
+            <p:ph type="body" idx="1"/>
+          </p:nvPr>
+        </p:nvSpPr>
+        <p:spPr/>
+        <p:txBody>
+          <a:bodyPr/>
+          <a:lstStyle/>
+          <a:p>
+            <a:endParaRPr lang="en-US" dirty="0"/>
+          </a:p>
+        </p:txBody>
+      </p:sp>
+      <p:sp>
+        <p:nvSpPr>
+          <p:cNvPr id="4" name="Slide Number Placeholder 3"/>
+          <p:cNvSpPr>
+            <a:spLocks noGrp="1"/>
+          </p:cNvSpPr>
+          <p:nvPr>
+            <p:ph type="sldNum" sz="quarter" idx="10"/>
+          </p:nvPr>
+        </p:nvSpPr>
+        <p:spPr/>
+        <p:txBody>
+          <a:bodyPr/>
+          <a:lstStyle/>
+          <a:p>
+            <a:fld id="{035DD5C9-B5A2-47F1-BC40-0D7BD2C50D7F}" type="slidenum">
+              <a:rPr lang="en-US" smtClean="0"/>
+              <a:t>45</a:t>
+            </a:fld>
+            <a:endParaRPr lang="en-US"/>
+          </a:p>
+        </p:txBody>
+      </p:sp>
+    </p:spTree>
+    <p:extLst>
+      <p:ext uri="{BB962C8B-B14F-4D97-AF65-F5344CB8AC3E}">
+        <p14:creationId xmlns:p14="http://schemas.microsoft.com/office/powerpoint/2010/main" val="2445784330"/>
+      </p:ext>
+    </p:extLst>
+  </p:cSld>
+  <p:clrMapOvr>
+    <a:masterClrMapping/>
+  </p:clrMapOvr>
+</p:notes>
+</file>
+
+<file path=ppt/notesSlides/notesSlide45.xml><?xml version="1.0" encoding="utf-8"?>
+<p:notes xmlns:a="http://schemas.openxmlformats.org/drawingml/2006/main" xmlns:r="http://schemas.openxmlformats.org/officeDocument/2006/relationships" xmlns:p="http://schemas.openxmlformats.org/presentationml/2006/main">
+  <p:cSld>
+    <p:spTree>
+      <p:nvGrpSpPr>
+        <p:cNvPr id="1" name=""/>
+        <p:cNvGrpSpPr/>
+        <p:nvPr/>
+      </p:nvGrpSpPr>
+      <p:grpSpPr>
+        <a:xfrm>
+          <a:off x="0" y="0"/>
+          <a:ext cx="0" cy="0"/>
+          <a:chOff x="0" y="0"/>
+          <a:chExt cx="0" cy="0"/>
+        </a:xfrm>
+      </p:grpSpPr>
+      <p:sp>
+        <p:nvSpPr>
+          <p:cNvPr id="2" name="Slide Image Placeholder 1"/>
+          <p:cNvSpPr>
+            <a:spLocks noGrp="1" noRot="1" noChangeAspect="1"/>
+          </p:cNvSpPr>
+          <p:nvPr>
+            <p:ph type="sldImg"/>
+          </p:nvPr>
+        </p:nvSpPr>
+        <p:spPr/>
+      </p:sp>
+      <p:sp>
+        <p:nvSpPr>
+          <p:cNvPr id="3" name="Notes Placeholder 2"/>
+          <p:cNvSpPr>
+            <a:spLocks noGrp="1"/>
+          </p:cNvSpPr>
+          <p:nvPr>
+            <p:ph type="body" idx="1"/>
+          </p:nvPr>
+        </p:nvSpPr>
+        <p:spPr/>
+        <p:txBody>
+          <a:bodyPr/>
+          <a:lstStyle/>
+          <a:p>
+            <a:endParaRPr lang="en-US" dirty="0"/>
+          </a:p>
+        </p:txBody>
+      </p:sp>
+      <p:sp>
+        <p:nvSpPr>
+          <p:cNvPr id="4" name="Slide Number Placeholder 3"/>
+          <p:cNvSpPr>
+            <a:spLocks noGrp="1"/>
+          </p:cNvSpPr>
+          <p:nvPr>
+            <p:ph type="sldNum" sz="quarter" idx="10"/>
+          </p:nvPr>
+        </p:nvSpPr>
+        <p:spPr/>
+        <p:txBody>
+          <a:bodyPr/>
+          <a:lstStyle/>
+          <a:p>
+            <a:fld id="{035DD5C9-B5A2-47F1-BC40-0D7BD2C50D7F}" type="slidenum">
+              <a:rPr lang="en-US" smtClean="0"/>
+              <a:t>46</a:t>
+            </a:fld>
+            <a:endParaRPr lang="en-US"/>
+          </a:p>
+        </p:txBody>
+      </p:sp>
+    </p:spTree>
+    <p:extLst>
+      <p:ext uri="{BB962C8B-B14F-4D97-AF65-F5344CB8AC3E}">
+        <p14:creationId xmlns:p14="http://schemas.microsoft.com/office/powerpoint/2010/main" val="2617716752"/>
+      </p:ext>
+    </p:extLst>
+  </p:cSld>
+  <p:clrMapOvr>
+    <a:masterClrMapping/>
+  </p:clrMapOvr>
+</p:notes>
+</file>
+
+<file path=ppt/notesSlides/notesSlide46.xml><?xml version="1.0" encoding="utf-8"?>
+<p:notes xmlns:a="http://schemas.openxmlformats.org/drawingml/2006/main" xmlns:r="http://schemas.openxmlformats.org/officeDocument/2006/relationships" xmlns:p="http://schemas.openxmlformats.org/presentationml/2006/main">
+  <p:cSld>
+    <p:spTree>
+      <p:nvGrpSpPr>
+        <p:cNvPr id="1" name=""/>
+        <p:cNvGrpSpPr/>
+        <p:nvPr/>
+      </p:nvGrpSpPr>
+      <p:grpSpPr>
+        <a:xfrm>
+          <a:off x="0" y="0"/>
+          <a:ext cx="0" cy="0"/>
+          <a:chOff x="0" y="0"/>
+          <a:chExt cx="0" cy="0"/>
+        </a:xfrm>
+      </p:grpSpPr>
+      <p:sp>
+        <p:nvSpPr>
+          <p:cNvPr id="2" name="Slide Image Placeholder 1"/>
+          <p:cNvSpPr>
+            <a:spLocks noGrp="1" noRot="1" noChangeAspect="1"/>
+          </p:cNvSpPr>
+          <p:nvPr>
+            <p:ph type="sldImg"/>
+          </p:nvPr>
+        </p:nvSpPr>
+        <p:spPr/>
+      </p:sp>
+      <p:sp>
+        <p:nvSpPr>
+          <p:cNvPr id="3" name="Notes Placeholder 2"/>
+          <p:cNvSpPr>
+            <a:spLocks noGrp="1"/>
+          </p:cNvSpPr>
+          <p:nvPr>
+            <p:ph type="body" idx="1"/>
+          </p:nvPr>
+        </p:nvSpPr>
+        <p:spPr/>
+        <p:txBody>
+          <a:bodyPr/>
+          <a:lstStyle/>
+          <a:p>
+            <a:endParaRPr lang="en-US" dirty="0"/>
+          </a:p>
+        </p:txBody>
+      </p:sp>
+      <p:sp>
+        <p:nvSpPr>
+          <p:cNvPr id="4" name="Slide Number Placeholder 3"/>
+          <p:cNvSpPr>
+            <a:spLocks noGrp="1"/>
+          </p:cNvSpPr>
+          <p:nvPr>
+            <p:ph type="sldNum" sz="quarter" idx="10"/>
+          </p:nvPr>
+        </p:nvSpPr>
+        <p:spPr/>
+        <p:txBody>
+          <a:bodyPr/>
+          <a:lstStyle/>
+          <a:p>
+            <a:fld id="{035DD5C9-B5A2-47F1-BC40-0D7BD2C50D7F}" type="slidenum">
+              <a:rPr lang="en-US" smtClean="0"/>
+              <a:t>47</a:t>
+            </a:fld>
+            <a:endParaRPr lang="en-US"/>
+          </a:p>
+        </p:txBody>
+      </p:sp>
+    </p:spTree>
+    <p:extLst>
+      <p:ext uri="{BB962C8B-B14F-4D97-AF65-F5344CB8AC3E}">
+        <p14:creationId xmlns:p14="http://schemas.microsoft.com/office/powerpoint/2010/main" val="2662359820"/>
+      </p:ext>
+    </p:extLst>
+  </p:cSld>
+  <p:clrMapOvr>
+    <a:masterClrMapping/>
+  </p:clrMapOvr>
+</p:notes>
+</file>
+
+<file path=ppt/notesSlides/notesSlide47.xml><?xml version="1.0" encoding="utf-8"?>
+<p:notes xmlns:a="http://schemas.openxmlformats.org/drawingml/2006/main" xmlns:r="http://schemas.openxmlformats.org/officeDocument/2006/relationships" xmlns:p="http://schemas.openxmlformats.org/presentationml/2006/main">
+  <p:cSld>
+    <p:spTree>
+      <p:nvGrpSpPr>
+        <p:cNvPr id="1" name=""/>
+        <p:cNvGrpSpPr/>
+        <p:nvPr/>
+      </p:nvGrpSpPr>
+      <p:grpSpPr>
+        <a:xfrm>
+          <a:off x="0" y="0"/>
+          <a:ext cx="0" cy="0"/>
+          <a:chOff x="0" y="0"/>
+          <a:chExt cx="0" cy="0"/>
+        </a:xfrm>
+      </p:grpSpPr>
+      <p:sp>
+        <p:nvSpPr>
+          <p:cNvPr id="2" name="Slide Image Placeholder 1"/>
+          <p:cNvSpPr>
+            <a:spLocks noGrp="1" noRot="1" noChangeAspect="1"/>
+          </p:cNvSpPr>
+          <p:nvPr>
+            <p:ph type="sldImg"/>
+          </p:nvPr>
+        </p:nvSpPr>
+        <p:spPr/>
+      </p:sp>
+      <p:sp>
+        <p:nvSpPr>
+          <p:cNvPr id="3" name="Notes Placeholder 2"/>
+          <p:cNvSpPr>
+            <a:spLocks noGrp="1"/>
+          </p:cNvSpPr>
+          <p:nvPr>
+            <p:ph type="body" idx="1"/>
+          </p:nvPr>
+        </p:nvSpPr>
+        <p:spPr/>
+        <p:txBody>
+          <a:bodyPr/>
+          <a:lstStyle/>
+          <a:p>
+            <a:endParaRPr lang="en-US" dirty="0"/>
+          </a:p>
+        </p:txBody>
+      </p:sp>
+      <p:sp>
+        <p:nvSpPr>
+          <p:cNvPr id="4" name="Slide Number Placeholder 3"/>
+          <p:cNvSpPr>
+            <a:spLocks noGrp="1"/>
+          </p:cNvSpPr>
+          <p:nvPr>
+            <p:ph type="sldNum" sz="quarter" idx="10"/>
+          </p:nvPr>
+        </p:nvSpPr>
+        <p:spPr/>
+        <p:txBody>
+          <a:bodyPr/>
+          <a:lstStyle/>
+          <a:p>
+            <a:fld id="{035DD5C9-B5A2-47F1-BC40-0D7BD2C50D7F}" type="slidenum">
+              <a:rPr lang="en-US" smtClean="0"/>
+              <a:t>48</a:t>
+            </a:fld>
+            <a:endParaRPr lang="en-US"/>
+          </a:p>
+        </p:txBody>
+      </p:sp>
+    </p:spTree>
+    <p:extLst>
+      <p:ext uri="{BB962C8B-B14F-4D97-AF65-F5344CB8AC3E}">
+        <p14:creationId xmlns:p14="http://schemas.microsoft.com/office/powerpoint/2010/main" val="2454926224"/>
       </p:ext>
     </p:extLst>
   </p:cSld>
@@ -3571,7 +4591,7 @@
           <a:p>
             <a:fld id="{FC5856A2-34A9-1A42-B494-55A3DF12C1BD}" type="datetimeFigureOut">
               <a:rPr lang="en-US" smtClean="0"/>
-              <a:t>10/7/2018</a:t>
+              <a:t>10/13/2018</a:t>
             </a:fld>
             <a:endParaRPr lang="en-US"/>
           </a:p>
@@ -3741,7 +4761,7 @@
           <a:p>
             <a:fld id="{FC5856A2-34A9-1A42-B494-55A3DF12C1BD}" type="datetimeFigureOut">
               <a:rPr lang="en-US" smtClean="0"/>
-              <a:t>10/7/2018</a:t>
+              <a:t>10/13/2018</a:t>
             </a:fld>
             <a:endParaRPr lang="en-US"/>
           </a:p>
@@ -3921,7 +4941,7 @@
           <a:p>
             <a:fld id="{FC5856A2-34A9-1A42-B494-55A3DF12C1BD}" type="datetimeFigureOut">
               <a:rPr lang="en-US" smtClean="0"/>
-              <a:t>10/7/2018</a:t>
+              <a:t>10/13/2018</a:t>
             </a:fld>
             <a:endParaRPr lang="en-US"/>
           </a:p>
@@ -4091,7 +5111,7 @@
           <a:p>
             <a:fld id="{FC5856A2-34A9-1A42-B494-55A3DF12C1BD}" type="datetimeFigureOut">
               <a:rPr lang="en-US" smtClean="0"/>
-              <a:t>10/7/2018</a:t>
+              <a:t>10/13/2018</a:t>
             </a:fld>
             <a:endParaRPr lang="en-US"/>
           </a:p>
@@ -4335,7 +5355,7 @@
           <a:p>
             <a:fld id="{FC5856A2-34A9-1A42-B494-55A3DF12C1BD}" type="datetimeFigureOut">
               <a:rPr lang="en-US" smtClean="0"/>
-              <a:t>10/7/2018</a:t>
+              <a:t>10/13/2018</a:t>
             </a:fld>
             <a:endParaRPr lang="en-US"/>
           </a:p>
@@ -4567,7 +5587,7 @@
           <a:p>
             <a:fld id="{FC5856A2-34A9-1A42-B494-55A3DF12C1BD}" type="datetimeFigureOut">
               <a:rPr lang="en-US" smtClean="0"/>
-              <a:t>10/7/2018</a:t>
+              <a:t>10/13/2018</a:t>
             </a:fld>
             <a:endParaRPr lang="en-US"/>
           </a:p>
@@ -4934,7 +5954,7 @@
           <a:p>
             <a:fld id="{FC5856A2-34A9-1A42-B494-55A3DF12C1BD}" type="datetimeFigureOut">
               <a:rPr lang="en-US" smtClean="0"/>
-              <a:t>10/7/2018</a:t>
+              <a:t>10/13/2018</a:t>
             </a:fld>
             <a:endParaRPr lang="en-US"/>
           </a:p>
@@ -5052,7 +6072,7 @@
           <a:p>
             <a:fld id="{FC5856A2-34A9-1A42-B494-55A3DF12C1BD}" type="datetimeFigureOut">
               <a:rPr lang="en-US" smtClean="0"/>
-              <a:t>10/7/2018</a:t>
+              <a:t>10/13/2018</a:t>
             </a:fld>
             <a:endParaRPr lang="en-US"/>
           </a:p>
@@ -5147,7 +6167,7 @@
           <a:p>
             <a:fld id="{FC5856A2-34A9-1A42-B494-55A3DF12C1BD}" type="datetimeFigureOut">
               <a:rPr lang="en-US" smtClean="0"/>
-              <a:t>10/7/2018</a:t>
+              <a:t>10/13/2018</a:t>
             </a:fld>
             <a:endParaRPr lang="en-US"/>
           </a:p>
@@ -5424,7 +6444,7 @@
           <a:p>
             <a:fld id="{FC5856A2-34A9-1A42-B494-55A3DF12C1BD}" type="datetimeFigureOut">
               <a:rPr lang="en-US" smtClean="0"/>
-              <a:t>10/7/2018</a:t>
+              <a:t>10/13/2018</a:t>
             </a:fld>
             <a:endParaRPr lang="en-US"/>
           </a:p>
@@ -5681,7 +6701,7 @@
           <a:p>
             <a:fld id="{FC5856A2-34A9-1A42-B494-55A3DF12C1BD}" type="datetimeFigureOut">
               <a:rPr lang="en-US" smtClean="0"/>
-              <a:t>10/7/2018</a:t>
+              <a:t>10/13/2018</a:t>
             </a:fld>
             <a:endParaRPr lang="en-US"/>
           </a:p>
@@ -5894,7 +6914,7 @@
           <a:p>
             <a:fld id="{FC5856A2-34A9-1A42-B494-55A3DF12C1BD}" type="datetimeFigureOut">
               <a:rPr lang="en-US" smtClean="0"/>
-              <a:t>10/7/2018</a:t>
+              <a:t>10/13/2018</a:t>
             </a:fld>
             <a:endParaRPr lang="en-US"/>
           </a:p>
@@ -8825,7 +9845,7 @@
         <p:spPr>
           <a:xfrm>
             <a:off x="108854" y="4100039"/>
-            <a:ext cx="9035145" cy="1477328"/>
+            <a:ext cx="9035145" cy="2308324"/>
           </a:xfrm>
           <a:prstGeom prst="rect">
             <a:avLst/>
@@ -8960,6 +9980,100 @@
               <a:rPr lang="tr-TR" dirty="0" smtClean="0">
                 <a:solidFill>
                   <a:srgbClr val="FF0000"/>
+                </a:solidFill>
+              </a:rPr>
+              <a:t>.</a:t>
+            </a:r>
+          </a:p>
+          <a:p>
+            <a:pPr marL="285750" indent="-285750">
+              <a:buFont typeface="Arial" panose="020B0604020202020204" pitchFamily="34" charset="0"/>
+              <a:buChar char="•"/>
+            </a:pPr>
+            <a:r>
+              <a:rPr lang="en-US" dirty="0">
+                <a:solidFill>
+                  <a:srgbClr val="002060"/>
+                </a:solidFill>
+              </a:rPr>
+              <a:t>For a 3-phase system, the volt-amperes rating of a </a:t>
+            </a:r>
+            <a:r>
+              <a:rPr lang="en-US" dirty="0">
+                <a:solidFill>
+                  <a:srgbClr val="FF0000"/>
+                </a:solidFill>
+              </a:rPr>
+              <a:t>full H-bridge inverter is 2</a:t>
+            </a:r>
+            <a:r>
+              <a:rPr lang="en-US" dirty="0" smtClean="0">
+                <a:solidFill>
+                  <a:srgbClr val="FF0000"/>
+                </a:solidFill>
+              </a:rPr>
+              <a:t>/√3 </a:t>
+            </a:r>
+            <a:r>
+              <a:rPr lang="en-US" dirty="0">
+                <a:solidFill>
+                  <a:srgbClr val="FF0000"/>
+                </a:solidFill>
+              </a:rPr>
+              <a:t>times that of a half-bridge inverter</a:t>
+            </a:r>
+            <a:r>
+              <a:rPr lang="en-US" dirty="0">
+                <a:solidFill>
+                  <a:srgbClr val="002060"/>
+                </a:solidFill>
+              </a:rPr>
+              <a:t>, as the number of </a:t>
+            </a:r>
+            <a:r>
+              <a:rPr lang="en-US" dirty="0" smtClean="0">
+                <a:solidFill>
+                  <a:srgbClr val="002060"/>
+                </a:solidFill>
+              </a:rPr>
+              <a:t>power</a:t>
+            </a:r>
+            <a:r>
+              <a:rPr lang="tr-TR" dirty="0" smtClean="0">
+                <a:solidFill>
+                  <a:srgbClr val="002060"/>
+                </a:solidFill>
+              </a:rPr>
+              <a:t> </a:t>
+            </a:r>
+            <a:r>
+              <a:rPr lang="en-US" dirty="0" smtClean="0">
+                <a:solidFill>
+                  <a:srgbClr val="002060"/>
+                </a:solidFill>
+              </a:rPr>
+              <a:t>switches </a:t>
+            </a:r>
+            <a:r>
+              <a:rPr lang="en-US" dirty="0">
+                <a:solidFill>
+                  <a:srgbClr val="002060"/>
+                </a:solidFill>
+              </a:rPr>
+              <a:t>doubles, but each switch must withstand only the phase voltage instead of the line </a:t>
+            </a:r>
+            <a:r>
+              <a:rPr lang="en-US" dirty="0" smtClean="0">
+                <a:solidFill>
+                  <a:srgbClr val="002060"/>
+                </a:solidFill>
+              </a:rPr>
+              <a:t>voltage</a:t>
+            </a:r>
+            <a:r>
+              <a:rPr lang="tr-TR" dirty="0" smtClean="0">
+                <a:solidFill>
+                  <a:srgbClr val="002060"/>
                 </a:solidFill>
               </a:rPr>
               <a:t>.</a:t>
@@ -9856,7 +10970,7 @@
         <p:spPr>
           <a:xfrm>
             <a:off x="224969" y="884763"/>
-            <a:ext cx="8461829" cy="4801314"/>
+            <a:ext cx="8461829" cy="4524315"/>
           </a:xfrm>
           <a:prstGeom prst="rect">
             <a:avLst/>
@@ -9897,6 +11011,78 @@
                 </a:solidFill>
                 <a:cs typeface="Arial" panose="020B0604020202020204" pitchFamily="34" charset="0"/>
               </a:rPr>
+              <a:t> «</a:t>
+            </a:r>
+            <a:r>
+              <a:rPr lang="en-US" dirty="0" smtClean="0">
+                <a:solidFill>
+                  <a:srgbClr val="002060"/>
+                </a:solidFill>
+                <a:cs typeface="Arial" panose="020B0604020202020204" pitchFamily="34" charset="0"/>
+              </a:rPr>
+              <a:t>In </a:t>
+            </a:r>
+            <a:r>
+              <a:rPr lang="en-US" dirty="0">
+                <a:solidFill>
+                  <a:srgbClr val="002060"/>
+                </a:solidFill>
+                <a:cs typeface="Arial" panose="020B0604020202020204" pitchFamily="34" charset="0"/>
+              </a:rPr>
+              <a:t>any case, it must be noted that, unless the </a:t>
+            </a:r>
+            <a:r>
+              <a:rPr lang="en-US" dirty="0">
+                <a:solidFill>
+                  <a:srgbClr val="FF0000"/>
+                </a:solidFill>
+                <a:cs typeface="Arial" panose="020B0604020202020204" pitchFamily="34" charset="0"/>
+              </a:rPr>
+              <a:t>magnetic coupling </a:t>
+            </a:r>
+            <a:r>
+              <a:rPr lang="en-US" dirty="0">
+                <a:solidFill>
+                  <a:srgbClr val="002060"/>
+                </a:solidFill>
+                <a:cs typeface="Arial" panose="020B0604020202020204" pitchFamily="34" charset="0"/>
+              </a:rPr>
+              <a:t>between phases is eliminated, </a:t>
+            </a:r>
+            <a:r>
+              <a:rPr lang="en-US" dirty="0">
+                <a:solidFill>
+                  <a:srgbClr val="FF0000"/>
+                </a:solidFill>
+                <a:cs typeface="Arial" panose="020B0604020202020204" pitchFamily="34" charset="0"/>
+              </a:rPr>
+              <a:t>no truly independent operation of the individual phases is possible</a:t>
+            </a:r>
+            <a:r>
+              <a:rPr lang="en-US" dirty="0">
+                <a:solidFill>
+                  <a:srgbClr val="002060"/>
+                </a:solidFill>
+                <a:cs typeface="Arial" panose="020B0604020202020204" pitchFamily="34" charset="0"/>
+              </a:rPr>
+              <a:t>, which may result in an undesirable pulsating torque in the machine</a:t>
+            </a:r>
+            <a:r>
+              <a:rPr lang="tr-TR" dirty="0" smtClean="0">
+                <a:solidFill>
+                  <a:srgbClr val="002060"/>
+                </a:solidFill>
+                <a:cs typeface="Arial" panose="020B0604020202020204" pitchFamily="34" charset="0"/>
+              </a:rPr>
+              <a:t>.»</a:t>
+            </a:r>
+            <a:r>
+              <a:rPr lang="tr-TR" dirty="0" smtClean="0">
+                <a:solidFill>
+                  <a:srgbClr val="002060"/>
+                </a:solidFill>
+                <a:cs typeface="Arial" panose="020B0604020202020204" pitchFamily="34" charset="0"/>
+              </a:rPr>
               <a:t> </a:t>
             </a:r>
             <a:r>
@@ -9957,16 +11143,7 @@
                 </a:solidFill>
                 <a:cs typeface="Arial" panose="020B0604020202020204" pitchFamily="34" charset="0"/>
               </a:rPr>
-              <a:t>Limit the short circuit current. Inductance calculation is necessary</a:t>
-            </a:r>
-            <a:r>
-              <a:rPr lang="en-US" dirty="0" smtClean="0">
-                <a:solidFill>
-                  <a:srgbClr val="002060"/>
-                </a:solidFill>
-                <a:cs typeface="Arial" panose="020B0604020202020204" pitchFamily="34" charset="0"/>
-              </a:rPr>
-              <a:t>.</a:t>
+              <a:t>Limit the short circuit current. Inductance calculation is necessary.</a:t>
             </a:r>
             <a:r>
               <a:rPr lang="tr-TR" dirty="0" smtClean="0">
@@ -9993,16 +11170,7 @@
                 </a:solidFill>
                 <a:cs typeface="Arial" panose="020B0604020202020204" pitchFamily="34" charset="0"/>
               </a:rPr>
-              <a:t>gelice</a:t>
-            </a:r>
-            <a:r>
-              <a:rPr lang="tr-TR" b="1" dirty="0" err="1" smtClean="0">
-                <a:solidFill>
-                  <a:srgbClr val="002060"/>
-                </a:solidFill>
-                <a:cs typeface="Arial" panose="020B0604020202020204" pitchFamily="34" charset="0"/>
-              </a:rPr>
-              <a:t>z</a:t>
+              <a:t>gelicez</a:t>
             </a:r>
             <a:r>
               <a:rPr lang="tr-TR" b="1" dirty="0" smtClean="0">
@@ -10044,16 +11212,7 @@
                 </a:solidFill>
                 <a:cs typeface="Arial" panose="020B0604020202020204" pitchFamily="34" charset="0"/>
               </a:rPr>
-              <a:t>Core loss and magnet loss </a:t>
-            </a:r>
-            <a:r>
-              <a:rPr lang="en-US" dirty="0" smtClean="0">
-                <a:solidFill>
-                  <a:srgbClr val="002060"/>
-                </a:solidFill>
-                <a:cs typeface="Arial" panose="020B0604020202020204" pitchFamily="34" charset="0"/>
-              </a:rPr>
-              <a:t>calculation</a:t>
+              <a:t>Core loss and magnet loss calculation</a:t>
             </a:r>
             <a:r>
               <a:rPr lang="tr-TR" dirty="0" smtClean="0">
@@ -10067,13 +11226,21 @@
             <a:r>
               <a:rPr lang="tr-TR" b="1" dirty="0" smtClean="0">
                 <a:solidFill>
-                  <a:srgbClr val="002060"/>
+                  <a:srgbClr val="FF0000"/>
                 </a:solidFill>
                 <a:cs typeface="Arial" panose="020B0604020202020204" pitchFamily="34" charset="0"/>
               </a:rPr>
               <a:t>Kanayan yara ?</a:t>
             </a:r>
             <a:endParaRPr lang="en-US" b="1" dirty="0" smtClean="0">
+              <a:solidFill>
+                <a:srgbClr val="FF0000"/>
+              </a:solidFill>
+              <a:cs typeface="Arial" panose="020B0604020202020204" pitchFamily="34" charset="0"/>
+            </a:endParaRPr>
+          </a:p>
+          <a:p>
+            <a:endParaRPr lang="tr-TR" dirty="0">
               <a:solidFill>
                 <a:srgbClr val="002060"/>
               </a:solidFill>
@@ -10085,71 +11252,14 @@
               <a:buFont typeface="Wingdings" panose="05000000000000000000" pitchFamily="2" charset="2"/>
               <a:buChar char="q"/>
             </a:pPr>
-            <a:endParaRPr lang="tr-TR" dirty="0" smtClean="0">
-              <a:solidFill>
-                <a:srgbClr val="002060"/>
-              </a:solidFill>
-              <a:cs typeface="Arial" panose="020B0604020202020204" pitchFamily="34" charset="0"/>
-            </a:endParaRPr>
-          </a:p>
-          <a:p>
-            <a:pPr marL="342900" indent="-342900">
-              <a:buFont typeface="Wingdings" panose="05000000000000000000" pitchFamily="2" charset="2"/>
-              <a:buChar char="q"/>
-            </a:pPr>
-            <a:r>
-              <a:rPr lang="en-US" dirty="0">
-                <a:solidFill>
-                  <a:srgbClr val="002060"/>
-                </a:solidFill>
-                <a:cs typeface="Arial" panose="020B0604020202020204" pitchFamily="34" charset="0"/>
-              </a:rPr>
-              <a:t>In any case, it must be noted that, unless the </a:t>
-            </a:r>
-            <a:r>
-              <a:rPr lang="en-US" dirty="0">
-                <a:solidFill>
-                  <a:srgbClr val="FF0000"/>
-                </a:solidFill>
-                <a:cs typeface="Arial" panose="020B0604020202020204" pitchFamily="34" charset="0"/>
-              </a:rPr>
-              <a:t>magnetic coupling </a:t>
-            </a:r>
-            <a:r>
-              <a:rPr lang="en-US" dirty="0">
-                <a:solidFill>
-                  <a:srgbClr val="002060"/>
-                </a:solidFill>
-                <a:cs typeface="Arial" panose="020B0604020202020204" pitchFamily="34" charset="0"/>
-              </a:rPr>
-              <a:t>between phases is eliminated, </a:t>
-            </a:r>
-            <a:r>
-              <a:rPr lang="en-US" dirty="0">
-                <a:solidFill>
-                  <a:srgbClr val="FF0000"/>
-                </a:solidFill>
-                <a:cs typeface="Arial" panose="020B0604020202020204" pitchFamily="34" charset="0"/>
-              </a:rPr>
-              <a:t>no truly independent operation of the individual phases is possible</a:t>
-            </a:r>
-            <a:r>
-              <a:rPr lang="en-US" dirty="0">
-                <a:solidFill>
-                  <a:srgbClr val="002060"/>
-                </a:solidFill>
-                <a:cs typeface="Arial" panose="020B0604020202020204" pitchFamily="34" charset="0"/>
-              </a:rPr>
-              <a:t>, which may result in an undesirable pulsating torque in the </a:t>
-            </a:r>
-            <a:r>
-              <a:rPr lang="en-US" dirty="0" smtClean="0">
-                <a:solidFill>
-                  <a:srgbClr val="002060"/>
-                </a:solidFill>
-                <a:cs typeface="Arial" panose="020B0604020202020204" pitchFamily="34" charset="0"/>
-              </a:rPr>
-              <a:t>machine</a:t>
+            <a:r>
+              <a:rPr lang="tr-TR" dirty="0" err="1" smtClean="0">
+                <a:solidFill>
+                  <a:srgbClr val="002060"/>
+                </a:solidFill>
+                <a:cs typeface="Arial" panose="020B0604020202020204" pitchFamily="34" charset="0"/>
+              </a:rPr>
+              <a:t>Fault’ta</a:t>
             </a:r>
             <a:r>
               <a:rPr lang="tr-TR" dirty="0" smtClean="0">
@@ -10158,7 +11268,16 @@
                 </a:solidFill>
                 <a:cs typeface="Arial" panose="020B0604020202020204" pitchFamily="34" charset="0"/>
               </a:rPr>
-              <a:t>.</a:t>
+              <a:t> DC bara nasıl davranıyor, </a:t>
+            </a:r>
+            <a:r>
+              <a:rPr lang="tr-TR" b="1" dirty="0" smtClean="0">
+                <a:solidFill>
+                  <a:srgbClr val="002060"/>
+                </a:solidFill>
+                <a:cs typeface="Arial" panose="020B0604020202020204" pitchFamily="34" charset="0"/>
+              </a:rPr>
+              <a:t>incelemeye değer.</a:t>
             </a:r>
           </a:p>
           <a:p>
@@ -10179,13 +11298,58 @@
               <a:buChar char="q"/>
             </a:pPr>
             <a:r>
-              <a:rPr lang="tr-TR" dirty="0" err="1" smtClean="0">
-                <a:solidFill>
-                  <a:srgbClr val="002060"/>
-                </a:solidFill>
-                <a:cs typeface="Arial" panose="020B0604020202020204" pitchFamily="34" charset="0"/>
-              </a:rPr>
-              <a:t>Fault’ta</a:t>
+              <a:rPr lang="en-US" dirty="0">
+                <a:solidFill>
+                  <a:srgbClr val="002060"/>
+                </a:solidFill>
+                <a:cs typeface="Arial" panose="020B0604020202020204" pitchFamily="34" charset="0"/>
+              </a:rPr>
+              <a:t>The power converter must be equipped with the necessary means to quickly </a:t>
+            </a:r>
+            <a:r>
+              <a:rPr lang="en-US" b="1" dirty="0">
+                <a:solidFill>
+                  <a:srgbClr val="002060"/>
+                </a:solidFill>
+                <a:cs typeface="Arial" panose="020B0604020202020204" pitchFamily="34" charset="0"/>
+              </a:rPr>
+              <a:t>detect and respond</a:t>
+            </a:r>
+            <a:r>
+              <a:rPr lang="en-US" dirty="0">
+                <a:solidFill>
+                  <a:srgbClr val="002060"/>
+                </a:solidFill>
+                <a:cs typeface="Arial" panose="020B0604020202020204" pitchFamily="34" charset="0"/>
+              </a:rPr>
+              <a:t> to several </a:t>
+            </a:r>
+            <a:r>
+              <a:rPr lang="en-US" b="1" dirty="0">
+                <a:solidFill>
+                  <a:srgbClr val="002060"/>
+                </a:solidFill>
+                <a:cs typeface="Arial" panose="020B0604020202020204" pitchFamily="34" charset="0"/>
+              </a:rPr>
+              <a:t>fault conditions</a:t>
+            </a:r>
+            <a:r>
+              <a:rPr lang="en-US" dirty="0">
+                <a:solidFill>
+                  <a:srgbClr val="002060"/>
+                </a:solidFill>
+                <a:cs typeface="Arial" panose="020B0604020202020204" pitchFamily="34" charset="0"/>
+              </a:rPr>
+              <a:t>; including, winding open-circuit faults, short-circuit faults, power transistor faults, etc</a:t>
+            </a:r>
+            <a:r>
+              <a:rPr lang="en-US" dirty="0" smtClean="0">
+                <a:solidFill>
+                  <a:srgbClr val="002060"/>
+                </a:solidFill>
+                <a:cs typeface="Arial" panose="020B0604020202020204" pitchFamily="34" charset="0"/>
+              </a:rPr>
+              <a:t>.</a:t>
             </a:r>
             <a:r>
               <a:rPr lang="tr-TR" dirty="0" smtClean="0">
@@ -10194,7 +11358,16 @@
                 </a:solidFill>
                 <a:cs typeface="Arial" panose="020B0604020202020204" pitchFamily="34" charset="0"/>
               </a:rPr>
-              <a:t> DC bara nasıl davranıyor, </a:t>
+              <a:t> </a:t>
+            </a:r>
+            <a:r>
+              <a:rPr lang="tr-TR" b="1" dirty="0" err="1" smtClean="0">
+                <a:solidFill>
+                  <a:srgbClr val="002060"/>
+                </a:solidFill>
+                <a:cs typeface="Arial" panose="020B0604020202020204" pitchFamily="34" charset="0"/>
+              </a:rPr>
+              <a:t>Fault’lar</a:t>
             </a:r>
             <a:r>
               <a:rPr lang="tr-TR" b="1" dirty="0" smtClean="0">
@@ -10203,81 +11376,9 @@
                 </a:solidFill>
                 <a:cs typeface="Arial" panose="020B0604020202020204" pitchFamily="34" charset="0"/>
               </a:rPr>
-              <a:t>incelemeye değer.</a:t>
-            </a:r>
-          </a:p>
-          <a:p>
-            <a:pPr marL="342900" indent="-342900">
-              <a:buFont typeface="Wingdings" panose="05000000000000000000" pitchFamily="2" charset="2"/>
-              <a:buChar char="q"/>
-            </a:pPr>
-            <a:endParaRPr lang="tr-TR" dirty="0">
-              <a:solidFill>
-                <a:srgbClr val="002060"/>
-              </a:solidFill>
-              <a:cs typeface="Arial" panose="020B0604020202020204" pitchFamily="34" charset="0"/>
-            </a:endParaRPr>
-          </a:p>
-          <a:p>
-            <a:pPr marL="342900" indent="-342900">
-              <a:buFont typeface="Wingdings" panose="05000000000000000000" pitchFamily="2" charset="2"/>
-              <a:buChar char="q"/>
-            </a:pPr>
-            <a:r>
-              <a:rPr lang="en-US" dirty="0">
-                <a:solidFill>
-                  <a:srgbClr val="002060"/>
-                </a:solidFill>
-                <a:cs typeface="Arial" panose="020B0604020202020204" pitchFamily="34" charset="0"/>
-              </a:rPr>
-              <a:t>The power converter must be equipped with the necessary means to quickly </a:t>
-            </a:r>
-            <a:r>
-              <a:rPr lang="en-US" b="1" dirty="0">
-                <a:solidFill>
-                  <a:srgbClr val="002060"/>
-                </a:solidFill>
-                <a:cs typeface="Arial" panose="020B0604020202020204" pitchFamily="34" charset="0"/>
-              </a:rPr>
-              <a:t>detect and respond</a:t>
-            </a:r>
-            <a:r>
-              <a:rPr lang="en-US" dirty="0">
-                <a:solidFill>
-                  <a:srgbClr val="002060"/>
-                </a:solidFill>
-                <a:cs typeface="Arial" panose="020B0604020202020204" pitchFamily="34" charset="0"/>
-              </a:rPr>
-              <a:t> to several </a:t>
-            </a:r>
-            <a:r>
-              <a:rPr lang="en-US" b="1" dirty="0">
-                <a:solidFill>
-                  <a:srgbClr val="002060"/>
-                </a:solidFill>
-                <a:cs typeface="Arial" panose="020B0604020202020204" pitchFamily="34" charset="0"/>
-              </a:rPr>
-              <a:t>fault conditions</a:t>
-            </a:r>
-            <a:r>
-              <a:rPr lang="en-US" dirty="0">
-                <a:solidFill>
-                  <a:srgbClr val="002060"/>
-                </a:solidFill>
-                <a:cs typeface="Arial" panose="020B0604020202020204" pitchFamily="34" charset="0"/>
-              </a:rPr>
-              <a:t>; including, winding open-circuit faults, short-circuit faults, power transistor faults, etc</a:t>
-            </a:r>
-            <a:r>
-              <a:rPr lang="en-US" dirty="0" smtClean="0">
-                <a:solidFill>
-                  <a:srgbClr val="002060"/>
-                </a:solidFill>
-                <a:cs typeface="Arial" panose="020B0604020202020204" pitchFamily="34" charset="0"/>
-              </a:rPr>
-              <a:t>.</a:t>
-            </a:r>
-            <a:endParaRPr lang="tr-TR" dirty="0" smtClean="0">
+              <a:t> incelenmeye başlandı.</a:t>
+            </a:r>
+            <a:endParaRPr lang="tr-TR" b="1" dirty="0" smtClean="0">
               <a:solidFill>
                 <a:srgbClr val="002060"/>
               </a:solidFill>
@@ -10482,9 +11583,20 @@
                 </a:solidFill>
                 <a:cs typeface="Arial" panose="020B0604020202020204" pitchFamily="34" charset="0"/>
               </a:rPr>
-              <a:t> Modular Motor</a:t>
-            </a:r>
-            <a:endParaRPr lang="en-US" sz="2800" dirty="0">
+              <a:t> </a:t>
+            </a:r>
+            <a:r>
+              <a:rPr lang="tr-TR" sz="2800" b="1" i="1" dirty="0" smtClean="0">
+                <a:solidFill>
+                  <a:schemeClr val="accent1">
+                    <a:lumMod val="50000"/>
+                  </a:schemeClr>
+                </a:solidFill>
+                <a:cs typeface="Arial" panose="020B0604020202020204" pitchFamily="34" charset="0"/>
+              </a:rPr>
+              <a:t>Modular Motor</a:t>
+            </a:r>
+            <a:endParaRPr lang="en-US" sz="2800" i="1" dirty="0">
               <a:solidFill>
                 <a:schemeClr val="accent1">
                   <a:lumMod val="50000"/>
@@ -11254,7 +12366,16 @@
                 </a:solidFill>
                 <a:cs typeface="Arial" panose="020B0604020202020204" pitchFamily="34" charset="0"/>
               </a:rPr>
-              <a:t> (bu bizim durum)</a:t>
+              <a:t> </a:t>
+            </a:r>
+            <a:r>
+              <a:rPr lang="tr-TR" sz="2000" b="1" dirty="0" smtClean="0">
+                <a:solidFill>
+                  <a:srgbClr val="FF0000"/>
+                </a:solidFill>
+                <a:cs typeface="Arial" panose="020B0604020202020204" pitchFamily="34" charset="0"/>
+              </a:rPr>
+              <a:t>(bu bizim durum)</a:t>
             </a:r>
           </a:p>
           <a:p>
@@ -11270,6 +12391,24 @@
                 <a:cs typeface="Arial" panose="020B0604020202020204" pitchFamily="34" charset="0"/>
               </a:rPr>
               <a:t>Currents</a:t>
+            </a:r>
+            <a:r>
+              <a:rPr lang="tr-TR" sz="2000" dirty="0" smtClean="0">
+                <a:solidFill>
+                  <a:srgbClr val="002060"/>
+                </a:solidFill>
+                <a:cs typeface="Arial" panose="020B0604020202020204" pitchFamily="34" charset="0"/>
+              </a:rPr>
+              <a:t> </a:t>
+            </a:r>
+            <a:r>
+              <a:rPr lang="tr-TR" sz="2000" dirty="0" err="1" smtClean="0">
+                <a:solidFill>
+                  <a:srgbClr val="002060"/>
+                </a:solidFill>
+                <a:cs typeface="Arial" panose="020B0604020202020204" pitchFamily="34" charset="0"/>
+              </a:rPr>
+              <a:t>are</a:t>
             </a:r>
             <a:r>
               <a:rPr lang="tr-TR" sz="2000" dirty="0" smtClean="0">
@@ -11488,7 +12627,7 @@
               <a:t> </a:t>
             </a:r>
             <a:r>
-              <a:rPr lang="tr-TR" sz="2000" dirty="0">
+              <a:rPr lang="tr-TR" sz="2000" b="1" dirty="0">
                 <a:solidFill>
                   <a:srgbClr val="FF0000"/>
                 </a:solidFill>
@@ -11497,7 +12636,7 @@
               <a:t>(bu </a:t>
             </a:r>
             <a:r>
-              <a:rPr lang="tr-TR" sz="2000" dirty="0" smtClean="0">
+              <a:rPr lang="tr-TR" sz="2000" b="1" dirty="0" smtClean="0">
                 <a:solidFill>
                   <a:srgbClr val="FF0000"/>
                 </a:solidFill>
@@ -11505,7 +12644,7 @@
               </a:rPr>
               <a:t>uygulasak mı dediğimiz yapı)</a:t>
             </a:r>
-            <a:endParaRPr lang="tr-TR" sz="2000" dirty="0">
+            <a:endParaRPr lang="tr-TR" sz="2000" b="1" dirty="0">
               <a:solidFill>
                 <a:srgbClr val="002060"/>
               </a:solidFill>
@@ -11760,9 +12899,18 @@
               </a:rPr>
               <a:t>windings</a:t>
             </a:r>
+            <a:r>
+              <a:rPr lang="tr-TR" sz="2000" dirty="0" smtClean="0">
+                <a:solidFill>
+                  <a:srgbClr val="FF0000"/>
+                </a:solidFill>
+                <a:cs typeface="Arial" panose="020B0604020202020204" pitchFamily="34" charset="0"/>
+              </a:rPr>
+              <a:t> (nötrden?)</a:t>
+            </a:r>
             <a:endParaRPr lang="tr-TR" sz="2000" dirty="0" smtClean="0">
               <a:solidFill>
-                <a:srgbClr val="002060"/>
+                <a:srgbClr val="FF0000"/>
               </a:solidFill>
               <a:cs typeface="Arial" panose="020B0604020202020204" pitchFamily="34" charset="0"/>
             </a:endParaRPr>
@@ -12658,18 +13806,7 @@
                 </a:solidFill>
                 <a:cs typeface="Arial" panose="020B0604020202020204" pitchFamily="34" charset="0"/>
               </a:rPr>
-              <a:t>Topologie</a:t>
-            </a:r>
-            <a:r>
-              <a:rPr lang="tr-TR" sz="2800" b="1" dirty="0" err="1" smtClean="0">
-                <a:solidFill>
-                  <a:schemeClr val="accent1">
-                    <a:lumMod val="50000"/>
-                  </a:schemeClr>
-                </a:solidFill>
-                <a:cs typeface="Arial" panose="020B0604020202020204" pitchFamily="34" charset="0"/>
-              </a:rPr>
-              <a:t>s</a:t>
+              <a:t>Topologies</a:t>
             </a:r>
             <a:r>
               <a:rPr lang="tr-TR" sz="2800" b="1" dirty="0" smtClean="0">
@@ -15127,7 +16264,7 @@
         <p:spPr>
           <a:xfrm>
             <a:off x="236764" y="886160"/>
-            <a:ext cx="8801100" cy="3139321"/>
+            <a:ext cx="8801100" cy="4524315"/>
           </a:xfrm>
           <a:prstGeom prst="rect">
             <a:avLst/>
@@ -15323,8 +16460,152 @@
                   <a:srgbClr val="FF0000"/>
                 </a:solidFill>
               </a:rPr>
-              <a:t>Bu konuda bir çalışma yapmak gerekir mi?</a:t>
-            </a:r>
+              <a:t>Bu konuda bir çalışma yapmak gerekir mi</a:t>
+            </a:r>
+            <a:r>
+              <a:rPr lang="tr-TR" dirty="0" smtClean="0">
+                <a:solidFill>
+                  <a:srgbClr val="FF0000"/>
+                </a:solidFill>
+              </a:rPr>
+              <a:t>?</a:t>
+            </a:r>
+          </a:p>
+          <a:p>
+            <a:endParaRPr lang="tr-TR" dirty="0">
+              <a:solidFill>
+                <a:srgbClr val="FF0000"/>
+              </a:solidFill>
+            </a:endParaRPr>
+          </a:p>
+          <a:p>
+            <a:r>
+              <a:rPr lang="tr-TR" dirty="0" smtClean="0">
+                <a:solidFill>
+                  <a:srgbClr val="FF0000"/>
+                </a:solidFill>
+              </a:rPr>
+              <a:t>Beyin kasırgası:</a:t>
+            </a:r>
+          </a:p>
+          <a:p>
+            <a:r>
+              <a:rPr lang="tr-TR" dirty="0" err="1" smtClean="0">
+                <a:solidFill>
+                  <a:srgbClr val="002060"/>
+                </a:solidFill>
+              </a:rPr>
+              <a:t>Loss’un</a:t>
+            </a:r>
+            <a:r>
+              <a:rPr lang="tr-TR" dirty="0" smtClean="0">
+                <a:solidFill>
+                  <a:srgbClr val="002060"/>
+                </a:solidFill>
+              </a:rPr>
+              <a:t> büyük kısmı </a:t>
+            </a:r>
+            <a:r>
+              <a:rPr lang="tr-TR" dirty="0" err="1" smtClean="0">
+                <a:solidFill>
+                  <a:srgbClr val="002060"/>
+                </a:solidFill>
+              </a:rPr>
+              <a:t>copper</a:t>
+            </a:r>
+            <a:r>
+              <a:rPr lang="tr-TR" dirty="0">
+                <a:solidFill>
+                  <a:srgbClr val="002060"/>
+                </a:solidFill>
+              </a:rPr>
+              <a:t> </a:t>
+            </a:r>
+            <a:r>
+              <a:rPr lang="tr-TR" dirty="0" err="1" smtClean="0">
+                <a:solidFill>
+                  <a:srgbClr val="002060"/>
+                </a:solidFill>
+              </a:rPr>
+              <a:t>loss</a:t>
+            </a:r>
+            <a:r>
+              <a:rPr lang="tr-TR" dirty="0" smtClean="0">
+                <a:solidFill>
+                  <a:srgbClr val="002060"/>
+                </a:solidFill>
+              </a:rPr>
+              <a:t> olarak statorda çıkıyor. Soğumak için de en iyi yol </a:t>
+            </a:r>
+            <a:r>
+              <a:rPr lang="tr-TR" dirty="0" err="1" smtClean="0">
+                <a:solidFill>
+                  <a:srgbClr val="002060"/>
+                </a:solidFill>
+              </a:rPr>
+              <a:t>radial</a:t>
+            </a:r>
+            <a:r>
+              <a:rPr lang="tr-TR" dirty="0" smtClean="0">
+                <a:solidFill>
+                  <a:srgbClr val="002060"/>
+                </a:solidFill>
+              </a:rPr>
+              <a:t> olarak kasadan havaya doğru ısı transferi (diye biliyorum). Aslında </a:t>
+            </a:r>
+            <a:r>
+              <a:rPr lang="tr-TR" dirty="0" err="1" smtClean="0">
+                <a:solidFill>
+                  <a:srgbClr val="002060"/>
+                </a:solidFill>
+              </a:rPr>
+              <a:t>back</a:t>
+            </a:r>
+            <a:r>
+              <a:rPr lang="tr-TR" dirty="0" smtClean="0">
+                <a:solidFill>
+                  <a:srgbClr val="002060"/>
+                </a:solidFill>
+              </a:rPr>
+              <a:t> </a:t>
+            </a:r>
+            <a:r>
+              <a:rPr lang="tr-TR" dirty="0" err="1" smtClean="0">
+                <a:solidFill>
+                  <a:srgbClr val="002060"/>
+                </a:solidFill>
+              </a:rPr>
+              <a:t>core</a:t>
+            </a:r>
+            <a:r>
+              <a:rPr lang="tr-TR" dirty="0" smtClean="0">
+                <a:solidFill>
+                  <a:srgbClr val="002060"/>
+                </a:solidFill>
+              </a:rPr>
+              <a:t> </a:t>
+            </a:r>
+            <a:r>
+              <a:rPr lang="tr-TR" dirty="0" err="1" smtClean="0">
+                <a:solidFill>
+                  <a:srgbClr val="002060"/>
+                </a:solidFill>
+              </a:rPr>
+              <a:t>heigh</a:t>
+            </a:r>
+            <a:r>
+              <a:rPr lang="tr-TR" dirty="0" smtClean="0">
+                <a:solidFill>
+                  <a:srgbClr val="002060"/>
+                </a:solidFill>
+              </a:rPr>
+              <a:t> ile motorun soğuması arasında bir bağ var.</a:t>
+            </a:r>
+            <a:endParaRPr lang="tr-TR" dirty="0" smtClean="0">
+              <a:solidFill>
+                <a:srgbClr val="002060"/>
+              </a:solidFill>
+            </a:endParaRPr>
           </a:p>
           <a:p>
             <a:r>
@@ -15444,7 +16725,7 @@
         <p:spPr>
           <a:xfrm>
             <a:off x="236764" y="886160"/>
-            <a:ext cx="8801100" cy="1754326"/>
+            <a:ext cx="8801100" cy="1477328"/>
           </a:xfrm>
           <a:prstGeom prst="rect">
             <a:avLst/>
@@ -15462,11 +16743,27 @@
                   <a:srgbClr val="002060"/>
                 </a:solidFill>
               </a:rPr>
-              <a:t>In case of a terminal short-circuit fault, the short- circuit current in a PMSM is mainly limited by the </a:t>
+              <a:t>In case of a terminal short-circuit fault, the </a:t>
+            </a:r>
+            <a:r>
+              <a:rPr lang="en-US" dirty="0" smtClean="0">
+                <a:solidFill>
+                  <a:srgbClr val="002060"/>
+                </a:solidFill>
+              </a:rPr>
+              <a:t>short-circuit </a:t>
             </a:r>
             <a:r>
               <a:rPr lang="en-US" dirty="0">
                 <a:solidFill>
+                  <a:srgbClr val="002060"/>
+                </a:solidFill>
+              </a:rPr>
+              <a:t>current in a PMSM is mainly limited by the </a:t>
+            </a:r>
+            <a:r>
+              <a:rPr lang="en-US" dirty="0">
+                <a:solidFill>
                   <a:srgbClr val="FF0000"/>
                 </a:solidFill>
               </a:rPr>
@@ -15576,10 +16873,16 @@
                   <a:srgbClr val="002060"/>
                 </a:solidFill>
               </a:rPr>
-              <a:t>d.</a:t>
-            </a:r>
-          </a:p>
-          <a:p>
+              <a:t>d</a:t>
+            </a:r>
+            <a:r>
+              <a:rPr lang="tr-TR" dirty="0" smtClean="0">
+                <a:solidFill>
+                  <a:srgbClr val="002060"/>
+                </a:solidFill>
+              </a:rPr>
+              <a:t>.</a:t>
+            </a:r>
             <a:endParaRPr lang="tr-TR" dirty="0" smtClean="0">
               <a:solidFill>
                 <a:srgbClr val="002060"/>
@@ -15597,14 +16900,14 @@
           <p:nvPr>
             <p:extLst>
               <p:ext uri="{D42A27DB-BD31-4B8C-83A1-F6EECF244321}">
-                <p14:modId xmlns:p14="http://schemas.microsoft.com/office/powerpoint/2010/main" val="378139064"/>
+                <p14:modId xmlns:p14="http://schemas.microsoft.com/office/powerpoint/2010/main" val="2560264083"/>
               </p:ext>
             </p:extLst>
           </p:nvPr>
         </p:nvGraphicFramePr>
         <p:xfrm>
           <a:off x="236762" y="2574796"/>
-          <a:ext cx="5347608" cy="2595880"/>
+          <a:ext cx="5347608" cy="3337560"/>
         </p:xfrm>
         <a:graphic>
           <a:graphicData uri="http://schemas.openxmlformats.org/drawingml/2006/table">
@@ -15858,7 +17161,31 @@
                             <a:srgbClr val="FF0000"/>
                           </a:solidFill>
                         </a:rPr>
-                        <a:t>8.5 A</a:t>
+                        <a:t>8.5 </a:t>
+                      </a:r>
+                      <a:r>
+                        <a:rPr lang="tr-TR" dirty="0" smtClean="0">
+                          <a:solidFill>
+                            <a:srgbClr val="FF0000"/>
+                          </a:solidFill>
+                        </a:rPr>
+                        <a:t>A (1.0 </a:t>
+                      </a:r>
+                      <a:r>
+                        <a:rPr lang="tr-TR" dirty="0" err="1" smtClean="0">
+                          <a:solidFill>
+                            <a:srgbClr val="FF0000"/>
+                          </a:solidFill>
+                        </a:rPr>
+                        <a:t>pu</a:t>
+                      </a:r>
+                      <a:r>
+                        <a:rPr lang="tr-TR" dirty="0" smtClean="0">
+                          <a:solidFill>
+                            <a:srgbClr val="FF0000"/>
+                          </a:solidFill>
+                        </a:rPr>
+                        <a:t>)</a:t>
                       </a:r>
                       <a:endParaRPr lang="en-US" dirty="0">
                         <a:solidFill>
@@ -16075,10 +17402,452 @@
                   </a:ext>
                 </a:extLst>
               </a:tr>
+              <a:tr h="370840">
+                <a:tc>
+                  <a:txBody>
+                    <a:bodyPr/>
+                    <a:lstStyle/>
+                    <a:p>
+                      <a:pPr algn="ctr"/>
+                      <a:r>
+                        <a:rPr lang="tr-TR" dirty="0" err="1" smtClean="0"/>
+                        <a:t>Power</a:t>
+                      </a:r>
+                      <a:r>
+                        <a:rPr lang="tr-TR" dirty="0" smtClean="0"/>
+                        <a:t> </a:t>
+                      </a:r>
+                      <a:r>
+                        <a:rPr lang="tr-TR" dirty="0" err="1" smtClean="0"/>
+                        <a:t>factor</a:t>
+                      </a:r>
+                      <a:endParaRPr lang="en-US" dirty="0"/>
+                    </a:p>
+                  </a:txBody>
+                  <a:tcPr/>
+                </a:tc>
+                <a:tc>
+                  <a:txBody>
+                    <a:bodyPr/>
+                    <a:lstStyle/>
+                    <a:p>
+                      <a:pPr algn="ctr"/>
+                      <a:r>
+                        <a:rPr lang="tr-TR" dirty="0" smtClean="0">
+                          <a:solidFill>
+                            <a:schemeClr val="tx1"/>
+                          </a:solidFill>
+                        </a:rPr>
+                        <a:t>0.972</a:t>
+                      </a:r>
+                      <a:endParaRPr lang="en-US" dirty="0">
+                        <a:solidFill>
+                          <a:schemeClr val="tx1"/>
+                        </a:solidFill>
+                      </a:endParaRPr>
+                    </a:p>
+                  </a:txBody>
+                  <a:tcPr/>
+                </a:tc>
+                <a:tc>
+                  <a:txBody>
+                    <a:bodyPr/>
+                    <a:lstStyle/>
+                    <a:p>
+                      <a:pPr algn="ctr"/>
+                      <a:r>
+                        <a:rPr lang="tr-TR" dirty="0" smtClean="0">
+                          <a:solidFill>
+                            <a:srgbClr val="FF0000"/>
+                          </a:solidFill>
+                        </a:rPr>
+                        <a:t>0.707</a:t>
+                      </a:r>
+                      <a:endParaRPr lang="en-US" dirty="0">
+                        <a:solidFill>
+                          <a:srgbClr val="FF0000"/>
+                        </a:solidFill>
+                      </a:endParaRPr>
+                    </a:p>
+                  </a:txBody>
+                  <a:tcPr/>
+                </a:tc>
+                <a:extLst>
+                  <a:ext uri="{0D108BD9-81ED-4DB2-BD59-A6C34878D82A}">
+                    <a16:rowId xmlns:a16="http://schemas.microsoft.com/office/drawing/2014/main" val="1593635776"/>
+                  </a:ext>
+                </a:extLst>
+              </a:tr>
+              <a:tr h="370840">
+                <a:tc>
+                  <a:txBody>
+                    <a:bodyPr/>
+                    <a:lstStyle/>
+                    <a:p>
+                      <a:pPr algn="ctr"/>
+                      <a:r>
+                        <a:rPr lang="tr-TR" dirty="0" err="1" smtClean="0"/>
+                        <a:t>Angle</a:t>
+                      </a:r>
+                      <a:endParaRPr lang="en-US" dirty="0"/>
+                    </a:p>
+                  </a:txBody>
+                  <a:tcPr/>
+                </a:tc>
+                <a:tc>
+                  <a:txBody>
+                    <a:bodyPr/>
+                    <a:lstStyle/>
+                    <a:p>
+                      <a:pPr algn="ctr"/>
+                      <a:r>
+                        <a:rPr lang="tr-TR" dirty="0" smtClean="0">
+                          <a:solidFill>
+                            <a:schemeClr val="tx1"/>
+                          </a:solidFill>
+                        </a:rPr>
+                        <a:t>13.5</a:t>
+                      </a:r>
+                      <a:r>
+                        <a:rPr lang="tr-TR" baseline="30000" dirty="0" smtClean="0">
+                          <a:solidFill>
+                            <a:schemeClr val="tx1"/>
+                          </a:solidFill>
+                        </a:rPr>
+                        <a:t>0</a:t>
+                      </a:r>
+                      <a:endParaRPr lang="en-US" baseline="30000" dirty="0">
+                        <a:solidFill>
+                          <a:schemeClr val="tx1"/>
+                        </a:solidFill>
+                      </a:endParaRPr>
+                    </a:p>
+                  </a:txBody>
+                  <a:tcPr/>
+                </a:tc>
+                <a:tc>
+                  <a:txBody>
+                    <a:bodyPr/>
+                    <a:lstStyle/>
+                    <a:p>
+                      <a:pPr marL="0" marR="0" indent="0" algn="ctr" defTabSz="914400" rtl="0" eaLnBrk="1" fontAlgn="auto" latinLnBrk="0" hangingPunct="1">
+                        <a:lnSpc>
+                          <a:spcPct val="100000"/>
+                        </a:lnSpc>
+                        <a:spcBef>
+                          <a:spcPts val="0"/>
+                        </a:spcBef>
+                        <a:spcAft>
+                          <a:spcPts val="0"/>
+                        </a:spcAft>
+                        <a:buClrTx/>
+                        <a:buSzTx/>
+                        <a:buFontTx/>
+                        <a:buNone/>
+                        <a:tabLst/>
+                        <a:defRPr/>
+                      </a:pPr>
+                      <a:r>
+                        <a:rPr lang="tr-TR" dirty="0" smtClean="0">
+                          <a:solidFill>
+                            <a:schemeClr val="tx1"/>
+                          </a:solidFill>
+                        </a:rPr>
+                        <a:t>45</a:t>
+                      </a:r>
+                      <a:r>
+                        <a:rPr lang="tr-TR" baseline="30000" dirty="0" smtClean="0">
+                          <a:solidFill>
+                            <a:schemeClr val="tx1"/>
+                          </a:solidFill>
+                        </a:rPr>
+                        <a:t>0</a:t>
+                      </a:r>
+                      <a:endParaRPr lang="en-US" baseline="30000" dirty="0" smtClean="0">
+                        <a:solidFill>
+                          <a:schemeClr val="tx1"/>
+                        </a:solidFill>
+                      </a:endParaRPr>
+                    </a:p>
+                  </a:txBody>
+                  <a:tcPr/>
+                </a:tc>
+                <a:extLst>
+                  <a:ext uri="{0D108BD9-81ED-4DB2-BD59-A6C34878D82A}">
+                    <a16:rowId xmlns:a16="http://schemas.microsoft.com/office/drawing/2014/main" val="2100434408"/>
+                  </a:ext>
+                </a:extLst>
+              </a:tr>
             </a:tbl>
           </a:graphicData>
         </a:graphic>
       </p:graphicFrame>
+      <p:sp>
+        <p:nvSpPr>
+          <p:cNvPr id="6" name="Rectangle 5"/>
+          <p:cNvSpPr/>
+          <p:nvPr/>
+        </p:nvSpPr>
+        <p:spPr>
+          <a:xfrm>
+            <a:off x="6112328" y="4830729"/>
+            <a:ext cx="3031672" cy="830997"/>
+          </a:xfrm>
+          <a:prstGeom prst="rect">
+            <a:avLst/>
+          </a:prstGeom>
+        </p:spPr>
+        <p:txBody>
+          <a:bodyPr wrap="square">
+            <a:spAutoFit/>
+          </a:bodyPr>
+          <a:lstStyle/>
+          <a:p>
+            <a:r>
+              <a:rPr lang="tr-TR" sz="1600" dirty="0" smtClean="0">
+                <a:solidFill>
+                  <a:srgbClr val="002060"/>
+                </a:solidFill>
+              </a:rPr>
+              <a:t>Kabuller:</a:t>
+            </a:r>
+          </a:p>
+          <a:p>
+            <a:pPr marL="285750" indent="-285750">
+              <a:buFont typeface="Wingdings" panose="05000000000000000000" pitchFamily="2" charset="2"/>
+              <a:buChar char="§"/>
+            </a:pPr>
+            <a:r>
+              <a:rPr lang="tr-TR" sz="1600" dirty="0" smtClean="0">
+                <a:solidFill>
+                  <a:srgbClr val="002060"/>
+                </a:solidFill>
+              </a:rPr>
+              <a:t>No </a:t>
+            </a:r>
+            <a:r>
+              <a:rPr lang="tr-TR" sz="1600" dirty="0" err="1" smtClean="0">
+                <a:solidFill>
+                  <a:srgbClr val="002060"/>
+                </a:solidFill>
+              </a:rPr>
+              <a:t>saliency</a:t>
+            </a:r>
+            <a:endParaRPr lang="tr-TR" sz="1600" dirty="0">
+              <a:solidFill>
+                <a:srgbClr val="002060"/>
+              </a:solidFill>
+            </a:endParaRPr>
+          </a:p>
+          <a:p>
+            <a:pPr marL="285750" indent="-285750">
+              <a:buFont typeface="Wingdings" panose="05000000000000000000" pitchFamily="2" charset="2"/>
+              <a:buChar char="§"/>
+            </a:pPr>
+            <a:r>
+              <a:rPr lang="tr-TR" sz="1600" dirty="0" err="1" smtClean="0">
+                <a:solidFill>
+                  <a:srgbClr val="002060"/>
+                </a:solidFill>
+              </a:rPr>
+              <a:t>Iphm</a:t>
+            </a:r>
+            <a:r>
+              <a:rPr lang="tr-TR" sz="1600" dirty="0" smtClean="0">
+                <a:solidFill>
+                  <a:srgbClr val="002060"/>
+                </a:solidFill>
+              </a:rPr>
+              <a:t> </a:t>
+            </a:r>
+            <a:r>
+              <a:rPr lang="tr-TR" sz="1600" dirty="0" err="1" smtClean="0">
+                <a:solidFill>
+                  <a:srgbClr val="002060"/>
+                </a:solidFill>
+              </a:rPr>
+              <a:t>and</a:t>
+            </a:r>
+            <a:r>
+              <a:rPr lang="tr-TR" sz="1600" dirty="0" smtClean="0">
+                <a:solidFill>
+                  <a:srgbClr val="002060"/>
+                </a:solidFill>
+              </a:rPr>
+              <a:t> </a:t>
+            </a:r>
+            <a:r>
+              <a:rPr lang="tr-TR" sz="1600" dirty="0" err="1" smtClean="0">
+                <a:solidFill>
+                  <a:srgbClr val="002060"/>
+                </a:solidFill>
+              </a:rPr>
+              <a:t>Ephm</a:t>
+            </a:r>
+            <a:r>
+              <a:rPr lang="tr-TR" sz="1600" dirty="0" smtClean="0">
+                <a:solidFill>
+                  <a:srgbClr val="002060"/>
+                </a:solidFill>
+              </a:rPr>
+              <a:t> </a:t>
+            </a:r>
+            <a:r>
+              <a:rPr lang="tr-TR" sz="1600" dirty="0" err="1" smtClean="0">
+                <a:solidFill>
+                  <a:srgbClr val="002060"/>
+                </a:solidFill>
+              </a:rPr>
+              <a:t>are</a:t>
+            </a:r>
+            <a:r>
+              <a:rPr lang="tr-TR" sz="1600" dirty="0" smtClean="0">
+                <a:solidFill>
+                  <a:srgbClr val="002060"/>
+                </a:solidFill>
+              </a:rPr>
+              <a:t> in-</a:t>
+            </a:r>
+            <a:r>
+              <a:rPr lang="tr-TR" sz="1600" dirty="0" err="1" smtClean="0">
+                <a:solidFill>
+                  <a:srgbClr val="002060"/>
+                </a:solidFill>
+              </a:rPr>
+              <a:t>phase</a:t>
+            </a:r>
+            <a:endParaRPr lang="tr-TR" sz="1600" dirty="0" smtClean="0">
+              <a:solidFill>
+                <a:srgbClr val="002060"/>
+              </a:solidFill>
+            </a:endParaRPr>
+          </a:p>
+        </p:txBody>
+      </p:sp>
+      <p:cxnSp>
+        <p:nvCxnSpPr>
+          <p:cNvPr id="7" name="Straight Arrow Connector 6"/>
+          <p:cNvCxnSpPr/>
+          <p:nvPr/>
+        </p:nvCxnSpPr>
+        <p:spPr>
+          <a:xfrm flipV="1">
+            <a:off x="5543079" y="5328499"/>
+            <a:ext cx="569249" cy="1"/>
+          </a:xfrm>
+          <a:prstGeom prst="straightConnector1">
+            <a:avLst/>
+          </a:prstGeom>
+          <a:ln w="28575">
+            <a:solidFill>
+              <a:srgbClr val="FF0000"/>
+            </a:solidFill>
+            <a:tailEnd type="triangle"/>
+          </a:ln>
+        </p:spPr>
+        <p:style>
+          <a:lnRef idx="1">
+            <a:schemeClr val="accent1"/>
+          </a:lnRef>
+          <a:fillRef idx="0">
+            <a:schemeClr val="accent1"/>
+          </a:fillRef>
+          <a:effectRef idx="0">
+            <a:schemeClr val="accent1"/>
+          </a:effectRef>
+          <a:fontRef idx="minor">
+            <a:schemeClr val="tx1"/>
+          </a:fontRef>
+        </p:style>
+      </p:cxnSp>
+      <p:sp>
+        <p:nvSpPr>
+          <p:cNvPr id="9" name="Rectangle 8"/>
+          <p:cNvSpPr/>
+          <p:nvPr/>
+        </p:nvSpPr>
+        <p:spPr>
+          <a:xfrm>
+            <a:off x="3836838" y="5865730"/>
+            <a:ext cx="3031672" cy="338554"/>
+          </a:xfrm>
+          <a:prstGeom prst="rect">
+            <a:avLst/>
+          </a:prstGeom>
+        </p:spPr>
+        <p:txBody>
+          <a:bodyPr wrap="square">
+            <a:spAutoFit/>
+          </a:bodyPr>
+          <a:lstStyle/>
+          <a:p>
+            <a:r>
+              <a:rPr lang="tr-TR" sz="1600" dirty="0" smtClean="0">
+                <a:solidFill>
+                  <a:srgbClr val="FF0000"/>
+                </a:solidFill>
+              </a:rPr>
+              <a:t>Not a </a:t>
+            </a:r>
+            <a:r>
+              <a:rPr lang="tr-TR" sz="1600" dirty="0" err="1" smtClean="0">
+                <a:solidFill>
+                  <a:srgbClr val="FF0000"/>
+                </a:solidFill>
+              </a:rPr>
+              <a:t>coincidence</a:t>
+            </a:r>
+            <a:r>
+              <a:rPr lang="tr-TR" sz="1600" dirty="0" smtClean="0">
+                <a:solidFill>
+                  <a:srgbClr val="FF0000"/>
+                </a:solidFill>
+              </a:rPr>
+              <a:t> !</a:t>
+            </a:r>
+          </a:p>
+        </p:txBody>
+      </p:sp>
+      <p:sp>
+        <p:nvSpPr>
+          <p:cNvPr id="11" name="Rectangle 10"/>
+          <p:cNvSpPr/>
+          <p:nvPr/>
+        </p:nvSpPr>
+        <p:spPr>
+          <a:xfrm>
+            <a:off x="3836838" y="6204284"/>
+            <a:ext cx="3031672" cy="369332"/>
+          </a:xfrm>
+          <a:prstGeom prst="rect">
+            <a:avLst/>
+          </a:prstGeom>
+        </p:spPr>
+        <p:txBody>
+          <a:bodyPr wrap="square">
+            <a:spAutoFit/>
+          </a:bodyPr>
+          <a:lstStyle/>
+          <a:p>
+            <a:r>
+              <a:rPr lang="tr-TR" dirty="0" err="1" smtClean="0"/>
+              <a:t>kVA</a:t>
+            </a:r>
+            <a:r>
+              <a:rPr lang="tr-TR" dirty="0" smtClean="0"/>
+              <a:t> </a:t>
+            </a:r>
+            <a:r>
+              <a:rPr lang="tr-TR" dirty="0" err="1" smtClean="0"/>
+              <a:t>rating</a:t>
+            </a:r>
+            <a:r>
+              <a:rPr lang="tr-TR" dirty="0" smtClean="0"/>
+              <a:t> %40 arttı.</a:t>
+            </a:r>
+          </a:p>
+        </p:txBody>
+      </p:sp>
     </p:spTree>
     <p:extLst>
       <p:ext uri="{BB962C8B-B14F-4D97-AF65-F5344CB8AC3E}">
@@ -16139,6 +17908,4792 @@
           <a:p>
             <a:pPr algn="ctr"/>
             <a:r>
+              <a:rPr lang="tr-TR" sz="2800" b="1" dirty="0">
+                <a:solidFill>
+                  <a:schemeClr val="accent1">
+                    <a:lumMod val="50000"/>
+                  </a:schemeClr>
+                </a:solidFill>
+                <a:cs typeface="Arial" panose="020B0604020202020204" pitchFamily="34" charset="0"/>
+              </a:rPr>
+              <a:t>Self-</a:t>
+            </a:r>
+            <a:r>
+              <a:rPr lang="tr-TR" sz="2800" b="1" dirty="0" err="1">
+                <a:solidFill>
+                  <a:schemeClr val="accent1">
+                    <a:lumMod val="50000"/>
+                  </a:schemeClr>
+                </a:solidFill>
+                <a:cs typeface="Arial" panose="020B0604020202020204" pitchFamily="34" charset="0"/>
+              </a:rPr>
+              <a:t>inductance</a:t>
+            </a:r>
+            <a:endParaRPr lang="en-US" sz="2800" dirty="0">
+              <a:solidFill>
+                <a:schemeClr val="accent1">
+                  <a:lumMod val="50000"/>
+                </a:schemeClr>
+              </a:solidFill>
+              <a:cs typeface="Arial" panose="020B0604020202020204" pitchFamily="34" charset="0"/>
+            </a:endParaRPr>
+          </a:p>
+        </p:txBody>
+      </p:sp>
+      <p:sp>
+        <p:nvSpPr>
+          <p:cNvPr id="5" name="Rectangle 4"/>
+          <p:cNvSpPr/>
+          <p:nvPr/>
+        </p:nvSpPr>
+        <p:spPr>
+          <a:xfrm>
+            <a:off x="236764" y="886160"/>
+            <a:ext cx="8801100" cy="5663089"/>
+          </a:xfrm>
+          <a:prstGeom prst="rect">
+            <a:avLst/>
+          </a:prstGeom>
+        </p:spPr>
+        <p:txBody>
+          <a:bodyPr wrap="square">
+            <a:spAutoFit/>
+          </a:bodyPr>
+          <a:lstStyle/>
+          <a:p>
+            <a:pPr marL="285750" indent="-285750">
+              <a:buFont typeface="Wingdings" panose="05000000000000000000" pitchFamily="2" charset="2"/>
+              <a:buChar char="§"/>
+            </a:pPr>
+            <a:r>
+              <a:rPr lang="en-US" dirty="0">
+                <a:solidFill>
+                  <a:srgbClr val="002060"/>
+                </a:solidFill>
+              </a:rPr>
+              <a:t>Having a high phase inductance results in an increased stator iron flux, if compared to a machine with negligible inductance. This demands that the stator yoke is increased by a factor </a:t>
+            </a:r>
+            <a:r>
+              <a:rPr lang="en-US" dirty="0" smtClean="0">
+                <a:solidFill>
+                  <a:srgbClr val="002060"/>
+                </a:solidFill>
+              </a:rPr>
+              <a:t>of</a:t>
+            </a:r>
+            <a:r>
+              <a:rPr lang="tr-TR" dirty="0" smtClean="0">
+                <a:solidFill>
+                  <a:srgbClr val="002060"/>
+                </a:solidFill>
+              </a:rPr>
+              <a:t> </a:t>
+            </a:r>
+            <a:r>
+              <a:rPr lang="en-US" dirty="0" smtClean="0">
+                <a:solidFill>
+                  <a:srgbClr val="002060"/>
+                </a:solidFill>
+              </a:rPr>
+              <a:t>√2.</a:t>
+            </a:r>
+            <a:r>
+              <a:rPr lang="tr-TR" dirty="0" smtClean="0">
+                <a:solidFill>
+                  <a:srgbClr val="FF0000"/>
+                </a:solidFill>
+              </a:rPr>
+              <a:t> </a:t>
+            </a:r>
+            <a:r>
+              <a:rPr lang="tr-TR" b="1" dirty="0" err="1" smtClean="0">
+                <a:solidFill>
+                  <a:srgbClr val="FF0000"/>
+                </a:solidFill>
+              </a:rPr>
+              <a:t>Why</a:t>
+            </a:r>
+            <a:r>
+              <a:rPr lang="tr-TR" dirty="0" smtClean="0">
+                <a:solidFill>
+                  <a:srgbClr val="FF0000"/>
+                </a:solidFill>
+              </a:rPr>
+              <a:t>?</a:t>
+            </a:r>
+          </a:p>
+          <a:p>
+            <a:pPr marL="285750" indent="-285750">
+              <a:buFont typeface="Wingdings" panose="05000000000000000000" pitchFamily="2" charset="2"/>
+              <a:buChar char="§"/>
+            </a:pPr>
+            <a:r>
+              <a:rPr lang="tr-TR" dirty="0" smtClean="0">
+                <a:solidFill>
+                  <a:srgbClr val="002060"/>
+                </a:solidFill>
+              </a:rPr>
+              <a:t>Bir önceki analizde çıkmıştı bu </a:t>
+            </a:r>
+            <a:r>
+              <a:rPr lang="en-US" dirty="0">
+                <a:solidFill>
+                  <a:srgbClr val="002060"/>
+                </a:solidFill>
+              </a:rPr>
+              <a:t>√</a:t>
+            </a:r>
+            <a:r>
+              <a:rPr lang="en-US" dirty="0" smtClean="0">
+                <a:solidFill>
+                  <a:srgbClr val="002060"/>
+                </a:solidFill>
+              </a:rPr>
+              <a:t>2</a:t>
+            </a:r>
+            <a:r>
+              <a:rPr lang="tr-TR" dirty="0" smtClean="0">
+                <a:solidFill>
+                  <a:srgbClr val="002060"/>
+                </a:solidFill>
+              </a:rPr>
+              <a:t>. Aslında 1.0 </a:t>
+            </a:r>
+            <a:r>
+              <a:rPr lang="tr-TR" dirty="0" err="1" smtClean="0">
+                <a:solidFill>
+                  <a:srgbClr val="002060"/>
+                </a:solidFill>
+              </a:rPr>
+              <a:t>pu</a:t>
+            </a:r>
+            <a:r>
+              <a:rPr lang="tr-TR" dirty="0" smtClean="0">
+                <a:solidFill>
+                  <a:srgbClr val="002060"/>
+                </a:solidFill>
+              </a:rPr>
+              <a:t> değil de arada bir değer yapılsa? Ne şiş yansın ne kebap… </a:t>
+            </a:r>
+          </a:p>
+          <a:p>
+            <a:pPr marL="285750" indent="-285750">
+              <a:buFont typeface="Wingdings" panose="05000000000000000000" pitchFamily="2" charset="2"/>
+              <a:buChar char="§"/>
+            </a:pPr>
+            <a:r>
+              <a:rPr lang="tr-TR" b="1" dirty="0" smtClean="0">
+                <a:solidFill>
+                  <a:srgbClr val="FF0000"/>
+                </a:solidFill>
+              </a:rPr>
+              <a:t>Gözlem</a:t>
+            </a:r>
+            <a:r>
+              <a:rPr lang="tr-TR" dirty="0" smtClean="0">
+                <a:solidFill>
+                  <a:srgbClr val="FF0000"/>
+                </a:solidFill>
+              </a:rPr>
+              <a:t>: </a:t>
+            </a:r>
+            <a:r>
+              <a:rPr lang="tr-TR" dirty="0" err="1" smtClean="0">
+                <a:solidFill>
+                  <a:srgbClr val="002060"/>
+                </a:solidFill>
+              </a:rPr>
+              <a:t>Power</a:t>
+            </a:r>
+            <a:r>
+              <a:rPr lang="tr-TR" dirty="0" smtClean="0">
+                <a:solidFill>
+                  <a:srgbClr val="002060"/>
+                </a:solidFill>
+              </a:rPr>
+              <a:t> </a:t>
+            </a:r>
+            <a:r>
+              <a:rPr lang="tr-TR" dirty="0" err="1" smtClean="0">
+                <a:solidFill>
+                  <a:srgbClr val="002060"/>
+                </a:solidFill>
+              </a:rPr>
+              <a:t>factor</a:t>
+            </a:r>
+            <a:r>
+              <a:rPr lang="tr-TR" dirty="0" smtClean="0">
+                <a:solidFill>
+                  <a:srgbClr val="002060"/>
+                </a:solidFill>
+              </a:rPr>
+              <a:t> düştükçe akım artmıyor muydu normalde? </a:t>
+            </a:r>
+            <a:r>
+              <a:rPr lang="tr-TR" dirty="0" err="1" smtClean="0">
+                <a:solidFill>
+                  <a:srgbClr val="002060"/>
+                </a:solidFill>
+              </a:rPr>
+              <a:t>Inverter</a:t>
+            </a:r>
+            <a:r>
+              <a:rPr lang="tr-TR" dirty="0" smtClean="0">
+                <a:solidFill>
+                  <a:srgbClr val="002060"/>
+                </a:solidFill>
+              </a:rPr>
+              <a:t> size büyüyordu falan. Önceki analizde </a:t>
+            </a:r>
+            <a:r>
+              <a:rPr lang="tr-TR" dirty="0" err="1" smtClean="0">
+                <a:solidFill>
+                  <a:srgbClr val="002060"/>
+                </a:solidFill>
+              </a:rPr>
+              <a:t>bi</a:t>
+            </a:r>
+            <a:r>
+              <a:rPr lang="tr-TR" dirty="0" smtClean="0">
+                <a:solidFill>
+                  <a:srgbClr val="002060"/>
+                </a:solidFill>
+              </a:rPr>
+              <a:t> gariplik var sanki. Gerilim (</a:t>
+            </a:r>
+            <a:r>
+              <a:rPr lang="tr-TR" dirty="0" err="1" smtClean="0">
+                <a:solidFill>
+                  <a:srgbClr val="002060"/>
+                </a:solidFill>
+              </a:rPr>
+              <a:t>Vt</a:t>
+            </a:r>
+            <a:r>
+              <a:rPr lang="tr-TR" dirty="0" smtClean="0">
+                <a:solidFill>
+                  <a:srgbClr val="002060"/>
+                </a:solidFill>
+              </a:rPr>
+              <a:t>) 83 </a:t>
+            </a:r>
+            <a:r>
+              <a:rPr lang="tr-TR" dirty="0" err="1" smtClean="0">
+                <a:solidFill>
+                  <a:srgbClr val="002060"/>
+                </a:solidFill>
+              </a:rPr>
+              <a:t>V’tan</a:t>
+            </a:r>
+            <a:r>
+              <a:rPr lang="tr-TR" dirty="0" smtClean="0">
+                <a:solidFill>
+                  <a:srgbClr val="002060"/>
+                </a:solidFill>
+              </a:rPr>
+              <a:t> 114 </a:t>
+            </a:r>
+            <a:r>
+              <a:rPr lang="tr-TR" dirty="0" err="1" smtClean="0">
+                <a:solidFill>
+                  <a:srgbClr val="002060"/>
+                </a:solidFill>
+              </a:rPr>
+              <a:t>V’a</a:t>
+            </a:r>
+            <a:r>
+              <a:rPr lang="tr-TR" dirty="0" smtClean="0">
+                <a:solidFill>
+                  <a:srgbClr val="002060"/>
+                </a:solidFill>
+              </a:rPr>
+              <a:t> çıktı. DC bara gerilimi yetmiyorsa akımı arttırmak gerekecek. Eph düşük, Iph yüksek yeni bir tasarım mı yapılacak?</a:t>
+            </a:r>
+          </a:p>
+          <a:p>
+            <a:endParaRPr lang="tr-TR" b="1" dirty="0" smtClean="0">
+              <a:solidFill>
+                <a:srgbClr val="002060"/>
+              </a:solidFill>
+            </a:endParaRPr>
+          </a:p>
+          <a:p>
+            <a:r>
+              <a:rPr lang="tr-TR" sz="2000" b="1" dirty="0" smtClean="0">
+                <a:solidFill>
+                  <a:srgbClr val="002060"/>
+                </a:solidFill>
+              </a:rPr>
+              <a:t>H-</a:t>
+            </a:r>
+            <a:r>
+              <a:rPr lang="tr-TR" sz="2000" b="1" dirty="0" err="1" smtClean="0">
+                <a:solidFill>
+                  <a:srgbClr val="002060"/>
+                </a:solidFill>
+              </a:rPr>
+              <a:t>bridge</a:t>
+            </a:r>
+            <a:r>
+              <a:rPr lang="tr-TR" sz="2000" b="1" dirty="0" smtClean="0">
+                <a:solidFill>
+                  <a:srgbClr val="002060"/>
+                </a:solidFill>
+              </a:rPr>
+              <a:t> </a:t>
+            </a:r>
+            <a:r>
+              <a:rPr lang="tr-TR" sz="2000" dirty="0" smtClean="0">
+                <a:solidFill>
+                  <a:srgbClr val="002060"/>
+                </a:solidFill>
+              </a:rPr>
+              <a:t>3-phase </a:t>
+            </a:r>
+            <a:r>
+              <a:rPr lang="tr-TR" sz="2000" dirty="0" err="1" smtClean="0">
+                <a:solidFill>
+                  <a:srgbClr val="002060"/>
+                </a:solidFill>
+              </a:rPr>
+              <a:t>inverter</a:t>
+            </a:r>
+            <a:r>
+              <a:rPr lang="tr-TR" sz="2000" dirty="0" smtClean="0">
+                <a:solidFill>
+                  <a:srgbClr val="002060"/>
+                </a:solidFill>
+              </a:rPr>
+              <a:t> ve </a:t>
+            </a:r>
+            <a:r>
+              <a:rPr lang="tr-TR" sz="2000" dirty="0" err="1" smtClean="0">
+                <a:solidFill>
+                  <a:srgbClr val="002060"/>
+                </a:solidFill>
+              </a:rPr>
+              <a:t>inductance</a:t>
+            </a:r>
+            <a:r>
+              <a:rPr lang="tr-TR" sz="2000" dirty="0" smtClean="0">
+                <a:solidFill>
+                  <a:srgbClr val="002060"/>
+                </a:solidFill>
+              </a:rPr>
+              <a:t> üzerine bir analiz:</a:t>
+            </a:r>
+          </a:p>
+          <a:p>
+            <a:pPr marL="285750" indent="-285750">
+              <a:buFont typeface="Wingdings" panose="05000000000000000000" pitchFamily="2" charset="2"/>
+              <a:buChar char="§"/>
+            </a:pPr>
+            <a:r>
+              <a:rPr lang="en-US" dirty="0">
+                <a:solidFill>
+                  <a:srgbClr val="002060"/>
+                </a:solidFill>
+              </a:rPr>
+              <a:t>For a 3-phase system, the</a:t>
+            </a:r>
+            <a:r>
+              <a:rPr lang="en-US" dirty="0">
+                <a:solidFill>
+                  <a:srgbClr val="FF0000"/>
+                </a:solidFill>
+              </a:rPr>
+              <a:t> </a:t>
+            </a:r>
+            <a:r>
+              <a:rPr lang="tr-TR" b="1" dirty="0" err="1" smtClean="0">
+                <a:solidFill>
+                  <a:srgbClr val="002060"/>
+                </a:solidFill>
+              </a:rPr>
+              <a:t>kVA</a:t>
+            </a:r>
+            <a:r>
+              <a:rPr lang="en-US" b="1" dirty="0" smtClean="0">
+                <a:solidFill>
+                  <a:srgbClr val="002060"/>
+                </a:solidFill>
+              </a:rPr>
+              <a:t> </a:t>
+            </a:r>
+            <a:r>
+              <a:rPr lang="en-US" dirty="0">
+                <a:solidFill>
+                  <a:srgbClr val="002060"/>
+                </a:solidFill>
+              </a:rPr>
+              <a:t>rating of a full H-bridge inverter is </a:t>
+            </a:r>
+            <a:r>
+              <a:rPr lang="en-US" b="1" dirty="0">
+                <a:solidFill>
+                  <a:srgbClr val="002060"/>
+                </a:solidFill>
+              </a:rPr>
+              <a:t>2</a:t>
+            </a:r>
+            <a:r>
+              <a:rPr lang="en-US" b="1" dirty="0" smtClean="0">
+                <a:solidFill>
+                  <a:srgbClr val="002060"/>
+                </a:solidFill>
+              </a:rPr>
+              <a:t>/√3 </a:t>
+            </a:r>
+            <a:r>
+              <a:rPr lang="en-US" b="1" dirty="0">
+                <a:solidFill>
+                  <a:srgbClr val="002060"/>
+                </a:solidFill>
+              </a:rPr>
+              <a:t>times </a:t>
+            </a:r>
+            <a:r>
+              <a:rPr lang="en-US" dirty="0">
+                <a:solidFill>
+                  <a:srgbClr val="002060"/>
+                </a:solidFill>
+              </a:rPr>
+              <a:t>that of a half-bridge </a:t>
+            </a:r>
+            <a:r>
+              <a:rPr lang="en-US" dirty="0" smtClean="0">
+                <a:solidFill>
+                  <a:srgbClr val="002060"/>
+                </a:solidFill>
+              </a:rPr>
+              <a:t>inverter</a:t>
+            </a:r>
+            <a:r>
+              <a:rPr lang="tr-TR" dirty="0" smtClean="0">
+                <a:solidFill>
+                  <a:srgbClr val="002060"/>
+                </a:solidFill>
+              </a:rPr>
+              <a:t>. (</a:t>
+            </a:r>
+            <a:r>
+              <a:rPr lang="tr-TR" b="1" dirty="0" smtClean="0">
+                <a:solidFill>
+                  <a:srgbClr val="002060"/>
+                </a:solidFill>
+              </a:rPr>
+              <a:t>15 %</a:t>
+            </a:r>
+            <a:r>
+              <a:rPr lang="tr-TR" dirty="0" smtClean="0">
+                <a:solidFill>
+                  <a:srgbClr val="002060"/>
+                </a:solidFill>
+              </a:rPr>
+              <a:t>)</a:t>
+            </a:r>
+            <a:endParaRPr lang="tr-TR" dirty="0" smtClean="0">
+              <a:solidFill>
+                <a:srgbClr val="002060"/>
+              </a:solidFill>
+            </a:endParaRPr>
+          </a:p>
+          <a:p>
+            <a:pPr marL="285750" indent="-285750">
+              <a:buFont typeface="Wingdings" panose="05000000000000000000" pitchFamily="2" charset="2"/>
+              <a:buChar char="§"/>
+            </a:pPr>
+            <a:r>
+              <a:rPr lang="tr-TR" b="1" dirty="0" err="1" smtClean="0">
+                <a:solidFill>
+                  <a:srgbClr val="002060"/>
+                </a:solidFill>
+              </a:rPr>
+              <a:t>Power</a:t>
+            </a:r>
+            <a:r>
+              <a:rPr lang="tr-TR" b="1" dirty="0" smtClean="0">
+                <a:solidFill>
+                  <a:srgbClr val="002060"/>
+                </a:solidFill>
+              </a:rPr>
+              <a:t> </a:t>
+            </a:r>
+            <a:r>
+              <a:rPr lang="tr-TR" b="1" dirty="0" err="1" smtClean="0">
+                <a:solidFill>
+                  <a:srgbClr val="002060"/>
+                </a:solidFill>
+              </a:rPr>
+              <a:t>factor</a:t>
+            </a:r>
+            <a:r>
+              <a:rPr lang="tr-TR" b="1" dirty="0" smtClean="0">
+                <a:solidFill>
+                  <a:srgbClr val="002060"/>
+                </a:solidFill>
+              </a:rPr>
+              <a:t> </a:t>
+            </a:r>
+            <a:r>
+              <a:rPr lang="tr-TR" dirty="0" err="1" smtClean="0">
+                <a:solidFill>
+                  <a:srgbClr val="002060"/>
+                </a:solidFill>
+              </a:rPr>
+              <a:t>with</a:t>
+            </a:r>
+            <a:r>
+              <a:rPr lang="tr-TR" dirty="0" smtClean="0">
+                <a:solidFill>
+                  <a:srgbClr val="002060"/>
+                </a:solidFill>
+              </a:rPr>
+              <a:t> 1.0 </a:t>
+            </a:r>
+            <a:r>
+              <a:rPr lang="tr-TR" dirty="0" err="1" smtClean="0">
+                <a:solidFill>
+                  <a:srgbClr val="002060"/>
+                </a:solidFill>
+              </a:rPr>
+              <a:t>pu</a:t>
+            </a:r>
+            <a:r>
+              <a:rPr lang="tr-TR" dirty="0" smtClean="0">
+                <a:solidFill>
+                  <a:srgbClr val="002060"/>
+                </a:solidFill>
+              </a:rPr>
+              <a:t> </a:t>
+            </a:r>
+            <a:r>
+              <a:rPr lang="tr-TR" dirty="0" err="1" smtClean="0">
+                <a:solidFill>
+                  <a:srgbClr val="002060"/>
+                </a:solidFill>
+              </a:rPr>
+              <a:t>inductance</a:t>
+            </a:r>
+            <a:r>
+              <a:rPr lang="tr-TR" dirty="0" smtClean="0">
+                <a:solidFill>
+                  <a:srgbClr val="002060"/>
+                </a:solidFill>
+              </a:rPr>
+              <a:t> is </a:t>
+            </a:r>
+            <a:r>
+              <a:rPr lang="tr-TR" b="1" dirty="0" smtClean="0">
+                <a:solidFill>
+                  <a:srgbClr val="002060"/>
+                </a:solidFill>
+              </a:rPr>
+              <a:t>1</a:t>
+            </a:r>
+            <a:r>
+              <a:rPr lang="en-US" b="1" dirty="0" smtClean="0">
+                <a:solidFill>
+                  <a:srgbClr val="002060"/>
+                </a:solidFill>
+              </a:rPr>
+              <a:t>/√</a:t>
+            </a:r>
+            <a:r>
+              <a:rPr lang="tr-TR" b="1" dirty="0" smtClean="0">
+                <a:solidFill>
+                  <a:srgbClr val="002060"/>
+                </a:solidFill>
+              </a:rPr>
+              <a:t>2</a:t>
+            </a:r>
+            <a:r>
+              <a:rPr lang="tr-TR" b="1" dirty="0">
+                <a:solidFill>
+                  <a:srgbClr val="002060"/>
+                </a:solidFill>
+              </a:rPr>
+              <a:t> </a:t>
+            </a:r>
+            <a:r>
+              <a:rPr lang="tr-TR" dirty="0" smtClean="0">
+                <a:solidFill>
+                  <a:srgbClr val="002060"/>
+                </a:solidFill>
+              </a:rPr>
+              <a:t>(</a:t>
+            </a:r>
+            <a:r>
+              <a:rPr lang="tr-TR" b="1" dirty="0" smtClean="0">
+                <a:solidFill>
+                  <a:srgbClr val="002060"/>
+                </a:solidFill>
+              </a:rPr>
+              <a:t>41 %</a:t>
+            </a:r>
+            <a:r>
+              <a:rPr lang="tr-TR" dirty="0" smtClean="0">
+                <a:solidFill>
+                  <a:srgbClr val="002060"/>
+                </a:solidFill>
+              </a:rPr>
+              <a:t>)</a:t>
+            </a:r>
+            <a:r>
+              <a:rPr lang="tr-TR" b="1" dirty="0" smtClean="0">
+                <a:solidFill>
+                  <a:srgbClr val="002060"/>
+                </a:solidFill>
+              </a:rPr>
+              <a:t>.</a:t>
+            </a:r>
+            <a:endParaRPr lang="tr-TR" b="1" dirty="0" smtClean="0">
+              <a:solidFill>
+                <a:srgbClr val="002060"/>
+              </a:solidFill>
+            </a:endParaRPr>
+          </a:p>
+          <a:p>
+            <a:pPr marL="285750" indent="-285750">
+              <a:buFont typeface="Wingdings" panose="05000000000000000000" pitchFamily="2" charset="2"/>
+              <a:buChar char="§"/>
+            </a:pPr>
+            <a:r>
+              <a:rPr lang="tr-TR" dirty="0" smtClean="0">
+                <a:solidFill>
+                  <a:srgbClr val="FF0000"/>
+                </a:solidFill>
+              </a:rPr>
+              <a:t>Total </a:t>
+            </a:r>
+            <a:r>
+              <a:rPr lang="tr-TR" b="1" dirty="0" err="1" smtClean="0">
+                <a:solidFill>
+                  <a:srgbClr val="FF0000"/>
+                </a:solidFill>
+              </a:rPr>
+              <a:t>kVA</a:t>
+            </a:r>
+            <a:r>
+              <a:rPr lang="tr-TR" dirty="0" smtClean="0">
+                <a:solidFill>
+                  <a:srgbClr val="FF0000"/>
+                </a:solidFill>
+              </a:rPr>
+              <a:t> </a:t>
+            </a:r>
+            <a:r>
+              <a:rPr lang="tr-TR" dirty="0" err="1" smtClean="0">
+                <a:solidFill>
+                  <a:srgbClr val="FF0000"/>
+                </a:solidFill>
+              </a:rPr>
+              <a:t>rating</a:t>
+            </a:r>
+            <a:r>
+              <a:rPr lang="tr-TR" dirty="0" smtClean="0">
+                <a:solidFill>
+                  <a:srgbClr val="FF0000"/>
+                </a:solidFill>
+              </a:rPr>
+              <a:t> </a:t>
+            </a:r>
+            <a:r>
+              <a:rPr lang="tr-TR" dirty="0" err="1" smtClean="0">
+                <a:solidFill>
+                  <a:srgbClr val="FF0000"/>
+                </a:solidFill>
+              </a:rPr>
+              <a:t>increases</a:t>
+            </a:r>
+            <a:r>
+              <a:rPr lang="tr-TR" dirty="0" smtClean="0">
+                <a:solidFill>
+                  <a:srgbClr val="FF0000"/>
+                </a:solidFill>
+              </a:rPr>
+              <a:t> </a:t>
+            </a:r>
+            <a:r>
+              <a:rPr lang="tr-TR" dirty="0" err="1" smtClean="0">
+                <a:solidFill>
+                  <a:srgbClr val="FF0000"/>
+                </a:solidFill>
+              </a:rPr>
+              <a:t>by</a:t>
+            </a:r>
+            <a:r>
+              <a:rPr lang="tr-TR" dirty="0" smtClean="0">
+                <a:solidFill>
+                  <a:srgbClr val="FF0000"/>
+                </a:solidFill>
+              </a:rPr>
+              <a:t> </a:t>
+            </a:r>
+            <a:r>
+              <a:rPr lang="en-US" b="1" dirty="0" smtClean="0">
+                <a:solidFill>
+                  <a:srgbClr val="FF0000"/>
+                </a:solidFill>
+              </a:rPr>
+              <a:t>2√</a:t>
+            </a:r>
+            <a:r>
+              <a:rPr lang="tr-TR" b="1" dirty="0" smtClean="0">
+                <a:solidFill>
+                  <a:srgbClr val="FF0000"/>
+                </a:solidFill>
+              </a:rPr>
+              <a:t>2</a:t>
+            </a:r>
+            <a:r>
+              <a:rPr lang="en-US" b="1" dirty="0" smtClean="0">
+                <a:solidFill>
+                  <a:srgbClr val="FF0000"/>
+                </a:solidFill>
+              </a:rPr>
+              <a:t>/</a:t>
+            </a:r>
+            <a:r>
+              <a:rPr lang="en-US" b="1" dirty="0">
+                <a:solidFill>
+                  <a:srgbClr val="FF0000"/>
+                </a:solidFill>
+              </a:rPr>
+              <a:t>√</a:t>
+            </a:r>
+            <a:r>
+              <a:rPr lang="en-US" b="1" dirty="0" smtClean="0">
+                <a:solidFill>
+                  <a:srgbClr val="FF0000"/>
+                </a:solidFill>
+              </a:rPr>
+              <a:t>3</a:t>
+            </a:r>
+            <a:r>
+              <a:rPr lang="tr-TR" b="1" dirty="0" smtClean="0">
+                <a:solidFill>
+                  <a:srgbClr val="FF0000"/>
+                </a:solidFill>
+              </a:rPr>
+              <a:t> (63%)</a:t>
+            </a:r>
+            <a:r>
+              <a:rPr lang="tr-TR" dirty="0" smtClean="0">
+                <a:solidFill>
+                  <a:srgbClr val="FF0000"/>
+                </a:solidFill>
+              </a:rPr>
+              <a:t>.</a:t>
+            </a:r>
+          </a:p>
+          <a:p>
+            <a:pPr marL="285750" indent="-285750">
+              <a:buFont typeface="Wingdings" panose="05000000000000000000" pitchFamily="2" charset="2"/>
+              <a:buChar char="§"/>
+            </a:pPr>
+            <a:endParaRPr lang="tr-TR" dirty="0" smtClean="0">
+              <a:solidFill>
+                <a:srgbClr val="002060"/>
+              </a:solidFill>
+            </a:endParaRPr>
+          </a:p>
+          <a:p>
+            <a:pPr marL="285750" indent="-285750">
+              <a:buFont typeface="Wingdings" panose="05000000000000000000" pitchFamily="2" charset="2"/>
+              <a:buChar char="§"/>
+            </a:pPr>
+            <a:r>
+              <a:rPr lang="tr-TR" dirty="0" smtClean="0">
+                <a:solidFill>
+                  <a:srgbClr val="002060"/>
+                </a:solidFill>
+              </a:rPr>
+              <a:t>T</a:t>
+            </a:r>
+            <a:r>
+              <a:rPr lang="en-US" dirty="0" smtClean="0">
+                <a:solidFill>
+                  <a:srgbClr val="002060"/>
+                </a:solidFill>
+              </a:rPr>
+              <a:t>he </a:t>
+            </a:r>
+            <a:r>
+              <a:rPr lang="en-US" b="1" dirty="0">
+                <a:solidFill>
+                  <a:srgbClr val="002060"/>
+                </a:solidFill>
+              </a:rPr>
+              <a:t>current angle </a:t>
+            </a:r>
+            <a:r>
+              <a:rPr lang="en-US" dirty="0">
+                <a:solidFill>
+                  <a:srgbClr val="002060"/>
+                </a:solidFill>
+              </a:rPr>
+              <a:t>with respect to the </a:t>
+            </a:r>
+            <a:r>
+              <a:rPr lang="en-US" b="1" dirty="0">
+                <a:solidFill>
+                  <a:srgbClr val="002060"/>
+                </a:solidFill>
+              </a:rPr>
+              <a:t>back-EMF</a:t>
+            </a:r>
+            <a:r>
+              <a:rPr lang="en-US" dirty="0">
+                <a:solidFill>
+                  <a:srgbClr val="002060"/>
+                </a:solidFill>
+              </a:rPr>
+              <a:t> can be advanced by </a:t>
+            </a:r>
+            <a:r>
+              <a:rPr lang="en-US" b="1" dirty="0">
+                <a:solidFill>
+                  <a:srgbClr val="002060"/>
+                </a:solidFill>
+              </a:rPr>
+              <a:t>ψ = 30◦</a:t>
+            </a:r>
+            <a:r>
+              <a:rPr lang="en-US" dirty="0" smtClean="0">
+                <a:solidFill>
+                  <a:srgbClr val="002060"/>
+                </a:solidFill>
+              </a:rPr>
+              <a:t>.</a:t>
+            </a:r>
+            <a:endParaRPr lang="tr-TR" dirty="0" smtClean="0">
+              <a:solidFill>
+                <a:srgbClr val="002060"/>
+              </a:solidFill>
+            </a:endParaRPr>
+          </a:p>
+          <a:p>
+            <a:pPr marL="285750" indent="-285750">
+              <a:buFont typeface="Wingdings" panose="05000000000000000000" pitchFamily="2" charset="2"/>
+              <a:buChar char="§"/>
+            </a:pPr>
+            <a:r>
+              <a:rPr lang="tr-TR" dirty="0" smtClean="0">
+                <a:solidFill>
+                  <a:srgbClr val="002060"/>
+                </a:solidFill>
+              </a:rPr>
+              <a:t>T</a:t>
+            </a:r>
+            <a:r>
+              <a:rPr lang="en-US" dirty="0" smtClean="0">
+                <a:solidFill>
+                  <a:srgbClr val="002060"/>
+                </a:solidFill>
+              </a:rPr>
+              <a:t>his </a:t>
+            </a:r>
+            <a:r>
+              <a:rPr lang="en-US" dirty="0">
+                <a:solidFill>
+                  <a:srgbClr val="002060"/>
+                </a:solidFill>
+              </a:rPr>
+              <a:t>increases the </a:t>
+            </a:r>
+            <a:r>
+              <a:rPr lang="en-US" b="1" dirty="0">
+                <a:solidFill>
+                  <a:srgbClr val="002060"/>
+                </a:solidFill>
+              </a:rPr>
+              <a:t>current</a:t>
+            </a:r>
+            <a:r>
+              <a:rPr lang="en-US" dirty="0">
+                <a:solidFill>
+                  <a:srgbClr val="002060"/>
+                </a:solidFill>
+              </a:rPr>
+              <a:t> necessary to deliver the rated</a:t>
+            </a:r>
+            <a:r>
+              <a:rPr lang="en-US" b="1" dirty="0">
+                <a:solidFill>
+                  <a:srgbClr val="002060"/>
+                </a:solidFill>
+              </a:rPr>
+              <a:t> torque by a 15%, </a:t>
+            </a:r>
+            <a:r>
+              <a:rPr lang="en-US" dirty="0">
+                <a:solidFill>
+                  <a:srgbClr val="002060"/>
+                </a:solidFill>
+              </a:rPr>
+              <a:t>but </a:t>
+            </a:r>
+            <a:r>
+              <a:rPr lang="en-US" b="1" dirty="0">
+                <a:solidFill>
+                  <a:srgbClr val="002060"/>
+                </a:solidFill>
+              </a:rPr>
+              <a:t>reduces</a:t>
+            </a:r>
+            <a:r>
+              <a:rPr lang="en-US" dirty="0">
+                <a:solidFill>
+                  <a:srgbClr val="002060"/>
+                </a:solidFill>
+              </a:rPr>
+              <a:t> the required </a:t>
+            </a:r>
+            <a:r>
+              <a:rPr lang="en-US" b="1" dirty="0">
+                <a:solidFill>
+                  <a:srgbClr val="002060"/>
+                </a:solidFill>
+              </a:rPr>
+              <a:t>voltage</a:t>
+            </a:r>
+            <a:r>
+              <a:rPr lang="en-US" dirty="0">
+                <a:solidFill>
+                  <a:srgbClr val="002060"/>
+                </a:solidFill>
+              </a:rPr>
+              <a:t> by a </a:t>
+            </a:r>
+            <a:r>
+              <a:rPr lang="en-US" b="1" dirty="0">
+                <a:solidFill>
+                  <a:srgbClr val="002060"/>
+                </a:solidFill>
+              </a:rPr>
+              <a:t>29</a:t>
+            </a:r>
+            <a:r>
+              <a:rPr lang="en-US" b="1" dirty="0" smtClean="0">
+                <a:solidFill>
+                  <a:srgbClr val="002060"/>
+                </a:solidFill>
+              </a:rPr>
+              <a:t>%</a:t>
+            </a:r>
+            <a:r>
+              <a:rPr lang="tr-TR" b="1" dirty="0" smtClean="0">
+                <a:solidFill>
+                  <a:srgbClr val="002060"/>
+                </a:solidFill>
+              </a:rPr>
+              <a:t>. </a:t>
+            </a:r>
+            <a:r>
+              <a:rPr lang="tr-TR" b="1" dirty="0" err="1" smtClean="0">
+                <a:solidFill>
+                  <a:srgbClr val="002060"/>
+                </a:solidFill>
+              </a:rPr>
+              <a:t>kVA</a:t>
+            </a:r>
+            <a:r>
+              <a:rPr lang="tr-TR" b="1" dirty="0" smtClean="0">
+                <a:solidFill>
+                  <a:srgbClr val="002060"/>
+                </a:solidFill>
+              </a:rPr>
+              <a:t> </a:t>
+            </a:r>
+            <a:r>
+              <a:rPr lang="tr-TR" b="1" dirty="0" err="1" smtClean="0">
+                <a:solidFill>
+                  <a:srgbClr val="002060"/>
+                </a:solidFill>
+              </a:rPr>
+              <a:t>reduction</a:t>
+            </a:r>
+            <a:r>
+              <a:rPr lang="tr-TR" b="1" dirty="0" smtClean="0">
+                <a:solidFill>
+                  <a:srgbClr val="002060"/>
+                </a:solidFill>
+              </a:rPr>
+              <a:t> =&gt; 18%.</a:t>
+            </a:r>
+          </a:p>
+          <a:p>
+            <a:pPr marL="285750" indent="-285750">
+              <a:buFont typeface="Wingdings" panose="05000000000000000000" pitchFamily="2" charset="2"/>
+              <a:buChar char="§"/>
+            </a:pPr>
+            <a:r>
+              <a:rPr lang="tr-TR" dirty="0" err="1" smtClean="0">
+                <a:solidFill>
+                  <a:srgbClr val="FF0000"/>
+                </a:solidFill>
+              </a:rPr>
+              <a:t>In</a:t>
+            </a:r>
+            <a:r>
+              <a:rPr lang="tr-TR" dirty="0" smtClean="0">
+                <a:solidFill>
+                  <a:srgbClr val="FF0000"/>
+                </a:solidFill>
+              </a:rPr>
+              <a:t> total, </a:t>
+            </a:r>
+            <a:r>
+              <a:rPr lang="tr-TR" b="1" dirty="0" err="1" smtClean="0">
+                <a:solidFill>
+                  <a:srgbClr val="FF0000"/>
+                </a:solidFill>
+              </a:rPr>
+              <a:t>kVA</a:t>
+            </a:r>
+            <a:r>
+              <a:rPr lang="tr-TR" b="1" dirty="0" smtClean="0">
+                <a:solidFill>
+                  <a:srgbClr val="FF0000"/>
+                </a:solidFill>
+              </a:rPr>
+              <a:t> </a:t>
+            </a:r>
+            <a:r>
+              <a:rPr lang="tr-TR" dirty="0" err="1" smtClean="0">
+                <a:solidFill>
+                  <a:srgbClr val="FF0000"/>
+                </a:solidFill>
+              </a:rPr>
+              <a:t>rating</a:t>
+            </a:r>
+            <a:r>
+              <a:rPr lang="tr-TR" dirty="0" smtClean="0">
+                <a:solidFill>
+                  <a:srgbClr val="FF0000"/>
+                </a:solidFill>
+              </a:rPr>
+              <a:t> is </a:t>
+            </a:r>
+            <a:r>
+              <a:rPr lang="tr-TR" b="1" dirty="0" err="1" smtClean="0">
+                <a:solidFill>
+                  <a:srgbClr val="FF0000"/>
+                </a:solidFill>
+              </a:rPr>
+              <a:t>increased</a:t>
+            </a:r>
+            <a:r>
+              <a:rPr lang="tr-TR" dirty="0" smtClean="0">
+                <a:solidFill>
+                  <a:srgbClr val="FF0000"/>
+                </a:solidFill>
+              </a:rPr>
+              <a:t> </a:t>
+            </a:r>
+            <a:r>
+              <a:rPr lang="tr-TR" dirty="0" err="1" smtClean="0">
+                <a:solidFill>
+                  <a:srgbClr val="FF0000"/>
+                </a:solidFill>
+              </a:rPr>
+              <a:t>by</a:t>
+            </a:r>
+            <a:r>
+              <a:rPr lang="tr-TR" b="1" dirty="0" smtClean="0">
+                <a:solidFill>
+                  <a:srgbClr val="FF0000"/>
+                </a:solidFill>
+              </a:rPr>
+              <a:t> 34%.</a:t>
+            </a:r>
+          </a:p>
+        </p:txBody>
+      </p:sp>
+    </p:spTree>
+    <p:extLst>
+      <p:ext uri="{BB962C8B-B14F-4D97-AF65-F5344CB8AC3E}">
+        <p14:creationId xmlns:p14="http://schemas.microsoft.com/office/powerpoint/2010/main" val="3017533203"/>
+      </p:ext>
+    </p:extLst>
+  </p:cSld>
+  <p:clrMapOvr>
+    <a:masterClrMapping/>
+  </p:clrMapOvr>
+  <p:timing>
+    <p:tnLst>
+      <p:par>
+        <p:cTn id="1" dur="indefinite" restart="never" nodeType="tmRoot"/>
+      </p:par>
+    </p:tnLst>
+  </p:timing>
+</p:sld>
+</file>
+
+<file path=ppt/slides/slide27.xml><?xml version="1.0" encoding="utf-8"?>
+<p:sld xmlns:a="http://schemas.openxmlformats.org/drawingml/2006/main" xmlns:r="http://schemas.openxmlformats.org/officeDocument/2006/relationships" xmlns:p="http://schemas.openxmlformats.org/presentationml/2006/main">
+  <p:cSld>
+    <p:spTree>
+      <p:nvGrpSpPr>
+        <p:cNvPr id="1" name=""/>
+        <p:cNvGrpSpPr/>
+        <p:nvPr/>
+      </p:nvGrpSpPr>
+      <p:grpSpPr>
+        <a:xfrm>
+          <a:off x="0" y="0"/>
+          <a:ext cx="0" cy="0"/>
+          <a:chOff x="0" y="0"/>
+          <a:chExt cx="0" cy="0"/>
+        </a:xfrm>
+      </p:grpSpPr>
+      <p:sp>
+        <p:nvSpPr>
+          <p:cNvPr id="8" name="Rectangle 7"/>
+          <p:cNvSpPr/>
+          <p:nvPr/>
+        </p:nvSpPr>
+        <p:spPr>
+          <a:xfrm>
+            <a:off x="478970" y="150669"/>
+            <a:ext cx="8207829" cy="523220"/>
+          </a:xfrm>
+          <a:prstGeom prst="rect">
+            <a:avLst/>
+          </a:prstGeom>
+        </p:spPr>
+        <p:txBody>
+          <a:bodyPr wrap="square">
+            <a:spAutoFit/>
+          </a:bodyPr>
+          <a:lstStyle/>
+          <a:p>
+            <a:pPr algn="ctr"/>
+            <a:r>
+              <a:rPr lang="tr-TR" sz="2800" b="1" dirty="0">
+                <a:solidFill>
+                  <a:schemeClr val="accent1">
+                    <a:lumMod val="50000"/>
+                  </a:schemeClr>
+                </a:solidFill>
+                <a:cs typeface="Arial" panose="020B0604020202020204" pitchFamily="34" charset="0"/>
+              </a:rPr>
+              <a:t>Self-</a:t>
+            </a:r>
+            <a:r>
+              <a:rPr lang="tr-TR" sz="2800" b="1" dirty="0" err="1">
+                <a:solidFill>
+                  <a:schemeClr val="accent1">
+                    <a:lumMod val="50000"/>
+                  </a:schemeClr>
+                </a:solidFill>
+                <a:cs typeface="Arial" panose="020B0604020202020204" pitchFamily="34" charset="0"/>
+              </a:rPr>
+              <a:t>inductance</a:t>
+            </a:r>
+            <a:endParaRPr lang="en-US" sz="2800" dirty="0">
+              <a:solidFill>
+                <a:schemeClr val="accent1">
+                  <a:lumMod val="50000"/>
+                </a:schemeClr>
+              </a:solidFill>
+              <a:cs typeface="Arial" panose="020B0604020202020204" pitchFamily="34" charset="0"/>
+            </a:endParaRPr>
+          </a:p>
+        </p:txBody>
+      </p:sp>
+      <p:sp>
+        <p:nvSpPr>
+          <p:cNvPr id="5" name="Rectangle 4"/>
+          <p:cNvSpPr/>
+          <p:nvPr/>
+        </p:nvSpPr>
+        <p:spPr>
+          <a:xfrm>
+            <a:off x="236764" y="886160"/>
+            <a:ext cx="8801100" cy="2308324"/>
+          </a:xfrm>
+          <a:prstGeom prst="rect">
+            <a:avLst/>
+          </a:prstGeom>
+        </p:spPr>
+        <p:txBody>
+          <a:bodyPr wrap="square">
+            <a:spAutoFit/>
+          </a:bodyPr>
+          <a:lstStyle/>
+          <a:p>
+            <a:r>
+              <a:rPr lang="tr-TR" b="1" dirty="0" err="1" smtClean="0">
+                <a:solidFill>
+                  <a:srgbClr val="002060"/>
+                </a:solidFill>
+              </a:rPr>
+              <a:t>Remarks</a:t>
+            </a:r>
+            <a:r>
+              <a:rPr lang="tr-TR" b="1" dirty="0" smtClean="0">
+                <a:solidFill>
+                  <a:srgbClr val="002060"/>
+                </a:solidFill>
+              </a:rPr>
+              <a:t>:</a:t>
+            </a:r>
+          </a:p>
+          <a:p>
+            <a:pPr marL="285750" indent="-285750">
+              <a:buFont typeface="Wingdings" panose="05000000000000000000" pitchFamily="2" charset="2"/>
+              <a:buChar char="§"/>
+            </a:pPr>
+            <a:r>
+              <a:rPr lang="en-US" dirty="0">
+                <a:solidFill>
+                  <a:srgbClr val="002060"/>
+                </a:solidFill>
+              </a:rPr>
+              <a:t>Fractional-slot concentrated-windings inherently lead to </a:t>
+            </a:r>
+            <a:r>
+              <a:rPr lang="en-US" b="1" dirty="0">
+                <a:solidFill>
+                  <a:srgbClr val="002060"/>
+                </a:solidFill>
+              </a:rPr>
+              <a:t>high slot leakage inductances </a:t>
+            </a:r>
+            <a:r>
+              <a:rPr lang="en-US" dirty="0">
+                <a:solidFill>
+                  <a:srgbClr val="002060"/>
+                </a:solidFill>
+              </a:rPr>
+              <a:t>and </a:t>
+            </a:r>
+            <a:r>
+              <a:rPr lang="en-US" b="1" dirty="0">
+                <a:solidFill>
+                  <a:srgbClr val="002060"/>
+                </a:solidFill>
+              </a:rPr>
+              <a:t>high air-gap harmonic leakage components </a:t>
+            </a:r>
+            <a:r>
+              <a:rPr lang="en-US" dirty="0">
+                <a:solidFill>
+                  <a:srgbClr val="002060"/>
+                </a:solidFill>
+              </a:rPr>
+              <a:t>due to the rich harmonic content of the armature MMF </a:t>
+            </a:r>
+            <a:r>
+              <a:rPr lang="en-US" dirty="0" smtClean="0">
+                <a:solidFill>
+                  <a:srgbClr val="002060"/>
+                </a:solidFill>
+              </a:rPr>
+              <a:t>distribution</a:t>
+            </a:r>
+            <a:r>
+              <a:rPr lang="tr-TR" dirty="0" smtClean="0">
+                <a:solidFill>
+                  <a:srgbClr val="002060"/>
+                </a:solidFill>
+              </a:rPr>
+              <a:t>.</a:t>
+            </a:r>
+          </a:p>
+          <a:p>
+            <a:pPr marL="285750" indent="-285750">
+              <a:buFont typeface="Wingdings" panose="05000000000000000000" pitchFamily="2" charset="2"/>
+              <a:buChar char="§"/>
+            </a:pPr>
+            <a:endParaRPr lang="tr-TR" dirty="0" smtClean="0">
+              <a:solidFill>
+                <a:srgbClr val="002060"/>
+              </a:solidFill>
+            </a:endParaRPr>
+          </a:p>
+          <a:p>
+            <a:pPr marL="285750" indent="-285750">
+              <a:buFont typeface="Wingdings" panose="05000000000000000000" pitchFamily="2" charset="2"/>
+              <a:buChar char="§"/>
+            </a:pPr>
+            <a:r>
+              <a:rPr lang="en-US" dirty="0" smtClean="0">
+                <a:solidFill>
+                  <a:srgbClr val="002060"/>
+                </a:solidFill>
+              </a:rPr>
+              <a:t>In </a:t>
+            </a:r>
+            <a:r>
+              <a:rPr lang="en-US" dirty="0">
+                <a:solidFill>
+                  <a:srgbClr val="002060"/>
+                </a:solidFill>
+              </a:rPr>
+              <a:t>case of single-layer FSCWs, the increased MMF harmonic content compared to double-layer windings and the higher number of conductors belonging to the same phase in each slot leads to the </a:t>
+            </a:r>
+            <a:r>
+              <a:rPr lang="en-US" b="1" dirty="0">
+                <a:solidFill>
+                  <a:srgbClr val="002060"/>
+                </a:solidFill>
+              </a:rPr>
+              <a:t>highest phase self-inductance </a:t>
+            </a:r>
+            <a:r>
+              <a:rPr lang="en-US" dirty="0">
+                <a:solidFill>
+                  <a:srgbClr val="002060"/>
+                </a:solidFill>
+              </a:rPr>
+              <a:t>values.</a:t>
+            </a:r>
+            <a:endParaRPr lang="tr-TR" dirty="0" smtClean="0">
+              <a:solidFill>
+                <a:srgbClr val="002060"/>
+              </a:solidFill>
+            </a:endParaRPr>
+          </a:p>
+        </p:txBody>
+      </p:sp>
+    </p:spTree>
+    <p:extLst>
+      <p:ext uri="{BB962C8B-B14F-4D97-AF65-F5344CB8AC3E}">
+        <p14:creationId xmlns:p14="http://schemas.microsoft.com/office/powerpoint/2010/main" val="3484323270"/>
+      </p:ext>
+    </p:extLst>
+  </p:cSld>
+  <p:clrMapOvr>
+    <a:masterClrMapping/>
+  </p:clrMapOvr>
+  <p:timing>
+    <p:tnLst>
+      <p:par>
+        <p:cTn id="1" dur="indefinite" restart="never" nodeType="tmRoot"/>
+      </p:par>
+    </p:tnLst>
+  </p:timing>
+</p:sld>
+</file>
+
+<file path=ppt/slides/slide28.xml><?xml version="1.0" encoding="utf-8"?>
+<p:sld xmlns:a="http://schemas.openxmlformats.org/drawingml/2006/main" xmlns:r="http://schemas.openxmlformats.org/officeDocument/2006/relationships" xmlns:p="http://schemas.openxmlformats.org/presentationml/2006/main">
+  <p:cSld>
+    <p:spTree>
+      <p:nvGrpSpPr>
+        <p:cNvPr id="1" name=""/>
+        <p:cNvGrpSpPr/>
+        <p:nvPr/>
+      </p:nvGrpSpPr>
+      <p:grpSpPr>
+        <a:xfrm>
+          <a:off x="0" y="0"/>
+          <a:ext cx="0" cy="0"/>
+          <a:chOff x="0" y="0"/>
+          <a:chExt cx="0" cy="0"/>
+        </a:xfrm>
+      </p:grpSpPr>
+      <p:sp>
+        <p:nvSpPr>
+          <p:cNvPr id="8" name="Rectangle 7"/>
+          <p:cNvSpPr/>
+          <p:nvPr/>
+        </p:nvSpPr>
+        <p:spPr>
+          <a:xfrm>
+            <a:off x="478970" y="150669"/>
+            <a:ext cx="8207829" cy="523220"/>
+          </a:xfrm>
+          <a:prstGeom prst="rect">
+            <a:avLst/>
+          </a:prstGeom>
+        </p:spPr>
+        <p:txBody>
+          <a:bodyPr wrap="square">
+            <a:spAutoFit/>
+          </a:bodyPr>
+          <a:lstStyle/>
+          <a:p>
+            <a:pPr algn="ctr"/>
+            <a:r>
+              <a:rPr lang="tr-TR" sz="2800" b="1" dirty="0" smtClean="0">
+                <a:solidFill>
+                  <a:schemeClr val="accent1">
+                    <a:lumMod val="50000"/>
+                  </a:schemeClr>
+                </a:solidFill>
+                <a:cs typeface="Arial" panose="020B0604020202020204" pitchFamily="34" charset="0"/>
+              </a:rPr>
+              <a:t>On stator </a:t>
+            </a:r>
+            <a:r>
+              <a:rPr lang="tr-TR" sz="2800" b="1" dirty="0" err="1" smtClean="0">
+                <a:solidFill>
+                  <a:schemeClr val="accent1">
+                    <a:lumMod val="50000"/>
+                  </a:schemeClr>
+                </a:solidFill>
+                <a:cs typeface="Arial" panose="020B0604020202020204" pitchFamily="34" charset="0"/>
+              </a:rPr>
+              <a:t>configurations</a:t>
+            </a:r>
+            <a:endParaRPr lang="en-US" sz="2800" dirty="0">
+              <a:solidFill>
+                <a:schemeClr val="accent1">
+                  <a:lumMod val="50000"/>
+                </a:schemeClr>
+              </a:solidFill>
+              <a:cs typeface="Arial" panose="020B0604020202020204" pitchFamily="34" charset="0"/>
+            </a:endParaRPr>
+          </a:p>
+        </p:txBody>
+      </p:sp>
+      <p:sp>
+        <p:nvSpPr>
+          <p:cNvPr id="5" name="Rectangle 4"/>
+          <p:cNvSpPr/>
+          <p:nvPr/>
+        </p:nvSpPr>
+        <p:spPr>
+          <a:xfrm>
+            <a:off x="236764" y="673889"/>
+            <a:ext cx="8801100" cy="769441"/>
+          </a:xfrm>
+          <a:prstGeom prst="rect">
+            <a:avLst/>
+          </a:prstGeom>
+        </p:spPr>
+        <p:txBody>
+          <a:bodyPr wrap="square">
+            <a:spAutoFit/>
+          </a:bodyPr>
+          <a:lstStyle/>
+          <a:p>
+            <a:pPr algn="ctr"/>
+            <a:r>
+              <a:rPr lang="tr-TR" sz="2400" dirty="0" smtClean="0">
+                <a:solidFill>
+                  <a:srgbClr val="002060"/>
+                </a:solidFill>
+              </a:rPr>
+              <a:t>3-phase (</a:t>
+            </a:r>
+            <a:r>
+              <a:rPr lang="tr-TR" sz="2400" dirty="0" err="1" smtClean="0">
+                <a:solidFill>
+                  <a:srgbClr val="002060"/>
+                </a:solidFill>
+              </a:rPr>
+              <a:t>mostly</a:t>
+            </a:r>
+            <a:r>
+              <a:rPr lang="tr-TR" sz="2400" dirty="0" smtClean="0">
+                <a:solidFill>
+                  <a:srgbClr val="002060"/>
+                </a:solidFill>
+              </a:rPr>
+              <a:t>), 12 </a:t>
+            </a:r>
+            <a:r>
+              <a:rPr lang="tr-TR" sz="2400" dirty="0" err="1" smtClean="0">
+                <a:solidFill>
+                  <a:srgbClr val="002060"/>
+                </a:solidFill>
+              </a:rPr>
+              <a:t>slot</a:t>
+            </a:r>
+            <a:r>
+              <a:rPr lang="tr-TR" sz="2400" dirty="0" smtClean="0">
+                <a:solidFill>
+                  <a:srgbClr val="002060"/>
+                </a:solidFill>
+              </a:rPr>
+              <a:t> m/c</a:t>
+            </a:r>
+          </a:p>
+          <a:p>
+            <a:r>
+              <a:rPr lang="tr-TR" sz="2000" dirty="0" smtClean="0">
+                <a:solidFill>
+                  <a:srgbClr val="002060"/>
+                </a:solidFill>
+              </a:rPr>
+              <a:t>Stator-1: </a:t>
+            </a:r>
+            <a:r>
+              <a:rPr lang="tr-TR" sz="2000" dirty="0" err="1" smtClean="0">
+                <a:solidFill>
+                  <a:srgbClr val="002060"/>
+                </a:solidFill>
+              </a:rPr>
+              <a:t>All-teeth</a:t>
+            </a:r>
+            <a:r>
+              <a:rPr lang="tr-TR" sz="2000" dirty="0" smtClean="0">
+                <a:solidFill>
+                  <a:srgbClr val="002060"/>
+                </a:solidFill>
+              </a:rPr>
+              <a:t>, </a:t>
+            </a:r>
+            <a:r>
+              <a:rPr lang="tr-TR" sz="2000" dirty="0" err="1" smtClean="0">
+                <a:solidFill>
+                  <a:srgbClr val="002060"/>
+                </a:solidFill>
+              </a:rPr>
+              <a:t>physically</a:t>
+            </a:r>
+            <a:r>
+              <a:rPr lang="tr-TR" sz="2000" dirty="0" smtClean="0">
+                <a:solidFill>
+                  <a:srgbClr val="002060"/>
+                </a:solidFill>
+              </a:rPr>
+              <a:t> </a:t>
+            </a:r>
+            <a:r>
+              <a:rPr lang="tr-TR" sz="2000" dirty="0" err="1" smtClean="0">
+                <a:solidFill>
+                  <a:srgbClr val="002060"/>
+                </a:solidFill>
+              </a:rPr>
+              <a:t>modular</a:t>
+            </a:r>
+            <a:endParaRPr lang="tr-TR" sz="2000" dirty="0" smtClean="0">
+              <a:solidFill>
+                <a:srgbClr val="002060"/>
+              </a:solidFill>
+            </a:endParaRPr>
+          </a:p>
+        </p:txBody>
+      </p:sp>
+      <p:pic>
+        <p:nvPicPr>
+          <p:cNvPr id="3" name="Picture 2"/>
+          <p:cNvPicPr>
+            <a:picLocks noChangeAspect="1"/>
+          </p:cNvPicPr>
+          <p:nvPr/>
+        </p:nvPicPr>
+        <p:blipFill>
+          <a:blip r:embed="rId3"/>
+          <a:stretch>
+            <a:fillRect/>
+          </a:stretch>
+        </p:blipFill>
+        <p:spPr>
+          <a:xfrm>
+            <a:off x="2126745" y="1702737"/>
+            <a:ext cx="5021138" cy="5020067"/>
+          </a:xfrm>
+          <a:prstGeom prst="rect">
+            <a:avLst/>
+          </a:prstGeom>
+        </p:spPr>
+      </p:pic>
+    </p:spTree>
+    <p:extLst>
+      <p:ext uri="{BB962C8B-B14F-4D97-AF65-F5344CB8AC3E}">
+        <p14:creationId xmlns:p14="http://schemas.microsoft.com/office/powerpoint/2010/main" val="2079078286"/>
+      </p:ext>
+    </p:extLst>
+  </p:cSld>
+  <p:clrMapOvr>
+    <a:masterClrMapping/>
+  </p:clrMapOvr>
+  <p:timing>
+    <p:tnLst>
+      <p:par>
+        <p:cTn id="1" dur="indefinite" restart="never" nodeType="tmRoot"/>
+      </p:par>
+    </p:tnLst>
+  </p:timing>
+</p:sld>
+</file>
+
+<file path=ppt/slides/slide29.xml><?xml version="1.0" encoding="utf-8"?>
+<p:sld xmlns:a="http://schemas.openxmlformats.org/drawingml/2006/main" xmlns:r="http://schemas.openxmlformats.org/officeDocument/2006/relationships" xmlns:p="http://schemas.openxmlformats.org/presentationml/2006/main">
+  <p:cSld>
+    <p:spTree>
+      <p:nvGrpSpPr>
+        <p:cNvPr id="1" name=""/>
+        <p:cNvGrpSpPr/>
+        <p:nvPr/>
+      </p:nvGrpSpPr>
+      <p:grpSpPr>
+        <a:xfrm>
+          <a:off x="0" y="0"/>
+          <a:ext cx="0" cy="0"/>
+          <a:chOff x="0" y="0"/>
+          <a:chExt cx="0" cy="0"/>
+        </a:xfrm>
+      </p:grpSpPr>
+      <p:sp>
+        <p:nvSpPr>
+          <p:cNvPr id="8" name="Rectangle 7"/>
+          <p:cNvSpPr/>
+          <p:nvPr/>
+        </p:nvSpPr>
+        <p:spPr>
+          <a:xfrm>
+            <a:off x="478970" y="150669"/>
+            <a:ext cx="8207829" cy="523220"/>
+          </a:xfrm>
+          <a:prstGeom prst="rect">
+            <a:avLst/>
+          </a:prstGeom>
+        </p:spPr>
+        <p:txBody>
+          <a:bodyPr wrap="square">
+            <a:spAutoFit/>
+          </a:bodyPr>
+          <a:lstStyle/>
+          <a:p>
+            <a:pPr algn="ctr"/>
+            <a:r>
+              <a:rPr lang="tr-TR" sz="2800" b="1" dirty="0" smtClean="0">
+                <a:solidFill>
+                  <a:schemeClr val="accent1">
+                    <a:lumMod val="50000"/>
+                  </a:schemeClr>
+                </a:solidFill>
+                <a:cs typeface="Arial" panose="020B0604020202020204" pitchFamily="34" charset="0"/>
+              </a:rPr>
+              <a:t>On stator </a:t>
+            </a:r>
+            <a:r>
+              <a:rPr lang="tr-TR" sz="2800" b="1" dirty="0" err="1" smtClean="0">
+                <a:solidFill>
+                  <a:schemeClr val="accent1">
+                    <a:lumMod val="50000"/>
+                  </a:schemeClr>
+                </a:solidFill>
+                <a:cs typeface="Arial" panose="020B0604020202020204" pitchFamily="34" charset="0"/>
+              </a:rPr>
+              <a:t>configurations</a:t>
+            </a:r>
+            <a:endParaRPr lang="en-US" sz="2800" dirty="0">
+              <a:solidFill>
+                <a:schemeClr val="accent1">
+                  <a:lumMod val="50000"/>
+                </a:schemeClr>
+              </a:solidFill>
+              <a:cs typeface="Arial" panose="020B0604020202020204" pitchFamily="34" charset="0"/>
+            </a:endParaRPr>
+          </a:p>
+        </p:txBody>
+      </p:sp>
+      <p:sp>
+        <p:nvSpPr>
+          <p:cNvPr id="5" name="Rectangle 4"/>
+          <p:cNvSpPr/>
+          <p:nvPr/>
+        </p:nvSpPr>
+        <p:spPr>
+          <a:xfrm>
+            <a:off x="236764" y="673889"/>
+            <a:ext cx="8801100" cy="769441"/>
+          </a:xfrm>
+          <a:prstGeom prst="rect">
+            <a:avLst/>
+          </a:prstGeom>
+        </p:spPr>
+        <p:txBody>
+          <a:bodyPr wrap="square">
+            <a:spAutoFit/>
+          </a:bodyPr>
+          <a:lstStyle/>
+          <a:p>
+            <a:pPr algn="ctr"/>
+            <a:r>
+              <a:rPr lang="tr-TR" sz="2400" dirty="0" smtClean="0">
+                <a:solidFill>
+                  <a:srgbClr val="002060"/>
+                </a:solidFill>
+              </a:rPr>
+              <a:t>3-phase (</a:t>
+            </a:r>
+            <a:r>
+              <a:rPr lang="tr-TR" sz="2400" dirty="0" err="1" smtClean="0">
+                <a:solidFill>
+                  <a:srgbClr val="002060"/>
+                </a:solidFill>
+              </a:rPr>
+              <a:t>mostly</a:t>
+            </a:r>
+            <a:r>
+              <a:rPr lang="tr-TR" sz="2400" dirty="0" smtClean="0">
+                <a:solidFill>
+                  <a:srgbClr val="002060"/>
+                </a:solidFill>
+              </a:rPr>
+              <a:t>), 12 </a:t>
+            </a:r>
+            <a:r>
+              <a:rPr lang="tr-TR" sz="2400" dirty="0" err="1" smtClean="0">
+                <a:solidFill>
+                  <a:srgbClr val="002060"/>
+                </a:solidFill>
+              </a:rPr>
+              <a:t>slot</a:t>
+            </a:r>
+            <a:r>
+              <a:rPr lang="tr-TR" sz="2400" dirty="0" smtClean="0">
+                <a:solidFill>
+                  <a:srgbClr val="002060"/>
+                </a:solidFill>
+              </a:rPr>
+              <a:t> m/c</a:t>
+            </a:r>
+          </a:p>
+          <a:p>
+            <a:r>
+              <a:rPr lang="tr-TR" sz="2000" dirty="0" smtClean="0">
+                <a:solidFill>
+                  <a:srgbClr val="002060"/>
+                </a:solidFill>
+              </a:rPr>
+              <a:t>Stator-2: </a:t>
+            </a:r>
+            <a:r>
+              <a:rPr lang="tr-TR" sz="2000" dirty="0" err="1" smtClean="0">
+                <a:solidFill>
+                  <a:srgbClr val="002060"/>
+                </a:solidFill>
+              </a:rPr>
+              <a:t>All-teeth</a:t>
+            </a:r>
+            <a:r>
+              <a:rPr lang="tr-TR" sz="2000" dirty="0" smtClean="0">
+                <a:solidFill>
+                  <a:srgbClr val="002060"/>
+                </a:solidFill>
+              </a:rPr>
+              <a:t>, </a:t>
+            </a:r>
+            <a:r>
+              <a:rPr lang="tr-TR" sz="2000" dirty="0" err="1" smtClean="0">
+                <a:solidFill>
+                  <a:srgbClr val="002060"/>
+                </a:solidFill>
+              </a:rPr>
+              <a:t>physically</a:t>
+            </a:r>
+            <a:r>
+              <a:rPr lang="tr-TR" sz="2000" dirty="0" smtClean="0">
+                <a:solidFill>
+                  <a:srgbClr val="002060"/>
+                </a:solidFill>
+              </a:rPr>
+              <a:t> </a:t>
+            </a:r>
+            <a:r>
+              <a:rPr lang="tr-TR" sz="2000" dirty="0" err="1" smtClean="0">
+                <a:solidFill>
+                  <a:srgbClr val="002060"/>
+                </a:solidFill>
+              </a:rPr>
+              <a:t>modular</a:t>
+            </a:r>
+            <a:endParaRPr lang="tr-TR" sz="2000" dirty="0" smtClean="0">
+              <a:solidFill>
+                <a:srgbClr val="002060"/>
+              </a:solidFill>
+            </a:endParaRPr>
+          </a:p>
+        </p:txBody>
+      </p:sp>
+      <p:pic>
+        <p:nvPicPr>
+          <p:cNvPr id="2" name="Picture 1"/>
+          <p:cNvPicPr>
+            <a:picLocks noChangeAspect="1"/>
+          </p:cNvPicPr>
+          <p:nvPr/>
+        </p:nvPicPr>
+        <p:blipFill>
+          <a:blip r:embed="rId3"/>
+          <a:stretch>
+            <a:fillRect/>
+          </a:stretch>
+        </p:blipFill>
+        <p:spPr>
+          <a:xfrm>
+            <a:off x="2072315" y="1612931"/>
+            <a:ext cx="5021138" cy="5020067"/>
+          </a:xfrm>
+          <a:prstGeom prst="rect">
+            <a:avLst/>
+          </a:prstGeom>
+        </p:spPr>
+      </p:pic>
+      <p:sp>
+        <p:nvSpPr>
+          <p:cNvPr id="6" name="Rectangle 5"/>
+          <p:cNvSpPr/>
+          <p:nvPr/>
+        </p:nvSpPr>
+        <p:spPr>
+          <a:xfrm>
+            <a:off x="6740977" y="2520374"/>
+            <a:ext cx="2296887" cy="400110"/>
+          </a:xfrm>
+          <a:prstGeom prst="rect">
+            <a:avLst/>
+          </a:prstGeom>
+        </p:spPr>
+        <p:txBody>
+          <a:bodyPr wrap="square">
+            <a:spAutoFit/>
+          </a:bodyPr>
+          <a:lstStyle/>
+          <a:p>
+            <a:pPr algn="ctr"/>
+            <a:r>
+              <a:rPr lang="tr-TR" sz="2000" dirty="0" smtClean="0">
+                <a:solidFill>
+                  <a:srgbClr val="FF0000"/>
+                </a:solidFill>
+              </a:rPr>
+              <a:t>Nasıl bir fark var?</a:t>
+            </a:r>
+            <a:endParaRPr lang="tr-TR" sz="2000" dirty="0" smtClean="0">
+              <a:solidFill>
+                <a:srgbClr val="FF0000"/>
+              </a:solidFill>
+            </a:endParaRPr>
+          </a:p>
+        </p:txBody>
+      </p:sp>
+    </p:spTree>
+    <p:extLst>
+      <p:ext uri="{BB962C8B-B14F-4D97-AF65-F5344CB8AC3E}">
+        <p14:creationId xmlns:p14="http://schemas.microsoft.com/office/powerpoint/2010/main" val="2967250067"/>
+      </p:ext>
+    </p:extLst>
+  </p:cSld>
+  <p:clrMapOvr>
+    <a:masterClrMapping/>
+  </p:clrMapOvr>
+  <p:timing>
+    <p:tnLst>
+      <p:par>
+        <p:cTn id="1" dur="indefinite" restart="never" nodeType="tmRoot"/>
+      </p:par>
+    </p:tnLst>
+  </p:timing>
+</p:sld>
+</file>
+
+<file path=ppt/slides/slide3.xml><?xml version="1.0" encoding="utf-8"?>
+<p:sld xmlns:a="http://schemas.openxmlformats.org/drawingml/2006/main" xmlns:r="http://schemas.openxmlformats.org/officeDocument/2006/relationships" xmlns:p="http://schemas.openxmlformats.org/presentationml/2006/main">
+  <p:cSld>
+    <p:spTree>
+      <p:nvGrpSpPr>
+        <p:cNvPr id="1" name=""/>
+        <p:cNvGrpSpPr/>
+        <p:nvPr/>
+      </p:nvGrpSpPr>
+      <p:grpSpPr>
+        <a:xfrm>
+          <a:off x="0" y="0"/>
+          <a:ext cx="0" cy="0"/>
+          <a:chOff x="0" y="0"/>
+          <a:chExt cx="0" cy="0"/>
+        </a:xfrm>
+      </p:grpSpPr>
+      <p:sp>
+        <p:nvSpPr>
+          <p:cNvPr id="8" name="Rectangle 7"/>
+          <p:cNvSpPr/>
+          <p:nvPr/>
+        </p:nvSpPr>
+        <p:spPr>
+          <a:xfrm>
+            <a:off x="478970" y="150669"/>
+            <a:ext cx="8207829" cy="523220"/>
+          </a:xfrm>
+          <a:prstGeom prst="rect">
+            <a:avLst/>
+          </a:prstGeom>
+        </p:spPr>
+        <p:txBody>
+          <a:bodyPr wrap="square">
+            <a:spAutoFit/>
+          </a:bodyPr>
+          <a:lstStyle/>
+          <a:p>
+            <a:pPr algn="ctr"/>
+            <a:r>
+              <a:rPr lang="tr-TR" sz="2800" b="1" dirty="0" err="1" smtClean="0">
+                <a:solidFill>
+                  <a:schemeClr val="accent1">
+                    <a:lumMod val="50000"/>
+                  </a:schemeClr>
+                </a:solidFill>
+                <a:cs typeface="Arial" panose="020B0604020202020204" pitchFamily="34" charset="0"/>
+              </a:rPr>
+              <a:t>Failure</a:t>
+            </a:r>
+            <a:r>
+              <a:rPr lang="tr-TR" sz="2800" b="1" dirty="0" smtClean="0">
+                <a:solidFill>
+                  <a:schemeClr val="accent1">
+                    <a:lumMod val="50000"/>
+                  </a:schemeClr>
+                </a:solidFill>
+                <a:cs typeface="Arial" panose="020B0604020202020204" pitchFamily="34" charset="0"/>
+              </a:rPr>
+              <a:t> </a:t>
+            </a:r>
+            <a:r>
+              <a:rPr lang="tr-TR" sz="2800" b="1" dirty="0" err="1" smtClean="0">
+                <a:solidFill>
+                  <a:schemeClr val="accent1">
+                    <a:lumMod val="50000"/>
+                  </a:schemeClr>
+                </a:solidFill>
+                <a:cs typeface="Arial" panose="020B0604020202020204" pitchFamily="34" charset="0"/>
+              </a:rPr>
+              <a:t>Rates</a:t>
+            </a:r>
+            <a:endParaRPr lang="en-US" sz="2800" dirty="0">
+              <a:solidFill>
+                <a:schemeClr val="accent1">
+                  <a:lumMod val="50000"/>
+                </a:schemeClr>
+              </a:solidFill>
+              <a:cs typeface="Arial" panose="020B0604020202020204" pitchFamily="34" charset="0"/>
+            </a:endParaRPr>
+          </a:p>
+        </p:txBody>
+      </p:sp>
+      <p:pic>
+        <p:nvPicPr>
+          <p:cNvPr id="2" name="Picture 1"/>
+          <p:cNvPicPr>
+            <a:picLocks noChangeAspect="1"/>
+          </p:cNvPicPr>
+          <p:nvPr/>
+        </p:nvPicPr>
+        <p:blipFill>
+          <a:blip r:embed="rId3"/>
+          <a:stretch>
+            <a:fillRect/>
+          </a:stretch>
+        </p:blipFill>
+        <p:spPr>
+          <a:xfrm>
+            <a:off x="255587" y="992296"/>
+            <a:ext cx="8749519" cy="4799811"/>
+          </a:xfrm>
+          <a:prstGeom prst="rect">
+            <a:avLst/>
+          </a:prstGeom>
+        </p:spPr>
+      </p:pic>
+    </p:spTree>
+    <p:extLst>
+      <p:ext uri="{BB962C8B-B14F-4D97-AF65-F5344CB8AC3E}">
+        <p14:creationId xmlns:p14="http://schemas.microsoft.com/office/powerpoint/2010/main" val="1591189072"/>
+      </p:ext>
+    </p:extLst>
+  </p:cSld>
+  <p:clrMapOvr>
+    <a:masterClrMapping/>
+  </p:clrMapOvr>
+  <p:timing>
+    <p:tnLst>
+      <p:par>
+        <p:cTn id="1" dur="indefinite" restart="never" nodeType="tmRoot"/>
+      </p:par>
+    </p:tnLst>
+  </p:timing>
+</p:sld>
+</file>
+
+<file path=ppt/slides/slide30.xml><?xml version="1.0" encoding="utf-8"?>
+<p:sld xmlns:a="http://schemas.openxmlformats.org/drawingml/2006/main" xmlns:r="http://schemas.openxmlformats.org/officeDocument/2006/relationships" xmlns:p="http://schemas.openxmlformats.org/presentationml/2006/main">
+  <p:cSld>
+    <p:spTree>
+      <p:nvGrpSpPr>
+        <p:cNvPr id="1" name=""/>
+        <p:cNvGrpSpPr/>
+        <p:nvPr/>
+      </p:nvGrpSpPr>
+      <p:grpSpPr>
+        <a:xfrm>
+          <a:off x="0" y="0"/>
+          <a:ext cx="0" cy="0"/>
+          <a:chOff x="0" y="0"/>
+          <a:chExt cx="0" cy="0"/>
+        </a:xfrm>
+      </p:grpSpPr>
+      <p:sp>
+        <p:nvSpPr>
+          <p:cNvPr id="8" name="Rectangle 7"/>
+          <p:cNvSpPr/>
+          <p:nvPr/>
+        </p:nvSpPr>
+        <p:spPr>
+          <a:xfrm>
+            <a:off x="478970" y="150669"/>
+            <a:ext cx="8207829" cy="523220"/>
+          </a:xfrm>
+          <a:prstGeom prst="rect">
+            <a:avLst/>
+          </a:prstGeom>
+        </p:spPr>
+        <p:txBody>
+          <a:bodyPr wrap="square">
+            <a:spAutoFit/>
+          </a:bodyPr>
+          <a:lstStyle/>
+          <a:p>
+            <a:pPr algn="ctr"/>
+            <a:r>
+              <a:rPr lang="tr-TR" sz="2800" b="1" dirty="0" smtClean="0">
+                <a:solidFill>
+                  <a:schemeClr val="accent1">
+                    <a:lumMod val="50000"/>
+                  </a:schemeClr>
+                </a:solidFill>
+                <a:cs typeface="Arial" panose="020B0604020202020204" pitchFamily="34" charset="0"/>
+              </a:rPr>
+              <a:t>On stator </a:t>
+            </a:r>
+            <a:r>
+              <a:rPr lang="tr-TR" sz="2800" b="1" dirty="0" err="1" smtClean="0">
+                <a:solidFill>
+                  <a:schemeClr val="accent1">
+                    <a:lumMod val="50000"/>
+                  </a:schemeClr>
+                </a:solidFill>
+                <a:cs typeface="Arial" panose="020B0604020202020204" pitchFamily="34" charset="0"/>
+              </a:rPr>
+              <a:t>configurations</a:t>
+            </a:r>
+            <a:endParaRPr lang="en-US" sz="2800" dirty="0">
+              <a:solidFill>
+                <a:schemeClr val="accent1">
+                  <a:lumMod val="50000"/>
+                </a:schemeClr>
+              </a:solidFill>
+              <a:cs typeface="Arial" panose="020B0604020202020204" pitchFamily="34" charset="0"/>
+            </a:endParaRPr>
+          </a:p>
+        </p:txBody>
+      </p:sp>
+      <p:sp>
+        <p:nvSpPr>
+          <p:cNvPr id="5" name="Rectangle 4"/>
+          <p:cNvSpPr/>
+          <p:nvPr/>
+        </p:nvSpPr>
+        <p:spPr>
+          <a:xfrm>
+            <a:off x="236764" y="673889"/>
+            <a:ext cx="8801100" cy="769441"/>
+          </a:xfrm>
+          <a:prstGeom prst="rect">
+            <a:avLst/>
+          </a:prstGeom>
+        </p:spPr>
+        <p:txBody>
+          <a:bodyPr wrap="square">
+            <a:spAutoFit/>
+          </a:bodyPr>
+          <a:lstStyle/>
+          <a:p>
+            <a:pPr algn="ctr"/>
+            <a:r>
+              <a:rPr lang="tr-TR" sz="2400" dirty="0" smtClean="0">
+                <a:solidFill>
+                  <a:srgbClr val="002060"/>
+                </a:solidFill>
+              </a:rPr>
+              <a:t>3-phase (</a:t>
+            </a:r>
+            <a:r>
+              <a:rPr lang="tr-TR" sz="2400" dirty="0" err="1" smtClean="0">
+                <a:solidFill>
+                  <a:srgbClr val="002060"/>
+                </a:solidFill>
+              </a:rPr>
+              <a:t>mostly</a:t>
+            </a:r>
+            <a:r>
+              <a:rPr lang="tr-TR" sz="2400" dirty="0" smtClean="0">
+                <a:solidFill>
+                  <a:srgbClr val="002060"/>
+                </a:solidFill>
+              </a:rPr>
+              <a:t>), 12 </a:t>
+            </a:r>
+            <a:r>
+              <a:rPr lang="tr-TR" sz="2400" dirty="0" err="1" smtClean="0">
+                <a:solidFill>
+                  <a:srgbClr val="002060"/>
+                </a:solidFill>
+              </a:rPr>
+              <a:t>slot</a:t>
+            </a:r>
+            <a:r>
+              <a:rPr lang="tr-TR" sz="2400" dirty="0" smtClean="0">
+                <a:solidFill>
+                  <a:srgbClr val="002060"/>
+                </a:solidFill>
+              </a:rPr>
+              <a:t> m/c</a:t>
+            </a:r>
+          </a:p>
+          <a:p>
+            <a:r>
+              <a:rPr lang="tr-TR" sz="2000" dirty="0" smtClean="0">
+                <a:solidFill>
+                  <a:srgbClr val="002060"/>
+                </a:solidFill>
+              </a:rPr>
+              <a:t>Stator-3: </a:t>
+            </a:r>
+            <a:r>
+              <a:rPr lang="tr-TR" sz="2000" dirty="0" err="1" smtClean="0">
+                <a:solidFill>
+                  <a:srgbClr val="002060"/>
+                </a:solidFill>
+              </a:rPr>
+              <a:t>All-teeth</a:t>
+            </a:r>
+            <a:r>
+              <a:rPr lang="tr-TR" sz="2000" dirty="0" smtClean="0">
+                <a:solidFill>
+                  <a:srgbClr val="002060"/>
+                </a:solidFill>
+              </a:rPr>
+              <a:t>, </a:t>
+            </a:r>
+            <a:r>
+              <a:rPr lang="tr-TR" sz="2000" dirty="0" err="1" smtClean="0">
+                <a:solidFill>
+                  <a:srgbClr val="002060"/>
+                </a:solidFill>
+              </a:rPr>
+              <a:t>shifted</a:t>
+            </a:r>
+            <a:r>
+              <a:rPr lang="tr-TR" sz="2000" dirty="0" smtClean="0">
+                <a:solidFill>
+                  <a:srgbClr val="002060"/>
+                </a:solidFill>
+              </a:rPr>
+              <a:t> </a:t>
+            </a:r>
+            <a:r>
+              <a:rPr lang="tr-TR" sz="2000" dirty="0" err="1" smtClean="0">
+                <a:solidFill>
+                  <a:srgbClr val="002060"/>
+                </a:solidFill>
+              </a:rPr>
+              <a:t>modular</a:t>
+            </a:r>
+            <a:endParaRPr lang="tr-TR" sz="2000" dirty="0" smtClean="0">
+              <a:solidFill>
+                <a:srgbClr val="002060"/>
+              </a:solidFill>
+            </a:endParaRPr>
+          </a:p>
+        </p:txBody>
+      </p:sp>
+      <p:pic>
+        <p:nvPicPr>
+          <p:cNvPr id="3" name="Picture 2"/>
+          <p:cNvPicPr>
+            <a:picLocks noChangeAspect="1"/>
+          </p:cNvPicPr>
+          <p:nvPr/>
+        </p:nvPicPr>
+        <p:blipFill>
+          <a:blip r:embed="rId3"/>
+          <a:stretch>
+            <a:fillRect/>
+          </a:stretch>
+        </p:blipFill>
+        <p:spPr>
+          <a:xfrm>
+            <a:off x="2126745" y="1657197"/>
+            <a:ext cx="5021138" cy="5020067"/>
+          </a:xfrm>
+          <a:prstGeom prst="rect">
+            <a:avLst/>
+          </a:prstGeom>
+        </p:spPr>
+      </p:pic>
+    </p:spTree>
+    <p:extLst>
+      <p:ext uri="{BB962C8B-B14F-4D97-AF65-F5344CB8AC3E}">
+        <p14:creationId xmlns:p14="http://schemas.microsoft.com/office/powerpoint/2010/main" val="2191663632"/>
+      </p:ext>
+    </p:extLst>
+  </p:cSld>
+  <p:clrMapOvr>
+    <a:masterClrMapping/>
+  </p:clrMapOvr>
+  <p:timing>
+    <p:tnLst>
+      <p:par>
+        <p:cTn id="1" dur="indefinite" restart="never" nodeType="tmRoot"/>
+      </p:par>
+    </p:tnLst>
+  </p:timing>
+</p:sld>
+</file>
+
+<file path=ppt/slides/slide31.xml><?xml version="1.0" encoding="utf-8"?>
+<p:sld xmlns:a="http://schemas.openxmlformats.org/drawingml/2006/main" xmlns:r="http://schemas.openxmlformats.org/officeDocument/2006/relationships" xmlns:p="http://schemas.openxmlformats.org/presentationml/2006/main">
+  <p:cSld>
+    <p:spTree>
+      <p:nvGrpSpPr>
+        <p:cNvPr id="1" name=""/>
+        <p:cNvGrpSpPr/>
+        <p:nvPr/>
+      </p:nvGrpSpPr>
+      <p:grpSpPr>
+        <a:xfrm>
+          <a:off x="0" y="0"/>
+          <a:ext cx="0" cy="0"/>
+          <a:chOff x="0" y="0"/>
+          <a:chExt cx="0" cy="0"/>
+        </a:xfrm>
+      </p:grpSpPr>
+      <p:sp>
+        <p:nvSpPr>
+          <p:cNvPr id="8" name="Rectangle 7"/>
+          <p:cNvSpPr/>
+          <p:nvPr/>
+        </p:nvSpPr>
+        <p:spPr>
+          <a:xfrm>
+            <a:off x="478970" y="150669"/>
+            <a:ext cx="8207829" cy="523220"/>
+          </a:xfrm>
+          <a:prstGeom prst="rect">
+            <a:avLst/>
+          </a:prstGeom>
+        </p:spPr>
+        <p:txBody>
+          <a:bodyPr wrap="square">
+            <a:spAutoFit/>
+          </a:bodyPr>
+          <a:lstStyle/>
+          <a:p>
+            <a:pPr algn="ctr"/>
+            <a:r>
+              <a:rPr lang="tr-TR" sz="2800" b="1" dirty="0" smtClean="0">
+                <a:solidFill>
+                  <a:schemeClr val="accent1">
+                    <a:lumMod val="50000"/>
+                  </a:schemeClr>
+                </a:solidFill>
+                <a:cs typeface="Arial" panose="020B0604020202020204" pitchFamily="34" charset="0"/>
+              </a:rPr>
+              <a:t>On stator </a:t>
+            </a:r>
+            <a:r>
+              <a:rPr lang="tr-TR" sz="2800" b="1" dirty="0" err="1" smtClean="0">
+                <a:solidFill>
+                  <a:schemeClr val="accent1">
+                    <a:lumMod val="50000"/>
+                  </a:schemeClr>
+                </a:solidFill>
+                <a:cs typeface="Arial" panose="020B0604020202020204" pitchFamily="34" charset="0"/>
+              </a:rPr>
+              <a:t>configurations</a:t>
+            </a:r>
+            <a:endParaRPr lang="en-US" sz="2800" dirty="0">
+              <a:solidFill>
+                <a:schemeClr val="accent1">
+                  <a:lumMod val="50000"/>
+                </a:schemeClr>
+              </a:solidFill>
+              <a:cs typeface="Arial" panose="020B0604020202020204" pitchFamily="34" charset="0"/>
+            </a:endParaRPr>
+          </a:p>
+        </p:txBody>
+      </p:sp>
+      <p:sp>
+        <p:nvSpPr>
+          <p:cNvPr id="5" name="Rectangle 4"/>
+          <p:cNvSpPr/>
+          <p:nvPr/>
+        </p:nvSpPr>
+        <p:spPr>
+          <a:xfrm>
+            <a:off x="236764" y="673889"/>
+            <a:ext cx="8801100" cy="769441"/>
+          </a:xfrm>
+          <a:prstGeom prst="rect">
+            <a:avLst/>
+          </a:prstGeom>
+        </p:spPr>
+        <p:txBody>
+          <a:bodyPr wrap="square">
+            <a:spAutoFit/>
+          </a:bodyPr>
+          <a:lstStyle/>
+          <a:p>
+            <a:pPr algn="ctr"/>
+            <a:r>
+              <a:rPr lang="tr-TR" sz="2400" dirty="0" smtClean="0">
+                <a:solidFill>
+                  <a:srgbClr val="002060"/>
+                </a:solidFill>
+              </a:rPr>
+              <a:t>3-phase (</a:t>
+            </a:r>
+            <a:r>
+              <a:rPr lang="tr-TR" sz="2400" dirty="0" err="1" smtClean="0">
+                <a:solidFill>
+                  <a:srgbClr val="002060"/>
+                </a:solidFill>
+              </a:rPr>
+              <a:t>mostly</a:t>
+            </a:r>
+            <a:r>
+              <a:rPr lang="tr-TR" sz="2400" dirty="0" smtClean="0">
+                <a:solidFill>
+                  <a:srgbClr val="002060"/>
+                </a:solidFill>
+              </a:rPr>
+              <a:t>), 12 </a:t>
+            </a:r>
+            <a:r>
+              <a:rPr lang="tr-TR" sz="2400" dirty="0" err="1" smtClean="0">
+                <a:solidFill>
+                  <a:srgbClr val="002060"/>
+                </a:solidFill>
+              </a:rPr>
+              <a:t>slot</a:t>
+            </a:r>
+            <a:r>
+              <a:rPr lang="tr-TR" sz="2400" dirty="0" smtClean="0">
+                <a:solidFill>
+                  <a:srgbClr val="002060"/>
+                </a:solidFill>
+              </a:rPr>
+              <a:t> m/c</a:t>
+            </a:r>
+          </a:p>
+          <a:p>
+            <a:r>
+              <a:rPr lang="tr-TR" sz="2000" dirty="0" smtClean="0">
+                <a:solidFill>
+                  <a:srgbClr val="002060"/>
+                </a:solidFill>
+              </a:rPr>
+              <a:t>Stator-4: </a:t>
+            </a:r>
+            <a:r>
+              <a:rPr lang="tr-TR" sz="2000" dirty="0" err="1" smtClean="0">
+                <a:solidFill>
+                  <a:srgbClr val="002060"/>
+                </a:solidFill>
+              </a:rPr>
+              <a:t>All-teeth</a:t>
+            </a:r>
+            <a:r>
+              <a:rPr lang="tr-TR" sz="2000" dirty="0" smtClean="0">
+                <a:solidFill>
+                  <a:srgbClr val="002060"/>
+                </a:solidFill>
+              </a:rPr>
+              <a:t>, </a:t>
+            </a:r>
+            <a:r>
+              <a:rPr lang="tr-TR" sz="2000" dirty="0" err="1" smtClean="0">
+                <a:solidFill>
+                  <a:srgbClr val="002060"/>
+                </a:solidFill>
+              </a:rPr>
+              <a:t>shifted</a:t>
+            </a:r>
+            <a:r>
+              <a:rPr lang="tr-TR" sz="2000" dirty="0" smtClean="0">
+                <a:solidFill>
+                  <a:srgbClr val="002060"/>
+                </a:solidFill>
+              </a:rPr>
+              <a:t> </a:t>
+            </a:r>
+            <a:r>
+              <a:rPr lang="tr-TR" sz="2000" dirty="0" err="1" smtClean="0">
+                <a:solidFill>
+                  <a:srgbClr val="002060"/>
+                </a:solidFill>
+              </a:rPr>
+              <a:t>modular</a:t>
+            </a:r>
+            <a:endParaRPr lang="tr-TR" sz="2000" dirty="0" smtClean="0">
+              <a:solidFill>
+                <a:srgbClr val="002060"/>
+              </a:solidFill>
+            </a:endParaRPr>
+          </a:p>
+        </p:txBody>
+      </p:sp>
+      <p:pic>
+        <p:nvPicPr>
+          <p:cNvPr id="2" name="Picture 1"/>
+          <p:cNvPicPr>
+            <a:picLocks noChangeAspect="1"/>
+          </p:cNvPicPr>
+          <p:nvPr/>
+        </p:nvPicPr>
+        <p:blipFill>
+          <a:blip r:embed="rId3"/>
+          <a:stretch>
+            <a:fillRect/>
+          </a:stretch>
+        </p:blipFill>
+        <p:spPr>
+          <a:xfrm>
+            <a:off x="2126745" y="1660314"/>
+            <a:ext cx="5021138" cy="5039600"/>
+          </a:xfrm>
+          <a:prstGeom prst="rect">
+            <a:avLst/>
+          </a:prstGeom>
+        </p:spPr>
+      </p:pic>
+    </p:spTree>
+    <p:extLst>
+      <p:ext uri="{BB962C8B-B14F-4D97-AF65-F5344CB8AC3E}">
+        <p14:creationId xmlns:p14="http://schemas.microsoft.com/office/powerpoint/2010/main" val="2272066933"/>
+      </p:ext>
+    </p:extLst>
+  </p:cSld>
+  <p:clrMapOvr>
+    <a:masterClrMapping/>
+  </p:clrMapOvr>
+  <p:timing>
+    <p:tnLst>
+      <p:par>
+        <p:cTn id="1" dur="indefinite" restart="never" nodeType="tmRoot"/>
+      </p:par>
+    </p:tnLst>
+  </p:timing>
+</p:sld>
+</file>
+
+<file path=ppt/slides/slide32.xml><?xml version="1.0" encoding="utf-8"?>
+<p:sld xmlns:a="http://schemas.openxmlformats.org/drawingml/2006/main" xmlns:r="http://schemas.openxmlformats.org/officeDocument/2006/relationships" xmlns:p="http://schemas.openxmlformats.org/presentationml/2006/main">
+  <p:cSld>
+    <p:spTree>
+      <p:nvGrpSpPr>
+        <p:cNvPr id="1" name=""/>
+        <p:cNvGrpSpPr/>
+        <p:nvPr/>
+      </p:nvGrpSpPr>
+      <p:grpSpPr>
+        <a:xfrm>
+          <a:off x="0" y="0"/>
+          <a:ext cx="0" cy="0"/>
+          <a:chOff x="0" y="0"/>
+          <a:chExt cx="0" cy="0"/>
+        </a:xfrm>
+      </p:grpSpPr>
+      <p:sp>
+        <p:nvSpPr>
+          <p:cNvPr id="8" name="Rectangle 7"/>
+          <p:cNvSpPr/>
+          <p:nvPr/>
+        </p:nvSpPr>
+        <p:spPr>
+          <a:xfrm>
+            <a:off x="478970" y="150669"/>
+            <a:ext cx="8207829" cy="523220"/>
+          </a:xfrm>
+          <a:prstGeom prst="rect">
+            <a:avLst/>
+          </a:prstGeom>
+        </p:spPr>
+        <p:txBody>
+          <a:bodyPr wrap="square">
+            <a:spAutoFit/>
+          </a:bodyPr>
+          <a:lstStyle/>
+          <a:p>
+            <a:pPr algn="ctr"/>
+            <a:r>
+              <a:rPr lang="tr-TR" sz="2800" b="1" dirty="0" smtClean="0">
+                <a:solidFill>
+                  <a:schemeClr val="accent1">
+                    <a:lumMod val="50000"/>
+                  </a:schemeClr>
+                </a:solidFill>
+                <a:cs typeface="Arial" panose="020B0604020202020204" pitchFamily="34" charset="0"/>
+              </a:rPr>
+              <a:t>On stator </a:t>
+            </a:r>
+            <a:r>
+              <a:rPr lang="tr-TR" sz="2800" b="1" dirty="0" err="1" smtClean="0">
+                <a:solidFill>
+                  <a:schemeClr val="accent1">
+                    <a:lumMod val="50000"/>
+                  </a:schemeClr>
+                </a:solidFill>
+                <a:cs typeface="Arial" panose="020B0604020202020204" pitchFamily="34" charset="0"/>
+              </a:rPr>
+              <a:t>configurations</a:t>
+            </a:r>
+            <a:endParaRPr lang="en-US" sz="2800" dirty="0">
+              <a:solidFill>
+                <a:schemeClr val="accent1">
+                  <a:lumMod val="50000"/>
+                </a:schemeClr>
+              </a:solidFill>
+              <a:cs typeface="Arial" panose="020B0604020202020204" pitchFamily="34" charset="0"/>
+            </a:endParaRPr>
+          </a:p>
+        </p:txBody>
+      </p:sp>
+      <p:sp>
+        <p:nvSpPr>
+          <p:cNvPr id="5" name="Rectangle 4"/>
+          <p:cNvSpPr/>
+          <p:nvPr/>
+        </p:nvSpPr>
+        <p:spPr>
+          <a:xfrm>
+            <a:off x="236764" y="673889"/>
+            <a:ext cx="8801100" cy="769441"/>
+          </a:xfrm>
+          <a:prstGeom prst="rect">
+            <a:avLst/>
+          </a:prstGeom>
+        </p:spPr>
+        <p:txBody>
+          <a:bodyPr wrap="square">
+            <a:spAutoFit/>
+          </a:bodyPr>
+          <a:lstStyle/>
+          <a:p>
+            <a:pPr algn="ctr"/>
+            <a:r>
+              <a:rPr lang="tr-TR" sz="2400" dirty="0" smtClean="0">
+                <a:solidFill>
+                  <a:srgbClr val="002060"/>
+                </a:solidFill>
+              </a:rPr>
+              <a:t>3-phase (</a:t>
+            </a:r>
+            <a:r>
+              <a:rPr lang="tr-TR" sz="2400" dirty="0" err="1" smtClean="0">
+                <a:solidFill>
+                  <a:srgbClr val="002060"/>
+                </a:solidFill>
+              </a:rPr>
+              <a:t>mostly</a:t>
+            </a:r>
+            <a:r>
+              <a:rPr lang="tr-TR" sz="2400" dirty="0" smtClean="0">
+                <a:solidFill>
+                  <a:srgbClr val="002060"/>
+                </a:solidFill>
+              </a:rPr>
+              <a:t>), 12 </a:t>
+            </a:r>
+            <a:r>
+              <a:rPr lang="tr-TR" sz="2400" dirty="0" err="1" smtClean="0">
+                <a:solidFill>
+                  <a:srgbClr val="002060"/>
+                </a:solidFill>
+              </a:rPr>
+              <a:t>slot</a:t>
+            </a:r>
+            <a:r>
+              <a:rPr lang="tr-TR" sz="2400" dirty="0" smtClean="0">
+                <a:solidFill>
+                  <a:srgbClr val="002060"/>
+                </a:solidFill>
+              </a:rPr>
+              <a:t> m/c</a:t>
+            </a:r>
+          </a:p>
+          <a:p>
+            <a:r>
+              <a:rPr lang="tr-TR" sz="2000" dirty="0" smtClean="0">
+                <a:solidFill>
+                  <a:srgbClr val="002060"/>
+                </a:solidFill>
+              </a:rPr>
+              <a:t>Stator-5: </a:t>
+            </a:r>
+            <a:r>
+              <a:rPr lang="tr-TR" sz="2000" dirty="0" err="1" smtClean="0">
+                <a:solidFill>
+                  <a:srgbClr val="002060"/>
+                </a:solidFill>
+              </a:rPr>
+              <a:t>Alternate-teeth</a:t>
+            </a:r>
+            <a:r>
+              <a:rPr lang="tr-TR" sz="2000" dirty="0" smtClean="0">
+                <a:solidFill>
+                  <a:srgbClr val="002060"/>
+                </a:solidFill>
+              </a:rPr>
+              <a:t>, </a:t>
+            </a:r>
+            <a:r>
+              <a:rPr lang="tr-TR" sz="2000" dirty="0" err="1" smtClean="0">
+                <a:solidFill>
+                  <a:srgbClr val="002060"/>
+                </a:solidFill>
+              </a:rPr>
+              <a:t>physically</a:t>
+            </a:r>
+            <a:r>
+              <a:rPr lang="tr-TR" sz="2000" dirty="0" smtClean="0">
+                <a:solidFill>
+                  <a:srgbClr val="002060"/>
+                </a:solidFill>
+              </a:rPr>
+              <a:t> </a:t>
+            </a:r>
+            <a:r>
+              <a:rPr lang="tr-TR" sz="2000" dirty="0" err="1" smtClean="0">
+                <a:solidFill>
+                  <a:srgbClr val="002060"/>
+                </a:solidFill>
+              </a:rPr>
+              <a:t>modular</a:t>
+            </a:r>
+            <a:endParaRPr lang="tr-TR" sz="2000" dirty="0" smtClean="0">
+              <a:solidFill>
+                <a:srgbClr val="002060"/>
+              </a:solidFill>
+            </a:endParaRPr>
+          </a:p>
+        </p:txBody>
+      </p:sp>
+      <p:pic>
+        <p:nvPicPr>
+          <p:cNvPr id="3" name="Picture 2"/>
+          <p:cNvPicPr>
+            <a:picLocks noChangeAspect="1"/>
+          </p:cNvPicPr>
+          <p:nvPr/>
+        </p:nvPicPr>
+        <p:blipFill>
+          <a:blip r:embed="rId3"/>
+          <a:stretch>
+            <a:fillRect/>
+          </a:stretch>
+        </p:blipFill>
+        <p:spPr>
+          <a:xfrm>
+            <a:off x="2126745" y="1694573"/>
+            <a:ext cx="5021138" cy="5020067"/>
+          </a:xfrm>
+          <a:prstGeom prst="rect">
+            <a:avLst/>
+          </a:prstGeom>
+        </p:spPr>
+      </p:pic>
+    </p:spTree>
+    <p:extLst>
+      <p:ext uri="{BB962C8B-B14F-4D97-AF65-F5344CB8AC3E}">
+        <p14:creationId xmlns:p14="http://schemas.microsoft.com/office/powerpoint/2010/main" val="3064256700"/>
+      </p:ext>
+    </p:extLst>
+  </p:cSld>
+  <p:clrMapOvr>
+    <a:masterClrMapping/>
+  </p:clrMapOvr>
+  <p:timing>
+    <p:tnLst>
+      <p:par>
+        <p:cTn id="1" dur="indefinite" restart="never" nodeType="tmRoot"/>
+      </p:par>
+    </p:tnLst>
+  </p:timing>
+</p:sld>
+</file>
+
+<file path=ppt/slides/slide33.xml><?xml version="1.0" encoding="utf-8"?>
+<p:sld xmlns:a="http://schemas.openxmlformats.org/drawingml/2006/main" xmlns:r="http://schemas.openxmlformats.org/officeDocument/2006/relationships" xmlns:p="http://schemas.openxmlformats.org/presentationml/2006/main">
+  <p:cSld>
+    <p:spTree>
+      <p:nvGrpSpPr>
+        <p:cNvPr id="1" name=""/>
+        <p:cNvGrpSpPr/>
+        <p:nvPr/>
+      </p:nvGrpSpPr>
+      <p:grpSpPr>
+        <a:xfrm>
+          <a:off x="0" y="0"/>
+          <a:ext cx="0" cy="0"/>
+          <a:chOff x="0" y="0"/>
+          <a:chExt cx="0" cy="0"/>
+        </a:xfrm>
+      </p:grpSpPr>
+      <p:sp>
+        <p:nvSpPr>
+          <p:cNvPr id="8" name="Rectangle 7"/>
+          <p:cNvSpPr/>
+          <p:nvPr/>
+        </p:nvSpPr>
+        <p:spPr>
+          <a:xfrm>
+            <a:off x="478970" y="150669"/>
+            <a:ext cx="8207829" cy="523220"/>
+          </a:xfrm>
+          <a:prstGeom prst="rect">
+            <a:avLst/>
+          </a:prstGeom>
+        </p:spPr>
+        <p:txBody>
+          <a:bodyPr wrap="square">
+            <a:spAutoFit/>
+          </a:bodyPr>
+          <a:lstStyle/>
+          <a:p>
+            <a:pPr algn="ctr"/>
+            <a:r>
+              <a:rPr lang="tr-TR" sz="2800" b="1" dirty="0" smtClean="0">
+                <a:solidFill>
+                  <a:schemeClr val="accent1">
+                    <a:lumMod val="50000"/>
+                  </a:schemeClr>
+                </a:solidFill>
+                <a:cs typeface="Arial" panose="020B0604020202020204" pitchFamily="34" charset="0"/>
+              </a:rPr>
+              <a:t>On stator </a:t>
+            </a:r>
+            <a:r>
+              <a:rPr lang="tr-TR" sz="2800" b="1" dirty="0" err="1" smtClean="0">
+                <a:solidFill>
+                  <a:schemeClr val="accent1">
+                    <a:lumMod val="50000"/>
+                  </a:schemeClr>
+                </a:solidFill>
+                <a:cs typeface="Arial" panose="020B0604020202020204" pitchFamily="34" charset="0"/>
+              </a:rPr>
+              <a:t>configurations</a:t>
+            </a:r>
+            <a:endParaRPr lang="en-US" sz="2800" dirty="0">
+              <a:solidFill>
+                <a:schemeClr val="accent1">
+                  <a:lumMod val="50000"/>
+                </a:schemeClr>
+              </a:solidFill>
+              <a:cs typeface="Arial" panose="020B0604020202020204" pitchFamily="34" charset="0"/>
+            </a:endParaRPr>
+          </a:p>
+        </p:txBody>
+      </p:sp>
+      <p:sp>
+        <p:nvSpPr>
+          <p:cNvPr id="5" name="Rectangle 4"/>
+          <p:cNvSpPr/>
+          <p:nvPr/>
+        </p:nvSpPr>
+        <p:spPr>
+          <a:xfrm>
+            <a:off x="236764" y="673889"/>
+            <a:ext cx="8801100" cy="769441"/>
+          </a:xfrm>
+          <a:prstGeom prst="rect">
+            <a:avLst/>
+          </a:prstGeom>
+        </p:spPr>
+        <p:txBody>
+          <a:bodyPr wrap="square">
+            <a:spAutoFit/>
+          </a:bodyPr>
+          <a:lstStyle/>
+          <a:p>
+            <a:pPr algn="ctr"/>
+            <a:r>
+              <a:rPr lang="tr-TR" sz="2400" dirty="0" smtClean="0">
+                <a:solidFill>
+                  <a:srgbClr val="002060"/>
+                </a:solidFill>
+              </a:rPr>
+              <a:t>3-phase (</a:t>
+            </a:r>
+            <a:r>
+              <a:rPr lang="tr-TR" sz="2400" dirty="0" err="1" smtClean="0">
+                <a:solidFill>
+                  <a:srgbClr val="002060"/>
+                </a:solidFill>
+              </a:rPr>
+              <a:t>mostly</a:t>
+            </a:r>
+            <a:r>
+              <a:rPr lang="tr-TR" sz="2400" dirty="0" smtClean="0">
+                <a:solidFill>
+                  <a:srgbClr val="002060"/>
+                </a:solidFill>
+              </a:rPr>
+              <a:t>), 12 </a:t>
+            </a:r>
+            <a:r>
+              <a:rPr lang="tr-TR" sz="2400" dirty="0" err="1" smtClean="0">
+                <a:solidFill>
+                  <a:srgbClr val="002060"/>
+                </a:solidFill>
+              </a:rPr>
+              <a:t>slot</a:t>
+            </a:r>
+            <a:r>
+              <a:rPr lang="tr-TR" sz="2400" dirty="0" smtClean="0">
+                <a:solidFill>
+                  <a:srgbClr val="002060"/>
+                </a:solidFill>
+              </a:rPr>
+              <a:t> m/c</a:t>
+            </a:r>
+          </a:p>
+          <a:p>
+            <a:r>
+              <a:rPr lang="tr-TR" sz="2000" dirty="0" smtClean="0">
+                <a:solidFill>
+                  <a:srgbClr val="002060"/>
+                </a:solidFill>
+              </a:rPr>
+              <a:t>Stator-6: </a:t>
+            </a:r>
+            <a:r>
+              <a:rPr lang="tr-TR" sz="2000" dirty="0" err="1" smtClean="0">
+                <a:solidFill>
+                  <a:srgbClr val="002060"/>
+                </a:solidFill>
+              </a:rPr>
+              <a:t>Alternate-teeth</a:t>
+            </a:r>
+            <a:r>
+              <a:rPr lang="tr-TR" sz="2000" dirty="0" smtClean="0">
+                <a:solidFill>
+                  <a:srgbClr val="002060"/>
+                </a:solidFill>
+              </a:rPr>
+              <a:t>, </a:t>
+            </a:r>
+            <a:r>
+              <a:rPr lang="tr-TR" sz="2000" dirty="0" err="1" smtClean="0">
+                <a:solidFill>
+                  <a:srgbClr val="002060"/>
+                </a:solidFill>
+              </a:rPr>
+              <a:t>shifted</a:t>
+            </a:r>
+            <a:r>
+              <a:rPr lang="tr-TR" sz="2000" dirty="0" smtClean="0">
+                <a:solidFill>
+                  <a:srgbClr val="002060"/>
+                </a:solidFill>
+              </a:rPr>
+              <a:t> </a:t>
+            </a:r>
+            <a:r>
+              <a:rPr lang="tr-TR" sz="2000" dirty="0" err="1" smtClean="0">
+                <a:solidFill>
+                  <a:srgbClr val="002060"/>
+                </a:solidFill>
+              </a:rPr>
+              <a:t>modular</a:t>
+            </a:r>
+            <a:endParaRPr lang="tr-TR" sz="2000" dirty="0" smtClean="0">
+              <a:solidFill>
+                <a:srgbClr val="002060"/>
+              </a:solidFill>
+            </a:endParaRPr>
+          </a:p>
+        </p:txBody>
+      </p:sp>
+      <p:pic>
+        <p:nvPicPr>
+          <p:cNvPr id="2" name="Picture 1"/>
+          <p:cNvPicPr>
+            <a:picLocks noChangeAspect="1"/>
+          </p:cNvPicPr>
+          <p:nvPr/>
+        </p:nvPicPr>
+        <p:blipFill>
+          <a:blip r:embed="rId3"/>
+          <a:stretch>
+            <a:fillRect/>
+          </a:stretch>
+        </p:blipFill>
+        <p:spPr>
+          <a:xfrm>
+            <a:off x="2126745" y="1629259"/>
+            <a:ext cx="5021138" cy="5020067"/>
+          </a:xfrm>
+          <a:prstGeom prst="rect">
+            <a:avLst/>
+          </a:prstGeom>
+        </p:spPr>
+      </p:pic>
+    </p:spTree>
+    <p:extLst>
+      <p:ext uri="{BB962C8B-B14F-4D97-AF65-F5344CB8AC3E}">
+        <p14:creationId xmlns:p14="http://schemas.microsoft.com/office/powerpoint/2010/main" val="485920673"/>
+      </p:ext>
+    </p:extLst>
+  </p:cSld>
+  <p:clrMapOvr>
+    <a:masterClrMapping/>
+  </p:clrMapOvr>
+  <p:timing>
+    <p:tnLst>
+      <p:par>
+        <p:cTn id="1" dur="indefinite" restart="never" nodeType="tmRoot"/>
+      </p:par>
+    </p:tnLst>
+  </p:timing>
+</p:sld>
+</file>
+
+<file path=ppt/slides/slide34.xml><?xml version="1.0" encoding="utf-8"?>
+<p:sld xmlns:a="http://schemas.openxmlformats.org/drawingml/2006/main" xmlns:r="http://schemas.openxmlformats.org/officeDocument/2006/relationships" xmlns:p="http://schemas.openxmlformats.org/presentationml/2006/main">
+  <p:cSld>
+    <p:spTree>
+      <p:nvGrpSpPr>
+        <p:cNvPr id="1" name=""/>
+        <p:cNvGrpSpPr/>
+        <p:nvPr/>
+      </p:nvGrpSpPr>
+      <p:grpSpPr>
+        <a:xfrm>
+          <a:off x="0" y="0"/>
+          <a:ext cx="0" cy="0"/>
+          <a:chOff x="0" y="0"/>
+          <a:chExt cx="0" cy="0"/>
+        </a:xfrm>
+      </p:grpSpPr>
+      <p:sp>
+        <p:nvSpPr>
+          <p:cNvPr id="8" name="Rectangle 7"/>
+          <p:cNvSpPr/>
+          <p:nvPr/>
+        </p:nvSpPr>
+        <p:spPr>
+          <a:xfrm>
+            <a:off x="478970" y="150669"/>
+            <a:ext cx="8207829" cy="523220"/>
+          </a:xfrm>
+          <a:prstGeom prst="rect">
+            <a:avLst/>
+          </a:prstGeom>
+        </p:spPr>
+        <p:txBody>
+          <a:bodyPr wrap="square">
+            <a:spAutoFit/>
+          </a:bodyPr>
+          <a:lstStyle/>
+          <a:p>
+            <a:pPr algn="ctr"/>
+            <a:r>
+              <a:rPr lang="tr-TR" sz="2800" b="1" dirty="0" smtClean="0">
+                <a:solidFill>
+                  <a:schemeClr val="accent1">
+                    <a:lumMod val="50000"/>
+                  </a:schemeClr>
+                </a:solidFill>
+                <a:cs typeface="Arial" panose="020B0604020202020204" pitchFamily="34" charset="0"/>
+              </a:rPr>
+              <a:t>On stator </a:t>
+            </a:r>
+            <a:r>
+              <a:rPr lang="tr-TR" sz="2800" b="1" dirty="0" err="1" smtClean="0">
+                <a:solidFill>
+                  <a:schemeClr val="accent1">
+                    <a:lumMod val="50000"/>
+                  </a:schemeClr>
+                </a:solidFill>
+                <a:cs typeface="Arial" panose="020B0604020202020204" pitchFamily="34" charset="0"/>
+              </a:rPr>
+              <a:t>configurations</a:t>
+            </a:r>
+            <a:endParaRPr lang="en-US" sz="2800" dirty="0">
+              <a:solidFill>
+                <a:schemeClr val="accent1">
+                  <a:lumMod val="50000"/>
+                </a:schemeClr>
+              </a:solidFill>
+              <a:cs typeface="Arial" panose="020B0604020202020204" pitchFamily="34" charset="0"/>
+            </a:endParaRPr>
+          </a:p>
+        </p:txBody>
+      </p:sp>
+      <p:sp>
+        <p:nvSpPr>
+          <p:cNvPr id="5" name="Rectangle 4"/>
+          <p:cNvSpPr/>
+          <p:nvPr/>
+        </p:nvSpPr>
+        <p:spPr>
+          <a:xfrm>
+            <a:off x="236764" y="673889"/>
+            <a:ext cx="8801100" cy="769441"/>
+          </a:xfrm>
+          <a:prstGeom prst="rect">
+            <a:avLst/>
+          </a:prstGeom>
+        </p:spPr>
+        <p:txBody>
+          <a:bodyPr wrap="square">
+            <a:spAutoFit/>
+          </a:bodyPr>
+          <a:lstStyle/>
+          <a:p>
+            <a:pPr algn="ctr"/>
+            <a:r>
+              <a:rPr lang="tr-TR" sz="2400" dirty="0" smtClean="0">
+                <a:solidFill>
+                  <a:srgbClr val="002060"/>
+                </a:solidFill>
+              </a:rPr>
+              <a:t>3-phase (</a:t>
+            </a:r>
+            <a:r>
+              <a:rPr lang="tr-TR" sz="2400" dirty="0" err="1" smtClean="0">
+                <a:solidFill>
+                  <a:srgbClr val="002060"/>
+                </a:solidFill>
+              </a:rPr>
+              <a:t>mostly</a:t>
+            </a:r>
+            <a:r>
+              <a:rPr lang="tr-TR" sz="2400" dirty="0" smtClean="0">
+                <a:solidFill>
+                  <a:srgbClr val="002060"/>
+                </a:solidFill>
+              </a:rPr>
+              <a:t>), 12 </a:t>
+            </a:r>
+            <a:r>
+              <a:rPr lang="tr-TR" sz="2400" dirty="0" err="1" smtClean="0">
+                <a:solidFill>
+                  <a:srgbClr val="002060"/>
+                </a:solidFill>
+              </a:rPr>
+              <a:t>slot</a:t>
+            </a:r>
+            <a:r>
+              <a:rPr lang="tr-TR" sz="2400" dirty="0" smtClean="0">
+                <a:solidFill>
+                  <a:srgbClr val="002060"/>
+                </a:solidFill>
+              </a:rPr>
+              <a:t> m/c</a:t>
+            </a:r>
+          </a:p>
+          <a:p>
+            <a:r>
+              <a:rPr lang="tr-TR" sz="2000" dirty="0" smtClean="0">
+                <a:solidFill>
+                  <a:srgbClr val="002060"/>
+                </a:solidFill>
+              </a:rPr>
+              <a:t>Stator-7: </a:t>
+            </a:r>
+            <a:r>
+              <a:rPr lang="en-US" sz="2000" dirty="0" smtClean="0">
+                <a:solidFill>
+                  <a:srgbClr val="002060"/>
+                </a:solidFill>
+              </a:rPr>
+              <a:t>Alternate teeth</a:t>
+            </a:r>
+            <a:r>
+              <a:rPr lang="tr-TR" sz="2000" dirty="0" smtClean="0">
+                <a:solidFill>
+                  <a:srgbClr val="002060"/>
+                </a:solidFill>
+              </a:rPr>
+              <a:t>, </a:t>
+            </a:r>
+            <a:r>
+              <a:rPr lang="en-US" sz="2000" dirty="0" smtClean="0">
+                <a:solidFill>
+                  <a:srgbClr val="002060"/>
+                </a:solidFill>
+              </a:rPr>
+              <a:t>Double stator</a:t>
+            </a:r>
+            <a:endParaRPr lang="tr-TR" sz="2000" dirty="0" smtClean="0">
+              <a:solidFill>
+                <a:srgbClr val="002060"/>
+              </a:solidFill>
+            </a:endParaRPr>
+          </a:p>
+        </p:txBody>
+      </p:sp>
+      <p:pic>
+        <p:nvPicPr>
+          <p:cNvPr id="3" name="Picture 2"/>
+          <p:cNvPicPr>
+            <a:picLocks noChangeAspect="1"/>
+          </p:cNvPicPr>
+          <p:nvPr/>
+        </p:nvPicPr>
+        <p:blipFill>
+          <a:blip r:embed="rId3"/>
+          <a:stretch>
+            <a:fillRect/>
+          </a:stretch>
+        </p:blipFill>
+        <p:spPr>
+          <a:xfrm>
+            <a:off x="2126745" y="1670080"/>
+            <a:ext cx="5021138" cy="5020067"/>
+          </a:xfrm>
+          <a:prstGeom prst="rect">
+            <a:avLst/>
+          </a:prstGeom>
+        </p:spPr>
+      </p:pic>
+      <p:sp>
+        <p:nvSpPr>
+          <p:cNvPr id="6" name="Rectangle 5"/>
+          <p:cNvSpPr/>
+          <p:nvPr/>
+        </p:nvSpPr>
+        <p:spPr>
+          <a:xfrm>
+            <a:off x="6740977" y="2520374"/>
+            <a:ext cx="2296887" cy="400110"/>
+          </a:xfrm>
+          <a:prstGeom prst="rect">
+            <a:avLst/>
+          </a:prstGeom>
+        </p:spPr>
+        <p:txBody>
+          <a:bodyPr wrap="square">
+            <a:spAutoFit/>
+          </a:bodyPr>
+          <a:lstStyle/>
+          <a:p>
+            <a:pPr algn="ctr"/>
+            <a:r>
+              <a:rPr lang="tr-TR" sz="2000" dirty="0" smtClean="0">
+                <a:solidFill>
+                  <a:srgbClr val="FF0000"/>
+                </a:solidFill>
+              </a:rPr>
+              <a:t>Mümkün mü?</a:t>
+            </a:r>
+            <a:endParaRPr lang="tr-TR" sz="2000" dirty="0" smtClean="0">
+              <a:solidFill>
+                <a:srgbClr val="FF0000"/>
+              </a:solidFill>
+            </a:endParaRPr>
+          </a:p>
+        </p:txBody>
+      </p:sp>
+    </p:spTree>
+    <p:extLst>
+      <p:ext uri="{BB962C8B-B14F-4D97-AF65-F5344CB8AC3E}">
+        <p14:creationId xmlns:p14="http://schemas.microsoft.com/office/powerpoint/2010/main" val="234522337"/>
+      </p:ext>
+    </p:extLst>
+  </p:cSld>
+  <p:clrMapOvr>
+    <a:masterClrMapping/>
+  </p:clrMapOvr>
+  <p:timing>
+    <p:tnLst>
+      <p:par>
+        <p:cTn id="1" dur="indefinite" restart="never" nodeType="tmRoot"/>
+      </p:par>
+    </p:tnLst>
+  </p:timing>
+</p:sld>
+</file>
+
+<file path=ppt/slides/slide35.xml><?xml version="1.0" encoding="utf-8"?>
+<p:sld xmlns:a="http://schemas.openxmlformats.org/drawingml/2006/main" xmlns:r="http://schemas.openxmlformats.org/officeDocument/2006/relationships" xmlns:p="http://schemas.openxmlformats.org/presentationml/2006/main">
+  <p:cSld>
+    <p:spTree>
+      <p:nvGrpSpPr>
+        <p:cNvPr id="1" name=""/>
+        <p:cNvGrpSpPr/>
+        <p:nvPr/>
+      </p:nvGrpSpPr>
+      <p:grpSpPr>
+        <a:xfrm>
+          <a:off x="0" y="0"/>
+          <a:ext cx="0" cy="0"/>
+          <a:chOff x="0" y="0"/>
+          <a:chExt cx="0" cy="0"/>
+        </a:xfrm>
+      </p:grpSpPr>
+      <p:sp>
+        <p:nvSpPr>
+          <p:cNvPr id="8" name="Rectangle 7"/>
+          <p:cNvSpPr/>
+          <p:nvPr/>
+        </p:nvSpPr>
+        <p:spPr>
+          <a:xfrm>
+            <a:off x="478970" y="150669"/>
+            <a:ext cx="8207829" cy="523220"/>
+          </a:xfrm>
+          <a:prstGeom prst="rect">
+            <a:avLst/>
+          </a:prstGeom>
+        </p:spPr>
+        <p:txBody>
+          <a:bodyPr wrap="square">
+            <a:spAutoFit/>
+          </a:bodyPr>
+          <a:lstStyle/>
+          <a:p>
+            <a:pPr algn="ctr"/>
+            <a:r>
+              <a:rPr lang="tr-TR" sz="2800" b="1" dirty="0" smtClean="0">
+                <a:solidFill>
+                  <a:schemeClr val="accent1">
+                    <a:lumMod val="50000"/>
+                  </a:schemeClr>
+                </a:solidFill>
+                <a:cs typeface="Arial" panose="020B0604020202020204" pitchFamily="34" charset="0"/>
+              </a:rPr>
+              <a:t>On stator </a:t>
+            </a:r>
+            <a:r>
+              <a:rPr lang="tr-TR" sz="2800" b="1" dirty="0" err="1" smtClean="0">
+                <a:solidFill>
+                  <a:schemeClr val="accent1">
+                    <a:lumMod val="50000"/>
+                  </a:schemeClr>
+                </a:solidFill>
+                <a:cs typeface="Arial" panose="020B0604020202020204" pitchFamily="34" charset="0"/>
+              </a:rPr>
+              <a:t>configurations</a:t>
+            </a:r>
+            <a:endParaRPr lang="en-US" sz="2800" dirty="0">
+              <a:solidFill>
+                <a:schemeClr val="accent1">
+                  <a:lumMod val="50000"/>
+                </a:schemeClr>
+              </a:solidFill>
+              <a:cs typeface="Arial" panose="020B0604020202020204" pitchFamily="34" charset="0"/>
+            </a:endParaRPr>
+          </a:p>
+        </p:txBody>
+      </p:sp>
+      <p:sp>
+        <p:nvSpPr>
+          <p:cNvPr id="5" name="Rectangle 4"/>
+          <p:cNvSpPr/>
+          <p:nvPr/>
+        </p:nvSpPr>
+        <p:spPr>
+          <a:xfrm>
+            <a:off x="236764" y="673889"/>
+            <a:ext cx="8801100" cy="769441"/>
+          </a:xfrm>
+          <a:prstGeom prst="rect">
+            <a:avLst/>
+          </a:prstGeom>
+        </p:spPr>
+        <p:txBody>
+          <a:bodyPr wrap="square">
+            <a:spAutoFit/>
+          </a:bodyPr>
+          <a:lstStyle/>
+          <a:p>
+            <a:pPr algn="ctr"/>
+            <a:r>
+              <a:rPr lang="tr-TR" sz="2400" dirty="0" smtClean="0">
+                <a:solidFill>
+                  <a:srgbClr val="002060"/>
+                </a:solidFill>
+              </a:rPr>
+              <a:t>3-phase (</a:t>
+            </a:r>
+            <a:r>
+              <a:rPr lang="tr-TR" sz="2400" dirty="0" err="1" smtClean="0">
+                <a:solidFill>
+                  <a:srgbClr val="002060"/>
+                </a:solidFill>
+              </a:rPr>
+              <a:t>mostly</a:t>
+            </a:r>
+            <a:r>
+              <a:rPr lang="tr-TR" sz="2400" dirty="0" smtClean="0">
+                <a:solidFill>
+                  <a:srgbClr val="002060"/>
+                </a:solidFill>
+              </a:rPr>
+              <a:t>), 12 </a:t>
+            </a:r>
+            <a:r>
+              <a:rPr lang="tr-TR" sz="2400" dirty="0" err="1" smtClean="0">
+                <a:solidFill>
+                  <a:srgbClr val="002060"/>
+                </a:solidFill>
+              </a:rPr>
+              <a:t>slot</a:t>
+            </a:r>
+            <a:r>
+              <a:rPr lang="tr-TR" sz="2400" dirty="0" smtClean="0">
+                <a:solidFill>
+                  <a:srgbClr val="002060"/>
+                </a:solidFill>
+              </a:rPr>
+              <a:t> m/c</a:t>
+            </a:r>
+          </a:p>
+          <a:p>
+            <a:r>
+              <a:rPr lang="tr-TR" sz="2000" dirty="0" smtClean="0">
+                <a:solidFill>
+                  <a:srgbClr val="002060"/>
+                </a:solidFill>
+              </a:rPr>
+              <a:t>Stator-8: </a:t>
+            </a:r>
+            <a:r>
+              <a:rPr lang="en-US" sz="2000" dirty="0" smtClean="0">
+                <a:solidFill>
+                  <a:srgbClr val="002060"/>
+                </a:solidFill>
+              </a:rPr>
+              <a:t>Al</a:t>
+            </a:r>
+            <a:r>
+              <a:rPr lang="tr-TR" sz="2000" dirty="0" smtClean="0">
+                <a:solidFill>
+                  <a:srgbClr val="002060"/>
+                </a:solidFill>
+              </a:rPr>
+              <a:t>l</a:t>
+            </a:r>
+            <a:r>
+              <a:rPr lang="en-US" sz="2000" dirty="0" smtClean="0">
+                <a:solidFill>
+                  <a:srgbClr val="002060"/>
+                </a:solidFill>
+              </a:rPr>
+              <a:t> teeth</a:t>
+            </a:r>
+            <a:r>
+              <a:rPr lang="tr-TR" sz="2000" dirty="0" smtClean="0">
+                <a:solidFill>
+                  <a:srgbClr val="002060"/>
+                </a:solidFill>
+              </a:rPr>
+              <a:t>, 4-phase, 3-module</a:t>
+            </a:r>
+            <a:endParaRPr lang="tr-TR" sz="2000" dirty="0" smtClean="0">
+              <a:solidFill>
+                <a:srgbClr val="002060"/>
+              </a:solidFill>
+            </a:endParaRPr>
+          </a:p>
+        </p:txBody>
+      </p:sp>
+      <p:pic>
+        <p:nvPicPr>
+          <p:cNvPr id="2" name="Picture 1"/>
+          <p:cNvPicPr>
+            <a:picLocks noChangeAspect="1"/>
+          </p:cNvPicPr>
+          <p:nvPr/>
+        </p:nvPicPr>
+        <p:blipFill>
+          <a:blip r:embed="rId3"/>
+          <a:stretch>
+            <a:fillRect/>
+          </a:stretch>
+        </p:blipFill>
+        <p:spPr>
+          <a:xfrm>
+            <a:off x="2126745" y="1645588"/>
+            <a:ext cx="5021138" cy="5020067"/>
+          </a:xfrm>
+          <a:prstGeom prst="rect">
+            <a:avLst/>
+          </a:prstGeom>
+        </p:spPr>
+      </p:pic>
+    </p:spTree>
+    <p:extLst>
+      <p:ext uri="{BB962C8B-B14F-4D97-AF65-F5344CB8AC3E}">
+        <p14:creationId xmlns:p14="http://schemas.microsoft.com/office/powerpoint/2010/main" val="3695058672"/>
+      </p:ext>
+    </p:extLst>
+  </p:cSld>
+  <p:clrMapOvr>
+    <a:masterClrMapping/>
+  </p:clrMapOvr>
+  <p:timing>
+    <p:tnLst>
+      <p:par>
+        <p:cTn id="1" dur="indefinite" restart="never" nodeType="tmRoot"/>
+      </p:par>
+    </p:tnLst>
+  </p:timing>
+</p:sld>
+</file>
+
+<file path=ppt/slides/slide36.xml><?xml version="1.0" encoding="utf-8"?>
+<p:sld xmlns:a="http://schemas.openxmlformats.org/drawingml/2006/main" xmlns:r="http://schemas.openxmlformats.org/officeDocument/2006/relationships" xmlns:p="http://schemas.openxmlformats.org/presentationml/2006/main">
+  <p:cSld>
+    <p:spTree>
+      <p:nvGrpSpPr>
+        <p:cNvPr id="1" name=""/>
+        <p:cNvGrpSpPr/>
+        <p:nvPr/>
+      </p:nvGrpSpPr>
+      <p:grpSpPr>
+        <a:xfrm>
+          <a:off x="0" y="0"/>
+          <a:ext cx="0" cy="0"/>
+          <a:chOff x="0" y="0"/>
+          <a:chExt cx="0" cy="0"/>
+        </a:xfrm>
+      </p:grpSpPr>
+      <p:sp>
+        <p:nvSpPr>
+          <p:cNvPr id="8" name="Rectangle 7"/>
+          <p:cNvSpPr/>
+          <p:nvPr/>
+        </p:nvSpPr>
+        <p:spPr>
+          <a:xfrm>
+            <a:off x="478970" y="150669"/>
+            <a:ext cx="8207829" cy="523220"/>
+          </a:xfrm>
+          <a:prstGeom prst="rect">
+            <a:avLst/>
+          </a:prstGeom>
+        </p:spPr>
+        <p:txBody>
+          <a:bodyPr wrap="square">
+            <a:spAutoFit/>
+          </a:bodyPr>
+          <a:lstStyle/>
+          <a:p>
+            <a:pPr algn="ctr"/>
+            <a:r>
+              <a:rPr lang="tr-TR" sz="2800" b="1" dirty="0" smtClean="0">
+                <a:solidFill>
+                  <a:schemeClr val="accent1">
+                    <a:lumMod val="50000"/>
+                  </a:schemeClr>
+                </a:solidFill>
+                <a:cs typeface="Arial" panose="020B0604020202020204" pitchFamily="34" charset="0"/>
+              </a:rPr>
+              <a:t>On stator </a:t>
+            </a:r>
+            <a:r>
+              <a:rPr lang="tr-TR" sz="2800" b="1" dirty="0" err="1" smtClean="0">
+                <a:solidFill>
+                  <a:schemeClr val="accent1">
+                    <a:lumMod val="50000"/>
+                  </a:schemeClr>
+                </a:solidFill>
+                <a:cs typeface="Arial" panose="020B0604020202020204" pitchFamily="34" charset="0"/>
+              </a:rPr>
+              <a:t>configurations</a:t>
+            </a:r>
+            <a:endParaRPr lang="en-US" sz="2800" dirty="0">
+              <a:solidFill>
+                <a:schemeClr val="accent1">
+                  <a:lumMod val="50000"/>
+                </a:schemeClr>
+              </a:solidFill>
+              <a:cs typeface="Arial" panose="020B0604020202020204" pitchFamily="34" charset="0"/>
+            </a:endParaRPr>
+          </a:p>
+        </p:txBody>
+      </p:sp>
+      <p:sp>
+        <p:nvSpPr>
+          <p:cNvPr id="5" name="Rectangle 4"/>
+          <p:cNvSpPr/>
+          <p:nvPr/>
+        </p:nvSpPr>
+        <p:spPr>
+          <a:xfrm>
+            <a:off x="236764" y="673889"/>
+            <a:ext cx="8801100" cy="769441"/>
+          </a:xfrm>
+          <a:prstGeom prst="rect">
+            <a:avLst/>
+          </a:prstGeom>
+        </p:spPr>
+        <p:txBody>
+          <a:bodyPr wrap="square">
+            <a:spAutoFit/>
+          </a:bodyPr>
+          <a:lstStyle/>
+          <a:p>
+            <a:pPr algn="ctr"/>
+            <a:r>
+              <a:rPr lang="tr-TR" sz="2400" dirty="0" smtClean="0">
+                <a:solidFill>
+                  <a:srgbClr val="002060"/>
+                </a:solidFill>
+              </a:rPr>
+              <a:t>3-phase (</a:t>
+            </a:r>
+            <a:r>
+              <a:rPr lang="tr-TR" sz="2400" dirty="0" err="1" smtClean="0">
+                <a:solidFill>
+                  <a:srgbClr val="002060"/>
+                </a:solidFill>
+              </a:rPr>
+              <a:t>mostly</a:t>
+            </a:r>
+            <a:r>
+              <a:rPr lang="tr-TR" sz="2400" dirty="0" smtClean="0">
+                <a:solidFill>
+                  <a:srgbClr val="002060"/>
+                </a:solidFill>
+              </a:rPr>
+              <a:t>), 12 </a:t>
+            </a:r>
+            <a:r>
+              <a:rPr lang="tr-TR" sz="2400" dirty="0" err="1" smtClean="0">
+                <a:solidFill>
+                  <a:srgbClr val="002060"/>
+                </a:solidFill>
+              </a:rPr>
+              <a:t>slot</a:t>
+            </a:r>
+            <a:r>
+              <a:rPr lang="tr-TR" sz="2400" dirty="0" smtClean="0">
+                <a:solidFill>
+                  <a:srgbClr val="002060"/>
+                </a:solidFill>
+              </a:rPr>
+              <a:t> m/c</a:t>
+            </a:r>
+          </a:p>
+          <a:p>
+            <a:r>
+              <a:rPr lang="tr-TR" sz="2000" b="1" dirty="0" smtClean="0">
+                <a:solidFill>
+                  <a:srgbClr val="002060"/>
+                </a:solidFill>
+              </a:rPr>
+              <a:t>Stator-8 (</a:t>
+            </a:r>
+            <a:r>
+              <a:rPr lang="tr-TR" sz="2000" b="1" dirty="0" err="1" smtClean="0">
+                <a:solidFill>
+                  <a:srgbClr val="002060"/>
+                </a:solidFill>
+              </a:rPr>
+              <a:t>proposed</a:t>
+            </a:r>
+            <a:r>
+              <a:rPr lang="tr-TR" sz="2000" b="1" dirty="0" smtClean="0">
+                <a:solidFill>
+                  <a:srgbClr val="002060"/>
+                </a:solidFill>
+              </a:rPr>
+              <a:t>)</a:t>
+            </a:r>
+            <a:r>
+              <a:rPr lang="tr-TR" sz="2000" dirty="0" smtClean="0">
+                <a:solidFill>
+                  <a:srgbClr val="002060"/>
+                </a:solidFill>
+              </a:rPr>
+              <a:t>: </a:t>
+            </a:r>
+            <a:r>
+              <a:rPr lang="en-US" sz="2000" dirty="0" smtClean="0">
+                <a:solidFill>
+                  <a:srgbClr val="002060"/>
+                </a:solidFill>
+              </a:rPr>
+              <a:t>Al</a:t>
+            </a:r>
+            <a:r>
+              <a:rPr lang="tr-TR" sz="2000" dirty="0" smtClean="0">
+                <a:solidFill>
+                  <a:srgbClr val="002060"/>
+                </a:solidFill>
+              </a:rPr>
+              <a:t>l</a:t>
+            </a:r>
+            <a:r>
+              <a:rPr lang="en-US" sz="2000" dirty="0" smtClean="0">
+                <a:solidFill>
+                  <a:srgbClr val="002060"/>
+                </a:solidFill>
+              </a:rPr>
+              <a:t> teeth</a:t>
+            </a:r>
+            <a:r>
+              <a:rPr lang="tr-TR" sz="2000" dirty="0" smtClean="0">
+                <a:solidFill>
+                  <a:srgbClr val="002060"/>
+                </a:solidFill>
+              </a:rPr>
+              <a:t>, 4-phase, 3-module</a:t>
+            </a:r>
+            <a:endParaRPr lang="tr-TR" sz="2000" dirty="0" smtClean="0">
+              <a:solidFill>
+                <a:srgbClr val="002060"/>
+              </a:solidFill>
+            </a:endParaRPr>
+          </a:p>
+        </p:txBody>
+      </p:sp>
+      <p:pic>
+        <p:nvPicPr>
+          <p:cNvPr id="2" name="Picture 1"/>
+          <p:cNvPicPr>
+            <a:picLocks noChangeAspect="1"/>
+          </p:cNvPicPr>
+          <p:nvPr/>
+        </p:nvPicPr>
+        <p:blipFill>
+          <a:blip r:embed="rId3"/>
+          <a:stretch>
+            <a:fillRect/>
+          </a:stretch>
+        </p:blipFill>
+        <p:spPr>
+          <a:xfrm>
+            <a:off x="2126745" y="1588438"/>
+            <a:ext cx="5021138" cy="5020067"/>
+          </a:xfrm>
+          <a:prstGeom prst="rect">
+            <a:avLst/>
+          </a:prstGeom>
+        </p:spPr>
+      </p:pic>
+      <p:sp>
+        <p:nvSpPr>
+          <p:cNvPr id="6" name="Rectangle 5"/>
+          <p:cNvSpPr/>
+          <p:nvPr/>
+        </p:nvSpPr>
+        <p:spPr>
+          <a:xfrm>
+            <a:off x="6203731" y="5927894"/>
+            <a:ext cx="3003331" cy="923330"/>
+          </a:xfrm>
+          <a:prstGeom prst="rect">
+            <a:avLst/>
+          </a:prstGeom>
+        </p:spPr>
+        <p:txBody>
+          <a:bodyPr wrap="square">
+            <a:spAutoFit/>
+          </a:bodyPr>
+          <a:lstStyle/>
+          <a:p>
+            <a:r>
+              <a:rPr lang="tr-TR" b="1" dirty="0" smtClean="0">
+                <a:solidFill>
+                  <a:srgbClr val="FF0000"/>
+                </a:solidFill>
+              </a:rPr>
+              <a:t>Çifte modülerlik:</a:t>
+            </a:r>
+          </a:p>
+          <a:p>
+            <a:r>
+              <a:rPr lang="tr-TR" dirty="0" smtClean="0">
+                <a:solidFill>
+                  <a:srgbClr val="FF0000"/>
+                </a:solidFill>
+              </a:rPr>
+              <a:t>1-faz gittiğinde bütün modülü kapatman gerekmeyebilir.</a:t>
+            </a:r>
+            <a:endParaRPr lang="tr-TR" dirty="0" smtClean="0">
+              <a:solidFill>
+                <a:srgbClr val="FF0000"/>
+              </a:solidFill>
+            </a:endParaRPr>
+          </a:p>
+        </p:txBody>
+      </p:sp>
+    </p:spTree>
+    <p:extLst>
+      <p:ext uri="{BB962C8B-B14F-4D97-AF65-F5344CB8AC3E}">
+        <p14:creationId xmlns:p14="http://schemas.microsoft.com/office/powerpoint/2010/main" val="4046691835"/>
+      </p:ext>
+    </p:extLst>
+  </p:cSld>
+  <p:clrMapOvr>
+    <a:masterClrMapping/>
+  </p:clrMapOvr>
+  <p:timing>
+    <p:tnLst>
+      <p:par>
+        <p:cTn id="1" dur="indefinite" restart="never" nodeType="tmRoot"/>
+      </p:par>
+    </p:tnLst>
+  </p:timing>
+</p:sld>
+</file>
+
+<file path=ppt/slides/slide37.xml><?xml version="1.0" encoding="utf-8"?>
+<p:sld xmlns:a="http://schemas.openxmlformats.org/drawingml/2006/main" xmlns:r="http://schemas.openxmlformats.org/officeDocument/2006/relationships" xmlns:p="http://schemas.openxmlformats.org/presentationml/2006/main">
+  <p:cSld>
+    <p:spTree>
+      <p:nvGrpSpPr>
+        <p:cNvPr id="1" name=""/>
+        <p:cNvGrpSpPr/>
+        <p:nvPr/>
+      </p:nvGrpSpPr>
+      <p:grpSpPr>
+        <a:xfrm>
+          <a:off x="0" y="0"/>
+          <a:ext cx="0" cy="0"/>
+          <a:chOff x="0" y="0"/>
+          <a:chExt cx="0" cy="0"/>
+        </a:xfrm>
+      </p:grpSpPr>
+      <p:sp>
+        <p:nvSpPr>
+          <p:cNvPr id="8" name="Rectangle 7"/>
+          <p:cNvSpPr/>
+          <p:nvPr/>
+        </p:nvSpPr>
+        <p:spPr>
+          <a:xfrm>
+            <a:off x="478970" y="150669"/>
+            <a:ext cx="8207829" cy="523220"/>
+          </a:xfrm>
+          <a:prstGeom prst="rect">
+            <a:avLst/>
+          </a:prstGeom>
+        </p:spPr>
+        <p:txBody>
+          <a:bodyPr wrap="square">
+            <a:spAutoFit/>
+          </a:bodyPr>
+          <a:lstStyle/>
+          <a:p>
+            <a:pPr algn="ctr"/>
+            <a:r>
+              <a:rPr lang="tr-TR" sz="2800" b="1" dirty="0" smtClean="0">
+                <a:solidFill>
+                  <a:schemeClr val="accent1">
+                    <a:lumMod val="50000"/>
+                  </a:schemeClr>
+                </a:solidFill>
+                <a:cs typeface="Arial" panose="020B0604020202020204" pitchFamily="34" charset="0"/>
+              </a:rPr>
+              <a:t>On stator </a:t>
+            </a:r>
+            <a:r>
+              <a:rPr lang="tr-TR" sz="2800" b="1" dirty="0" err="1" smtClean="0">
+                <a:solidFill>
+                  <a:schemeClr val="accent1">
+                    <a:lumMod val="50000"/>
+                  </a:schemeClr>
+                </a:solidFill>
+                <a:cs typeface="Arial" panose="020B0604020202020204" pitchFamily="34" charset="0"/>
+              </a:rPr>
+              <a:t>configurations</a:t>
+            </a:r>
+            <a:endParaRPr lang="en-US" sz="2800" dirty="0">
+              <a:solidFill>
+                <a:schemeClr val="accent1">
+                  <a:lumMod val="50000"/>
+                </a:schemeClr>
+              </a:solidFill>
+              <a:cs typeface="Arial" panose="020B0604020202020204" pitchFamily="34" charset="0"/>
+            </a:endParaRPr>
+          </a:p>
+        </p:txBody>
+      </p:sp>
+      <p:sp>
+        <p:nvSpPr>
+          <p:cNvPr id="5" name="Rectangle 4"/>
+          <p:cNvSpPr/>
+          <p:nvPr/>
+        </p:nvSpPr>
+        <p:spPr>
+          <a:xfrm>
+            <a:off x="236764" y="673889"/>
+            <a:ext cx="8801100" cy="400110"/>
+          </a:xfrm>
+          <a:prstGeom prst="rect">
+            <a:avLst/>
+          </a:prstGeom>
+        </p:spPr>
+        <p:txBody>
+          <a:bodyPr wrap="square">
+            <a:spAutoFit/>
+          </a:bodyPr>
+          <a:lstStyle/>
+          <a:p>
+            <a:r>
+              <a:rPr lang="tr-TR" sz="2000" b="1" dirty="0" smtClean="0">
+                <a:solidFill>
+                  <a:srgbClr val="002060"/>
+                </a:solidFill>
+              </a:rPr>
+              <a:t>Stator-8 (</a:t>
+            </a:r>
+            <a:r>
+              <a:rPr lang="tr-TR" sz="2000" b="1" dirty="0" err="1" smtClean="0">
+                <a:solidFill>
+                  <a:srgbClr val="002060"/>
+                </a:solidFill>
+              </a:rPr>
+              <a:t>proposed</a:t>
+            </a:r>
+            <a:r>
+              <a:rPr lang="tr-TR" sz="2000" b="1" dirty="0" smtClean="0">
+                <a:solidFill>
+                  <a:srgbClr val="002060"/>
+                </a:solidFill>
+              </a:rPr>
+              <a:t>)</a:t>
+            </a:r>
+            <a:r>
+              <a:rPr lang="tr-TR" sz="2000" dirty="0" smtClean="0">
+                <a:solidFill>
+                  <a:srgbClr val="002060"/>
+                </a:solidFill>
+              </a:rPr>
+              <a:t>: </a:t>
+            </a:r>
+            <a:r>
+              <a:rPr lang="en-US" sz="2000" dirty="0" smtClean="0">
+                <a:solidFill>
+                  <a:srgbClr val="002060"/>
+                </a:solidFill>
+              </a:rPr>
+              <a:t>Al</a:t>
+            </a:r>
+            <a:r>
+              <a:rPr lang="tr-TR" sz="2000" dirty="0" smtClean="0">
+                <a:solidFill>
+                  <a:srgbClr val="002060"/>
+                </a:solidFill>
+              </a:rPr>
+              <a:t>l</a:t>
+            </a:r>
+            <a:r>
+              <a:rPr lang="en-US" sz="2000" dirty="0" smtClean="0">
+                <a:solidFill>
+                  <a:srgbClr val="002060"/>
+                </a:solidFill>
+              </a:rPr>
+              <a:t> teeth</a:t>
+            </a:r>
+            <a:r>
+              <a:rPr lang="tr-TR" sz="2000" dirty="0" smtClean="0">
+                <a:solidFill>
+                  <a:srgbClr val="002060"/>
+                </a:solidFill>
+              </a:rPr>
+              <a:t>, 4-phase, 3-module</a:t>
+            </a:r>
+            <a:endParaRPr lang="tr-TR" sz="2000" dirty="0" smtClean="0">
+              <a:solidFill>
+                <a:srgbClr val="002060"/>
+              </a:solidFill>
+            </a:endParaRPr>
+          </a:p>
+        </p:txBody>
+      </p:sp>
+      <p:pic>
+        <p:nvPicPr>
+          <p:cNvPr id="10" name="Picture 9"/>
+          <p:cNvPicPr>
+            <a:picLocks noChangeAspect="1"/>
+          </p:cNvPicPr>
+          <p:nvPr/>
+        </p:nvPicPr>
+        <p:blipFill rotWithShape="1">
+          <a:blip r:embed="rId3"/>
+          <a:srcRect l="3386" t="7819" r="71384" b="52482"/>
+          <a:stretch/>
+        </p:blipFill>
+        <p:spPr>
+          <a:xfrm>
+            <a:off x="359229" y="1197109"/>
+            <a:ext cx="1706336" cy="1950098"/>
+          </a:xfrm>
+          <a:prstGeom prst="rect">
+            <a:avLst/>
+          </a:prstGeom>
+        </p:spPr>
+      </p:pic>
+      <p:pic>
+        <p:nvPicPr>
+          <p:cNvPr id="11" name="Picture 10"/>
+          <p:cNvPicPr>
+            <a:picLocks noChangeAspect="1"/>
+          </p:cNvPicPr>
+          <p:nvPr/>
+        </p:nvPicPr>
+        <p:blipFill rotWithShape="1">
+          <a:blip r:embed="rId3"/>
+          <a:srcRect l="49540" t="59298" r="1857"/>
+          <a:stretch/>
+        </p:blipFill>
+        <p:spPr>
+          <a:xfrm>
+            <a:off x="2916556" y="1196470"/>
+            <a:ext cx="3206659" cy="1950418"/>
+          </a:xfrm>
+          <a:prstGeom prst="rect">
+            <a:avLst/>
+          </a:prstGeom>
+        </p:spPr>
+      </p:pic>
+      <p:pic>
+        <p:nvPicPr>
+          <p:cNvPr id="12" name="Picture 11"/>
+          <p:cNvPicPr>
+            <a:picLocks noChangeAspect="1"/>
+          </p:cNvPicPr>
+          <p:nvPr/>
+        </p:nvPicPr>
+        <p:blipFill rotWithShape="1">
+          <a:blip r:embed="rId3"/>
+          <a:srcRect l="50023" t="7669" r="18194" b="53383"/>
+          <a:stretch/>
+        </p:blipFill>
+        <p:spPr>
+          <a:xfrm>
+            <a:off x="6221187" y="1196470"/>
+            <a:ext cx="2191038" cy="1950099"/>
+          </a:xfrm>
+          <a:prstGeom prst="rect">
+            <a:avLst/>
+          </a:prstGeom>
+        </p:spPr>
+      </p:pic>
+      <p:sp>
+        <p:nvSpPr>
+          <p:cNvPr id="13" name="Rectangle 12"/>
+          <p:cNvSpPr/>
+          <p:nvPr/>
+        </p:nvSpPr>
+        <p:spPr>
+          <a:xfrm>
+            <a:off x="236765" y="3279919"/>
+            <a:ext cx="2514600" cy="1323439"/>
+          </a:xfrm>
+          <a:prstGeom prst="rect">
+            <a:avLst/>
+          </a:prstGeom>
+        </p:spPr>
+        <p:txBody>
+          <a:bodyPr wrap="square">
+            <a:spAutoFit/>
+          </a:bodyPr>
+          <a:lstStyle/>
+          <a:p>
+            <a:pPr marL="285750" indent="-285750">
+              <a:buFont typeface="Wingdings" panose="05000000000000000000" pitchFamily="2" charset="2"/>
+              <a:buChar char="§"/>
+            </a:pPr>
+            <a:r>
+              <a:rPr lang="tr-TR" sz="1600" dirty="0" smtClean="0">
+                <a:solidFill>
+                  <a:srgbClr val="002060"/>
+                </a:solidFill>
+              </a:rPr>
+              <a:t>3-phase</a:t>
+            </a:r>
+          </a:p>
+          <a:p>
+            <a:pPr marL="285750" indent="-285750">
+              <a:buFont typeface="Wingdings" panose="05000000000000000000" pitchFamily="2" charset="2"/>
+              <a:buChar char="§"/>
+            </a:pPr>
+            <a:r>
+              <a:rPr lang="tr-TR" sz="1600" dirty="0" smtClean="0">
+                <a:solidFill>
+                  <a:srgbClr val="002060"/>
+                </a:solidFill>
+              </a:rPr>
+              <a:t>4-module</a:t>
+            </a:r>
+          </a:p>
+          <a:p>
+            <a:pPr marL="285750" indent="-285750">
+              <a:buFont typeface="Wingdings" panose="05000000000000000000" pitchFamily="2" charset="2"/>
+              <a:buChar char="§"/>
+            </a:pPr>
+            <a:r>
+              <a:rPr lang="tr-TR" sz="1600" dirty="0" smtClean="0">
+                <a:solidFill>
+                  <a:srgbClr val="002060"/>
+                </a:solidFill>
+              </a:rPr>
+              <a:t>4x6 </a:t>
+            </a:r>
+            <a:r>
+              <a:rPr lang="tr-TR" sz="1600" dirty="0">
+                <a:solidFill>
+                  <a:srgbClr val="002060"/>
+                </a:solidFill>
+              </a:rPr>
+              <a:t>= </a:t>
+            </a:r>
+            <a:r>
+              <a:rPr lang="tr-TR" sz="1600" dirty="0" smtClean="0">
+                <a:solidFill>
+                  <a:srgbClr val="002060"/>
+                </a:solidFill>
+              </a:rPr>
+              <a:t>24 </a:t>
+            </a:r>
+            <a:r>
+              <a:rPr lang="tr-TR" sz="1600" dirty="0" err="1" smtClean="0">
+                <a:solidFill>
+                  <a:srgbClr val="002060"/>
+                </a:solidFill>
+              </a:rPr>
+              <a:t>transistors</a:t>
+            </a:r>
+            <a:endParaRPr lang="tr-TR" sz="1600" dirty="0" smtClean="0">
+              <a:solidFill>
+                <a:srgbClr val="002060"/>
+              </a:solidFill>
+            </a:endParaRPr>
+          </a:p>
+          <a:p>
+            <a:pPr marL="285750" indent="-285750">
+              <a:buFont typeface="Wingdings" panose="05000000000000000000" pitchFamily="2" charset="2"/>
+              <a:buChar char="§"/>
+            </a:pPr>
+            <a:r>
+              <a:rPr lang="tr-TR" sz="1600" dirty="0" smtClean="0">
+                <a:solidFill>
+                  <a:srgbClr val="002060"/>
+                </a:solidFill>
+              </a:rPr>
+              <a:t>1TF: 75% redundancy</a:t>
+            </a:r>
+          </a:p>
+          <a:p>
+            <a:pPr marL="285750" indent="-285750">
+              <a:buFont typeface="Wingdings" panose="05000000000000000000" pitchFamily="2" charset="2"/>
+              <a:buChar char="§"/>
+            </a:pPr>
+            <a:r>
+              <a:rPr lang="tr-TR" sz="1600" dirty="0" smtClean="0">
+                <a:solidFill>
+                  <a:srgbClr val="002060"/>
+                </a:solidFill>
+              </a:rPr>
+              <a:t>2TF: 50% redundancy</a:t>
+            </a:r>
+          </a:p>
+        </p:txBody>
+      </p:sp>
+      <p:sp>
+        <p:nvSpPr>
+          <p:cNvPr id="14" name="Rectangle 13"/>
+          <p:cNvSpPr/>
+          <p:nvPr/>
+        </p:nvSpPr>
+        <p:spPr>
+          <a:xfrm>
+            <a:off x="3185025" y="3279919"/>
+            <a:ext cx="2514600" cy="1323439"/>
+          </a:xfrm>
+          <a:prstGeom prst="rect">
+            <a:avLst/>
+          </a:prstGeom>
+        </p:spPr>
+        <p:txBody>
+          <a:bodyPr wrap="square">
+            <a:spAutoFit/>
+          </a:bodyPr>
+          <a:lstStyle/>
+          <a:p>
+            <a:pPr marL="285750" indent="-285750">
+              <a:buFont typeface="Wingdings" panose="05000000000000000000" pitchFamily="2" charset="2"/>
+              <a:buChar char="§"/>
+            </a:pPr>
+            <a:r>
+              <a:rPr lang="tr-TR" sz="1600" dirty="0">
+                <a:solidFill>
+                  <a:srgbClr val="002060"/>
+                </a:solidFill>
+              </a:rPr>
+              <a:t>3-phase</a:t>
+            </a:r>
+          </a:p>
+          <a:p>
+            <a:pPr marL="285750" indent="-285750">
+              <a:buFont typeface="Wingdings" panose="05000000000000000000" pitchFamily="2" charset="2"/>
+              <a:buChar char="§"/>
+            </a:pPr>
+            <a:r>
+              <a:rPr lang="tr-TR" sz="1600" dirty="0" smtClean="0">
+                <a:solidFill>
+                  <a:srgbClr val="002060"/>
+                </a:solidFill>
+              </a:rPr>
+              <a:t>4-module</a:t>
+            </a:r>
+          </a:p>
+          <a:p>
+            <a:pPr marL="285750" indent="-285750">
+              <a:buFont typeface="Wingdings" panose="05000000000000000000" pitchFamily="2" charset="2"/>
+              <a:buChar char="§"/>
+            </a:pPr>
+            <a:r>
+              <a:rPr lang="tr-TR" sz="1600" dirty="0">
+                <a:solidFill>
+                  <a:srgbClr val="002060"/>
+                </a:solidFill>
+              </a:rPr>
+              <a:t>4x12 = 48 </a:t>
+            </a:r>
+            <a:r>
+              <a:rPr lang="tr-TR" sz="1600" dirty="0" err="1" smtClean="0">
+                <a:solidFill>
+                  <a:srgbClr val="002060"/>
+                </a:solidFill>
+              </a:rPr>
+              <a:t>transistors</a:t>
+            </a:r>
+            <a:endParaRPr lang="tr-TR" sz="1600" dirty="0" smtClean="0">
+              <a:solidFill>
+                <a:srgbClr val="002060"/>
+              </a:solidFill>
+            </a:endParaRPr>
+          </a:p>
+          <a:p>
+            <a:pPr marL="285750" indent="-285750">
+              <a:buFont typeface="Wingdings" panose="05000000000000000000" pitchFamily="2" charset="2"/>
+              <a:buChar char="§"/>
+            </a:pPr>
+            <a:r>
+              <a:rPr lang="tr-TR" sz="1600" dirty="0" smtClean="0">
+                <a:solidFill>
+                  <a:srgbClr val="002060"/>
+                </a:solidFill>
+              </a:rPr>
+              <a:t>1TF</a:t>
+            </a:r>
+            <a:r>
+              <a:rPr lang="tr-TR" sz="1600" dirty="0">
+                <a:solidFill>
+                  <a:srgbClr val="002060"/>
+                </a:solidFill>
+              </a:rPr>
+              <a:t>: </a:t>
+            </a:r>
+            <a:r>
+              <a:rPr lang="tr-TR" sz="1600" dirty="0" smtClean="0">
+                <a:solidFill>
+                  <a:srgbClr val="002060"/>
+                </a:solidFill>
+              </a:rPr>
+              <a:t>92% </a:t>
+            </a:r>
+            <a:r>
+              <a:rPr lang="tr-TR" sz="1600" dirty="0">
+                <a:solidFill>
+                  <a:srgbClr val="002060"/>
+                </a:solidFill>
+              </a:rPr>
+              <a:t>redundancy</a:t>
+            </a:r>
+          </a:p>
+          <a:p>
+            <a:pPr marL="285750" indent="-285750">
+              <a:buFont typeface="Wingdings" panose="05000000000000000000" pitchFamily="2" charset="2"/>
+              <a:buChar char="§"/>
+            </a:pPr>
+            <a:r>
+              <a:rPr lang="tr-TR" sz="1600" dirty="0">
+                <a:solidFill>
+                  <a:srgbClr val="002060"/>
+                </a:solidFill>
+              </a:rPr>
+              <a:t>2TF: </a:t>
+            </a:r>
+            <a:r>
+              <a:rPr lang="tr-TR" sz="1600" dirty="0" smtClean="0">
+                <a:solidFill>
+                  <a:srgbClr val="002060"/>
+                </a:solidFill>
+              </a:rPr>
+              <a:t>83% redundancy</a:t>
+            </a:r>
+            <a:endParaRPr lang="tr-TR" sz="1600" dirty="0">
+              <a:solidFill>
+                <a:srgbClr val="002060"/>
+              </a:solidFill>
+            </a:endParaRPr>
+          </a:p>
+        </p:txBody>
+      </p:sp>
+      <p:sp>
+        <p:nvSpPr>
+          <p:cNvPr id="15" name="Rectangle 14"/>
+          <p:cNvSpPr/>
+          <p:nvPr/>
+        </p:nvSpPr>
+        <p:spPr>
+          <a:xfrm>
+            <a:off x="6123215" y="3267486"/>
+            <a:ext cx="2514600" cy="1569660"/>
+          </a:xfrm>
+          <a:prstGeom prst="rect">
+            <a:avLst/>
+          </a:prstGeom>
+        </p:spPr>
+        <p:txBody>
+          <a:bodyPr wrap="square">
+            <a:spAutoFit/>
+          </a:bodyPr>
+          <a:lstStyle/>
+          <a:p>
+            <a:pPr marL="285750" indent="-285750">
+              <a:buFont typeface="Wingdings" panose="05000000000000000000" pitchFamily="2" charset="2"/>
+              <a:buChar char="§"/>
+            </a:pPr>
+            <a:r>
+              <a:rPr lang="tr-TR" sz="1600" dirty="0" smtClean="0">
+                <a:solidFill>
+                  <a:srgbClr val="002060"/>
+                </a:solidFill>
+              </a:rPr>
+              <a:t>4-phase</a:t>
+            </a:r>
+            <a:endParaRPr lang="tr-TR" sz="1600" dirty="0">
+              <a:solidFill>
+                <a:srgbClr val="002060"/>
+              </a:solidFill>
+            </a:endParaRPr>
+          </a:p>
+          <a:p>
+            <a:pPr marL="285750" indent="-285750">
+              <a:buFont typeface="Wingdings" panose="05000000000000000000" pitchFamily="2" charset="2"/>
+              <a:buChar char="§"/>
+            </a:pPr>
+            <a:r>
+              <a:rPr lang="tr-TR" sz="1600" dirty="0" smtClean="0">
+                <a:solidFill>
+                  <a:srgbClr val="002060"/>
+                </a:solidFill>
+              </a:rPr>
+              <a:t>3-module</a:t>
+            </a:r>
+          </a:p>
+          <a:p>
+            <a:pPr marL="285750" indent="-285750">
+              <a:buFont typeface="Wingdings" panose="05000000000000000000" pitchFamily="2" charset="2"/>
+              <a:buChar char="§"/>
+            </a:pPr>
+            <a:r>
+              <a:rPr lang="tr-TR" sz="1600" dirty="0">
+                <a:solidFill>
+                  <a:srgbClr val="002060"/>
+                </a:solidFill>
+              </a:rPr>
+              <a:t>4x6 = 24 </a:t>
+            </a:r>
+            <a:r>
+              <a:rPr lang="tr-TR" sz="1600" dirty="0" err="1" smtClean="0">
+                <a:solidFill>
+                  <a:srgbClr val="002060"/>
+                </a:solidFill>
+              </a:rPr>
+              <a:t>transistors</a:t>
+            </a:r>
+            <a:endParaRPr lang="tr-TR" sz="1600" dirty="0" smtClean="0">
+              <a:solidFill>
+                <a:srgbClr val="002060"/>
+              </a:solidFill>
+            </a:endParaRPr>
+          </a:p>
+          <a:p>
+            <a:pPr marL="285750" indent="-285750">
+              <a:buFont typeface="Wingdings" panose="05000000000000000000" pitchFamily="2" charset="2"/>
+              <a:buChar char="§"/>
+            </a:pPr>
+            <a:r>
+              <a:rPr lang="tr-TR" sz="1600" dirty="0" smtClean="0">
+                <a:solidFill>
+                  <a:srgbClr val="002060"/>
+                </a:solidFill>
+              </a:rPr>
+              <a:t>1TF</a:t>
+            </a:r>
+            <a:r>
+              <a:rPr lang="tr-TR" sz="1600" dirty="0">
+                <a:solidFill>
+                  <a:srgbClr val="002060"/>
+                </a:solidFill>
+              </a:rPr>
+              <a:t>: 92% redundancy</a:t>
+            </a:r>
+          </a:p>
+          <a:p>
+            <a:pPr marL="285750" indent="-285750">
+              <a:buFont typeface="Wingdings" panose="05000000000000000000" pitchFamily="2" charset="2"/>
+              <a:buChar char="§"/>
+            </a:pPr>
+            <a:r>
+              <a:rPr lang="tr-TR" sz="1600" dirty="0" smtClean="0">
+                <a:solidFill>
+                  <a:srgbClr val="002060"/>
+                </a:solidFill>
+              </a:rPr>
+              <a:t>2TF*: </a:t>
+            </a:r>
+            <a:r>
+              <a:rPr lang="tr-TR" sz="1600" dirty="0">
+                <a:solidFill>
+                  <a:srgbClr val="002060"/>
+                </a:solidFill>
+              </a:rPr>
+              <a:t>83% </a:t>
+            </a:r>
+            <a:r>
+              <a:rPr lang="tr-TR" sz="1600" dirty="0" smtClean="0">
+                <a:solidFill>
+                  <a:srgbClr val="002060"/>
+                </a:solidFill>
+              </a:rPr>
+              <a:t>redundancy</a:t>
+            </a:r>
+          </a:p>
+          <a:p>
+            <a:pPr marL="285750" indent="-285750">
+              <a:buFont typeface="Wingdings" panose="05000000000000000000" pitchFamily="2" charset="2"/>
+              <a:buChar char="§"/>
+            </a:pPr>
+            <a:r>
+              <a:rPr lang="tr-TR" sz="1600" dirty="0">
+                <a:solidFill>
+                  <a:srgbClr val="002060"/>
+                </a:solidFill>
+              </a:rPr>
+              <a:t>2TF</a:t>
+            </a:r>
+            <a:r>
+              <a:rPr lang="tr-TR" sz="1600" dirty="0" smtClean="0">
+                <a:solidFill>
+                  <a:srgbClr val="002060"/>
+                </a:solidFill>
+              </a:rPr>
+              <a:t>**: 75% redundancy</a:t>
+            </a:r>
+            <a:endParaRPr lang="tr-TR" sz="1600" dirty="0">
+              <a:solidFill>
+                <a:srgbClr val="002060"/>
+              </a:solidFill>
+            </a:endParaRPr>
+          </a:p>
+        </p:txBody>
+      </p:sp>
+      <p:sp>
+        <p:nvSpPr>
+          <p:cNvPr id="16" name="Rectangle 15"/>
+          <p:cNvSpPr/>
+          <p:nvPr/>
+        </p:nvSpPr>
+        <p:spPr>
+          <a:xfrm>
+            <a:off x="236765" y="5877063"/>
+            <a:ext cx="5643773" cy="584775"/>
+          </a:xfrm>
+          <a:prstGeom prst="rect">
+            <a:avLst/>
+          </a:prstGeom>
+        </p:spPr>
+        <p:txBody>
+          <a:bodyPr wrap="square">
+            <a:spAutoFit/>
+          </a:bodyPr>
+          <a:lstStyle/>
+          <a:p>
+            <a:r>
+              <a:rPr lang="tr-TR" sz="1600" dirty="0" err="1" smtClean="0">
+                <a:solidFill>
+                  <a:srgbClr val="FF0000"/>
+                </a:solidFill>
+              </a:rPr>
+              <a:t>kVA</a:t>
+            </a:r>
+            <a:r>
+              <a:rPr lang="tr-TR" sz="1600" dirty="0" smtClean="0">
+                <a:solidFill>
+                  <a:srgbClr val="FF0000"/>
+                </a:solidFill>
+              </a:rPr>
+              <a:t> hesaplama işi anlaşılmadı !</a:t>
+            </a:r>
+          </a:p>
+          <a:p>
+            <a:r>
+              <a:rPr lang="tr-TR" sz="1600" dirty="0" smtClean="0">
+                <a:solidFill>
+                  <a:srgbClr val="FF0000"/>
+                </a:solidFill>
+              </a:rPr>
+              <a:t>Redundancy hesabında dengesizlik nasıl gözetilecek?</a:t>
+            </a:r>
+            <a:endParaRPr lang="tr-TR" sz="1600" dirty="0" smtClean="0">
+              <a:solidFill>
+                <a:srgbClr val="FF0000"/>
+              </a:solidFill>
+            </a:endParaRPr>
+          </a:p>
+        </p:txBody>
+      </p:sp>
+      <p:sp>
+        <p:nvSpPr>
+          <p:cNvPr id="17" name="Rectangle 16"/>
+          <p:cNvSpPr/>
+          <p:nvPr/>
+        </p:nvSpPr>
+        <p:spPr>
+          <a:xfrm>
+            <a:off x="236765" y="4971048"/>
+            <a:ext cx="8278586" cy="584775"/>
+          </a:xfrm>
+          <a:prstGeom prst="rect">
+            <a:avLst/>
+          </a:prstGeom>
+        </p:spPr>
+        <p:txBody>
+          <a:bodyPr wrap="square">
+            <a:spAutoFit/>
+          </a:bodyPr>
+          <a:lstStyle/>
+          <a:p>
+            <a:r>
+              <a:rPr lang="tr-TR" sz="1600" i="1" dirty="0" smtClean="0">
+                <a:solidFill>
+                  <a:srgbClr val="002060"/>
+                </a:solidFill>
+              </a:rPr>
+              <a:t>* </a:t>
+            </a:r>
+            <a:r>
+              <a:rPr lang="tr-TR" sz="1600" i="1" dirty="0" err="1" smtClean="0">
+                <a:solidFill>
+                  <a:srgbClr val="002060"/>
+                </a:solidFill>
+              </a:rPr>
+              <a:t>If</a:t>
+            </a:r>
+            <a:r>
+              <a:rPr lang="tr-TR" sz="1600" i="1" dirty="0" smtClean="0">
+                <a:solidFill>
+                  <a:srgbClr val="002060"/>
+                </a:solidFill>
+              </a:rPr>
+              <a:t> </a:t>
+            </a:r>
+            <a:r>
+              <a:rPr lang="tr-TR" sz="1600" i="1" dirty="0" err="1" smtClean="0">
+                <a:solidFill>
+                  <a:srgbClr val="002060"/>
+                </a:solidFill>
+              </a:rPr>
+              <a:t>the</a:t>
+            </a:r>
+            <a:r>
+              <a:rPr lang="tr-TR" sz="1600" i="1" dirty="0" smtClean="0">
+                <a:solidFill>
+                  <a:srgbClr val="002060"/>
+                </a:solidFill>
+              </a:rPr>
+              <a:t> </a:t>
+            </a:r>
+            <a:r>
+              <a:rPr lang="tr-TR" sz="1600" i="1" dirty="0" err="1" smtClean="0">
+                <a:solidFill>
+                  <a:srgbClr val="002060"/>
+                </a:solidFill>
+              </a:rPr>
+              <a:t>second</a:t>
+            </a:r>
+            <a:r>
+              <a:rPr lang="tr-TR" sz="1600" i="1" dirty="0" smtClean="0">
+                <a:solidFill>
+                  <a:srgbClr val="002060"/>
+                </a:solidFill>
+              </a:rPr>
+              <a:t> </a:t>
+            </a:r>
+            <a:r>
+              <a:rPr lang="tr-TR" sz="1600" i="1" dirty="0" err="1" smtClean="0">
+                <a:solidFill>
+                  <a:srgbClr val="002060"/>
+                </a:solidFill>
+              </a:rPr>
+              <a:t>phase</a:t>
+            </a:r>
+            <a:r>
+              <a:rPr lang="tr-TR" sz="1600" i="1" dirty="0" smtClean="0">
+                <a:solidFill>
+                  <a:srgbClr val="002060"/>
+                </a:solidFill>
+              </a:rPr>
+              <a:t> is </a:t>
+            </a:r>
+            <a:r>
+              <a:rPr lang="tr-TR" sz="1600" i="1" dirty="0" err="1" smtClean="0">
+                <a:solidFill>
+                  <a:srgbClr val="002060"/>
+                </a:solidFill>
+              </a:rPr>
+              <a:t>from</a:t>
+            </a:r>
+            <a:r>
+              <a:rPr lang="tr-TR" sz="1600" i="1" dirty="0" smtClean="0">
+                <a:solidFill>
+                  <a:srgbClr val="002060"/>
+                </a:solidFill>
+              </a:rPr>
+              <a:t> </a:t>
+            </a:r>
+            <a:r>
+              <a:rPr lang="tr-TR" sz="1600" i="1" dirty="0" err="1" smtClean="0">
+                <a:solidFill>
+                  <a:srgbClr val="002060"/>
+                </a:solidFill>
+              </a:rPr>
+              <a:t>another</a:t>
+            </a:r>
+            <a:r>
+              <a:rPr lang="tr-TR" sz="1600" i="1" dirty="0" smtClean="0">
+                <a:solidFill>
+                  <a:srgbClr val="002060"/>
+                </a:solidFill>
+              </a:rPr>
+              <a:t> </a:t>
+            </a:r>
+            <a:r>
+              <a:rPr lang="tr-TR" sz="1600" i="1" dirty="0" err="1" smtClean="0">
+                <a:solidFill>
+                  <a:srgbClr val="002060"/>
+                </a:solidFill>
+              </a:rPr>
+              <a:t>module</a:t>
+            </a:r>
+            <a:endParaRPr lang="tr-TR" sz="1600" i="1" dirty="0" smtClean="0">
+              <a:solidFill>
+                <a:srgbClr val="002060"/>
+              </a:solidFill>
+            </a:endParaRPr>
+          </a:p>
+          <a:p>
+            <a:r>
+              <a:rPr lang="tr-TR" sz="1600" i="1" dirty="0" smtClean="0">
+                <a:solidFill>
+                  <a:srgbClr val="002060"/>
+                </a:solidFill>
+              </a:rPr>
+              <a:t>** </a:t>
+            </a:r>
+            <a:r>
+              <a:rPr lang="tr-TR" sz="1600" i="1" dirty="0" err="1" smtClean="0">
+                <a:solidFill>
+                  <a:srgbClr val="002060"/>
+                </a:solidFill>
+              </a:rPr>
+              <a:t>If</a:t>
+            </a:r>
+            <a:r>
+              <a:rPr lang="tr-TR" sz="1600" i="1" dirty="0" smtClean="0">
+                <a:solidFill>
+                  <a:srgbClr val="002060"/>
+                </a:solidFill>
+              </a:rPr>
+              <a:t> </a:t>
+            </a:r>
+            <a:r>
+              <a:rPr lang="tr-TR" sz="1600" i="1" dirty="0" err="1" smtClean="0">
+                <a:solidFill>
+                  <a:srgbClr val="002060"/>
+                </a:solidFill>
+              </a:rPr>
+              <a:t>the</a:t>
+            </a:r>
+            <a:r>
+              <a:rPr lang="tr-TR" sz="1600" i="1" dirty="0" smtClean="0">
+                <a:solidFill>
+                  <a:srgbClr val="002060"/>
+                </a:solidFill>
+              </a:rPr>
+              <a:t> </a:t>
+            </a:r>
+            <a:r>
+              <a:rPr lang="tr-TR" sz="1600" i="1" dirty="0" err="1">
+                <a:solidFill>
+                  <a:srgbClr val="002060"/>
+                </a:solidFill>
+              </a:rPr>
+              <a:t>second</a:t>
+            </a:r>
+            <a:r>
+              <a:rPr lang="tr-TR" sz="1600" i="1" dirty="0">
+                <a:solidFill>
+                  <a:srgbClr val="002060"/>
+                </a:solidFill>
+              </a:rPr>
+              <a:t> </a:t>
+            </a:r>
+            <a:r>
+              <a:rPr lang="tr-TR" sz="1600" i="1" dirty="0" err="1">
+                <a:solidFill>
+                  <a:srgbClr val="002060"/>
+                </a:solidFill>
+              </a:rPr>
+              <a:t>phase</a:t>
+            </a:r>
+            <a:r>
+              <a:rPr lang="tr-TR" sz="1600" i="1" dirty="0">
+                <a:solidFill>
+                  <a:srgbClr val="002060"/>
+                </a:solidFill>
+              </a:rPr>
+              <a:t> is </a:t>
+            </a:r>
+            <a:r>
+              <a:rPr lang="tr-TR" sz="1600" i="1" dirty="0" err="1">
+                <a:solidFill>
+                  <a:srgbClr val="002060"/>
+                </a:solidFill>
+              </a:rPr>
+              <a:t>from</a:t>
+            </a:r>
+            <a:r>
+              <a:rPr lang="tr-TR" sz="1600" i="1" dirty="0">
+                <a:solidFill>
+                  <a:srgbClr val="002060"/>
+                </a:solidFill>
+              </a:rPr>
+              <a:t> </a:t>
+            </a:r>
+            <a:r>
+              <a:rPr lang="tr-TR" sz="1600" i="1" dirty="0" err="1" smtClean="0">
+                <a:solidFill>
+                  <a:srgbClr val="002060"/>
+                </a:solidFill>
+              </a:rPr>
+              <a:t>the</a:t>
+            </a:r>
+            <a:r>
+              <a:rPr lang="tr-TR" sz="1600" i="1" dirty="0" smtClean="0">
+                <a:solidFill>
+                  <a:srgbClr val="002060"/>
+                </a:solidFill>
+              </a:rPr>
+              <a:t> </a:t>
+            </a:r>
+            <a:r>
+              <a:rPr lang="tr-TR" sz="1600" i="1" dirty="0" err="1" smtClean="0">
+                <a:solidFill>
+                  <a:srgbClr val="002060"/>
+                </a:solidFill>
+              </a:rPr>
+              <a:t>same</a:t>
+            </a:r>
+            <a:r>
+              <a:rPr lang="tr-TR" sz="1600" i="1" dirty="0" smtClean="0">
+                <a:solidFill>
+                  <a:srgbClr val="002060"/>
+                </a:solidFill>
+              </a:rPr>
+              <a:t> </a:t>
+            </a:r>
+            <a:r>
+              <a:rPr lang="tr-TR" sz="1600" i="1" dirty="0" err="1" smtClean="0">
+                <a:solidFill>
+                  <a:srgbClr val="002060"/>
+                </a:solidFill>
+              </a:rPr>
+              <a:t>module</a:t>
+            </a:r>
+            <a:endParaRPr lang="tr-TR" sz="1600" i="1" dirty="0">
+              <a:solidFill>
+                <a:srgbClr val="002060"/>
+              </a:solidFill>
+            </a:endParaRPr>
+          </a:p>
+        </p:txBody>
+      </p:sp>
+    </p:spTree>
+    <p:extLst>
+      <p:ext uri="{BB962C8B-B14F-4D97-AF65-F5344CB8AC3E}">
+        <p14:creationId xmlns:p14="http://schemas.microsoft.com/office/powerpoint/2010/main" val="4164237516"/>
+      </p:ext>
+    </p:extLst>
+  </p:cSld>
+  <p:clrMapOvr>
+    <a:masterClrMapping/>
+  </p:clrMapOvr>
+  <p:timing>
+    <p:tnLst>
+      <p:par>
+        <p:cTn id="1" dur="indefinite" restart="never" nodeType="tmRoot"/>
+      </p:par>
+    </p:tnLst>
+  </p:timing>
+</p:sld>
+</file>
+
+<file path=ppt/slides/slide38.xml><?xml version="1.0" encoding="utf-8"?>
+<p:sld xmlns:a="http://schemas.openxmlformats.org/drawingml/2006/main" xmlns:r="http://schemas.openxmlformats.org/officeDocument/2006/relationships" xmlns:p="http://schemas.openxmlformats.org/presentationml/2006/main">
+  <p:cSld>
+    <p:spTree>
+      <p:nvGrpSpPr>
+        <p:cNvPr id="1" name=""/>
+        <p:cNvGrpSpPr/>
+        <p:nvPr/>
+      </p:nvGrpSpPr>
+      <p:grpSpPr>
+        <a:xfrm>
+          <a:off x="0" y="0"/>
+          <a:ext cx="0" cy="0"/>
+          <a:chOff x="0" y="0"/>
+          <a:chExt cx="0" cy="0"/>
+        </a:xfrm>
+      </p:grpSpPr>
+      <p:sp>
+        <p:nvSpPr>
+          <p:cNvPr id="8" name="Rectangle 7"/>
+          <p:cNvSpPr/>
+          <p:nvPr/>
+        </p:nvSpPr>
+        <p:spPr>
+          <a:xfrm>
+            <a:off x="478970" y="150669"/>
+            <a:ext cx="8207829" cy="523220"/>
+          </a:xfrm>
+          <a:prstGeom prst="rect">
+            <a:avLst/>
+          </a:prstGeom>
+        </p:spPr>
+        <p:txBody>
+          <a:bodyPr wrap="square">
+            <a:spAutoFit/>
+          </a:bodyPr>
+          <a:lstStyle/>
+          <a:p>
+            <a:pPr algn="ctr"/>
+            <a:r>
               <a:rPr lang="tr-TR" sz="2800" b="1" dirty="0" err="1" smtClean="0">
                 <a:solidFill>
                   <a:schemeClr val="accent1">
@@ -16227,11 +22782,6 @@
               </a:rPr>
               <a:t>:</a:t>
             </a:r>
-            <a:endParaRPr lang="tr-TR" dirty="0" smtClean="0">
-              <a:solidFill>
-                <a:srgbClr val="002060"/>
-              </a:solidFill>
-            </a:endParaRPr>
           </a:p>
         </p:txBody>
       </p:sp>
@@ -16567,7 +23117,7 @@
 </p:sld>
 </file>
 
-<file path=ppt/slides/slide27.xml><?xml version="1.0" encoding="utf-8"?>
+<file path=ppt/slides/slide39.xml><?xml version="1.0" encoding="utf-8"?>
 <p:sld xmlns:a="http://schemas.openxmlformats.org/drawingml/2006/main" xmlns:r="http://schemas.openxmlformats.org/officeDocument/2006/relationships" xmlns:p="http://schemas.openxmlformats.org/presentationml/2006/main">
   <p:cSld>
     <p:spTree>
@@ -16695,11 +23245,6 @@
               </a:rPr>
               <a:t>:</a:t>
             </a:r>
-            <a:endParaRPr lang="tr-TR" dirty="0" smtClean="0">
-              <a:solidFill>
-                <a:srgbClr val="002060"/>
-              </a:solidFill>
-            </a:endParaRPr>
           </a:p>
         </p:txBody>
       </p:sp>
@@ -17064,7 +23609,7 @@
 </p:sld>
 </file>
 
-<file path=ppt/slides/slide28.xml><?xml version="1.0" encoding="utf-8"?>
+<file path=ppt/slides/slide4.xml><?xml version="1.0" encoding="utf-8"?>
 <p:sld xmlns:a="http://schemas.openxmlformats.org/drawingml/2006/main" xmlns:r="http://schemas.openxmlformats.org/officeDocument/2006/relationships" xmlns:p="http://schemas.openxmlformats.org/presentationml/2006/main">
   <p:cSld>
     <p:spTree>
@@ -17104,6 +23649,495 @@
           <a:p>
             <a:pPr algn="ctr"/>
             <a:r>
+              <a:rPr lang="tr-TR" sz="2800" b="1" dirty="0" smtClean="0">
+                <a:solidFill>
+                  <a:schemeClr val="accent1">
+                    <a:lumMod val="50000"/>
+                  </a:schemeClr>
+                </a:solidFill>
+                <a:cs typeface="Arial" panose="020B0604020202020204" pitchFamily="34" charset="0"/>
+              </a:rPr>
+              <a:t>Open </a:t>
+            </a:r>
+            <a:r>
+              <a:rPr lang="tr-TR" sz="2800" b="1" dirty="0" err="1" smtClean="0">
+                <a:solidFill>
+                  <a:schemeClr val="accent1">
+                    <a:lumMod val="50000"/>
+                  </a:schemeClr>
+                </a:solidFill>
+                <a:cs typeface="Arial" panose="020B0604020202020204" pitchFamily="34" charset="0"/>
+              </a:rPr>
+              <a:t>circuit</a:t>
+            </a:r>
+            <a:r>
+              <a:rPr lang="tr-TR" sz="2800" b="1" dirty="0" smtClean="0">
+                <a:solidFill>
+                  <a:schemeClr val="accent1">
+                    <a:lumMod val="50000"/>
+                  </a:schemeClr>
+                </a:solidFill>
+                <a:cs typeface="Arial" panose="020B0604020202020204" pitchFamily="34" charset="0"/>
+              </a:rPr>
+              <a:t> </a:t>
+            </a:r>
+            <a:r>
+              <a:rPr lang="tr-TR" sz="2800" b="1" dirty="0" err="1" smtClean="0">
+                <a:solidFill>
+                  <a:schemeClr val="accent1">
+                    <a:lumMod val="50000"/>
+                  </a:schemeClr>
+                </a:solidFill>
+                <a:cs typeface="Arial" panose="020B0604020202020204" pitchFamily="34" charset="0"/>
+              </a:rPr>
+              <a:t>faults</a:t>
+            </a:r>
+            <a:endParaRPr lang="en-US" sz="2800" dirty="0">
+              <a:solidFill>
+                <a:schemeClr val="accent1">
+                  <a:lumMod val="50000"/>
+                </a:schemeClr>
+              </a:solidFill>
+              <a:cs typeface="Arial" panose="020B0604020202020204" pitchFamily="34" charset="0"/>
+            </a:endParaRPr>
+          </a:p>
+        </p:txBody>
+      </p:sp>
+      <p:sp>
+        <p:nvSpPr>
+          <p:cNvPr id="9" name="Rectangle 8"/>
+          <p:cNvSpPr/>
+          <p:nvPr/>
+        </p:nvSpPr>
+        <p:spPr>
+          <a:xfrm>
+            <a:off x="224970" y="707752"/>
+            <a:ext cx="8461829" cy="3785652"/>
+          </a:xfrm>
+          <a:prstGeom prst="rect">
+            <a:avLst/>
+          </a:prstGeom>
+        </p:spPr>
+        <p:txBody>
+          <a:bodyPr wrap="square">
+            <a:spAutoFit/>
+          </a:bodyPr>
+          <a:lstStyle/>
+          <a:p>
+            <a:r>
+              <a:rPr lang="en-US" sz="2000" b="1" dirty="0">
+                <a:solidFill>
+                  <a:srgbClr val="002060"/>
+                </a:solidFill>
+                <a:cs typeface="Arial" panose="020B0604020202020204" pitchFamily="34" charset="0"/>
+              </a:rPr>
+              <a:t>Winding open-circuit </a:t>
+            </a:r>
+            <a:r>
+              <a:rPr lang="en-US" sz="2000" b="1" dirty="0" smtClean="0">
+                <a:solidFill>
+                  <a:srgbClr val="002060"/>
+                </a:solidFill>
+                <a:cs typeface="Arial" panose="020B0604020202020204" pitchFamily="34" charset="0"/>
+              </a:rPr>
+              <a:t>faults:</a:t>
+            </a:r>
+          </a:p>
+          <a:p>
+            <a:pPr marL="342900" indent="-342900">
+              <a:buFont typeface="Arial" panose="020B0604020202020204" pitchFamily="34" charset="0"/>
+              <a:buChar char="•"/>
+            </a:pPr>
+            <a:r>
+              <a:rPr lang="en-US" sz="2000" dirty="0" smtClean="0">
+                <a:solidFill>
+                  <a:srgbClr val="002060"/>
+                </a:solidFill>
+                <a:cs typeface="Arial" panose="020B0604020202020204" pitchFamily="34" charset="0"/>
+              </a:rPr>
+              <a:t>among </a:t>
+            </a:r>
+            <a:r>
+              <a:rPr lang="en-US" sz="2000" dirty="0">
+                <a:solidFill>
+                  <a:srgbClr val="002060"/>
+                </a:solidFill>
+                <a:cs typeface="Arial" panose="020B0604020202020204" pitchFamily="34" charset="0"/>
+              </a:rPr>
+              <a:t>the </a:t>
+            </a:r>
+            <a:r>
+              <a:rPr lang="en-US" sz="2000" dirty="0" smtClean="0">
+                <a:solidFill>
+                  <a:srgbClr val="002060"/>
+                </a:solidFill>
+                <a:cs typeface="Arial" panose="020B0604020202020204" pitchFamily="34" charset="0"/>
+              </a:rPr>
+              <a:t>most common faults</a:t>
+            </a:r>
+            <a:r>
+              <a:rPr lang="tr-TR" sz="2000" dirty="0" smtClean="0">
+                <a:solidFill>
+                  <a:srgbClr val="002060"/>
+                </a:solidFill>
+                <a:cs typeface="Arial" panose="020B0604020202020204" pitchFamily="34" charset="0"/>
+              </a:rPr>
+              <a:t>.</a:t>
+            </a:r>
+            <a:endParaRPr lang="en-US" sz="2000" dirty="0" smtClean="0">
+              <a:solidFill>
+                <a:srgbClr val="002060"/>
+              </a:solidFill>
+              <a:cs typeface="Arial" panose="020B0604020202020204" pitchFamily="34" charset="0"/>
+            </a:endParaRPr>
+          </a:p>
+          <a:p>
+            <a:pPr marL="342900" indent="-342900">
+              <a:buFont typeface="Arial" panose="020B0604020202020204" pitchFamily="34" charset="0"/>
+              <a:buChar char="•"/>
+            </a:pPr>
+            <a:r>
+              <a:rPr lang="en-US" sz="2000" dirty="0" smtClean="0">
+                <a:solidFill>
+                  <a:srgbClr val="002060"/>
+                </a:solidFill>
+                <a:cs typeface="Arial" panose="020B0604020202020204" pitchFamily="34" charset="0"/>
+              </a:rPr>
+              <a:t>caused </a:t>
+            </a:r>
+            <a:r>
+              <a:rPr lang="en-US" sz="2000" dirty="0">
+                <a:solidFill>
+                  <a:srgbClr val="002060"/>
+                </a:solidFill>
+                <a:cs typeface="Arial" panose="020B0604020202020204" pitchFamily="34" charset="0"/>
+              </a:rPr>
+              <a:t>as a </a:t>
+            </a:r>
+            <a:r>
+              <a:rPr lang="en-US" sz="2000" dirty="0" smtClean="0">
+                <a:solidFill>
+                  <a:srgbClr val="002060"/>
+                </a:solidFill>
+                <a:cs typeface="Arial" panose="020B0604020202020204" pitchFamily="34" charset="0"/>
+              </a:rPr>
+              <a:t>consequence of</a:t>
+            </a:r>
+            <a:r>
+              <a:rPr lang="tr-TR" sz="2000" dirty="0" smtClean="0">
+                <a:solidFill>
+                  <a:srgbClr val="002060"/>
+                </a:solidFill>
+                <a:cs typeface="Arial" panose="020B0604020202020204" pitchFamily="34" charset="0"/>
+              </a:rPr>
+              <a:t>:</a:t>
+            </a:r>
+          </a:p>
+          <a:p>
+            <a:pPr marL="800100" lvl="1" indent="-342900">
+              <a:buFont typeface="Wingdings" panose="05000000000000000000" pitchFamily="2" charset="2"/>
+              <a:buChar char="q"/>
+            </a:pPr>
+            <a:r>
+              <a:rPr lang="en-US" sz="2000" dirty="0" smtClean="0">
+                <a:solidFill>
+                  <a:srgbClr val="002060"/>
+                </a:solidFill>
+                <a:cs typeface="Arial" panose="020B0604020202020204" pitchFamily="34" charset="0"/>
+              </a:rPr>
+              <a:t>the </a:t>
+            </a:r>
+            <a:r>
+              <a:rPr lang="en-US" sz="2000" dirty="0">
+                <a:solidFill>
+                  <a:srgbClr val="002060"/>
+                </a:solidFill>
+                <a:cs typeface="Arial" panose="020B0604020202020204" pitchFamily="34" charset="0"/>
+              </a:rPr>
+              <a:t>internal interruption of the motor </a:t>
+            </a:r>
+            <a:r>
+              <a:rPr lang="en-US" sz="2000" dirty="0" smtClean="0">
+                <a:solidFill>
+                  <a:srgbClr val="002060"/>
+                </a:solidFill>
+                <a:cs typeface="Arial" panose="020B0604020202020204" pitchFamily="34" charset="0"/>
+              </a:rPr>
+              <a:t>windings</a:t>
+            </a:r>
+            <a:endParaRPr lang="tr-TR" sz="2000" dirty="0" smtClean="0">
+              <a:solidFill>
+                <a:srgbClr val="002060"/>
+              </a:solidFill>
+              <a:cs typeface="Arial" panose="020B0604020202020204" pitchFamily="34" charset="0"/>
+            </a:endParaRPr>
+          </a:p>
+          <a:p>
+            <a:pPr marL="800100" lvl="1" indent="-342900">
+              <a:buFont typeface="Wingdings" panose="05000000000000000000" pitchFamily="2" charset="2"/>
+              <a:buChar char="q"/>
+            </a:pPr>
+            <a:r>
+              <a:rPr lang="en-US" sz="2000" dirty="0" smtClean="0">
+                <a:solidFill>
+                  <a:srgbClr val="002060"/>
+                </a:solidFill>
+                <a:cs typeface="Arial" panose="020B0604020202020204" pitchFamily="34" charset="0"/>
+              </a:rPr>
+              <a:t>mechanical </a:t>
+            </a:r>
+            <a:r>
+              <a:rPr lang="en-US" sz="2000" dirty="0">
+                <a:solidFill>
+                  <a:srgbClr val="002060"/>
+                </a:solidFill>
+                <a:cs typeface="Arial" panose="020B0604020202020204" pitchFamily="34" charset="0"/>
+              </a:rPr>
+              <a:t>faults at the machine </a:t>
+            </a:r>
+            <a:r>
+              <a:rPr lang="en-US" sz="2000" dirty="0" smtClean="0">
+                <a:solidFill>
+                  <a:srgbClr val="002060"/>
+                </a:solidFill>
+                <a:cs typeface="Arial" panose="020B0604020202020204" pitchFamily="34" charset="0"/>
+              </a:rPr>
+              <a:t>terminals</a:t>
+            </a:r>
+            <a:endParaRPr lang="tr-TR" sz="2000" dirty="0" smtClean="0">
+              <a:solidFill>
+                <a:srgbClr val="002060"/>
+              </a:solidFill>
+              <a:cs typeface="Arial" panose="020B0604020202020204" pitchFamily="34" charset="0"/>
+            </a:endParaRPr>
+          </a:p>
+          <a:p>
+            <a:pPr marL="800100" lvl="1" indent="-342900">
+              <a:buFont typeface="Wingdings" panose="05000000000000000000" pitchFamily="2" charset="2"/>
+              <a:buChar char="q"/>
+            </a:pPr>
+            <a:r>
+              <a:rPr lang="en-US" sz="2000" dirty="0" smtClean="0">
+                <a:solidFill>
+                  <a:srgbClr val="002060"/>
+                </a:solidFill>
+                <a:cs typeface="Arial" panose="020B0604020202020204" pitchFamily="34" charset="0"/>
+              </a:rPr>
+              <a:t>mechanical </a:t>
+            </a:r>
+            <a:r>
+              <a:rPr lang="en-US" sz="2000" dirty="0">
+                <a:solidFill>
+                  <a:srgbClr val="002060"/>
+                </a:solidFill>
+                <a:cs typeface="Arial" panose="020B0604020202020204" pitchFamily="34" charset="0"/>
+              </a:rPr>
+              <a:t>stresses on the connectors that link the motor and the </a:t>
+            </a:r>
+            <a:r>
+              <a:rPr lang="en-US" sz="2000" dirty="0" smtClean="0">
+                <a:solidFill>
+                  <a:srgbClr val="002060"/>
+                </a:solidFill>
+                <a:cs typeface="Arial" panose="020B0604020202020204" pitchFamily="34" charset="0"/>
+              </a:rPr>
+              <a:t>inverter</a:t>
+            </a:r>
+            <a:endParaRPr lang="tr-TR" sz="2000" dirty="0" smtClean="0">
+              <a:solidFill>
+                <a:srgbClr val="002060"/>
+              </a:solidFill>
+              <a:cs typeface="Arial" panose="020B0604020202020204" pitchFamily="34" charset="0"/>
+            </a:endParaRPr>
+          </a:p>
+          <a:p>
+            <a:pPr marL="800100" lvl="1" indent="-342900">
+              <a:buFont typeface="Wingdings" panose="05000000000000000000" pitchFamily="2" charset="2"/>
+              <a:buChar char="q"/>
+            </a:pPr>
+            <a:r>
+              <a:rPr lang="en-US" sz="2000" dirty="0" smtClean="0">
+                <a:solidFill>
+                  <a:srgbClr val="FF0000"/>
+                </a:solidFill>
+                <a:cs typeface="Arial" panose="020B0604020202020204" pitchFamily="34" charset="0"/>
+              </a:rPr>
+              <a:t>by </a:t>
+            </a:r>
+            <a:r>
+              <a:rPr lang="en-US" sz="2000" dirty="0">
+                <a:solidFill>
+                  <a:srgbClr val="FF0000"/>
+                </a:solidFill>
+                <a:cs typeface="Arial" panose="020B0604020202020204" pitchFamily="34" charset="0"/>
+              </a:rPr>
+              <a:t>an electrical failure on an inverter phase </a:t>
+            </a:r>
+            <a:r>
+              <a:rPr lang="en-US" sz="2000" dirty="0" smtClean="0">
+                <a:solidFill>
+                  <a:srgbClr val="FF0000"/>
+                </a:solidFill>
+                <a:cs typeface="Arial" panose="020B0604020202020204" pitchFamily="34" charset="0"/>
+              </a:rPr>
+              <a:t>leg</a:t>
+            </a:r>
+          </a:p>
+          <a:p>
+            <a:pPr marL="342900" indent="-342900">
+              <a:buFont typeface="Arial" panose="020B0604020202020204" pitchFamily="34" charset="0"/>
+              <a:buChar char="•"/>
+            </a:pPr>
+            <a:r>
+              <a:rPr lang="en-US" sz="2000" dirty="0" smtClean="0">
+                <a:solidFill>
+                  <a:srgbClr val="002060"/>
+                </a:solidFill>
+                <a:cs typeface="Arial" panose="020B0604020202020204" pitchFamily="34" charset="0"/>
+              </a:rPr>
+              <a:t>leads </a:t>
+            </a:r>
+            <a:r>
+              <a:rPr lang="en-US" sz="2000" dirty="0">
+                <a:solidFill>
+                  <a:srgbClr val="002060"/>
+                </a:solidFill>
+                <a:cs typeface="Arial" panose="020B0604020202020204" pitchFamily="34" charset="0"/>
+              </a:rPr>
+              <a:t>to the inability to produce a standard 3-phase </a:t>
+            </a:r>
+            <a:r>
+              <a:rPr lang="en-US" sz="2000" dirty="0" smtClean="0">
+                <a:solidFill>
+                  <a:srgbClr val="002060"/>
+                </a:solidFill>
+                <a:cs typeface="Arial" panose="020B0604020202020204" pitchFamily="34" charset="0"/>
+              </a:rPr>
+              <a:t>constant </a:t>
+            </a:r>
+            <a:r>
+              <a:rPr lang="en-US" sz="2000" dirty="0">
+                <a:solidFill>
+                  <a:srgbClr val="002060"/>
+                </a:solidFill>
+                <a:cs typeface="Arial" panose="020B0604020202020204" pitchFamily="34" charset="0"/>
+              </a:rPr>
+              <a:t>magnitude rotating magnetic </a:t>
+            </a:r>
+            <a:r>
+              <a:rPr lang="en-US" sz="2000" dirty="0" smtClean="0">
+                <a:solidFill>
+                  <a:srgbClr val="002060"/>
+                </a:solidFill>
+                <a:cs typeface="Arial" panose="020B0604020202020204" pitchFamily="34" charset="0"/>
+              </a:rPr>
+              <a:t>field</a:t>
+            </a:r>
+          </a:p>
+          <a:p>
+            <a:pPr marL="342900" indent="-342900">
+              <a:buFont typeface="Arial" panose="020B0604020202020204" pitchFamily="34" charset="0"/>
+              <a:buChar char="•"/>
+            </a:pPr>
+            <a:r>
+              <a:rPr lang="en-US" sz="2000" dirty="0" smtClean="0">
+                <a:solidFill>
+                  <a:srgbClr val="002060"/>
+                </a:solidFill>
+                <a:cs typeface="Arial" panose="020B0604020202020204" pitchFamily="34" charset="0"/>
+              </a:rPr>
+              <a:t>causes </a:t>
+            </a:r>
+            <a:r>
+              <a:rPr lang="en-US" sz="2000" dirty="0">
+                <a:solidFill>
+                  <a:srgbClr val="FF0000"/>
+                </a:solidFill>
+                <a:cs typeface="Arial" panose="020B0604020202020204" pitchFamily="34" charset="0"/>
+              </a:rPr>
+              <a:t>large torque pulsations</a:t>
+            </a:r>
+            <a:r>
+              <a:rPr lang="en-US" sz="2000" dirty="0">
+                <a:solidFill>
+                  <a:srgbClr val="002060"/>
+                </a:solidFill>
+                <a:cs typeface="Arial" panose="020B0604020202020204" pitchFamily="34" charset="0"/>
+              </a:rPr>
+              <a:t>, mainly at twice the frequency of the supply </a:t>
+            </a:r>
+            <a:r>
+              <a:rPr lang="en-US" sz="2000" dirty="0" smtClean="0">
+                <a:solidFill>
+                  <a:srgbClr val="002060"/>
+                </a:solidFill>
+                <a:cs typeface="Arial" panose="020B0604020202020204" pitchFamily="34" charset="0"/>
+              </a:rPr>
+              <a:t>signal</a:t>
+            </a:r>
+          </a:p>
+        </p:txBody>
+      </p:sp>
+    </p:spTree>
+    <p:extLst>
+      <p:ext uri="{BB962C8B-B14F-4D97-AF65-F5344CB8AC3E}">
+        <p14:creationId xmlns:p14="http://schemas.microsoft.com/office/powerpoint/2010/main" val="2305943199"/>
+      </p:ext>
+    </p:extLst>
+  </p:cSld>
+  <p:clrMapOvr>
+    <a:masterClrMapping/>
+  </p:clrMapOvr>
+  <p:timing>
+    <p:tnLst>
+      <p:par>
+        <p:cTn id="1" dur="indefinite" restart="never" nodeType="tmRoot"/>
+      </p:par>
+    </p:tnLst>
+  </p:timing>
+</p:sld>
+</file>
+
+<file path=ppt/slides/slide40.xml><?xml version="1.0" encoding="utf-8"?>
+<p:sld xmlns:a="http://schemas.openxmlformats.org/drawingml/2006/main" xmlns:r="http://schemas.openxmlformats.org/officeDocument/2006/relationships" xmlns:p="http://schemas.openxmlformats.org/presentationml/2006/main">
+  <p:cSld>
+    <p:spTree>
+      <p:nvGrpSpPr>
+        <p:cNvPr id="1" name=""/>
+        <p:cNvGrpSpPr/>
+        <p:nvPr/>
+      </p:nvGrpSpPr>
+      <p:grpSpPr>
+        <a:xfrm>
+          <a:off x="0" y="0"/>
+          <a:ext cx="0" cy="0"/>
+          <a:chOff x="0" y="0"/>
+          <a:chExt cx="0" cy="0"/>
+        </a:xfrm>
+      </p:grpSpPr>
+      <p:sp>
+        <p:nvSpPr>
+          <p:cNvPr id="8" name="Rectangle 7"/>
+          <p:cNvSpPr/>
+          <p:nvPr/>
+        </p:nvSpPr>
+        <p:spPr>
+          <a:xfrm>
+            <a:off x="478970" y="150669"/>
+            <a:ext cx="8207829" cy="523220"/>
+          </a:xfrm>
+          <a:prstGeom prst="rect">
+            <a:avLst/>
+          </a:prstGeom>
+        </p:spPr>
+        <p:txBody>
+          <a:bodyPr wrap="square">
+            <a:spAutoFit/>
+          </a:bodyPr>
+          <a:lstStyle/>
+          <a:p>
+            <a:pPr algn="ctr"/>
+            <a:r>
               <a:rPr lang="en-US" sz="2800" b="1" dirty="0" smtClean="0">
                 <a:solidFill>
                   <a:schemeClr val="accent1">
@@ -17459,12 +24493,6 @@
               </a:rPr>
               <a:t>use of dual-stator machine designs and redundant drive structures is common in ship propulsion applications</a:t>
             </a:r>
-            <a:endParaRPr lang="en-US" dirty="0">
-              <a:solidFill>
-                <a:srgbClr val="002060"/>
-              </a:solidFill>
-              <a:cs typeface="Arial" panose="020B0604020202020204" pitchFamily="34" charset="0"/>
-            </a:endParaRPr>
           </a:p>
           <a:p>
             <a:pPr marL="342900" indent="-342900">
@@ -17500,7 +24528,7 @@
 </p:sld>
 </file>
 
-<file path=ppt/slides/slide29.xml><?xml version="1.0" encoding="utf-8"?>
+<file path=ppt/slides/slide41.xml><?xml version="1.0" encoding="utf-8"?>
 <p:sld xmlns:a="http://schemas.openxmlformats.org/drawingml/2006/main" xmlns:r="http://schemas.openxmlformats.org/officeDocument/2006/relationships" xmlns:p="http://schemas.openxmlformats.org/presentationml/2006/main">
   <p:cSld>
     <p:spTree>
@@ -18519,134 +25547,7 @@
 </p:sld>
 </file>
 
-<file path=ppt/slides/slide3.xml><?xml version="1.0" encoding="utf-8"?>
-<p:sld xmlns:a="http://schemas.openxmlformats.org/drawingml/2006/main" xmlns:r="http://schemas.openxmlformats.org/officeDocument/2006/relationships" xmlns:p="http://schemas.openxmlformats.org/presentationml/2006/main">
-  <p:cSld>
-    <p:spTree>
-      <p:nvGrpSpPr>
-        <p:cNvPr id="1" name=""/>
-        <p:cNvGrpSpPr/>
-        <p:nvPr/>
-      </p:nvGrpSpPr>
-      <p:grpSpPr>
-        <a:xfrm>
-          <a:off x="0" y="0"/>
-          <a:ext cx="0" cy="0"/>
-          <a:chOff x="0" y="0"/>
-          <a:chExt cx="0" cy="0"/>
-        </a:xfrm>
-      </p:grpSpPr>
-      <p:sp>
-        <p:nvSpPr>
-          <p:cNvPr id="8" name="Rectangle 7"/>
-          <p:cNvSpPr/>
-          <p:nvPr/>
-        </p:nvSpPr>
-        <p:spPr>
-          <a:xfrm>
-            <a:off x="478970" y="150669"/>
-            <a:ext cx="8207829" cy="523220"/>
-          </a:xfrm>
-          <a:prstGeom prst="rect">
-            <a:avLst/>
-          </a:prstGeom>
-        </p:spPr>
-        <p:txBody>
-          <a:bodyPr wrap="square">
-            <a:spAutoFit/>
-          </a:bodyPr>
-          <a:lstStyle/>
-          <a:p>
-            <a:pPr algn="ctr"/>
-            <a:r>
-              <a:rPr lang="tr-TR" sz="2800" b="1" dirty="0" err="1" smtClean="0">
-                <a:solidFill>
-                  <a:schemeClr val="accent1">
-                    <a:lumMod val="50000"/>
-                  </a:schemeClr>
-                </a:solidFill>
-                <a:cs typeface="Arial" panose="020B0604020202020204" pitchFamily="34" charset="0"/>
-              </a:rPr>
-              <a:t>Failure</a:t>
-            </a:r>
-            <a:r>
-              <a:rPr lang="tr-TR" sz="2800" b="1" dirty="0" smtClean="0">
-                <a:solidFill>
-                  <a:schemeClr val="accent1">
-                    <a:lumMod val="50000"/>
-                  </a:schemeClr>
-                </a:solidFill>
-                <a:cs typeface="Arial" panose="020B0604020202020204" pitchFamily="34" charset="0"/>
-              </a:rPr>
-              <a:t> </a:t>
-            </a:r>
-            <a:r>
-              <a:rPr lang="tr-TR" sz="2800" b="1" dirty="0" err="1" smtClean="0">
-                <a:solidFill>
-                  <a:schemeClr val="accent1">
-                    <a:lumMod val="50000"/>
-                  </a:schemeClr>
-                </a:solidFill>
-                <a:cs typeface="Arial" panose="020B0604020202020204" pitchFamily="34" charset="0"/>
-              </a:rPr>
-              <a:t>Rates</a:t>
-            </a:r>
-            <a:endParaRPr lang="en-US" sz="2800" dirty="0">
-              <a:solidFill>
-                <a:schemeClr val="accent1">
-                  <a:lumMod val="50000"/>
-                </a:schemeClr>
-              </a:solidFill>
-              <a:cs typeface="Arial" panose="020B0604020202020204" pitchFamily="34" charset="0"/>
-            </a:endParaRPr>
-          </a:p>
-        </p:txBody>
-      </p:sp>
-      <p:pic>
-        <p:nvPicPr>
-          <p:cNvPr id="2" name="Picture 1"/>
-          <p:cNvPicPr>
-            <a:picLocks noChangeAspect="1"/>
-          </p:cNvPicPr>
-          <p:nvPr/>
-        </p:nvPicPr>
-        <p:blipFill>
-          <a:blip r:embed="rId3"/>
-          <a:stretch>
-            <a:fillRect/>
-          </a:stretch>
-        </p:blipFill>
-        <p:spPr>
-          <a:xfrm>
-            <a:off x="255587" y="992296"/>
-            <a:ext cx="8749519" cy="4799811"/>
-          </a:xfrm>
-          <a:prstGeom prst="rect">
-            <a:avLst/>
-          </a:prstGeom>
-        </p:spPr>
-      </p:pic>
-    </p:spTree>
-    <p:extLst>
-      <p:ext uri="{BB962C8B-B14F-4D97-AF65-F5344CB8AC3E}">
-        <p14:creationId xmlns:p14="http://schemas.microsoft.com/office/powerpoint/2010/main" val="1591189072"/>
-      </p:ext>
-    </p:extLst>
-  </p:cSld>
-  <p:clrMapOvr>
-    <a:masterClrMapping/>
-  </p:clrMapOvr>
-  <p:timing>
-    <p:tnLst>
-      <p:par>
-        <p:cTn id="1" dur="indefinite" restart="never" nodeType="tmRoot"/>
-      </p:par>
-    </p:tnLst>
-  </p:timing>
-</p:sld>
-</file>
-
-<file path=ppt/slides/slide30.xml><?xml version="1.0" encoding="utf-8"?>
+<file path=ppt/slides/slide42.xml><?xml version="1.0" encoding="utf-8"?>
 <p:sld xmlns:a="http://schemas.openxmlformats.org/drawingml/2006/main" xmlns:r="http://schemas.openxmlformats.org/officeDocument/2006/relationships" xmlns:p="http://schemas.openxmlformats.org/presentationml/2006/main">
   <p:cSld>
     <p:spTree>
@@ -18880,7 +25781,7 @@
 </p:sld>
 </file>
 
-<file path=ppt/slides/slide31.xml><?xml version="1.0" encoding="utf-8"?>
+<file path=ppt/slides/slide43.xml><?xml version="1.0" encoding="utf-8"?>
 <p:sld xmlns:a="http://schemas.openxmlformats.org/drawingml/2006/main" xmlns:r="http://schemas.openxmlformats.org/officeDocument/2006/relationships" xmlns:p="http://schemas.openxmlformats.org/presentationml/2006/main">
   <p:cSld>
     <p:spTree>
@@ -19469,23 +26370,8 @@
                 </a:solidFill>
                 <a:cs typeface="Arial" panose="020B0604020202020204" pitchFamily="34" charset="0"/>
               </a:rPr>
-              <a:t>. Haliyle verimi hep aynı gidiyor</a:t>
-            </a:r>
-            <a:r>
-              <a:rPr lang="tr-TR" dirty="0" smtClean="0">
-                <a:solidFill>
-                  <a:srgbClr val="002060"/>
-                </a:solidFill>
-                <a:cs typeface="Arial" panose="020B0604020202020204" pitchFamily="34" charset="0"/>
-              </a:rPr>
-              <a:t>.</a:t>
-            </a:r>
-            <a:endParaRPr lang="tr-TR" dirty="0" smtClean="0">
-              <a:solidFill>
-                <a:srgbClr val="002060"/>
-              </a:solidFill>
-              <a:cs typeface="Arial" panose="020B0604020202020204" pitchFamily="34" charset="0"/>
-            </a:endParaRPr>
+              <a:t>. Haliyle verimi hep aynı gidiyor.</a:t>
+            </a:r>
           </a:p>
           <a:p>
             <a:r>
@@ -19604,7 +26490,7 @@
 </p:sld>
 </file>
 
-<file path=ppt/slides/slide32.xml><?xml version="1.0" encoding="utf-8"?>
+<file path=ppt/slides/slide44.xml><?xml version="1.0" encoding="utf-8"?>
 <p:sld xmlns:a="http://schemas.openxmlformats.org/drawingml/2006/main" xmlns:r="http://schemas.openxmlformats.org/officeDocument/2006/relationships" xmlns:p="http://schemas.openxmlformats.org/presentationml/2006/main">
   <p:cSld>
     <p:spTree>
@@ -20008,41 +26894,32 @@
               <a:rPr lang="tr-TR" dirty="0" smtClean="0">
                 <a:cs typeface="Arial" panose="020B0604020202020204" pitchFamily="34" charset="0"/>
               </a:rPr>
-              <a:t>60 Amperlik GaN kullansam hep, ne olur</a:t>
+              <a:t>60 Amperlik GaN kullansam hep, ne olur? Apart </a:t>
+            </a:r>
+            <a:r>
+              <a:rPr lang="tr-TR" dirty="0" err="1" smtClean="0">
+                <a:cs typeface="Arial" panose="020B0604020202020204" pitchFamily="34" charset="0"/>
+              </a:rPr>
+              <a:t>from</a:t>
             </a:r>
             <a:r>
               <a:rPr lang="tr-TR" dirty="0" smtClean="0">
                 <a:cs typeface="Arial" panose="020B0604020202020204" pitchFamily="34" charset="0"/>
               </a:rPr>
-              <a:t>? Apart </a:t>
+              <a:t> </a:t>
             </a:r>
             <a:r>
               <a:rPr lang="tr-TR" dirty="0" err="1" smtClean="0">
                 <a:cs typeface="Arial" panose="020B0604020202020204" pitchFamily="34" charset="0"/>
               </a:rPr>
-              <a:t>from</a:t>
+              <a:t>cost</a:t>
             </a:r>
             <a:r>
               <a:rPr lang="tr-TR" dirty="0" smtClean="0">
                 <a:cs typeface="Arial" panose="020B0604020202020204" pitchFamily="34" charset="0"/>
               </a:rPr>
-              <a:t> </a:t>
-            </a:r>
-            <a:r>
-              <a:rPr lang="tr-TR" dirty="0" err="1" smtClean="0">
-                <a:cs typeface="Arial" panose="020B0604020202020204" pitchFamily="34" charset="0"/>
-              </a:rPr>
-              <a:t>cost</a:t>
-            </a:r>
-            <a:r>
-              <a:rPr lang="tr-TR" dirty="0" smtClean="0">
-                <a:cs typeface="Arial" panose="020B0604020202020204" pitchFamily="34" charset="0"/>
-              </a:rPr>
               <a:t>…</a:t>
             </a:r>
-            <a:endParaRPr lang="tr-TR" dirty="0" smtClean="0">
-              <a:cs typeface="Arial" panose="020B0604020202020204" pitchFamily="34" charset="0"/>
-            </a:endParaRPr>
           </a:p>
         </p:txBody>
       </p:sp>
@@ -20228,7 +27105,7 @@
 </p:sld>
 </file>
 
-<file path=ppt/slides/slide33.xml><?xml version="1.0" encoding="utf-8"?>
+<file path=ppt/slides/slide45.xml><?xml version="1.0" encoding="utf-8"?>
 <p:sld xmlns:a="http://schemas.openxmlformats.org/drawingml/2006/main" xmlns:r="http://schemas.openxmlformats.org/officeDocument/2006/relationships" xmlns:p="http://schemas.openxmlformats.org/presentationml/2006/main">
   <p:cSld>
     <p:spTree>
@@ -20797,7 +27674,7 @@
 </p:sld>
 </file>
 
-<file path=ppt/slides/slide34.xml><?xml version="1.0" encoding="utf-8"?>
+<file path=ppt/slides/slide46.xml><?xml version="1.0" encoding="utf-8"?>
 <p:sld xmlns:a="http://schemas.openxmlformats.org/drawingml/2006/main" xmlns:r="http://schemas.openxmlformats.org/officeDocument/2006/relationships" xmlns:p="http://schemas.openxmlformats.org/presentationml/2006/main">
   <p:cSld>
     <p:spTree>
@@ -21043,7 +27920,7 @@
 </p:sld>
 </file>
 
-<file path=ppt/slides/slide35.xml><?xml version="1.0" encoding="utf-8"?>
+<file path=ppt/slides/slide47.xml><?xml version="1.0" encoding="utf-8"?>
 <p:sld xmlns:a="http://schemas.openxmlformats.org/drawingml/2006/main" xmlns:r="http://schemas.openxmlformats.org/officeDocument/2006/relationships" xmlns:p="http://schemas.openxmlformats.org/presentationml/2006/main">
   <p:cSld>
     <p:spTree>
@@ -21285,23 +28162,8 @@
                 </a:solidFill>
                 <a:cs typeface="Arial" panose="020B0604020202020204" pitchFamily="34" charset="0"/>
               </a:rPr>
-              <a:t> sığdığı varsayılıyor </a:t>
-            </a:r>
-            <a:r>
-              <a:rPr lang="tr-TR" dirty="0" smtClean="0">
-                <a:solidFill>
-                  <a:srgbClr val="FF0000"/>
-                </a:solidFill>
-                <a:cs typeface="Arial" panose="020B0604020202020204" pitchFamily="34" charset="0"/>
-              </a:rPr>
-              <a:t>!</a:t>
-            </a:r>
-            <a:endParaRPr lang="tr-TR" dirty="0" smtClean="0">
-              <a:solidFill>
-                <a:srgbClr val="FF0000"/>
-              </a:solidFill>
-              <a:cs typeface="Arial" panose="020B0604020202020204" pitchFamily="34" charset="0"/>
-            </a:endParaRPr>
+              <a:t> sığdığı varsayılıyor !</a:t>
+            </a:r>
           </a:p>
         </p:txBody>
       </p:sp>
@@ -21990,12 +28852,6 @@
               </a:rPr>
               <a:t>Bu yanlış olabilir ! Bunu incelemek lazım.</a:t>
             </a:r>
-            <a:endParaRPr lang="tr-TR" dirty="0" smtClean="0">
-              <a:solidFill>
-                <a:srgbClr val="FF0000"/>
-              </a:solidFill>
-              <a:cs typeface="Arial" panose="020B0604020202020204" pitchFamily="34" charset="0"/>
-            </a:endParaRPr>
           </a:p>
         </p:txBody>
       </p:sp>
@@ -22042,7 +28898,7 @@
 </p:sld>
 </file>
 
-<file path=ppt/slides/slide36.xml><?xml version="1.0" encoding="utf-8"?>
+<file path=ppt/slides/slide48.xml><?xml version="1.0" encoding="utf-8"?>
 <p:sld xmlns:a="http://schemas.openxmlformats.org/drawingml/2006/main" xmlns:r="http://schemas.openxmlformats.org/officeDocument/2006/relationships" xmlns:p="http://schemas.openxmlformats.org/presentationml/2006/main">
   <p:cSld>
     <p:spTree>
@@ -22326,12 +29182,6 @@
               </a:rPr>
               <a:t> sığıyor). </a:t>
             </a:r>
-            <a:endParaRPr lang="tr-TR" dirty="0" smtClean="0">
-              <a:solidFill>
-                <a:srgbClr val="002060"/>
-              </a:solidFill>
-              <a:cs typeface="Arial" panose="020B0604020202020204" pitchFamily="34" charset="0"/>
-            </a:endParaRPr>
           </a:p>
         </p:txBody>
       </p:sp>
@@ -22379,507 +29229,6 @@
 </p:sld>
 </file>
 
-<file path=ppt/slides/slide4.xml><?xml version="1.0" encoding="utf-8"?>
-<p:sld xmlns:a="http://schemas.openxmlformats.org/drawingml/2006/main" xmlns:r="http://schemas.openxmlformats.org/officeDocument/2006/relationships" xmlns:p="http://schemas.openxmlformats.org/presentationml/2006/main">
-  <p:cSld>
-    <p:spTree>
-      <p:nvGrpSpPr>
-        <p:cNvPr id="1" name=""/>
-        <p:cNvGrpSpPr/>
-        <p:nvPr/>
-      </p:nvGrpSpPr>
-      <p:grpSpPr>
-        <a:xfrm>
-          <a:off x="0" y="0"/>
-          <a:ext cx="0" cy="0"/>
-          <a:chOff x="0" y="0"/>
-          <a:chExt cx="0" cy="0"/>
-        </a:xfrm>
-      </p:grpSpPr>
-      <p:sp>
-        <p:nvSpPr>
-          <p:cNvPr id="8" name="Rectangle 7"/>
-          <p:cNvSpPr/>
-          <p:nvPr/>
-        </p:nvSpPr>
-        <p:spPr>
-          <a:xfrm>
-            <a:off x="478970" y="150669"/>
-            <a:ext cx="8207829" cy="523220"/>
-          </a:xfrm>
-          <a:prstGeom prst="rect">
-            <a:avLst/>
-          </a:prstGeom>
-        </p:spPr>
-        <p:txBody>
-          <a:bodyPr wrap="square">
-            <a:spAutoFit/>
-          </a:bodyPr>
-          <a:lstStyle/>
-          <a:p>
-            <a:pPr algn="ctr"/>
-            <a:r>
-              <a:rPr lang="tr-TR" sz="2800" b="1" dirty="0" smtClean="0">
-                <a:solidFill>
-                  <a:schemeClr val="accent1">
-                    <a:lumMod val="50000"/>
-                  </a:schemeClr>
-                </a:solidFill>
-                <a:cs typeface="Arial" panose="020B0604020202020204" pitchFamily="34" charset="0"/>
-              </a:rPr>
-              <a:t>Open </a:t>
-            </a:r>
-            <a:r>
-              <a:rPr lang="tr-TR" sz="2800" b="1" dirty="0" err="1" smtClean="0">
-                <a:solidFill>
-                  <a:schemeClr val="accent1">
-                    <a:lumMod val="50000"/>
-                  </a:schemeClr>
-                </a:solidFill>
-                <a:cs typeface="Arial" panose="020B0604020202020204" pitchFamily="34" charset="0"/>
-              </a:rPr>
-              <a:t>circuit</a:t>
-            </a:r>
-            <a:r>
-              <a:rPr lang="tr-TR" sz="2800" b="1" dirty="0" smtClean="0">
-                <a:solidFill>
-                  <a:schemeClr val="accent1">
-                    <a:lumMod val="50000"/>
-                  </a:schemeClr>
-                </a:solidFill>
-                <a:cs typeface="Arial" panose="020B0604020202020204" pitchFamily="34" charset="0"/>
-              </a:rPr>
-              <a:t> </a:t>
-            </a:r>
-            <a:r>
-              <a:rPr lang="tr-TR" sz="2800" b="1" dirty="0" err="1" smtClean="0">
-                <a:solidFill>
-                  <a:schemeClr val="accent1">
-                    <a:lumMod val="50000"/>
-                  </a:schemeClr>
-                </a:solidFill>
-                <a:cs typeface="Arial" panose="020B0604020202020204" pitchFamily="34" charset="0"/>
-              </a:rPr>
-              <a:t>faults</a:t>
-            </a:r>
-            <a:endParaRPr lang="en-US" sz="2800" dirty="0">
-              <a:solidFill>
-                <a:schemeClr val="accent1">
-                  <a:lumMod val="50000"/>
-                </a:schemeClr>
-              </a:solidFill>
-              <a:cs typeface="Arial" panose="020B0604020202020204" pitchFamily="34" charset="0"/>
-            </a:endParaRPr>
-          </a:p>
-        </p:txBody>
-      </p:sp>
-      <p:sp>
-        <p:nvSpPr>
-          <p:cNvPr id="9" name="Rectangle 8"/>
-          <p:cNvSpPr/>
-          <p:nvPr/>
-        </p:nvSpPr>
-        <p:spPr>
-          <a:xfrm>
-            <a:off x="224970" y="707752"/>
-            <a:ext cx="8461829" cy="3785652"/>
-          </a:xfrm>
-          <a:prstGeom prst="rect">
-            <a:avLst/>
-          </a:prstGeom>
-        </p:spPr>
-        <p:txBody>
-          <a:bodyPr wrap="square">
-            <a:spAutoFit/>
-          </a:bodyPr>
-          <a:lstStyle/>
-          <a:p>
-            <a:r>
-              <a:rPr lang="en-US" sz="2000" b="1" dirty="0">
-                <a:solidFill>
-                  <a:srgbClr val="002060"/>
-                </a:solidFill>
-                <a:cs typeface="Arial" panose="020B0604020202020204" pitchFamily="34" charset="0"/>
-              </a:rPr>
-              <a:t>Winding open-circuit </a:t>
-            </a:r>
-            <a:r>
-              <a:rPr lang="en-US" sz="2000" b="1" dirty="0" smtClean="0">
-                <a:solidFill>
-                  <a:srgbClr val="002060"/>
-                </a:solidFill>
-                <a:cs typeface="Arial" panose="020B0604020202020204" pitchFamily="34" charset="0"/>
-              </a:rPr>
-              <a:t>faults:</a:t>
-            </a:r>
-          </a:p>
-          <a:p>
-            <a:pPr marL="342900" indent="-342900">
-              <a:buFont typeface="Arial" panose="020B0604020202020204" pitchFamily="34" charset="0"/>
-              <a:buChar char="•"/>
-            </a:pPr>
-            <a:r>
-              <a:rPr lang="en-US" sz="2000" dirty="0" smtClean="0">
-                <a:solidFill>
-                  <a:srgbClr val="002060"/>
-                </a:solidFill>
-                <a:cs typeface="Arial" panose="020B0604020202020204" pitchFamily="34" charset="0"/>
-              </a:rPr>
-              <a:t>among </a:t>
-            </a:r>
-            <a:r>
-              <a:rPr lang="en-US" sz="2000" dirty="0">
-                <a:solidFill>
-                  <a:srgbClr val="002060"/>
-                </a:solidFill>
-                <a:cs typeface="Arial" panose="020B0604020202020204" pitchFamily="34" charset="0"/>
-              </a:rPr>
-              <a:t>the </a:t>
-            </a:r>
-            <a:r>
-              <a:rPr lang="en-US" sz="2000" dirty="0" smtClean="0">
-                <a:solidFill>
-                  <a:srgbClr val="002060"/>
-                </a:solidFill>
-                <a:cs typeface="Arial" panose="020B0604020202020204" pitchFamily="34" charset="0"/>
-              </a:rPr>
-              <a:t>most common faults</a:t>
-            </a:r>
-            <a:r>
-              <a:rPr lang="tr-TR" sz="2000" dirty="0" smtClean="0">
-                <a:solidFill>
-                  <a:srgbClr val="002060"/>
-                </a:solidFill>
-                <a:cs typeface="Arial" panose="020B0604020202020204" pitchFamily="34" charset="0"/>
-              </a:rPr>
-              <a:t>.</a:t>
-            </a:r>
-            <a:endParaRPr lang="en-US" sz="2000" dirty="0" smtClean="0">
-              <a:solidFill>
-                <a:srgbClr val="002060"/>
-              </a:solidFill>
-              <a:cs typeface="Arial" panose="020B0604020202020204" pitchFamily="34" charset="0"/>
-            </a:endParaRPr>
-          </a:p>
-          <a:p>
-            <a:pPr marL="342900" indent="-342900">
-              <a:buFont typeface="Arial" panose="020B0604020202020204" pitchFamily="34" charset="0"/>
-              <a:buChar char="•"/>
-            </a:pPr>
-            <a:r>
-              <a:rPr lang="en-US" sz="2000" dirty="0" smtClean="0">
-                <a:solidFill>
-                  <a:srgbClr val="002060"/>
-                </a:solidFill>
-                <a:cs typeface="Arial" panose="020B0604020202020204" pitchFamily="34" charset="0"/>
-              </a:rPr>
-              <a:t>caused </a:t>
-            </a:r>
-            <a:r>
-              <a:rPr lang="en-US" sz="2000" dirty="0">
-                <a:solidFill>
-                  <a:srgbClr val="002060"/>
-                </a:solidFill>
-                <a:cs typeface="Arial" panose="020B0604020202020204" pitchFamily="34" charset="0"/>
-              </a:rPr>
-              <a:t>as a </a:t>
-            </a:r>
-            <a:r>
-              <a:rPr lang="en-US" sz="2000" dirty="0" smtClean="0">
-                <a:solidFill>
-                  <a:srgbClr val="002060"/>
-                </a:solidFill>
-                <a:cs typeface="Arial" panose="020B0604020202020204" pitchFamily="34" charset="0"/>
-              </a:rPr>
-              <a:t>consequence of</a:t>
-            </a:r>
-            <a:r>
-              <a:rPr lang="tr-TR" sz="2000" dirty="0" smtClean="0">
-                <a:solidFill>
-                  <a:srgbClr val="002060"/>
-                </a:solidFill>
-                <a:cs typeface="Arial" panose="020B0604020202020204" pitchFamily="34" charset="0"/>
-              </a:rPr>
-              <a:t>:</a:t>
-            </a:r>
-          </a:p>
-          <a:p>
-            <a:pPr marL="800100" lvl="1" indent="-342900">
-              <a:buFont typeface="Wingdings" panose="05000000000000000000" pitchFamily="2" charset="2"/>
-              <a:buChar char="q"/>
-            </a:pPr>
-            <a:r>
-              <a:rPr lang="en-US" sz="2000" dirty="0" smtClean="0">
-                <a:solidFill>
-                  <a:srgbClr val="002060"/>
-                </a:solidFill>
-                <a:cs typeface="Arial" panose="020B0604020202020204" pitchFamily="34" charset="0"/>
-              </a:rPr>
-              <a:t>the </a:t>
-            </a:r>
-            <a:r>
-              <a:rPr lang="en-US" sz="2000" dirty="0">
-                <a:solidFill>
-                  <a:srgbClr val="002060"/>
-                </a:solidFill>
-                <a:cs typeface="Arial" panose="020B0604020202020204" pitchFamily="34" charset="0"/>
-              </a:rPr>
-              <a:t>internal interruption of the motor </a:t>
-            </a:r>
-            <a:r>
-              <a:rPr lang="en-US" sz="2000" dirty="0" smtClean="0">
-                <a:solidFill>
-                  <a:srgbClr val="002060"/>
-                </a:solidFill>
-                <a:cs typeface="Arial" panose="020B0604020202020204" pitchFamily="34" charset="0"/>
-              </a:rPr>
-              <a:t>windings</a:t>
-            </a:r>
-            <a:endParaRPr lang="tr-TR" sz="2000" dirty="0" smtClean="0">
-              <a:solidFill>
-                <a:srgbClr val="002060"/>
-              </a:solidFill>
-              <a:cs typeface="Arial" panose="020B0604020202020204" pitchFamily="34" charset="0"/>
-            </a:endParaRPr>
-          </a:p>
-          <a:p>
-            <a:pPr marL="800100" lvl="1" indent="-342900">
-              <a:buFont typeface="Wingdings" panose="05000000000000000000" pitchFamily="2" charset="2"/>
-              <a:buChar char="q"/>
-            </a:pPr>
-            <a:r>
-              <a:rPr lang="en-US" sz="2000" dirty="0" smtClean="0">
-                <a:solidFill>
-                  <a:srgbClr val="002060"/>
-                </a:solidFill>
-                <a:cs typeface="Arial" panose="020B0604020202020204" pitchFamily="34" charset="0"/>
-              </a:rPr>
-              <a:t>mechanical </a:t>
-            </a:r>
-            <a:r>
-              <a:rPr lang="en-US" sz="2000" dirty="0">
-                <a:solidFill>
-                  <a:srgbClr val="002060"/>
-                </a:solidFill>
-                <a:cs typeface="Arial" panose="020B0604020202020204" pitchFamily="34" charset="0"/>
-              </a:rPr>
-              <a:t>faults at the machine </a:t>
-            </a:r>
-            <a:r>
-              <a:rPr lang="en-US" sz="2000" dirty="0" smtClean="0">
-                <a:solidFill>
-                  <a:srgbClr val="002060"/>
-                </a:solidFill>
-                <a:cs typeface="Arial" panose="020B0604020202020204" pitchFamily="34" charset="0"/>
-              </a:rPr>
-              <a:t>terminals</a:t>
-            </a:r>
-            <a:endParaRPr lang="tr-TR" sz="2000" dirty="0" smtClean="0">
-              <a:solidFill>
-                <a:srgbClr val="002060"/>
-              </a:solidFill>
-              <a:cs typeface="Arial" panose="020B0604020202020204" pitchFamily="34" charset="0"/>
-            </a:endParaRPr>
-          </a:p>
-          <a:p>
-            <a:pPr marL="800100" lvl="1" indent="-342900">
-              <a:buFont typeface="Wingdings" panose="05000000000000000000" pitchFamily="2" charset="2"/>
-              <a:buChar char="q"/>
-            </a:pPr>
-            <a:r>
-              <a:rPr lang="en-US" sz="2000" dirty="0" smtClean="0">
-                <a:solidFill>
-                  <a:srgbClr val="002060"/>
-                </a:solidFill>
-                <a:cs typeface="Arial" panose="020B0604020202020204" pitchFamily="34" charset="0"/>
-              </a:rPr>
-              <a:t>mechanical </a:t>
-            </a:r>
-            <a:r>
-              <a:rPr lang="en-US" sz="2000" dirty="0">
-                <a:solidFill>
-                  <a:srgbClr val="002060"/>
-                </a:solidFill>
-                <a:cs typeface="Arial" panose="020B0604020202020204" pitchFamily="34" charset="0"/>
-              </a:rPr>
-              <a:t>stresses on the connectors that link the motor and the </a:t>
-            </a:r>
-            <a:r>
-              <a:rPr lang="en-US" sz="2000" dirty="0" smtClean="0">
-                <a:solidFill>
-                  <a:srgbClr val="002060"/>
-                </a:solidFill>
-                <a:cs typeface="Arial" panose="020B0604020202020204" pitchFamily="34" charset="0"/>
-              </a:rPr>
-              <a:t>inverter</a:t>
-            </a:r>
-            <a:endParaRPr lang="tr-TR" sz="2000" dirty="0" smtClean="0">
-              <a:solidFill>
-                <a:srgbClr val="002060"/>
-              </a:solidFill>
-              <a:cs typeface="Arial" panose="020B0604020202020204" pitchFamily="34" charset="0"/>
-            </a:endParaRPr>
-          </a:p>
-          <a:p>
-            <a:pPr marL="800100" lvl="1" indent="-342900">
-              <a:buFont typeface="Wingdings" panose="05000000000000000000" pitchFamily="2" charset="2"/>
-              <a:buChar char="q"/>
-            </a:pPr>
-            <a:r>
-              <a:rPr lang="en-US" sz="2000" dirty="0" smtClean="0">
-                <a:solidFill>
-                  <a:srgbClr val="FF0000"/>
-                </a:solidFill>
-                <a:cs typeface="Arial" panose="020B0604020202020204" pitchFamily="34" charset="0"/>
-              </a:rPr>
-              <a:t>by </a:t>
-            </a:r>
-            <a:r>
-              <a:rPr lang="en-US" sz="2000" dirty="0">
-                <a:solidFill>
-                  <a:srgbClr val="FF0000"/>
-                </a:solidFill>
-                <a:cs typeface="Arial" panose="020B0604020202020204" pitchFamily="34" charset="0"/>
-              </a:rPr>
-              <a:t>an electrical failure on an inverter phase </a:t>
-            </a:r>
-            <a:r>
-              <a:rPr lang="en-US" sz="2000" dirty="0" smtClean="0">
-                <a:solidFill>
-                  <a:srgbClr val="FF0000"/>
-                </a:solidFill>
-                <a:cs typeface="Arial" panose="020B0604020202020204" pitchFamily="34" charset="0"/>
-              </a:rPr>
-              <a:t>leg</a:t>
-            </a:r>
-          </a:p>
-          <a:p>
-            <a:pPr marL="342900" indent="-342900">
-              <a:buFont typeface="Arial" panose="020B0604020202020204" pitchFamily="34" charset="0"/>
-              <a:buChar char="•"/>
-            </a:pPr>
-            <a:r>
-              <a:rPr lang="en-US" sz="2000" dirty="0" smtClean="0">
-                <a:solidFill>
-                  <a:srgbClr val="002060"/>
-                </a:solidFill>
-                <a:cs typeface="Arial" panose="020B0604020202020204" pitchFamily="34" charset="0"/>
-              </a:rPr>
-              <a:t>leads </a:t>
-            </a:r>
-            <a:r>
-              <a:rPr lang="en-US" sz="2000" dirty="0">
-                <a:solidFill>
-                  <a:srgbClr val="002060"/>
-                </a:solidFill>
-                <a:cs typeface="Arial" panose="020B0604020202020204" pitchFamily="34" charset="0"/>
-              </a:rPr>
-              <a:t>to the inability to produce a standard 3-phase </a:t>
-            </a:r>
-            <a:r>
-              <a:rPr lang="en-US" sz="2000" dirty="0" smtClean="0">
-                <a:solidFill>
-                  <a:srgbClr val="002060"/>
-                </a:solidFill>
-                <a:cs typeface="Arial" panose="020B0604020202020204" pitchFamily="34" charset="0"/>
-              </a:rPr>
-              <a:t>constant </a:t>
-            </a:r>
-            <a:r>
-              <a:rPr lang="en-US" sz="2000" dirty="0">
-                <a:solidFill>
-                  <a:srgbClr val="002060"/>
-                </a:solidFill>
-                <a:cs typeface="Arial" panose="020B0604020202020204" pitchFamily="34" charset="0"/>
-              </a:rPr>
-              <a:t>magnitude rotating magnetic </a:t>
-            </a:r>
-            <a:r>
-              <a:rPr lang="en-US" sz="2000" dirty="0" smtClean="0">
-                <a:solidFill>
-                  <a:srgbClr val="002060"/>
-                </a:solidFill>
-                <a:cs typeface="Arial" panose="020B0604020202020204" pitchFamily="34" charset="0"/>
-              </a:rPr>
-              <a:t>field</a:t>
-            </a:r>
-            <a:endParaRPr lang="en-US" sz="2000" dirty="0" smtClean="0">
-              <a:solidFill>
-                <a:srgbClr val="002060"/>
-              </a:solidFill>
-              <a:cs typeface="Arial" panose="020B0604020202020204" pitchFamily="34" charset="0"/>
-            </a:endParaRPr>
-          </a:p>
-          <a:p>
-            <a:pPr marL="342900" indent="-342900">
-              <a:buFont typeface="Arial" panose="020B0604020202020204" pitchFamily="34" charset="0"/>
-              <a:buChar char="•"/>
-            </a:pPr>
-            <a:r>
-              <a:rPr lang="en-US" sz="2000" dirty="0" smtClean="0">
-                <a:solidFill>
-                  <a:srgbClr val="002060"/>
-                </a:solidFill>
-                <a:cs typeface="Arial" panose="020B0604020202020204" pitchFamily="34" charset="0"/>
-              </a:rPr>
-              <a:t>causes </a:t>
-            </a:r>
-            <a:r>
-              <a:rPr lang="en-US" sz="2000" dirty="0">
-                <a:solidFill>
-                  <a:srgbClr val="FF0000"/>
-                </a:solidFill>
-                <a:cs typeface="Arial" panose="020B0604020202020204" pitchFamily="34" charset="0"/>
-              </a:rPr>
-              <a:t>large torque pulsations</a:t>
-            </a:r>
-            <a:r>
-              <a:rPr lang="en-US" sz="2000" dirty="0">
-                <a:solidFill>
-                  <a:srgbClr val="002060"/>
-                </a:solidFill>
-                <a:cs typeface="Arial" panose="020B0604020202020204" pitchFamily="34" charset="0"/>
-              </a:rPr>
-              <a:t>, mainly at twice the frequency of the supply </a:t>
-            </a:r>
-            <a:r>
-              <a:rPr lang="en-US" sz="2000" dirty="0" smtClean="0">
-                <a:solidFill>
-                  <a:srgbClr val="002060"/>
-                </a:solidFill>
-                <a:cs typeface="Arial" panose="020B0604020202020204" pitchFamily="34" charset="0"/>
-              </a:rPr>
-              <a:t>signal</a:t>
-            </a:r>
-            <a:endParaRPr lang="en-US" sz="2000" dirty="0" smtClean="0">
-              <a:solidFill>
-                <a:srgbClr val="002060"/>
-              </a:solidFill>
-              <a:cs typeface="Arial" panose="020B0604020202020204" pitchFamily="34" charset="0"/>
-            </a:endParaRPr>
-          </a:p>
-        </p:txBody>
-      </p:sp>
-    </p:spTree>
-    <p:extLst>
-      <p:ext uri="{BB962C8B-B14F-4D97-AF65-F5344CB8AC3E}">
-        <p14:creationId xmlns:p14="http://schemas.microsoft.com/office/powerpoint/2010/main" val="2305943199"/>
-      </p:ext>
-    </p:extLst>
-  </p:cSld>
-  <p:clrMapOvr>
-    <a:masterClrMapping/>
-  </p:clrMapOvr>
-  <p:timing>
-    <p:tnLst>
-      <p:par>
-        <p:cTn id="1" dur="indefinite" restart="never" nodeType="tmRoot"/>
-      </p:par>
-    </p:tnLst>
-  </p:timing>
-</p:sld>
-</file>
-
 <file path=ppt/slides/slide5.xml><?xml version="1.0" encoding="utf-8"?>
 <p:sld xmlns:a="http://schemas.openxmlformats.org/drawingml/2006/main" xmlns:r="http://schemas.openxmlformats.org/officeDocument/2006/relationships" xmlns:p="http://schemas.openxmlformats.org/presentationml/2006/main">
   <p:cSld>
@@ -22994,7 +29343,7 @@
         <p:spPr>
           <a:xfrm>
             <a:off x="224970" y="707752"/>
-            <a:ext cx="8461829" cy="4708981"/>
+            <a:ext cx="8461829" cy="6093976"/>
           </a:xfrm>
           <a:prstGeom prst="rect">
             <a:avLst/>
@@ -23324,13 +29673,245 @@
                 </a:solidFill>
                 <a:cs typeface="Arial" panose="020B0604020202020204" pitchFamily="34" charset="0"/>
               </a:rPr>
-              <a:t>physical damage on the cables connecting the motor and the inverter</a:t>
-            </a:r>
-          </a:p>
-          <a:p>
-            <a:endParaRPr lang="en-US" sz="2000" b="1" dirty="0" smtClean="0">
+              <a:t>physical damage on the cables connecting the motor and the </a:t>
+            </a:r>
+            <a:r>
+              <a:rPr lang="en-US" sz="2000" dirty="0" smtClean="0">
+                <a:solidFill>
+                  <a:srgbClr val="002060"/>
+                </a:solidFill>
+                <a:cs typeface="Arial" panose="020B0604020202020204" pitchFamily="34" charset="0"/>
+              </a:rPr>
+              <a:t>inverter</a:t>
+            </a:r>
+            <a:endParaRPr lang="tr-TR" sz="2000" dirty="0">
               <a:solidFill>
                 <a:srgbClr val="002060"/>
+              </a:solidFill>
+              <a:cs typeface="Arial" panose="020B0604020202020204" pitchFamily="34" charset="0"/>
+            </a:endParaRPr>
+          </a:p>
+          <a:p>
+            <a:endParaRPr lang="tr-TR" sz="2000" dirty="0">
+              <a:solidFill>
+                <a:srgbClr val="002060"/>
+              </a:solidFill>
+              <a:cs typeface="Arial" panose="020B0604020202020204" pitchFamily="34" charset="0"/>
+            </a:endParaRPr>
+          </a:p>
+          <a:p>
+            <a:r>
+              <a:rPr lang="tr-TR" dirty="0" err="1" smtClean="0">
+                <a:solidFill>
+                  <a:srgbClr val="FF0000"/>
+                </a:solidFill>
+                <a:cs typeface="Arial" panose="020B0604020202020204" pitchFamily="34" charset="0"/>
+              </a:rPr>
+              <a:t>FSCW’lerde</a:t>
+            </a:r>
+            <a:r>
+              <a:rPr lang="tr-TR" dirty="0" smtClean="0">
+                <a:solidFill>
+                  <a:srgbClr val="FF0000"/>
+                </a:solidFill>
+                <a:cs typeface="Arial" panose="020B0604020202020204" pitchFamily="34" charset="0"/>
+              </a:rPr>
+              <a:t>, özellikle </a:t>
+            </a:r>
+            <a:r>
+              <a:rPr lang="tr-TR" dirty="0" err="1" smtClean="0">
+                <a:solidFill>
+                  <a:srgbClr val="FF0000"/>
+                </a:solidFill>
+                <a:cs typeface="Arial" panose="020B0604020202020204" pitchFamily="34" charset="0"/>
+              </a:rPr>
+              <a:t>alternate</a:t>
+            </a:r>
+            <a:r>
+              <a:rPr lang="tr-TR" dirty="0" smtClean="0">
+                <a:solidFill>
+                  <a:srgbClr val="FF0000"/>
+                </a:solidFill>
+                <a:cs typeface="Arial" panose="020B0604020202020204" pitchFamily="34" charset="0"/>
+              </a:rPr>
+              <a:t> </a:t>
+            </a:r>
+            <a:r>
+              <a:rPr lang="tr-TR" dirty="0" err="1" smtClean="0">
+                <a:solidFill>
+                  <a:srgbClr val="FF0000"/>
+                </a:solidFill>
+                <a:cs typeface="Arial" panose="020B0604020202020204" pitchFamily="34" charset="0"/>
+              </a:rPr>
+              <a:t>teeth</a:t>
+            </a:r>
+            <a:r>
+              <a:rPr lang="tr-TR" dirty="0" smtClean="0">
+                <a:solidFill>
+                  <a:srgbClr val="FF0000"/>
+                </a:solidFill>
+                <a:cs typeface="Arial" panose="020B0604020202020204" pitchFamily="34" charset="0"/>
+              </a:rPr>
+              <a:t> ise, </a:t>
+            </a:r>
+            <a:r>
+              <a:rPr lang="tr-TR" dirty="0" err="1" smtClean="0">
+                <a:solidFill>
+                  <a:srgbClr val="FF0000"/>
+                </a:solidFill>
+                <a:cs typeface="Arial" panose="020B0604020202020204" pitchFamily="34" charset="0"/>
+              </a:rPr>
+              <a:t>phase-to-phase</a:t>
+            </a:r>
+            <a:r>
+              <a:rPr lang="tr-TR" dirty="0" smtClean="0">
+                <a:solidFill>
+                  <a:srgbClr val="FF0000"/>
+                </a:solidFill>
+                <a:cs typeface="Arial" panose="020B0604020202020204" pitchFamily="34" charset="0"/>
+              </a:rPr>
+              <a:t> olması zor.</a:t>
+            </a:r>
+          </a:p>
+          <a:p>
+            <a:r>
+              <a:rPr lang="tr-TR" dirty="0" err="1" smtClean="0">
+                <a:solidFill>
+                  <a:srgbClr val="FF0000"/>
+                </a:solidFill>
+                <a:cs typeface="Arial" panose="020B0604020202020204" pitchFamily="34" charset="0"/>
+              </a:rPr>
+              <a:t>Slotta</a:t>
+            </a:r>
+            <a:r>
+              <a:rPr lang="tr-TR" dirty="0" smtClean="0">
+                <a:solidFill>
+                  <a:srgbClr val="FF0000"/>
+                </a:solidFill>
+                <a:cs typeface="Arial" panose="020B0604020202020204" pitchFamily="34" charset="0"/>
+              </a:rPr>
+              <a:t> olan </a:t>
+            </a:r>
+            <a:r>
+              <a:rPr lang="tr-TR" dirty="0" err="1" smtClean="0">
+                <a:solidFill>
+                  <a:srgbClr val="FF0000"/>
+                </a:solidFill>
+                <a:cs typeface="Arial" panose="020B0604020202020204" pitchFamily="34" charset="0"/>
+              </a:rPr>
+              <a:t>fault</a:t>
+            </a:r>
+            <a:r>
+              <a:rPr lang="tr-TR" dirty="0" smtClean="0">
+                <a:solidFill>
+                  <a:srgbClr val="FF0000"/>
+                </a:solidFill>
+                <a:cs typeface="Arial" panose="020B0604020202020204" pitchFamily="34" charset="0"/>
+              </a:rPr>
+              <a:t> </a:t>
+            </a:r>
+            <a:r>
+              <a:rPr lang="tr-TR" dirty="0" err="1" smtClean="0">
+                <a:solidFill>
+                  <a:srgbClr val="FF0000"/>
+                </a:solidFill>
+                <a:cs typeface="Arial" panose="020B0604020202020204" pitchFamily="34" charset="0"/>
+              </a:rPr>
+              <a:t>slotta</a:t>
+            </a:r>
+            <a:r>
+              <a:rPr lang="tr-TR" dirty="0" smtClean="0">
+                <a:solidFill>
+                  <a:srgbClr val="FF0000"/>
+                </a:solidFill>
+                <a:cs typeface="Arial" panose="020B0604020202020204" pitchFamily="34" charset="0"/>
+              </a:rPr>
+              <a:t> kalır </a:t>
+            </a:r>
+            <a:r>
+              <a:rPr lang="tr-TR" dirty="0" smtClean="0">
+                <a:solidFill>
+                  <a:srgbClr val="FF0000"/>
+                </a:solidFill>
+                <a:cs typeface="Arial" panose="020B0604020202020204" pitchFamily="34" charset="0"/>
+                <a:sym typeface="Wingdings" panose="05000000000000000000" pitchFamily="2" charset="2"/>
+              </a:rPr>
+              <a:t></a:t>
+            </a:r>
+          </a:p>
+          <a:p>
+            <a:endParaRPr lang="tr-TR" dirty="0" smtClean="0">
+              <a:solidFill>
+                <a:srgbClr val="FF0000"/>
+              </a:solidFill>
+              <a:cs typeface="Arial" panose="020B0604020202020204" pitchFamily="34" charset="0"/>
+              <a:sym typeface="Wingdings" panose="05000000000000000000" pitchFamily="2" charset="2"/>
+            </a:endParaRPr>
+          </a:p>
+          <a:p>
+            <a:r>
+              <a:rPr lang="tr-TR" dirty="0" err="1" smtClean="0">
+                <a:solidFill>
+                  <a:srgbClr val="FF0000"/>
+                </a:solidFill>
+                <a:cs typeface="Arial" panose="020B0604020202020204" pitchFamily="34" charset="0"/>
+                <a:sym typeface="Wingdings" panose="05000000000000000000" pitchFamily="2" charset="2"/>
+              </a:rPr>
+              <a:t>All-tooth</a:t>
+            </a:r>
+            <a:r>
+              <a:rPr lang="tr-TR" dirty="0" smtClean="0">
+                <a:solidFill>
+                  <a:srgbClr val="FF0000"/>
+                </a:solidFill>
+                <a:cs typeface="Arial" panose="020B0604020202020204" pitchFamily="34" charset="0"/>
+                <a:sym typeface="Wingdings" panose="05000000000000000000" pitchFamily="2" charset="2"/>
+              </a:rPr>
+              <a:t> ise, aynı </a:t>
+            </a:r>
+            <a:r>
+              <a:rPr lang="tr-TR" dirty="0" err="1" smtClean="0">
+                <a:solidFill>
+                  <a:srgbClr val="FF0000"/>
+                </a:solidFill>
+                <a:cs typeface="Arial" panose="020B0604020202020204" pitchFamily="34" charset="0"/>
+                <a:sym typeface="Wingdings" panose="05000000000000000000" pitchFamily="2" charset="2"/>
+              </a:rPr>
+              <a:t>slottaki</a:t>
+            </a:r>
+            <a:r>
+              <a:rPr lang="tr-TR" dirty="0" smtClean="0">
+                <a:solidFill>
+                  <a:srgbClr val="FF0000"/>
+                </a:solidFill>
+                <a:cs typeface="Arial" panose="020B0604020202020204" pitchFamily="34" charset="0"/>
+                <a:sym typeface="Wingdings" panose="05000000000000000000" pitchFamily="2" charset="2"/>
+              </a:rPr>
+              <a:t> sargıları iyi izole ederek sağlanabilir. </a:t>
+            </a:r>
+            <a:r>
+              <a:rPr lang="tr-TR" dirty="0" err="1" smtClean="0">
+                <a:solidFill>
+                  <a:srgbClr val="FF0000"/>
+                </a:solidFill>
+                <a:cs typeface="Arial" panose="020B0604020202020204" pitchFamily="34" charset="0"/>
+                <a:sym typeface="Wingdings" panose="05000000000000000000" pitchFamily="2" charset="2"/>
+              </a:rPr>
+              <a:t>End-winding’ler</a:t>
+            </a:r>
+            <a:r>
+              <a:rPr lang="tr-TR" dirty="0" smtClean="0">
+                <a:solidFill>
+                  <a:srgbClr val="FF0000"/>
+                </a:solidFill>
+                <a:cs typeface="Arial" panose="020B0604020202020204" pitchFamily="34" charset="0"/>
+                <a:sym typeface="Wingdings" panose="05000000000000000000" pitchFamily="2" charset="2"/>
+              </a:rPr>
+              <a:t> zaten değmeyecek.</a:t>
+            </a:r>
+            <a:endParaRPr lang="en-US" dirty="0">
+              <a:solidFill>
+                <a:srgbClr val="FF0000"/>
               </a:solidFill>
               <a:cs typeface="Arial" panose="020B0604020202020204" pitchFamily="34" charset="0"/>
             </a:endParaRPr>
@@ -23521,16 +30102,7 @@
                 </a:solidFill>
                 <a:cs typeface="Arial" panose="020B0604020202020204" pitchFamily="34" charset="0"/>
               </a:rPr>
-              <a:t>due </a:t>
-            </a:r>
-            <a:r>
-              <a:rPr lang="en-US" sz="2000" dirty="0" smtClean="0">
-                <a:solidFill>
-                  <a:srgbClr val="002060"/>
-                </a:solidFill>
-                <a:cs typeface="Arial" panose="020B0604020202020204" pitchFamily="34" charset="0"/>
-              </a:rPr>
-              <a:t>to</a:t>
+              <a:t>due to</a:t>
             </a:r>
             <a:r>
               <a:rPr lang="tr-TR" sz="2000" dirty="0" smtClean="0">
@@ -24799,7 +31371,7 @@
                 </a:solidFill>
                 <a:cs typeface="Arial" panose="020B0604020202020204" pitchFamily="34" charset="0"/>
               </a:rPr>
-              <a:t>and 4% due </a:t>
+              <a:t>and 4% due to</a:t>
             </a:r>
             <a:r>
               <a:rPr lang="en-US" sz="2000" b="1" dirty="0">
@@ -24808,7 +31380,7 @@
                 </a:solidFill>
                 <a:cs typeface="Arial" panose="020B0604020202020204" pitchFamily="34" charset="0"/>
               </a:rPr>
-              <a:t>to turn insulation </a:t>
+              <a:t> turn insulation </a:t>
             </a:r>
             <a:r>
               <a:rPr lang="en-US" sz="2000" dirty="0">

--- a/Literature/immd_ver2_research.pptx
+++ b/Literature/immd_ver2_research.pptx
@@ -5,7 +5,7 @@
     <p:sldMasterId id="2147483660" r:id="rId1"/>
   </p:sldMasterIdLst>
   <p:notesMasterIdLst>
-    <p:notesMasterId r:id="rId61"/>
+    <p:notesMasterId r:id="rId68"/>
   </p:notesMasterIdLst>
   <p:sldIdLst>
     <p:sldId id="256" r:id="rId2"/>
@@ -67,6 +67,13 @@
     <p:sldId id="314" r:id="rId58"/>
     <p:sldId id="315" r:id="rId59"/>
     <p:sldId id="316" r:id="rId60"/>
+    <p:sldId id="317" r:id="rId61"/>
+    <p:sldId id="318" r:id="rId62"/>
+    <p:sldId id="319" r:id="rId63"/>
+    <p:sldId id="320" r:id="rId64"/>
+    <p:sldId id="321" r:id="rId65"/>
+    <p:sldId id="322" r:id="rId66"/>
+    <p:sldId id="323" r:id="rId67"/>
   </p:sldIdLst>
   <p:sldSz cx="9144000" cy="6858000" type="screen4x3"/>
   <p:notesSz cx="6858000" cy="9144000"/>
@@ -5059,6 +5066,90 @@
 </p:notes>
 </file>
 
+<file path=ppt/notesSlides/notesSlide59.xml><?xml version="1.0" encoding="utf-8"?>
+<p:notes xmlns:a="http://schemas.openxmlformats.org/drawingml/2006/main" xmlns:r="http://schemas.openxmlformats.org/officeDocument/2006/relationships" xmlns:p="http://schemas.openxmlformats.org/presentationml/2006/main">
+  <p:cSld>
+    <p:spTree>
+      <p:nvGrpSpPr>
+        <p:cNvPr id="1" name=""/>
+        <p:cNvGrpSpPr/>
+        <p:nvPr/>
+      </p:nvGrpSpPr>
+      <p:grpSpPr>
+        <a:xfrm>
+          <a:off x="0" y="0"/>
+          <a:ext cx="0" cy="0"/>
+          <a:chOff x="0" y="0"/>
+          <a:chExt cx="0" cy="0"/>
+        </a:xfrm>
+      </p:grpSpPr>
+      <p:sp>
+        <p:nvSpPr>
+          <p:cNvPr id="2" name="Slide Image Placeholder 1"/>
+          <p:cNvSpPr>
+            <a:spLocks noGrp="1" noRot="1" noChangeAspect="1"/>
+          </p:cNvSpPr>
+          <p:nvPr>
+            <p:ph type="sldImg"/>
+          </p:nvPr>
+        </p:nvSpPr>
+        <p:spPr/>
+      </p:sp>
+      <p:sp>
+        <p:nvSpPr>
+          <p:cNvPr id="3" name="Notes Placeholder 2"/>
+          <p:cNvSpPr>
+            <a:spLocks noGrp="1"/>
+          </p:cNvSpPr>
+          <p:nvPr>
+            <p:ph type="body" idx="1"/>
+          </p:nvPr>
+        </p:nvSpPr>
+        <p:spPr/>
+        <p:txBody>
+          <a:bodyPr/>
+          <a:lstStyle/>
+          <a:p>
+            <a:endParaRPr lang="en-US" dirty="0"/>
+          </a:p>
+        </p:txBody>
+      </p:sp>
+      <p:sp>
+        <p:nvSpPr>
+          <p:cNvPr id="4" name="Slide Number Placeholder 3"/>
+          <p:cNvSpPr>
+            <a:spLocks noGrp="1"/>
+          </p:cNvSpPr>
+          <p:nvPr>
+            <p:ph type="sldNum" sz="quarter" idx="10"/>
+          </p:nvPr>
+        </p:nvSpPr>
+        <p:spPr/>
+        <p:txBody>
+          <a:bodyPr/>
+          <a:lstStyle/>
+          <a:p>
+            <a:fld id="{035DD5C9-B5A2-47F1-BC40-0D7BD2C50D7F}" type="slidenum">
+              <a:rPr lang="en-US" smtClean="0"/>
+              <a:t>60</a:t>
+            </a:fld>
+            <a:endParaRPr lang="en-US"/>
+          </a:p>
+        </p:txBody>
+      </p:sp>
+    </p:spTree>
+    <p:extLst>
+      <p:ext uri="{BB962C8B-B14F-4D97-AF65-F5344CB8AC3E}">
+        <p14:creationId xmlns:p14="http://schemas.microsoft.com/office/powerpoint/2010/main" val="3201087151"/>
+      </p:ext>
+    </p:extLst>
+  </p:cSld>
+  <p:clrMapOvr>
+    <a:masterClrMapping/>
+  </p:clrMapOvr>
+</p:notes>
+</file>
+
 <file path=ppt/notesSlides/notesSlide6.xml><?xml version="1.0" encoding="utf-8"?>
 <p:notes xmlns:a="http://schemas.openxmlformats.org/drawingml/2006/main" xmlns:r="http://schemas.openxmlformats.org/officeDocument/2006/relationships" xmlns:p="http://schemas.openxmlformats.org/presentationml/2006/main">
   <p:cSld>
@@ -5134,6 +5225,510 @@
     <p:extLst>
       <p:ext uri="{BB962C8B-B14F-4D97-AF65-F5344CB8AC3E}">
         <p14:creationId xmlns:p14="http://schemas.microsoft.com/office/powerpoint/2010/main" val="559618118"/>
+      </p:ext>
+    </p:extLst>
+  </p:cSld>
+  <p:clrMapOvr>
+    <a:masterClrMapping/>
+  </p:clrMapOvr>
+</p:notes>
+</file>
+
+<file path=ppt/notesSlides/notesSlide60.xml><?xml version="1.0" encoding="utf-8"?>
+<p:notes xmlns:a="http://schemas.openxmlformats.org/drawingml/2006/main" xmlns:r="http://schemas.openxmlformats.org/officeDocument/2006/relationships" xmlns:p="http://schemas.openxmlformats.org/presentationml/2006/main">
+  <p:cSld>
+    <p:spTree>
+      <p:nvGrpSpPr>
+        <p:cNvPr id="1" name=""/>
+        <p:cNvGrpSpPr/>
+        <p:nvPr/>
+      </p:nvGrpSpPr>
+      <p:grpSpPr>
+        <a:xfrm>
+          <a:off x="0" y="0"/>
+          <a:ext cx="0" cy="0"/>
+          <a:chOff x="0" y="0"/>
+          <a:chExt cx="0" cy="0"/>
+        </a:xfrm>
+      </p:grpSpPr>
+      <p:sp>
+        <p:nvSpPr>
+          <p:cNvPr id="2" name="Slide Image Placeholder 1"/>
+          <p:cNvSpPr>
+            <a:spLocks noGrp="1" noRot="1" noChangeAspect="1"/>
+          </p:cNvSpPr>
+          <p:nvPr>
+            <p:ph type="sldImg"/>
+          </p:nvPr>
+        </p:nvSpPr>
+        <p:spPr/>
+      </p:sp>
+      <p:sp>
+        <p:nvSpPr>
+          <p:cNvPr id="3" name="Notes Placeholder 2"/>
+          <p:cNvSpPr>
+            <a:spLocks noGrp="1"/>
+          </p:cNvSpPr>
+          <p:nvPr>
+            <p:ph type="body" idx="1"/>
+          </p:nvPr>
+        </p:nvSpPr>
+        <p:spPr/>
+        <p:txBody>
+          <a:bodyPr/>
+          <a:lstStyle/>
+          <a:p>
+            <a:endParaRPr lang="en-US" dirty="0"/>
+          </a:p>
+        </p:txBody>
+      </p:sp>
+      <p:sp>
+        <p:nvSpPr>
+          <p:cNvPr id="4" name="Slide Number Placeholder 3"/>
+          <p:cNvSpPr>
+            <a:spLocks noGrp="1"/>
+          </p:cNvSpPr>
+          <p:nvPr>
+            <p:ph type="sldNum" sz="quarter" idx="10"/>
+          </p:nvPr>
+        </p:nvSpPr>
+        <p:spPr/>
+        <p:txBody>
+          <a:bodyPr/>
+          <a:lstStyle/>
+          <a:p>
+            <a:fld id="{035DD5C9-B5A2-47F1-BC40-0D7BD2C50D7F}" type="slidenum">
+              <a:rPr lang="en-US" smtClean="0"/>
+              <a:t>61</a:t>
+            </a:fld>
+            <a:endParaRPr lang="en-US"/>
+          </a:p>
+        </p:txBody>
+      </p:sp>
+    </p:spTree>
+    <p:extLst>
+      <p:ext uri="{BB962C8B-B14F-4D97-AF65-F5344CB8AC3E}">
+        <p14:creationId xmlns:p14="http://schemas.microsoft.com/office/powerpoint/2010/main" val="2565574903"/>
+      </p:ext>
+    </p:extLst>
+  </p:cSld>
+  <p:clrMapOvr>
+    <a:masterClrMapping/>
+  </p:clrMapOvr>
+</p:notes>
+</file>
+
+<file path=ppt/notesSlides/notesSlide61.xml><?xml version="1.0" encoding="utf-8"?>
+<p:notes xmlns:a="http://schemas.openxmlformats.org/drawingml/2006/main" xmlns:r="http://schemas.openxmlformats.org/officeDocument/2006/relationships" xmlns:p="http://schemas.openxmlformats.org/presentationml/2006/main">
+  <p:cSld>
+    <p:spTree>
+      <p:nvGrpSpPr>
+        <p:cNvPr id="1" name=""/>
+        <p:cNvGrpSpPr/>
+        <p:nvPr/>
+      </p:nvGrpSpPr>
+      <p:grpSpPr>
+        <a:xfrm>
+          <a:off x="0" y="0"/>
+          <a:ext cx="0" cy="0"/>
+          <a:chOff x="0" y="0"/>
+          <a:chExt cx="0" cy="0"/>
+        </a:xfrm>
+      </p:grpSpPr>
+      <p:sp>
+        <p:nvSpPr>
+          <p:cNvPr id="2" name="Slide Image Placeholder 1"/>
+          <p:cNvSpPr>
+            <a:spLocks noGrp="1" noRot="1" noChangeAspect="1"/>
+          </p:cNvSpPr>
+          <p:nvPr>
+            <p:ph type="sldImg"/>
+          </p:nvPr>
+        </p:nvSpPr>
+        <p:spPr/>
+      </p:sp>
+      <p:sp>
+        <p:nvSpPr>
+          <p:cNvPr id="3" name="Notes Placeholder 2"/>
+          <p:cNvSpPr>
+            <a:spLocks noGrp="1"/>
+          </p:cNvSpPr>
+          <p:nvPr>
+            <p:ph type="body" idx="1"/>
+          </p:nvPr>
+        </p:nvSpPr>
+        <p:spPr/>
+        <p:txBody>
+          <a:bodyPr/>
+          <a:lstStyle/>
+          <a:p>
+            <a:endParaRPr lang="en-US" dirty="0"/>
+          </a:p>
+        </p:txBody>
+      </p:sp>
+      <p:sp>
+        <p:nvSpPr>
+          <p:cNvPr id="4" name="Slide Number Placeholder 3"/>
+          <p:cNvSpPr>
+            <a:spLocks noGrp="1"/>
+          </p:cNvSpPr>
+          <p:nvPr>
+            <p:ph type="sldNum" sz="quarter" idx="10"/>
+          </p:nvPr>
+        </p:nvSpPr>
+        <p:spPr/>
+        <p:txBody>
+          <a:bodyPr/>
+          <a:lstStyle/>
+          <a:p>
+            <a:fld id="{035DD5C9-B5A2-47F1-BC40-0D7BD2C50D7F}" type="slidenum">
+              <a:rPr lang="en-US" smtClean="0"/>
+              <a:t>62</a:t>
+            </a:fld>
+            <a:endParaRPr lang="en-US"/>
+          </a:p>
+        </p:txBody>
+      </p:sp>
+    </p:spTree>
+    <p:extLst>
+      <p:ext uri="{BB962C8B-B14F-4D97-AF65-F5344CB8AC3E}">
+        <p14:creationId xmlns:p14="http://schemas.microsoft.com/office/powerpoint/2010/main" val="2309792232"/>
+      </p:ext>
+    </p:extLst>
+  </p:cSld>
+  <p:clrMapOvr>
+    <a:masterClrMapping/>
+  </p:clrMapOvr>
+</p:notes>
+</file>
+
+<file path=ppt/notesSlides/notesSlide62.xml><?xml version="1.0" encoding="utf-8"?>
+<p:notes xmlns:a="http://schemas.openxmlformats.org/drawingml/2006/main" xmlns:r="http://schemas.openxmlformats.org/officeDocument/2006/relationships" xmlns:p="http://schemas.openxmlformats.org/presentationml/2006/main">
+  <p:cSld>
+    <p:spTree>
+      <p:nvGrpSpPr>
+        <p:cNvPr id="1" name=""/>
+        <p:cNvGrpSpPr/>
+        <p:nvPr/>
+      </p:nvGrpSpPr>
+      <p:grpSpPr>
+        <a:xfrm>
+          <a:off x="0" y="0"/>
+          <a:ext cx="0" cy="0"/>
+          <a:chOff x="0" y="0"/>
+          <a:chExt cx="0" cy="0"/>
+        </a:xfrm>
+      </p:grpSpPr>
+      <p:sp>
+        <p:nvSpPr>
+          <p:cNvPr id="2" name="Slide Image Placeholder 1"/>
+          <p:cNvSpPr>
+            <a:spLocks noGrp="1" noRot="1" noChangeAspect="1"/>
+          </p:cNvSpPr>
+          <p:nvPr>
+            <p:ph type="sldImg"/>
+          </p:nvPr>
+        </p:nvSpPr>
+        <p:spPr/>
+      </p:sp>
+      <p:sp>
+        <p:nvSpPr>
+          <p:cNvPr id="3" name="Notes Placeholder 2"/>
+          <p:cNvSpPr>
+            <a:spLocks noGrp="1"/>
+          </p:cNvSpPr>
+          <p:nvPr>
+            <p:ph type="body" idx="1"/>
+          </p:nvPr>
+        </p:nvSpPr>
+        <p:spPr/>
+        <p:txBody>
+          <a:bodyPr/>
+          <a:lstStyle/>
+          <a:p>
+            <a:endParaRPr lang="en-US" dirty="0"/>
+          </a:p>
+        </p:txBody>
+      </p:sp>
+      <p:sp>
+        <p:nvSpPr>
+          <p:cNvPr id="4" name="Slide Number Placeholder 3"/>
+          <p:cNvSpPr>
+            <a:spLocks noGrp="1"/>
+          </p:cNvSpPr>
+          <p:nvPr>
+            <p:ph type="sldNum" sz="quarter" idx="10"/>
+          </p:nvPr>
+        </p:nvSpPr>
+        <p:spPr/>
+        <p:txBody>
+          <a:bodyPr/>
+          <a:lstStyle/>
+          <a:p>
+            <a:fld id="{035DD5C9-B5A2-47F1-BC40-0D7BD2C50D7F}" type="slidenum">
+              <a:rPr lang="en-US" smtClean="0"/>
+              <a:t>63</a:t>
+            </a:fld>
+            <a:endParaRPr lang="en-US"/>
+          </a:p>
+        </p:txBody>
+      </p:sp>
+    </p:spTree>
+    <p:extLst>
+      <p:ext uri="{BB962C8B-B14F-4D97-AF65-F5344CB8AC3E}">
+        <p14:creationId xmlns:p14="http://schemas.microsoft.com/office/powerpoint/2010/main" val="4196291063"/>
+      </p:ext>
+    </p:extLst>
+  </p:cSld>
+  <p:clrMapOvr>
+    <a:masterClrMapping/>
+  </p:clrMapOvr>
+</p:notes>
+</file>
+
+<file path=ppt/notesSlides/notesSlide63.xml><?xml version="1.0" encoding="utf-8"?>
+<p:notes xmlns:a="http://schemas.openxmlformats.org/drawingml/2006/main" xmlns:r="http://schemas.openxmlformats.org/officeDocument/2006/relationships" xmlns:p="http://schemas.openxmlformats.org/presentationml/2006/main">
+  <p:cSld>
+    <p:spTree>
+      <p:nvGrpSpPr>
+        <p:cNvPr id="1" name=""/>
+        <p:cNvGrpSpPr/>
+        <p:nvPr/>
+      </p:nvGrpSpPr>
+      <p:grpSpPr>
+        <a:xfrm>
+          <a:off x="0" y="0"/>
+          <a:ext cx="0" cy="0"/>
+          <a:chOff x="0" y="0"/>
+          <a:chExt cx="0" cy="0"/>
+        </a:xfrm>
+      </p:grpSpPr>
+      <p:sp>
+        <p:nvSpPr>
+          <p:cNvPr id="2" name="Slide Image Placeholder 1"/>
+          <p:cNvSpPr>
+            <a:spLocks noGrp="1" noRot="1" noChangeAspect="1"/>
+          </p:cNvSpPr>
+          <p:nvPr>
+            <p:ph type="sldImg"/>
+          </p:nvPr>
+        </p:nvSpPr>
+        <p:spPr/>
+      </p:sp>
+      <p:sp>
+        <p:nvSpPr>
+          <p:cNvPr id="3" name="Notes Placeholder 2"/>
+          <p:cNvSpPr>
+            <a:spLocks noGrp="1"/>
+          </p:cNvSpPr>
+          <p:nvPr>
+            <p:ph type="body" idx="1"/>
+          </p:nvPr>
+        </p:nvSpPr>
+        <p:spPr/>
+        <p:txBody>
+          <a:bodyPr/>
+          <a:lstStyle/>
+          <a:p>
+            <a:endParaRPr lang="en-US" dirty="0"/>
+          </a:p>
+        </p:txBody>
+      </p:sp>
+      <p:sp>
+        <p:nvSpPr>
+          <p:cNvPr id="4" name="Slide Number Placeholder 3"/>
+          <p:cNvSpPr>
+            <a:spLocks noGrp="1"/>
+          </p:cNvSpPr>
+          <p:nvPr>
+            <p:ph type="sldNum" sz="quarter" idx="10"/>
+          </p:nvPr>
+        </p:nvSpPr>
+        <p:spPr/>
+        <p:txBody>
+          <a:bodyPr/>
+          <a:lstStyle/>
+          <a:p>
+            <a:fld id="{035DD5C9-B5A2-47F1-BC40-0D7BD2C50D7F}" type="slidenum">
+              <a:rPr lang="en-US" smtClean="0"/>
+              <a:t>64</a:t>
+            </a:fld>
+            <a:endParaRPr lang="en-US"/>
+          </a:p>
+        </p:txBody>
+      </p:sp>
+    </p:spTree>
+    <p:extLst>
+      <p:ext uri="{BB962C8B-B14F-4D97-AF65-F5344CB8AC3E}">
+        <p14:creationId xmlns:p14="http://schemas.microsoft.com/office/powerpoint/2010/main" val="1644590473"/>
+      </p:ext>
+    </p:extLst>
+  </p:cSld>
+  <p:clrMapOvr>
+    <a:masterClrMapping/>
+  </p:clrMapOvr>
+</p:notes>
+</file>
+
+<file path=ppt/notesSlides/notesSlide64.xml><?xml version="1.0" encoding="utf-8"?>
+<p:notes xmlns:a="http://schemas.openxmlformats.org/drawingml/2006/main" xmlns:r="http://schemas.openxmlformats.org/officeDocument/2006/relationships" xmlns:p="http://schemas.openxmlformats.org/presentationml/2006/main">
+  <p:cSld>
+    <p:spTree>
+      <p:nvGrpSpPr>
+        <p:cNvPr id="1" name=""/>
+        <p:cNvGrpSpPr/>
+        <p:nvPr/>
+      </p:nvGrpSpPr>
+      <p:grpSpPr>
+        <a:xfrm>
+          <a:off x="0" y="0"/>
+          <a:ext cx="0" cy="0"/>
+          <a:chOff x="0" y="0"/>
+          <a:chExt cx="0" cy="0"/>
+        </a:xfrm>
+      </p:grpSpPr>
+      <p:sp>
+        <p:nvSpPr>
+          <p:cNvPr id="2" name="Slide Image Placeholder 1"/>
+          <p:cNvSpPr>
+            <a:spLocks noGrp="1" noRot="1" noChangeAspect="1"/>
+          </p:cNvSpPr>
+          <p:nvPr>
+            <p:ph type="sldImg"/>
+          </p:nvPr>
+        </p:nvSpPr>
+        <p:spPr/>
+      </p:sp>
+      <p:sp>
+        <p:nvSpPr>
+          <p:cNvPr id="3" name="Notes Placeholder 2"/>
+          <p:cNvSpPr>
+            <a:spLocks noGrp="1"/>
+          </p:cNvSpPr>
+          <p:nvPr>
+            <p:ph type="body" idx="1"/>
+          </p:nvPr>
+        </p:nvSpPr>
+        <p:spPr/>
+        <p:txBody>
+          <a:bodyPr/>
+          <a:lstStyle/>
+          <a:p>
+            <a:endParaRPr lang="en-US" dirty="0"/>
+          </a:p>
+        </p:txBody>
+      </p:sp>
+      <p:sp>
+        <p:nvSpPr>
+          <p:cNvPr id="4" name="Slide Number Placeholder 3"/>
+          <p:cNvSpPr>
+            <a:spLocks noGrp="1"/>
+          </p:cNvSpPr>
+          <p:nvPr>
+            <p:ph type="sldNum" sz="quarter" idx="10"/>
+          </p:nvPr>
+        </p:nvSpPr>
+        <p:spPr/>
+        <p:txBody>
+          <a:bodyPr/>
+          <a:lstStyle/>
+          <a:p>
+            <a:fld id="{035DD5C9-B5A2-47F1-BC40-0D7BD2C50D7F}" type="slidenum">
+              <a:rPr lang="en-US" smtClean="0"/>
+              <a:t>65</a:t>
+            </a:fld>
+            <a:endParaRPr lang="en-US"/>
+          </a:p>
+        </p:txBody>
+      </p:sp>
+    </p:spTree>
+    <p:extLst>
+      <p:ext uri="{BB962C8B-B14F-4D97-AF65-F5344CB8AC3E}">
+        <p14:creationId xmlns:p14="http://schemas.microsoft.com/office/powerpoint/2010/main" val="1808882771"/>
+      </p:ext>
+    </p:extLst>
+  </p:cSld>
+  <p:clrMapOvr>
+    <a:masterClrMapping/>
+  </p:clrMapOvr>
+</p:notes>
+</file>
+
+<file path=ppt/notesSlides/notesSlide65.xml><?xml version="1.0" encoding="utf-8"?>
+<p:notes xmlns:a="http://schemas.openxmlformats.org/drawingml/2006/main" xmlns:r="http://schemas.openxmlformats.org/officeDocument/2006/relationships" xmlns:p="http://schemas.openxmlformats.org/presentationml/2006/main">
+  <p:cSld>
+    <p:spTree>
+      <p:nvGrpSpPr>
+        <p:cNvPr id="1" name=""/>
+        <p:cNvGrpSpPr/>
+        <p:nvPr/>
+      </p:nvGrpSpPr>
+      <p:grpSpPr>
+        <a:xfrm>
+          <a:off x="0" y="0"/>
+          <a:ext cx="0" cy="0"/>
+          <a:chOff x="0" y="0"/>
+          <a:chExt cx="0" cy="0"/>
+        </a:xfrm>
+      </p:grpSpPr>
+      <p:sp>
+        <p:nvSpPr>
+          <p:cNvPr id="2" name="Slide Image Placeholder 1"/>
+          <p:cNvSpPr>
+            <a:spLocks noGrp="1" noRot="1" noChangeAspect="1"/>
+          </p:cNvSpPr>
+          <p:nvPr>
+            <p:ph type="sldImg"/>
+          </p:nvPr>
+        </p:nvSpPr>
+        <p:spPr/>
+      </p:sp>
+      <p:sp>
+        <p:nvSpPr>
+          <p:cNvPr id="3" name="Notes Placeholder 2"/>
+          <p:cNvSpPr>
+            <a:spLocks noGrp="1"/>
+          </p:cNvSpPr>
+          <p:nvPr>
+            <p:ph type="body" idx="1"/>
+          </p:nvPr>
+        </p:nvSpPr>
+        <p:spPr/>
+        <p:txBody>
+          <a:bodyPr/>
+          <a:lstStyle/>
+          <a:p>
+            <a:endParaRPr lang="en-US" dirty="0"/>
+          </a:p>
+        </p:txBody>
+      </p:sp>
+      <p:sp>
+        <p:nvSpPr>
+          <p:cNvPr id="4" name="Slide Number Placeholder 3"/>
+          <p:cNvSpPr>
+            <a:spLocks noGrp="1"/>
+          </p:cNvSpPr>
+          <p:nvPr>
+            <p:ph type="sldNum" sz="quarter" idx="10"/>
+          </p:nvPr>
+        </p:nvSpPr>
+        <p:spPr/>
+        <p:txBody>
+          <a:bodyPr/>
+          <a:lstStyle/>
+          <a:p>
+            <a:fld id="{035DD5C9-B5A2-47F1-BC40-0D7BD2C50D7F}" type="slidenum">
+              <a:rPr lang="en-US" smtClean="0"/>
+              <a:t>66</a:t>
+            </a:fld>
+            <a:endParaRPr lang="en-US"/>
+          </a:p>
+        </p:txBody>
+      </p:sp>
+    </p:spTree>
+    <p:extLst>
+      <p:ext uri="{BB962C8B-B14F-4D97-AF65-F5344CB8AC3E}">
+        <p14:creationId xmlns:p14="http://schemas.microsoft.com/office/powerpoint/2010/main" val="256221846"/>
       </p:ext>
     </p:extLst>
   </p:cSld>
@@ -34461,8 +35056,50 @@
                 </a:solidFill>
                 <a:cs typeface="Arial" panose="020B0604020202020204" pitchFamily="34" charset="0"/>
               </a:rPr>
-              <a:t>armature reaction.</a:t>
-            </a:r>
+              <a:t>armature </a:t>
+            </a:r>
+            <a:r>
+              <a:rPr lang="en-US" sz="2000" dirty="0" smtClean="0">
+                <a:solidFill>
+                  <a:srgbClr val="C00000"/>
+                </a:solidFill>
+                <a:cs typeface="Arial" panose="020B0604020202020204" pitchFamily="34" charset="0"/>
+              </a:rPr>
+              <a:t>reaction</a:t>
+            </a:r>
+            <a:r>
+              <a:rPr lang="tr-TR" sz="2000" dirty="0" smtClean="0">
+                <a:solidFill>
+                  <a:srgbClr val="C00000"/>
+                </a:solidFill>
+                <a:cs typeface="Arial" panose="020B0604020202020204" pitchFamily="34" charset="0"/>
+              </a:rPr>
+              <a:t> (MMF </a:t>
+            </a:r>
+            <a:r>
+              <a:rPr lang="tr-TR" sz="2000" dirty="0" err="1" smtClean="0">
+                <a:solidFill>
+                  <a:srgbClr val="C00000"/>
+                </a:solidFill>
+                <a:cs typeface="Arial" panose="020B0604020202020204" pitchFamily="34" charset="0"/>
+              </a:rPr>
+              <a:t>sub-harmonic</a:t>
+            </a:r>
+            <a:r>
+              <a:rPr lang="tr-TR" sz="2000" dirty="0" smtClean="0">
+                <a:solidFill>
+                  <a:srgbClr val="C00000"/>
+                </a:solidFill>
+                <a:cs typeface="Arial" panose="020B0604020202020204" pitchFamily="34" charset="0"/>
+              </a:rPr>
+              <a:t> ile alakalı bu da)</a:t>
+            </a:r>
+            <a:endParaRPr lang="en-US" sz="2000" dirty="0">
+              <a:solidFill>
+                <a:srgbClr val="C00000"/>
+              </a:solidFill>
+              <a:cs typeface="Arial" panose="020B0604020202020204" pitchFamily="34" charset="0"/>
+            </a:endParaRPr>
           </a:p>
           <a:p>
             <a:pPr marL="285750" indent="-285750">
@@ -36487,7 +37124,7 @@
         <p:spPr>
           <a:xfrm>
             <a:off x="333702" y="1197109"/>
-            <a:ext cx="8810298" cy="2031325"/>
+            <a:ext cx="8810298" cy="3970318"/>
           </a:xfrm>
           <a:prstGeom prst="rect">
             <a:avLst/>
@@ -36559,7 +37196,23 @@
                   <a:srgbClr val="002060"/>
                 </a:solidFill>
               </a:rPr>
-              <a:t>existence of flux pulsations due to the stator </a:t>
+              <a:t>existence of </a:t>
+            </a:r>
+            <a:r>
+              <a:rPr lang="en-US" dirty="0">
+                <a:solidFill>
+                  <a:srgbClr val="FF0000"/>
+                </a:solidFill>
+              </a:rPr>
+              <a:t>flux pulsations </a:t>
+            </a:r>
+            <a:r>
+              <a:rPr lang="en-US" dirty="0">
+                <a:solidFill>
+                  <a:srgbClr val="002060"/>
+                </a:solidFill>
+              </a:rPr>
+              <a:t>due to the stator </a:t>
             </a:r>
             <a:r>
               <a:rPr lang="en-US" dirty="0" smtClean="0">
@@ -36594,19 +37247,27 @@
                   <a:srgbClr val="002060"/>
                 </a:solidFill>
               </a:rPr>
-              <a:t>presence of air-gap MMF </a:t>
+              <a:t>presence of air-gap </a:t>
+            </a:r>
+            <a:r>
+              <a:rPr lang="en-US" dirty="0">
+                <a:solidFill>
+                  <a:srgbClr val="FF0000"/>
+                </a:solidFill>
+              </a:rPr>
+              <a:t>MMF </a:t>
             </a:r>
             <a:r>
               <a:rPr lang="en-US" dirty="0" smtClean="0">
                 <a:solidFill>
-                  <a:srgbClr val="002060"/>
+                  <a:srgbClr val="FF0000"/>
                 </a:solidFill>
               </a:rPr>
               <a:t>harmonics</a:t>
             </a:r>
             <a:endParaRPr lang="tr-TR" dirty="0" smtClean="0">
               <a:solidFill>
-                <a:srgbClr val="002060"/>
+                <a:srgbClr val="FF0000"/>
               </a:solidFill>
             </a:endParaRPr>
           </a:p>
@@ -36702,11 +37363,232 @@
               </a:rPr>
               <a:t>.</a:t>
             </a:r>
-            <a:endParaRPr lang="en-US" dirty="0">
+          </a:p>
+          <a:p>
+            <a:endParaRPr lang="tr-TR" dirty="0" smtClean="0">
               <a:solidFill>
                 <a:srgbClr val="002060"/>
               </a:solidFill>
             </a:endParaRPr>
+          </a:p>
+          <a:p>
+            <a:endParaRPr lang="tr-TR" dirty="0">
+              <a:solidFill>
+                <a:srgbClr val="002060"/>
+              </a:solidFill>
+            </a:endParaRPr>
+          </a:p>
+          <a:p>
+            <a:r>
+              <a:rPr lang="tr-TR" b="1" dirty="0" err="1" smtClean="0">
+                <a:solidFill>
+                  <a:srgbClr val="002060"/>
+                </a:solidFill>
+              </a:rPr>
+              <a:t>Techniques</a:t>
+            </a:r>
+            <a:r>
+              <a:rPr lang="tr-TR" b="1" dirty="0" smtClean="0">
+                <a:solidFill>
+                  <a:srgbClr val="002060"/>
+                </a:solidFill>
+              </a:rPr>
+              <a:t> </a:t>
+            </a:r>
+            <a:r>
+              <a:rPr lang="tr-TR" b="1" dirty="0" err="1" smtClean="0">
+                <a:solidFill>
+                  <a:srgbClr val="002060"/>
+                </a:solidFill>
+              </a:rPr>
+              <a:t>to</a:t>
+            </a:r>
+            <a:r>
+              <a:rPr lang="tr-TR" b="1" dirty="0" smtClean="0">
+                <a:solidFill>
+                  <a:srgbClr val="002060"/>
+                </a:solidFill>
+              </a:rPr>
+              <a:t> </a:t>
+            </a:r>
+            <a:r>
+              <a:rPr lang="tr-TR" b="1" dirty="0" err="1" smtClean="0">
+                <a:solidFill>
+                  <a:srgbClr val="002060"/>
+                </a:solidFill>
+              </a:rPr>
+              <a:t>reduce</a:t>
+            </a:r>
+            <a:r>
+              <a:rPr lang="tr-TR" b="1" dirty="0" smtClean="0">
+                <a:solidFill>
+                  <a:srgbClr val="002060"/>
+                </a:solidFill>
+              </a:rPr>
+              <a:t> rotor </a:t>
+            </a:r>
+            <a:r>
+              <a:rPr lang="tr-TR" b="1" dirty="0" err="1" smtClean="0">
+                <a:solidFill>
+                  <a:srgbClr val="002060"/>
+                </a:solidFill>
+              </a:rPr>
+              <a:t>losses</a:t>
+            </a:r>
+            <a:r>
+              <a:rPr lang="tr-TR" b="1" dirty="0" smtClean="0">
+                <a:solidFill>
+                  <a:srgbClr val="002060"/>
+                </a:solidFill>
+              </a:rPr>
+              <a:t>:</a:t>
+            </a:r>
+          </a:p>
+          <a:p>
+            <a:pPr marL="285750" indent="-285750">
+              <a:buFont typeface="Arial" panose="020B0604020202020204" pitchFamily="34" charset="0"/>
+              <a:buChar char="•"/>
+            </a:pPr>
+            <a:r>
+              <a:rPr lang="tr-TR" dirty="0" err="1" smtClean="0">
+                <a:solidFill>
+                  <a:srgbClr val="002060"/>
+                </a:solidFill>
+              </a:rPr>
+              <a:t>Laminated</a:t>
+            </a:r>
+            <a:r>
+              <a:rPr lang="tr-TR" dirty="0" smtClean="0">
+                <a:solidFill>
+                  <a:srgbClr val="002060"/>
+                </a:solidFill>
+              </a:rPr>
+              <a:t> rotor</a:t>
+            </a:r>
+          </a:p>
+          <a:p>
+            <a:pPr marL="285750" indent="-285750">
+              <a:buFont typeface="Arial" panose="020B0604020202020204" pitchFamily="34" charset="0"/>
+              <a:buChar char="•"/>
+            </a:pPr>
+            <a:r>
+              <a:rPr lang="en-US" dirty="0">
+                <a:solidFill>
+                  <a:srgbClr val="002060"/>
+                </a:solidFill>
+              </a:rPr>
+              <a:t>Axial and/or circumferential segmentation of the </a:t>
+            </a:r>
+            <a:r>
+              <a:rPr lang="en-US" dirty="0" smtClean="0">
+                <a:solidFill>
+                  <a:srgbClr val="002060"/>
+                </a:solidFill>
+              </a:rPr>
+              <a:t>permanent-magnets</a:t>
+            </a:r>
+            <a:r>
+              <a:rPr lang="tr-TR" dirty="0" smtClean="0">
+                <a:solidFill>
+                  <a:srgbClr val="002060"/>
+                </a:solidFill>
+              </a:rPr>
+              <a:t> </a:t>
+            </a:r>
+            <a:r>
+              <a:rPr lang="tr-TR" dirty="0">
+                <a:solidFill>
+                  <a:srgbClr val="FF0000"/>
+                </a:solidFill>
+              </a:rPr>
+              <a:t>???</a:t>
+            </a:r>
+            <a:endParaRPr lang="tr-TR" dirty="0" smtClean="0">
+              <a:solidFill>
+                <a:srgbClr val="002060"/>
+              </a:solidFill>
+            </a:endParaRPr>
+          </a:p>
+          <a:p>
+            <a:pPr marL="285750" indent="-285750">
+              <a:buFont typeface="Arial" panose="020B0604020202020204" pitchFamily="34" charset="0"/>
+              <a:buChar char="•"/>
+            </a:pPr>
+            <a:r>
+              <a:rPr lang="en-US" dirty="0" smtClean="0">
+                <a:solidFill>
+                  <a:srgbClr val="002060"/>
+                </a:solidFill>
+              </a:rPr>
+              <a:t>Use </a:t>
+            </a:r>
+            <a:r>
+              <a:rPr lang="en-US" dirty="0">
+                <a:solidFill>
+                  <a:srgbClr val="002060"/>
+                </a:solidFill>
+              </a:rPr>
+              <a:t>of a higher resistivity PM material (e.g. bonded vs sintered</a:t>
+            </a:r>
+            <a:r>
+              <a:rPr lang="en-US" dirty="0" smtClean="0">
+                <a:solidFill>
+                  <a:srgbClr val="002060"/>
+                </a:solidFill>
+              </a:rPr>
+              <a:t>)</a:t>
+            </a:r>
+            <a:endParaRPr lang="tr-TR" dirty="0" smtClean="0">
+              <a:solidFill>
+                <a:srgbClr val="002060"/>
+              </a:solidFill>
+            </a:endParaRPr>
+          </a:p>
+          <a:p>
+            <a:pPr marL="285750" indent="-285750">
+              <a:buFont typeface="Arial" panose="020B0604020202020204" pitchFamily="34" charset="0"/>
+              <a:buChar char="•"/>
+            </a:pPr>
+            <a:r>
+              <a:rPr lang="en-US" dirty="0" smtClean="0">
+                <a:solidFill>
+                  <a:srgbClr val="002060"/>
+                </a:solidFill>
+              </a:rPr>
+              <a:t>Shielding </a:t>
+            </a:r>
+            <a:r>
+              <a:rPr lang="en-US" dirty="0">
+                <a:solidFill>
+                  <a:srgbClr val="002060"/>
+                </a:solidFill>
+              </a:rPr>
+              <a:t>by copper </a:t>
+            </a:r>
+            <a:r>
+              <a:rPr lang="en-US" dirty="0" smtClean="0">
+                <a:solidFill>
+                  <a:srgbClr val="002060"/>
+                </a:solidFill>
+              </a:rPr>
+              <a:t>cladding</a:t>
+            </a:r>
+            <a:r>
+              <a:rPr lang="tr-TR" dirty="0" smtClean="0">
+                <a:solidFill>
+                  <a:srgbClr val="002060"/>
+                </a:solidFill>
+              </a:rPr>
+              <a:t> </a:t>
+            </a:r>
+            <a:r>
+              <a:rPr lang="tr-TR" dirty="0" smtClean="0">
+                <a:solidFill>
+                  <a:srgbClr val="FF0000"/>
+                </a:solidFill>
+              </a:rPr>
+              <a:t>???</a:t>
+            </a:r>
           </a:p>
         </p:txBody>
       </p:sp>
@@ -37423,6 +38305,3592 @@
     <p:extLst>
       <p:ext uri="{BB962C8B-B14F-4D97-AF65-F5344CB8AC3E}">
         <p14:creationId xmlns:p14="http://schemas.microsoft.com/office/powerpoint/2010/main" val="2063063816"/>
+      </p:ext>
+    </p:extLst>
+  </p:cSld>
+  <p:clrMapOvr>
+    <a:masterClrMapping/>
+  </p:clrMapOvr>
+  <p:timing>
+    <p:tnLst>
+      <p:par>
+        <p:cTn id="1" dur="indefinite" restart="never" nodeType="tmRoot"/>
+      </p:par>
+    </p:tnLst>
+  </p:timing>
+</p:sld>
+</file>
+
+<file path=ppt/slides/slide60.xml><?xml version="1.0" encoding="utf-8"?>
+<p:sld xmlns:a="http://schemas.openxmlformats.org/drawingml/2006/main" xmlns:r="http://schemas.openxmlformats.org/officeDocument/2006/relationships" xmlns:p="http://schemas.openxmlformats.org/presentationml/2006/main">
+  <p:cSld>
+    <p:spTree>
+      <p:nvGrpSpPr>
+        <p:cNvPr id="1" name=""/>
+        <p:cNvGrpSpPr/>
+        <p:nvPr/>
+      </p:nvGrpSpPr>
+      <p:grpSpPr>
+        <a:xfrm>
+          <a:off x="0" y="0"/>
+          <a:ext cx="0" cy="0"/>
+          <a:chOff x="0" y="0"/>
+          <a:chExt cx="0" cy="0"/>
+        </a:xfrm>
+      </p:grpSpPr>
+      <p:sp>
+        <p:nvSpPr>
+          <p:cNvPr id="8" name="Rectangle 7"/>
+          <p:cNvSpPr/>
+          <p:nvPr/>
+        </p:nvSpPr>
+        <p:spPr>
+          <a:xfrm>
+            <a:off x="478970" y="150669"/>
+            <a:ext cx="8207829" cy="523220"/>
+          </a:xfrm>
+          <a:prstGeom prst="rect">
+            <a:avLst/>
+          </a:prstGeom>
+        </p:spPr>
+        <p:txBody>
+          <a:bodyPr wrap="square">
+            <a:spAutoFit/>
+          </a:bodyPr>
+          <a:lstStyle/>
+          <a:p>
+            <a:pPr algn="ctr"/>
+            <a:r>
+              <a:rPr lang="tr-TR" sz="2800" b="1" dirty="0" err="1" smtClean="0">
+                <a:solidFill>
+                  <a:schemeClr val="accent1">
+                    <a:lumMod val="50000"/>
+                  </a:schemeClr>
+                </a:solidFill>
+                <a:cs typeface="Arial" panose="020B0604020202020204" pitchFamily="34" charset="0"/>
+              </a:rPr>
+              <a:t>Fractional</a:t>
+            </a:r>
+            <a:r>
+              <a:rPr lang="tr-TR" sz="2800" b="1" dirty="0" smtClean="0">
+                <a:solidFill>
+                  <a:schemeClr val="accent1">
+                    <a:lumMod val="50000"/>
+                  </a:schemeClr>
+                </a:solidFill>
+                <a:cs typeface="Arial" panose="020B0604020202020204" pitchFamily="34" charset="0"/>
+              </a:rPr>
+              <a:t> </a:t>
+            </a:r>
+            <a:r>
+              <a:rPr lang="tr-TR" sz="2800" b="1" dirty="0" err="1" smtClean="0">
+                <a:solidFill>
+                  <a:schemeClr val="accent1">
+                    <a:lumMod val="50000"/>
+                  </a:schemeClr>
+                </a:solidFill>
+                <a:cs typeface="Arial" panose="020B0604020202020204" pitchFamily="34" charset="0"/>
+              </a:rPr>
+              <a:t>Slot</a:t>
+            </a:r>
+            <a:r>
+              <a:rPr lang="tr-TR" sz="2800" b="1" dirty="0" smtClean="0">
+                <a:solidFill>
+                  <a:schemeClr val="accent1">
+                    <a:lumMod val="50000"/>
+                  </a:schemeClr>
+                </a:solidFill>
+                <a:cs typeface="Arial" panose="020B0604020202020204" pitchFamily="34" charset="0"/>
+              </a:rPr>
+              <a:t> </a:t>
+            </a:r>
+            <a:r>
+              <a:rPr lang="tr-TR" sz="2800" b="1" dirty="0" err="1" smtClean="0">
+                <a:solidFill>
+                  <a:schemeClr val="accent1">
+                    <a:lumMod val="50000"/>
+                  </a:schemeClr>
+                </a:solidFill>
+                <a:cs typeface="Arial" panose="020B0604020202020204" pitchFamily="34" charset="0"/>
+              </a:rPr>
+              <a:t>Concentrated</a:t>
+            </a:r>
+            <a:r>
+              <a:rPr lang="tr-TR" sz="2800" b="1" dirty="0" smtClean="0">
+                <a:solidFill>
+                  <a:schemeClr val="accent1">
+                    <a:lumMod val="50000"/>
+                  </a:schemeClr>
+                </a:solidFill>
+                <a:cs typeface="Arial" panose="020B0604020202020204" pitchFamily="34" charset="0"/>
+              </a:rPr>
+              <a:t> </a:t>
+            </a:r>
+            <a:r>
+              <a:rPr lang="tr-TR" sz="2800" b="1" dirty="0" err="1" smtClean="0">
+                <a:solidFill>
+                  <a:schemeClr val="accent1">
+                    <a:lumMod val="50000"/>
+                  </a:schemeClr>
+                </a:solidFill>
+                <a:cs typeface="Arial" panose="020B0604020202020204" pitchFamily="34" charset="0"/>
+              </a:rPr>
+              <a:t>Winding</a:t>
+            </a:r>
+            <a:r>
+              <a:rPr lang="tr-TR" sz="2800" b="1" dirty="0" smtClean="0">
+                <a:solidFill>
+                  <a:schemeClr val="accent1">
+                    <a:lumMod val="50000"/>
+                  </a:schemeClr>
+                </a:solidFill>
+                <a:cs typeface="Arial" panose="020B0604020202020204" pitchFamily="34" charset="0"/>
+              </a:rPr>
+              <a:t> </a:t>
+            </a:r>
+            <a:r>
+              <a:rPr lang="tr-TR" sz="2800" b="1" dirty="0" err="1" smtClean="0">
+                <a:solidFill>
+                  <a:schemeClr val="accent1">
+                    <a:lumMod val="50000"/>
+                  </a:schemeClr>
+                </a:solidFill>
+                <a:cs typeface="Arial" panose="020B0604020202020204" pitchFamily="34" charset="0"/>
+              </a:rPr>
+              <a:t>Machines</a:t>
+            </a:r>
+            <a:endParaRPr lang="en-US" sz="2800" dirty="0">
+              <a:solidFill>
+                <a:schemeClr val="accent1">
+                  <a:lumMod val="50000"/>
+                </a:schemeClr>
+              </a:solidFill>
+              <a:cs typeface="Arial" panose="020B0604020202020204" pitchFamily="34" charset="0"/>
+            </a:endParaRPr>
+          </a:p>
+        </p:txBody>
+      </p:sp>
+      <p:sp>
+        <p:nvSpPr>
+          <p:cNvPr id="6" name="Rectangle 5"/>
+          <p:cNvSpPr/>
+          <p:nvPr/>
+        </p:nvSpPr>
+        <p:spPr>
+          <a:xfrm>
+            <a:off x="333702" y="673889"/>
+            <a:ext cx="8744983" cy="400110"/>
+          </a:xfrm>
+          <a:prstGeom prst="rect">
+            <a:avLst/>
+          </a:prstGeom>
+        </p:spPr>
+        <p:txBody>
+          <a:bodyPr wrap="square">
+            <a:spAutoFit/>
+          </a:bodyPr>
+          <a:lstStyle/>
+          <a:p>
+            <a:pPr algn="ctr"/>
+            <a:r>
+              <a:rPr lang="tr-TR" sz="2000" b="1" dirty="0" smtClean="0">
+                <a:solidFill>
+                  <a:srgbClr val="002060"/>
+                </a:solidFill>
+                <a:cs typeface="Arial" panose="020B0604020202020204" pitchFamily="34" charset="0"/>
+              </a:rPr>
+              <a:t>Rotor </a:t>
+            </a:r>
+            <a:r>
+              <a:rPr lang="tr-TR" sz="2000" b="1" dirty="0" err="1" smtClean="0">
+                <a:solidFill>
+                  <a:srgbClr val="002060"/>
+                </a:solidFill>
+                <a:cs typeface="Arial" panose="020B0604020202020204" pitchFamily="34" charset="0"/>
+              </a:rPr>
+              <a:t>losses</a:t>
+            </a:r>
+            <a:r>
+              <a:rPr lang="tr-TR" sz="2000" b="1" dirty="0" smtClean="0">
+                <a:solidFill>
+                  <a:srgbClr val="002060"/>
+                </a:solidFill>
+                <a:cs typeface="Arial" panose="020B0604020202020204" pitchFamily="34" charset="0"/>
+              </a:rPr>
+              <a:t>: MMF </a:t>
+            </a:r>
+            <a:r>
+              <a:rPr lang="tr-TR" sz="2000" b="1" dirty="0" err="1" smtClean="0">
+                <a:solidFill>
+                  <a:srgbClr val="002060"/>
+                </a:solidFill>
+                <a:cs typeface="Arial" panose="020B0604020202020204" pitchFamily="34" charset="0"/>
+              </a:rPr>
+              <a:t>harmonics</a:t>
+            </a:r>
+            <a:endParaRPr lang="tr-TR" sz="2000" b="1" dirty="0" smtClean="0">
+              <a:solidFill>
+                <a:srgbClr val="002060"/>
+              </a:solidFill>
+              <a:cs typeface="Arial" panose="020B0604020202020204" pitchFamily="34" charset="0"/>
+            </a:endParaRPr>
+          </a:p>
+        </p:txBody>
+      </p:sp>
+      <p:pic>
+        <p:nvPicPr>
+          <p:cNvPr id="3" name="Picture 2"/>
+          <p:cNvPicPr>
+            <a:picLocks noChangeAspect="1"/>
+          </p:cNvPicPr>
+          <p:nvPr/>
+        </p:nvPicPr>
+        <p:blipFill>
+          <a:blip r:embed="rId3"/>
+          <a:stretch>
+            <a:fillRect/>
+          </a:stretch>
+        </p:blipFill>
+        <p:spPr>
+          <a:xfrm>
+            <a:off x="1309173" y="4284164"/>
+            <a:ext cx="6547419" cy="2467225"/>
+          </a:xfrm>
+          <a:prstGeom prst="rect">
+            <a:avLst/>
+          </a:prstGeom>
+        </p:spPr>
+      </p:pic>
+      <p:pic>
+        <p:nvPicPr>
+          <p:cNvPr id="9" name="Picture 8"/>
+          <p:cNvPicPr>
+            <a:picLocks noChangeAspect="1"/>
+          </p:cNvPicPr>
+          <p:nvPr/>
+        </p:nvPicPr>
+        <p:blipFill>
+          <a:blip r:embed="rId4"/>
+          <a:stretch>
+            <a:fillRect/>
+          </a:stretch>
+        </p:blipFill>
+        <p:spPr>
+          <a:xfrm>
+            <a:off x="971718" y="1791113"/>
+            <a:ext cx="7222331" cy="2493051"/>
+          </a:xfrm>
+          <a:prstGeom prst="rect">
+            <a:avLst/>
+          </a:prstGeom>
+        </p:spPr>
+      </p:pic>
+      <p:sp>
+        <p:nvSpPr>
+          <p:cNvPr id="10" name="Rectangle 9"/>
+          <p:cNvSpPr/>
+          <p:nvPr/>
+        </p:nvSpPr>
+        <p:spPr>
+          <a:xfrm>
+            <a:off x="0" y="1247890"/>
+            <a:ext cx="9144000" cy="369332"/>
+          </a:xfrm>
+          <a:prstGeom prst="rect">
+            <a:avLst/>
+          </a:prstGeom>
+        </p:spPr>
+        <p:txBody>
+          <a:bodyPr wrap="square">
+            <a:spAutoFit/>
+          </a:bodyPr>
+          <a:lstStyle/>
+          <a:p>
+            <a:pPr algn="ctr"/>
+            <a:r>
+              <a:rPr lang="tr-TR" dirty="0" err="1" smtClean="0">
+                <a:solidFill>
+                  <a:srgbClr val="002060"/>
+                </a:solidFill>
+              </a:rPr>
+              <a:t>Integral</a:t>
+            </a:r>
+            <a:r>
+              <a:rPr lang="tr-TR" dirty="0" smtClean="0">
+                <a:solidFill>
+                  <a:srgbClr val="002060"/>
+                </a:solidFill>
+              </a:rPr>
+              <a:t> </a:t>
+            </a:r>
+            <a:r>
+              <a:rPr lang="tr-TR" dirty="0" err="1" smtClean="0">
+                <a:solidFill>
+                  <a:srgbClr val="002060"/>
+                </a:solidFill>
+              </a:rPr>
+              <a:t>slot</a:t>
+            </a:r>
+            <a:r>
+              <a:rPr lang="tr-TR" dirty="0" smtClean="0">
+                <a:solidFill>
+                  <a:srgbClr val="002060"/>
+                </a:solidFill>
+              </a:rPr>
+              <a:t> </a:t>
+            </a:r>
+            <a:r>
+              <a:rPr lang="tr-TR" dirty="0" err="1" smtClean="0">
+                <a:solidFill>
+                  <a:srgbClr val="002060"/>
+                </a:solidFill>
+              </a:rPr>
+              <a:t>vs</a:t>
+            </a:r>
+            <a:r>
+              <a:rPr lang="tr-TR" dirty="0" smtClean="0">
+                <a:solidFill>
+                  <a:srgbClr val="002060"/>
+                </a:solidFill>
+              </a:rPr>
+              <a:t> </a:t>
+            </a:r>
+            <a:r>
+              <a:rPr lang="tr-TR" dirty="0" err="1" smtClean="0">
+                <a:solidFill>
+                  <a:srgbClr val="002060"/>
+                </a:solidFill>
+              </a:rPr>
+              <a:t>fractional</a:t>
+            </a:r>
+            <a:r>
+              <a:rPr lang="tr-TR" dirty="0" smtClean="0">
+                <a:solidFill>
+                  <a:srgbClr val="002060"/>
+                </a:solidFill>
+              </a:rPr>
+              <a:t> </a:t>
+            </a:r>
+            <a:r>
+              <a:rPr lang="tr-TR" dirty="0" err="1" smtClean="0">
+                <a:solidFill>
+                  <a:srgbClr val="002060"/>
+                </a:solidFill>
+              </a:rPr>
+              <a:t>slot</a:t>
+            </a:r>
+            <a:r>
+              <a:rPr lang="tr-TR" dirty="0" smtClean="0">
+                <a:solidFill>
+                  <a:srgbClr val="002060"/>
+                </a:solidFill>
+              </a:rPr>
+              <a:t> </a:t>
+            </a:r>
+            <a:r>
+              <a:rPr lang="tr-TR" dirty="0" smtClean="0">
+                <a:solidFill>
+                  <a:srgbClr val="FF0000"/>
+                </a:solidFill>
+              </a:rPr>
+              <a:t>(bu ildiğimiz ve boyun eğdiğimiz bir şey)</a:t>
+            </a:r>
+            <a:endParaRPr lang="en-US" dirty="0">
+              <a:solidFill>
+                <a:srgbClr val="FF0000"/>
+              </a:solidFill>
+            </a:endParaRPr>
+          </a:p>
+        </p:txBody>
+      </p:sp>
+    </p:spTree>
+    <p:extLst>
+      <p:ext uri="{BB962C8B-B14F-4D97-AF65-F5344CB8AC3E}">
+        <p14:creationId xmlns:p14="http://schemas.microsoft.com/office/powerpoint/2010/main" val="389040452"/>
+      </p:ext>
+    </p:extLst>
+  </p:cSld>
+  <p:clrMapOvr>
+    <a:masterClrMapping/>
+  </p:clrMapOvr>
+  <p:timing>
+    <p:tnLst>
+      <p:par>
+        <p:cTn id="1" dur="indefinite" restart="never" nodeType="tmRoot"/>
+      </p:par>
+    </p:tnLst>
+  </p:timing>
+</p:sld>
+</file>
+
+<file path=ppt/slides/slide61.xml><?xml version="1.0" encoding="utf-8"?>
+<p:sld xmlns:a="http://schemas.openxmlformats.org/drawingml/2006/main" xmlns:r="http://schemas.openxmlformats.org/officeDocument/2006/relationships" xmlns:p="http://schemas.openxmlformats.org/presentationml/2006/main">
+  <p:cSld>
+    <p:spTree>
+      <p:nvGrpSpPr>
+        <p:cNvPr id="1" name=""/>
+        <p:cNvGrpSpPr/>
+        <p:nvPr/>
+      </p:nvGrpSpPr>
+      <p:grpSpPr>
+        <a:xfrm>
+          <a:off x="0" y="0"/>
+          <a:ext cx="0" cy="0"/>
+          <a:chOff x="0" y="0"/>
+          <a:chExt cx="0" cy="0"/>
+        </a:xfrm>
+      </p:grpSpPr>
+      <p:sp>
+        <p:nvSpPr>
+          <p:cNvPr id="8" name="Rectangle 7"/>
+          <p:cNvSpPr/>
+          <p:nvPr/>
+        </p:nvSpPr>
+        <p:spPr>
+          <a:xfrm>
+            <a:off x="478970" y="150669"/>
+            <a:ext cx="8207829" cy="523220"/>
+          </a:xfrm>
+          <a:prstGeom prst="rect">
+            <a:avLst/>
+          </a:prstGeom>
+        </p:spPr>
+        <p:txBody>
+          <a:bodyPr wrap="square">
+            <a:spAutoFit/>
+          </a:bodyPr>
+          <a:lstStyle/>
+          <a:p>
+            <a:pPr algn="ctr"/>
+            <a:r>
+              <a:rPr lang="tr-TR" sz="2800" b="1" dirty="0" err="1" smtClean="0">
+                <a:solidFill>
+                  <a:schemeClr val="accent1">
+                    <a:lumMod val="50000"/>
+                  </a:schemeClr>
+                </a:solidFill>
+                <a:cs typeface="Arial" panose="020B0604020202020204" pitchFamily="34" charset="0"/>
+              </a:rPr>
+              <a:t>Fractional</a:t>
+            </a:r>
+            <a:r>
+              <a:rPr lang="tr-TR" sz="2800" b="1" dirty="0" smtClean="0">
+                <a:solidFill>
+                  <a:schemeClr val="accent1">
+                    <a:lumMod val="50000"/>
+                  </a:schemeClr>
+                </a:solidFill>
+                <a:cs typeface="Arial" panose="020B0604020202020204" pitchFamily="34" charset="0"/>
+              </a:rPr>
+              <a:t> </a:t>
+            </a:r>
+            <a:r>
+              <a:rPr lang="tr-TR" sz="2800" b="1" dirty="0" err="1" smtClean="0">
+                <a:solidFill>
+                  <a:schemeClr val="accent1">
+                    <a:lumMod val="50000"/>
+                  </a:schemeClr>
+                </a:solidFill>
+                <a:cs typeface="Arial" panose="020B0604020202020204" pitchFamily="34" charset="0"/>
+              </a:rPr>
+              <a:t>Slot</a:t>
+            </a:r>
+            <a:r>
+              <a:rPr lang="tr-TR" sz="2800" b="1" dirty="0" smtClean="0">
+                <a:solidFill>
+                  <a:schemeClr val="accent1">
+                    <a:lumMod val="50000"/>
+                  </a:schemeClr>
+                </a:solidFill>
+                <a:cs typeface="Arial" panose="020B0604020202020204" pitchFamily="34" charset="0"/>
+              </a:rPr>
+              <a:t> </a:t>
+            </a:r>
+            <a:r>
+              <a:rPr lang="tr-TR" sz="2800" b="1" dirty="0" err="1" smtClean="0">
+                <a:solidFill>
+                  <a:schemeClr val="accent1">
+                    <a:lumMod val="50000"/>
+                  </a:schemeClr>
+                </a:solidFill>
+                <a:cs typeface="Arial" panose="020B0604020202020204" pitchFamily="34" charset="0"/>
+              </a:rPr>
+              <a:t>Concentrated</a:t>
+            </a:r>
+            <a:r>
+              <a:rPr lang="tr-TR" sz="2800" b="1" dirty="0" smtClean="0">
+                <a:solidFill>
+                  <a:schemeClr val="accent1">
+                    <a:lumMod val="50000"/>
+                  </a:schemeClr>
+                </a:solidFill>
+                <a:cs typeface="Arial" panose="020B0604020202020204" pitchFamily="34" charset="0"/>
+              </a:rPr>
+              <a:t> </a:t>
+            </a:r>
+            <a:r>
+              <a:rPr lang="tr-TR" sz="2800" b="1" dirty="0" err="1" smtClean="0">
+                <a:solidFill>
+                  <a:schemeClr val="accent1">
+                    <a:lumMod val="50000"/>
+                  </a:schemeClr>
+                </a:solidFill>
+                <a:cs typeface="Arial" panose="020B0604020202020204" pitchFamily="34" charset="0"/>
+              </a:rPr>
+              <a:t>Winding</a:t>
+            </a:r>
+            <a:r>
+              <a:rPr lang="tr-TR" sz="2800" b="1" dirty="0" smtClean="0">
+                <a:solidFill>
+                  <a:schemeClr val="accent1">
+                    <a:lumMod val="50000"/>
+                  </a:schemeClr>
+                </a:solidFill>
+                <a:cs typeface="Arial" panose="020B0604020202020204" pitchFamily="34" charset="0"/>
+              </a:rPr>
+              <a:t> </a:t>
+            </a:r>
+            <a:r>
+              <a:rPr lang="tr-TR" sz="2800" b="1" dirty="0" err="1" smtClean="0">
+                <a:solidFill>
+                  <a:schemeClr val="accent1">
+                    <a:lumMod val="50000"/>
+                  </a:schemeClr>
+                </a:solidFill>
+                <a:cs typeface="Arial" panose="020B0604020202020204" pitchFamily="34" charset="0"/>
+              </a:rPr>
+              <a:t>Machines</a:t>
+            </a:r>
+            <a:endParaRPr lang="en-US" sz="2800" dirty="0">
+              <a:solidFill>
+                <a:schemeClr val="accent1">
+                  <a:lumMod val="50000"/>
+                </a:schemeClr>
+              </a:solidFill>
+              <a:cs typeface="Arial" panose="020B0604020202020204" pitchFamily="34" charset="0"/>
+            </a:endParaRPr>
+          </a:p>
+        </p:txBody>
+      </p:sp>
+      <p:sp>
+        <p:nvSpPr>
+          <p:cNvPr id="6" name="Rectangle 5"/>
+          <p:cNvSpPr/>
+          <p:nvPr/>
+        </p:nvSpPr>
+        <p:spPr>
+          <a:xfrm>
+            <a:off x="333702" y="673889"/>
+            <a:ext cx="8744983" cy="400110"/>
+          </a:xfrm>
+          <a:prstGeom prst="rect">
+            <a:avLst/>
+          </a:prstGeom>
+        </p:spPr>
+        <p:txBody>
+          <a:bodyPr wrap="square">
+            <a:spAutoFit/>
+          </a:bodyPr>
+          <a:lstStyle/>
+          <a:p>
+            <a:pPr algn="ctr"/>
+            <a:r>
+              <a:rPr lang="tr-TR" sz="2000" b="1" dirty="0" smtClean="0">
+                <a:solidFill>
+                  <a:srgbClr val="002060"/>
+                </a:solidFill>
+                <a:cs typeface="Arial" panose="020B0604020202020204" pitchFamily="34" charset="0"/>
+              </a:rPr>
+              <a:t>Rotor </a:t>
+            </a:r>
+            <a:r>
+              <a:rPr lang="tr-TR" sz="2000" b="1" dirty="0" err="1" smtClean="0">
+                <a:solidFill>
+                  <a:srgbClr val="002060"/>
+                </a:solidFill>
+                <a:cs typeface="Arial" panose="020B0604020202020204" pitchFamily="34" charset="0"/>
+              </a:rPr>
+              <a:t>losses</a:t>
+            </a:r>
+            <a:r>
+              <a:rPr lang="tr-TR" sz="2000" b="1" dirty="0" smtClean="0">
+                <a:solidFill>
+                  <a:srgbClr val="002060"/>
+                </a:solidFill>
+                <a:cs typeface="Arial" panose="020B0604020202020204" pitchFamily="34" charset="0"/>
+              </a:rPr>
+              <a:t>: MMF </a:t>
+            </a:r>
+            <a:r>
+              <a:rPr lang="tr-TR" sz="2000" b="1" dirty="0" err="1" smtClean="0">
+                <a:solidFill>
+                  <a:srgbClr val="002060"/>
+                </a:solidFill>
+                <a:cs typeface="Arial" panose="020B0604020202020204" pitchFamily="34" charset="0"/>
+              </a:rPr>
+              <a:t>harmonics</a:t>
+            </a:r>
+            <a:endParaRPr lang="tr-TR" sz="2000" b="1" dirty="0" smtClean="0">
+              <a:solidFill>
+                <a:srgbClr val="002060"/>
+              </a:solidFill>
+              <a:cs typeface="Arial" panose="020B0604020202020204" pitchFamily="34" charset="0"/>
+            </a:endParaRPr>
+          </a:p>
+        </p:txBody>
+      </p:sp>
+      <p:sp>
+        <p:nvSpPr>
+          <p:cNvPr id="10" name="Rectangle 9"/>
+          <p:cNvSpPr/>
+          <p:nvPr/>
+        </p:nvSpPr>
+        <p:spPr>
+          <a:xfrm>
+            <a:off x="0" y="1063224"/>
+            <a:ext cx="9144000" cy="369332"/>
+          </a:xfrm>
+          <a:prstGeom prst="rect">
+            <a:avLst/>
+          </a:prstGeom>
+        </p:spPr>
+        <p:txBody>
+          <a:bodyPr wrap="square">
+            <a:spAutoFit/>
+          </a:bodyPr>
+          <a:lstStyle/>
+          <a:p>
+            <a:pPr algn="ctr"/>
+            <a:r>
+              <a:rPr lang="tr-TR" dirty="0" err="1" smtClean="0">
+                <a:solidFill>
+                  <a:srgbClr val="002060"/>
+                </a:solidFill>
+              </a:rPr>
+              <a:t>Layer</a:t>
+            </a:r>
+            <a:r>
+              <a:rPr lang="tr-TR" dirty="0" smtClean="0">
+                <a:solidFill>
+                  <a:srgbClr val="002060"/>
+                </a:solidFill>
+              </a:rPr>
+              <a:t> sayısı karşılaştırması</a:t>
+            </a:r>
+            <a:endParaRPr lang="en-US" dirty="0">
+              <a:solidFill>
+                <a:srgbClr val="FF0000"/>
+              </a:solidFill>
+            </a:endParaRPr>
+          </a:p>
+        </p:txBody>
+      </p:sp>
+      <p:pic>
+        <p:nvPicPr>
+          <p:cNvPr id="2" name="Picture 1"/>
+          <p:cNvPicPr>
+            <a:picLocks noChangeAspect="1"/>
+          </p:cNvPicPr>
+          <p:nvPr/>
+        </p:nvPicPr>
+        <p:blipFill rotWithShape="1">
+          <a:blip r:embed="rId3"/>
+          <a:srcRect b="13658"/>
+          <a:stretch/>
+        </p:blipFill>
+        <p:spPr>
+          <a:xfrm>
+            <a:off x="1036687" y="1363859"/>
+            <a:ext cx="7094084" cy="2249537"/>
+          </a:xfrm>
+          <a:prstGeom prst="rect">
+            <a:avLst/>
+          </a:prstGeom>
+        </p:spPr>
+      </p:pic>
+      <p:pic>
+        <p:nvPicPr>
+          <p:cNvPr id="4" name="Picture 3"/>
+          <p:cNvPicPr>
+            <a:picLocks noChangeAspect="1"/>
+          </p:cNvPicPr>
+          <p:nvPr/>
+        </p:nvPicPr>
+        <p:blipFill>
+          <a:blip r:embed="rId4"/>
+          <a:stretch>
+            <a:fillRect/>
+          </a:stretch>
+        </p:blipFill>
+        <p:spPr>
+          <a:xfrm>
+            <a:off x="1335023" y="3343975"/>
+            <a:ext cx="6742339" cy="2066890"/>
+          </a:xfrm>
+          <a:prstGeom prst="rect">
+            <a:avLst/>
+          </a:prstGeom>
+        </p:spPr>
+      </p:pic>
+      <p:sp>
+        <p:nvSpPr>
+          <p:cNvPr id="11" name="Rectangle 10"/>
+          <p:cNvSpPr/>
+          <p:nvPr/>
+        </p:nvSpPr>
+        <p:spPr>
+          <a:xfrm>
+            <a:off x="182334" y="5445555"/>
+            <a:ext cx="8504465" cy="1077218"/>
+          </a:xfrm>
+          <a:prstGeom prst="rect">
+            <a:avLst/>
+          </a:prstGeom>
+        </p:spPr>
+        <p:txBody>
+          <a:bodyPr wrap="square">
+            <a:spAutoFit/>
+          </a:bodyPr>
+          <a:lstStyle/>
+          <a:p>
+            <a:r>
+              <a:rPr lang="tr-TR" sz="1600" b="1" dirty="0" smtClean="0">
+                <a:solidFill>
+                  <a:srgbClr val="002060"/>
+                </a:solidFill>
+              </a:rPr>
+              <a:t>Buradaki </a:t>
+            </a:r>
+            <a:r>
+              <a:rPr lang="tr-TR" sz="1600" b="1" dirty="0" err="1" smtClean="0">
+                <a:solidFill>
+                  <a:srgbClr val="002060"/>
+                </a:solidFill>
+              </a:rPr>
+              <a:t>trade-off</a:t>
+            </a:r>
+            <a:r>
+              <a:rPr lang="tr-TR" sz="1600" b="1" dirty="0">
+                <a:solidFill>
+                  <a:srgbClr val="002060"/>
+                </a:solidFill>
+              </a:rPr>
+              <a:t>:</a:t>
+            </a:r>
+            <a:r>
+              <a:rPr lang="tr-TR" sz="1600" dirty="0" smtClean="0">
+                <a:solidFill>
+                  <a:srgbClr val="002060"/>
+                </a:solidFill>
+              </a:rPr>
+              <a:t> </a:t>
+            </a:r>
+            <a:r>
+              <a:rPr lang="tr-TR" sz="1600" dirty="0" err="1" smtClean="0">
+                <a:solidFill>
+                  <a:srgbClr val="002060"/>
+                </a:solidFill>
+              </a:rPr>
+              <a:t>isolation</a:t>
+            </a:r>
+            <a:r>
+              <a:rPr lang="tr-TR" sz="1600" dirty="0" smtClean="0">
+                <a:solidFill>
+                  <a:srgbClr val="002060"/>
+                </a:solidFill>
+              </a:rPr>
+              <a:t> </a:t>
+            </a:r>
+            <a:r>
+              <a:rPr lang="tr-TR" sz="1600" dirty="0" err="1" smtClean="0">
+                <a:solidFill>
+                  <a:srgbClr val="002060"/>
+                </a:solidFill>
+              </a:rPr>
+              <a:t>vs</a:t>
+            </a:r>
+            <a:r>
+              <a:rPr lang="tr-TR" sz="1600" dirty="0" smtClean="0">
+                <a:solidFill>
+                  <a:srgbClr val="002060"/>
+                </a:solidFill>
+              </a:rPr>
+              <a:t> MMF </a:t>
+            </a:r>
+            <a:r>
+              <a:rPr lang="tr-TR" sz="1600" dirty="0" err="1" smtClean="0">
+                <a:solidFill>
+                  <a:srgbClr val="002060"/>
+                </a:solidFill>
+              </a:rPr>
+              <a:t>harmonic</a:t>
+            </a:r>
+            <a:r>
+              <a:rPr lang="tr-TR" sz="1600" dirty="0" smtClean="0">
+                <a:solidFill>
+                  <a:srgbClr val="002060"/>
+                </a:solidFill>
+              </a:rPr>
+              <a:t> </a:t>
+            </a:r>
+            <a:r>
+              <a:rPr lang="tr-TR" sz="1600" dirty="0" err="1" smtClean="0">
+                <a:solidFill>
+                  <a:srgbClr val="002060"/>
+                </a:solidFill>
+              </a:rPr>
+              <a:t>content</a:t>
+            </a:r>
+            <a:endParaRPr lang="tr-TR" sz="1600" dirty="0" smtClean="0">
+              <a:solidFill>
+                <a:srgbClr val="002060"/>
+              </a:solidFill>
+            </a:endParaRPr>
+          </a:p>
+          <a:p>
+            <a:endParaRPr lang="tr-TR" sz="1600" dirty="0">
+              <a:solidFill>
+                <a:srgbClr val="002060"/>
+              </a:solidFill>
+            </a:endParaRPr>
+          </a:p>
+          <a:p>
+            <a:r>
+              <a:rPr lang="en-US" sz="1600" dirty="0">
+                <a:solidFill>
+                  <a:srgbClr val="002060"/>
+                </a:solidFill>
+              </a:rPr>
+              <a:t>In general terms, rotor losses tend to decrease when the number of poles and slots increase, while keeping the same 2p/Q ratio.</a:t>
+            </a:r>
+            <a:r>
+              <a:rPr lang="tr-TR" sz="1600" dirty="0">
+                <a:solidFill>
+                  <a:srgbClr val="002060"/>
+                </a:solidFill>
+              </a:rPr>
+              <a:t> </a:t>
+            </a:r>
+            <a:r>
+              <a:rPr lang="tr-TR" sz="1600" dirty="0">
+                <a:solidFill>
+                  <a:srgbClr val="FF0000"/>
+                </a:solidFill>
+              </a:rPr>
+              <a:t>=&gt; </a:t>
+            </a:r>
+            <a:r>
+              <a:rPr lang="tr-TR" sz="1600" dirty="0" err="1">
+                <a:solidFill>
+                  <a:srgbClr val="FF0000"/>
+                </a:solidFill>
+              </a:rPr>
+              <a:t>Qs</a:t>
+            </a:r>
+            <a:r>
+              <a:rPr lang="tr-TR" sz="1600" dirty="0">
+                <a:solidFill>
+                  <a:srgbClr val="FF0000"/>
+                </a:solidFill>
+              </a:rPr>
+              <a:t> ve p arttıkça, yüksek katman sayısının yarattığı avantaj azalıyor</a:t>
+            </a:r>
+            <a:r>
+              <a:rPr lang="tr-TR" sz="1600" dirty="0" smtClean="0">
+                <a:solidFill>
+                  <a:srgbClr val="FF0000"/>
+                </a:solidFill>
+              </a:rPr>
+              <a:t>.</a:t>
+            </a:r>
+            <a:endParaRPr lang="en-US" sz="1600" dirty="0">
+              <a:solidFill>
+                <a:srgbClr val="FF0000"/>
+              </a:solidFill>
+            </a:endParaRPr>
+          </a:p>
+        </p:txBody>
+      </p:sp>
+    </p:spTree>
+    <p:extLst>
+      <p:ext uri="{BB962C8B-B14F-4D97-AF65-F5344CB8AC3E}">
+        <p14:creationId xmlns:p14="http://schemas.microsoft.com/office/powerpoint/2010/main" val="2825504913"/>
+      </p:ext>
+    </p:extLst>
+  </p:cSld>
+  <p:clrMapOvr>
+    <a:masterClrMapping/>
+  </p:clrMapOvr>
+  <p:timing>
+    <p:tnLst>
+      <p:par>
+        <p:cTn id="1" dur="indefinite" restart="never" nodeType="tmRoot"/>
+      </p:par>
+    </p:tnLst>
+  </p:timing>
+</p:sld>
+</file>
+
+<file path=ppt/slides/slide62.xml><?xml version="1.0" encoding="utf-8"?>
+<p:sld xmlns:a="http://schemas.openxmlformats.org/drawingml/2006/main" xmlns:r="http://schemas.openxmlformats.org/officeDocument/2006/relationships" xmlns:p="http://schemas.openxmlformats.org/presentationml/2006/main">
+  <p:cSld>
+    <p:spTree>
+      <p:nvGrpSpPr>
+        <p:cNvPr id="1" name=""/>
+        <p:cNvGrpSpPr/>
+        <p:nvPr/>
+      </p:nvGrpSpPr>
+      <p:grpSpPr>
+        <a:xfrm>
+          <a:off x="0" y="0"/>
+          <a:ext cx="0" cy="0"/>
+          <a:chOff x="0" y="0"/>
+          <a:chExt cx="0" cy="0"/>
+        </a:xfrm>
+      </p:grpSpPr>
+      <p:sp>
+        <p:nvSpPr>
+          <p:cNvPr id="8" name="Rectangle 7"/>
+          <p:cNvSpPr/>
+          <p:nvPr/>
+        </p:nvSpPr>
+        <p:spPr>
+          <a:xfrm>
+            <a:off x="478970" y="150669"/>
+            <a:ext cx="8207829" cy="523220"/>
+          </a:xfrm>
+          <a:prstGeom prst="rect">
+            <a:avLst/>
+          </a:prstGeom>
+        </p:spPr>
+        <p:txBody>
+          <a:bodyPr wrap="square">
+            <a:spAutoFit/>
+          </a:bodyPr>
+          <a:lstStyle/>
+          <a:p>
+            <a:pPr algn="ctr"/>
+            <a:r>
+              <a:rPr lang="tr-TR" sz="2800" b="1" dirty="0" err="1" smtClean="0">
+                <a:solidFill>
+                  <a:schemeClr val="accent1">
+                    <a:lumMod val="50000"/>
+                  </a:schemeClr>
+                </a:solidFill>
+                <a:cs typeface="Arial" panose="020B0604020202020204" pitchFamily="34" charset="0"/>
+              </a:rPr>
+              <a:t>Fractional</a:t>
+            </a:r>
+            <a:r>
+              <a:rPr lang="tr-TR" sz="2800" b="1" dirty="0" smtClean="0">
+                <a:solidFill>
+                  <a:schemeClr val="accent1">
+                    <a:lumMod val="50000"/>
+                  </a:schemeClr>
+                </a:solidFill>
+                <a:cs typeface="Arial" panose="020B0604020202020204" pitchFamily="34" charset="0"/>
+              </a:rPr>
+              <a:t> </a:t>
+            </a:r>
+            <a:r>
+              <a:rPr lang="tr-TR" sz="2800" b="1" dirty="0" err="1" smtClean="0">
+                <a:solidFill>
+                  <a:schemeClr val="accent1">
+                    <a:lumMod val="50000"/>
+                  </a:schemeClr>
+                </a:solidFill>
+                <a:cs typeface="Arial" panose="020B0604020202020204" pitchFamily="34" charset="0"/>
+              </a:rPr>
+              <a:t>Slot</a:t>
+            </a:r>
+            <a:r>
+              <a:rPr lang="tr-TR" sz="2800" b="1" dirty="0" smtClean="0">
+                <a:solidFill>
+                  <a:schemeClr val="accent1">
+                    <a:lumMod val="50000"/>
+                  </a:schemeClr>
+                </a:solidFill>
+                <a:cs typeface="Arial" panose="020B0604020202020204" pitchFamily="34" charset="0"/>
+              </a:rPr>
+              <a:t> </a:t>
+            </a:r>
+            <a:r>
+              <a:rPr lang="tr-TR" sz="2800" b="1" dirty="0" err="1" smtClean="0">
+                <a:solidFill>
+                  <a:schemeClr val="accent1">
+                    <a:lumMod val="50000"/>
+                  </a:schemeClr>
+                </a:solidFill>
+                <a:cs typeface="Arial" panose="020B0604020202020204" pitchFamily="34" charset="0"/>
+              </a:rPr>
+              <a:t>Concentrated</a:t>
+            </a:r>
+            <a:r>
+              <a:rPr lang="tr-TR" sz="2800" b="1" dirty="0" smtClean="0">
+                <a:solidFill>
+                  <a:schemeClr val="accent1">
+                    <a:lumMod val="50000"/>
+                  </a:schemeClr>
+                </a:solidFill>
+                <a:cs typeface="Arial" panose="020B0604020202020204" pitchFamily="34" charset="0"/>
+              </a:rPr>
+              <a:t> </a:t>
+            </a:r>
+            <a:r>
+              <a:rPr lang="tr-TR" sz="2800" b="1" dirty="0" err="1" smtClean="0">
+                <a:solidFill>
+                  <a:schemeClr val="accent1">
+                    <a:lumMod val="50000"/>
+                  </a:schemeClr>
+                </a:solidFill>
+                <a:cs typeface="Arial" panose="020B0604020202020204" pitchFamily="34" charset="0"/>
+              </a:rPr>
+              <a:t>Winding</a:t>
+            </a:r>
+            <a:r>
+              <a:rPr lang="tr-TR" sz="2800" b="1" dirty="0" smtClean="0">
+                <a:solidFill>
+                  <a:schemeClr val="accent1">
+                    <a:lumMod val="50000"/>
+                  </a:schemeClr>
+                </a:solidFill>
+                <a:cs typeface="Arial" panose="020B0604020202020204" pitchFamily="34" charset="0"/>
+              </a:rPr>
+              <a:t> </a:t>
+            </a:r>
+            <a:r>
+              <a:rPr lang="tr-TR" sz="2800" b="1" dirty="0" err="1" smtClean="0">
+                <a:solidFill>
+                  <a:schemeClr val="accent1">
+                    <a:lumMod val="50000"/>
+                  </a:schemeClr>
+                </a:solidFill>
+                <a:cs typeface="Arial" panose="020B0604020202020204" pitchFamily="34" charset="0"/>
+              </a:rPr>
+              <a:t>Machines</a:t>
+            </a:r>
+            <a:endParaRPr lang="en-US" sz="2800" dirty="0">
+              <a:solidFill>
+                <a:schemeClr val="accent1">
+                  <a:lumMod val="50000"/>
+                </a:schemeClr>
+              </a:solidFill>
+              <a:cs typeface="Arial" panose="020B0604020202020204" pitchFamily="34" charset="0"/>
+            </a:endParaRPr>
+          </a:p>
+        </p:txBody>
+      </p:sp>
+      <p:sp>
+        <p:nvSpPr>
+          <p:cNvPr id="6" name="Rectangle 5"/>
+          <p:cNvSpPr/>
+          <p:nvPr/>
+        </p:nvSpPr>
+        <p:spPr>
+          <a:xfrm>
+            <a:off x="333702" y="673889"/>
+            <a:ext cx="8744983" cy="400110"/>
+          </a:xfrm>
+          <a:prstGeom prst="rect">
+            <a:avLst/>
+          </a:prstGeom>
+        </p:spPr>
+        <p:txBody>
+          <a:bodyPr wrap="square">
+            <a:spAutoFit/>
+          </a:bodyPr>
+          <a:lstStyle/>
+          <a:p>
+            <a:pPr algn="ctr"/>
+            <a:r>
+              <a:rPr lang="tr-TR" sz="2000" b="1" dirty="0" smtClean="0">
+                <a:solidFill>
+                  <a:srgbClr val="002060"/>
+                </a:solidFill>
+                <a:cs typeface="Arial" panose="020B0604020202020204" pitchFamily="34" charset="0"/>
+              </a:rPr>
+              <a:t>MMF </a:t>
+            </a:r>
+            <a:r>
+              <a:rPr lang="tr-TR" sz="2000" b="1" dirty="0" err="1" smtClean="0">
+                <a:solidFill>
+                  <a:srgbClr val="002060"/>
+                </a:solidFill>
+                <a:cs typeface="Arial" panose="020B0604020202020204" pitchFamily="34" charset="0"/>
+              </a:rPr>
+              <a:t>sub-harmonics</a:t>
+            </a:r>
+            <a:endParaRPr lang="tr-TR" sz="2000" b="1" dirty="0" smtClean="0">
+              <a:solidFill>
+                <a:srgbClr val="002060"/>
+              </a:solidFill>
+              <a:cs typeface="Arial" panose="020B0604020202020204" pitchFamily="34" charset="0"/>
+            </a:endParaRPr>
+          </a:p>
+        </p:txBody>
+      </p:sp>
+      <p:sp>
+        <p:nvSpPr>
+          <p:cNvPr id="10" name="Rectangle 9"/>
+          <p:cNvSpPr/>
+          <p:nvPr/>
+        </p:nvSpPr>
+        <p:spPr>
+          <a:xfrm>
+            <a:off x="333702" y="1063224"/>
+            <a:ext cx="8426577" cy="1200329"/>
+          </a:xfrm>
+          <a:prstGeom prst="rect">
+            <a:avLst/>
+          </a:prstGeom>
+        </p:spPr>
+        <p:txBody>
+          <a:bodyPr wrap="square">
+            <a:spAutoFit/>
+          </a:bodyPr>
+          <a:lstStyle/>
+          <a:p>
+            <a:pPr marL="285750" indent="-285750">
+              <a:buFont typeface="Wingdings" panose="05000000000000000000" pitchFamily="2" charset="2"/>
+              <a:buChar char="§"/>
+            </a:pPr>
+            <a:r>
+              <a:rPr lang="en-US" dirty="0">
+                <a:solidFill>
+                  <a:srgbClr val="002060"/>
+                </a:solidFill>
+              </a:rPr>
+              <a:t>MMF subharmonics are those with harmonic order </a:t>
+            </a:r>
+            <a:r>
+              <a:rPr lang="en-US" b="1" dirty="0">
+                <a:solidFill>
+                  <a:srgbClr val="002060"/>
+                </a:solidFill>
+              </a:rPr>
+              <a:t>ν &lt; p</a:t>
+            </a:r>
+            <a:r>
+              <a:rPr lang="en-US" b="1" dirty="0" smtClean="0">
+                <a:solidFill>
+                  <a:srgbClr val="002060"/>
+                </a:solidFill>
+              </a:rPr>
+              <a:t>.</a:t>
+            </a:r>
+            <a:endParaRPr lang="tr-TR" b="1" dirty="0" smtClean="0">
+              <a:solidFill>
+                <a:srgbClr val="002060"/>
+              </a:solidFill>
+            </a:endParaRPr>
+          </a:p>
+          <a:p>
+            <a:pPr marL="285750" indent="-285750">
+              <a:buFont typeface="Wingdings" panose="05000000000000000000" pitchFamily="2" charset="2"/>
+              <a:buChar char="§"/>
+            </a:pPr>
+            <a:r>
+              <a:rPr lang="en-US" b="1" dirty="0">
+                <a:solidFill>
+                  <a:srgbClr val="002060"/>
+                </a:solidFill>
+              </a:rPr>
+              <a:t>Almost all FSCWs</a:t>
+            </a:r>
+            <a:r>
+              <a:rPr lang="en-US" dirty="0">
+                <a:solidFill>
+                  <a:srgbClr val="002060"/>
+                </a:solidFill>
+              </a:rPr>
+              <a:t>, except those with q = 1/2, lead to armature MMF </a:t>
+            </a:r>
+            <a:r>
+              <a:rPr lang="en-US" dirty="0" smtClean="0">
+                <a:solidFill>
+                  <a:srgbClr val="002060"/>
+                </a:solidFill>
+              </a:rPr>
+              <a:t>subharmonics</a:t>
+            </a:r>
+            <a:endParaRPr lang="tr-TR" dirty="0" smtClean="0">
+              <a:solidFill>
+                <a:srgbClr val="002060"/>
+              </a:solidFill>
+            </a:endParaRPr>
+          </a:p>
+          <a:p>
+            <a:pPr marL="285750" indent="-285750">
+              <a:buFont typeface="Wingdings" panose="05000000000000000000" pitchFamily="2" charset="2"/>
+              <a:buChar char="§"/>
+            </a:pPr>
+            <a:r>
+              <a:rPr lang="tr-TR" dirty="0" smtClean="0">
+                <a:solidFill>
+                  <a:srgbClr val="002060"/>
+                </a:solidFill>
+              </a:rPr>
+              <a:t>T</a:t>
+            </a:r>
+            <a:r>
+              <a:rPr lang="en-US" dirty="0" smtClean="0">
+                <a:solidFill>
+                  <a:srgbClr val="002060"/>
+                </a:solidFill>
+              </a:rPr>
+              <a:t>he </a:t>
+            </a:r>
+            <a:r>
+              <a:rPr lang="en-US" dirty="0">
+                <a:solidFill>
+                  <a:srgbClr val="002060"/>
+                </a:solidFill>
+              </a:rPr>
+              <a:t>lower the </a:t>
+            </a:r>
+            <a:r>
+              <a:rPr lang="en-US" b="1" dirty="0">
+                <a:solidFill>
+                  <a:srgbClr val="002060"/>
+                </a:solidFill>
+              </a:rPr>
+              <a:t>number of layers </a:t>
+            </a:r>
+            <a:r>
+              <a:rPr lang="en-US" dirty="0">
+                <a:solidFill>
+                  <a:srgbClr val="002060"/>
+                </a:solidFill>
+              </a:rPr>
+              <a:t>for a particular combination, the higher the MMF subharmonic content</a:t>
+            </a:r>
+            <a:r>
+              <a:rPr lang="en-US" dirty="0" smtClean="0">
+                <a:solidFill>
+                  <a:srgbClr val="002060"/>
+                </a:solidFill>
+              </a:rPr>
+              <a:t>.</a:t>
+            </a:r>
+            <a:endParaRPr lang="tr-TR" dirty="0" smtClean="0">
+              <a:solidFill>
+                <a:srgbClr val="002060"/>
+              </a:solidFill>
+            </a:endParaRPr>
+          </a:p>
+        </p:txBody>
+      </p:sp>
+      <p:pic>
+        <p:nvPicPr>
+          <p:cNvPr id="9" name="Picture 8"/>
+          <p:cNvPicPr>
+            <a:picLocks noChangeAspect="1"/>
+          </p:cNvPicPr>
+          <p:nvPr/>
+        </p:nvPicPr>
+        <p:blipFill>
+          <a:blip r:embed="rId3"/>
+          <a:stretch>
+            <a:fillRect/>
+          </a:stretch>
+        </p:blipFill>
+        <p:spPr>
+          <a:xfrm>
+            <a:off x="458966" y="2416665"/>
+            <a:ext cx="8176048" cy="2506399"/>
+          </a:xfrm>
+          <a:prstGeom prst="rect">
+            <a:avLst/>
+          </a:prstGeom>
+        </p:spPr>
+      </p:pic>
+      <p:cxnSp>
+        <p:nvCxnSpPr>
+          <p:cNvPr id="12" name="Straight Arrow Connector 11"/>
+          <p:cNvCxnSpPr/>
+          <p:nvPr/>
+        </p:nvCxnSpPr>
+        <p:spPr>
+          <a:xfrm flipV="1">
+            <a:off x="1191985" y="2894275"/>
+            <a:ext cx="1967594" cy="1"/>
+          </a:xfrm>
+          <a:prstGeom prst="straightConnector1">
+            <a:avLst/>
+          </a:prstGeom>
+          <a:ln w="19050">
+            <a:solidFill>
+              <a:srgbClr val="FF0000"/>
+            </a:solidFill>
+            <a:tailEnd type="triangle"/>
+          </a:ln>
+        </p:spPr>
+        <p:style>
+          <a:lnRef idx="1">
+            <a:schemeClr val="accent1"/>
+          </a:lnRef>
+          <a:fillRef idx="0">
+            <a:schemeClr val="accent1"/>
+          </a:fillRef>
+          <a:effectRef idx="0">
+            <a:schemeClr val="accent1"/>
+          </a:effectRef>
+          <a:fontRef idx="minor">
+            <a:schemeClr val="tx1"/>
+          </a:fontRef>
+        </p:style>
+      </p:cxnSp>
+      <p:sp>
+        <p:nvSpPr>
+          <p:cNvPr id="13" name="Rectangle 12"/>
+          <p:cNvSpPr/>
+          <p:nvPr/>
+        </p:nvSpPr>
+        <p:spPr>
+          <a:xfrm>
+            <a:off x="2860182" y="2787075"/>
+            <a:ext cx="1964871" cy="584775"/>
+          </a:xfrm>
+          <a:prstGeom prst="rect">
+            <a:avLst/>
+          </a:prstGeom>
+        </p:spPr>
+        <p:txBody>
+          <a:bodyPr wrap="square">
+            <a:spAutoFit/>
+          </a:bodyPr>
+          <a:lstStyle/>
+          <a:p>
+            <a:pPr algn="ctr"/>
+            <a:r>
+              <a:rPr lang="tr-TR" sz="1600" dirty="0" err="1" smtClean="0">
+                <a:solidFill>
+                  <a:srgbClr val="C00000"/>
+                </a:solidFill>
+                <a:cs typeface="Arial" panose="020B0604020202020204" pitchFamily="34" charset="0"/>
+              </a:rPr>
+              <a:t>Sub-harmonic</a:t>
+            </a:r>
+            <a:r>
+              <a:rPr lang="tr-TR" sz="1600" dirty="0" smtClean="0">
+                <a:solidFill>
+                  <a:srgbClr val="C00000"/>
+                </a:solidFill>
+                <a:cs typeface="Arial" panose="020B0604020202020204" pitchFamily="34" charset="0"/>
+              </a:rPr>
+              <a:t>:</a:t>
+            </a:r>
+          </a:p>
+          <a:p>
+            <a:pPr algn="ctr"/>
+            <a:r>
+              <a:rPr lang="tr-TR" sz="1600" dirty="0" smtClean="0">
+                <a:solidFill>
+                  <a:srgbClr val="C00000"/>
+                </a:solidFill>
+                <a:cs typeface="Arial" panose="020B0604020202020204" pitchFamily="34" charset="0"/>
+              </a:rPr>
+              <a:t>Baya </a:t>
+            </a:r>
+            <a:r>
+              <a:rPr lang="tr-TR" sz="1600" dirty="0" err="1" smtClean="0">
+                <a:solidFill>
+                  <a:srgbClr val="C00000"/>
+                </a:solidFill>
+                <a:cs typeface="Arial" panose="020B0604020202020204" pitchFamily="34" charset="0"/>
+              </a:rPr>
+              <a:t>farkediyor</a:t>
+            </a:r>
+            <a:endParaRPr lang="tr-TR" sz="1600" dirty="0" smtClean="0">
+              <a:solidFill>
+                <a:srgbClr val="C00000"/>
+              </a:solidFill>
+              <a:cs typeface="Arial" panose="020B0604020202020204" pitchFamily="34" charset="0"/>
+            </a:endParaRPr>
+          </a:p>
+        </p:txBody>
+      </p:sp>
+      <p:cxnSp>
+        <p:nvCxnSpPr>
+          <p:cNvPr id="14" name="Straight Arrow Connector 13"/>
+          <p:cNvCxnSpPr/>
+          <p:nvPr/>
+        </p:nvCxnSpPr>
+        <p:spPr>
+          <a:xfrm flipH="1" flipV="1">
+            <a:off x="4098471" y="3371850"/>
+            <a:ext cx="1205593" cy="801499"/>
+          </a:xfrm>
+          <a:prstGeom prst="straightConnector1">
+            <a:avLst/>
+          </a:prstGeom>
+          <a:ln w="19050">
+            <a:solidFill>
+              <a:srgbClr val="FF0000"/>
+            </a:solidFill>
+            <a:tailEnd type="triangle"/>
+          </a:ln>
+        </p:spPr>
+        <p:style>
+          <a:lnRef idx="1">
+            <a:schemeClr val="accent1"/>
+          </a:lnRef>
+          <a:fillRef idx="0">
+            <a:schemeClr val="accent1"/>
+          </a:fillRef>
+          <a:effectRef idx="0">
+            <a:schemeClr val="accent1"/>
+          </a:effectRef>
+          <a:fontRef idx="minor">
+            <a:schemeClr val="tx1"/>
+          </a:fontRef>
+        </p:style>
+      </p:cxnSp>
+      <p:sp>
+        <p:nvSpPr>
+          <p:cNvPr id="15" name="Rectangle 14"/>
+          <p:cNvSpPr/>
+          <p:nvPr/>
+        </p:nvSpPr>
+        <p:spPr>
+          <a:xfrm>
+            <a:off x="3718831" y="4584510"/>
+            <a:ext cx="1964871" cy="338554"/>
+          </a:xfrm>
+          <a:prstGeom prst="rect">
+            <a:avLst/>
+          </a:prstGeom>
+        </p:spPr>
+        <p:txBody>
+          <a:bodyPr wrap="square">
+            <a:spAutoFit/>
+          </a:bodyPr>
+          <a:lstStyle/>
+          <a:p>
+            <a:pPr algn="ctr"/>
+            <a:r>
+              <a:rPr lang="tr-TR" sz="1600" dirty="0" smtClean="0">
+                <a:solidFill>
+                  <a:srgbClr val="002060"/>
+                </a:solidFill>
+                <a:cs typeface="Arial" panose="020B0604020202020204" pitchFamily="34" charset="0"/>
+              </a:rPr>
+              <a:t>p = 5</a:t>
+            </a:r>
+          </a:p>
+        </p:txBody>
+      </p:sp>
+      <p:sp>
+        <p:nvSpPr>
+          <p:cNvPr id="16" name="Rectangle 15"/>
+          <p:cNvSpPr/>
+          <p:nvPr/>
+        </p:nvSpPr>
+        <p:spPr>
+          <a:xfrm>
+            <a:off x="333701" y="4939530"/>
+            <a:ext cx="8426577" cy="1477328"/>
+          </a:xfrm>
+          <a:prstGeom prst="rect">
+            <a:avLst/>
+          </a:prstGeom>
+        </p:spPr>
+        <p:txBody>
+          <a:bodyPr wrap="square">
+            <a:spAutoFit/>
+          </a:bodyPr>
+          <a:lstStyle/>
+          <a:p>
+            <a:pPr marL="285750" indent="-285750">
+              <a:buFont typeface="Wingdings" panose="05000000000000000000" pitchFamily="2" charset="2"/>
+              <a:buChar char="§"/>
+            </a:pPr>
+            <a:r>
+              <a:rPr lang="tr-TR" dirty="0" err="1" smtClean="0">
+                <a:solidFill>
+                  <a:srgbClr val="002060"/>
+                </a:solidFill>
+              </a:rPr>
+              <a:t>Have</a:t>
+            </a:r>
+            <a:r>
+              <a:rPr lang="tr-TR" dirty="0" smtClean="0">
+                <a:solidFill>
+                  <a:srgbClr val="002060"/>
+                </a:solidFill>
+              </a:rPr>
+              <a:t> </a:t>
+            </a:r>
+            <a:r>
+              <a:rPr lang="tr-TR" dirty="0" err="1" smtClean="0">
+                <a:solidFill>
+                  <a:srgbClr val="002060"/>
+                </a:solidFill>
+              </a:rPr>
+              <a:t>more</a:t>
+            </a:r>
+            <a:r>
+              <a:rPr lang="tr-TR" dirty="0" smtClean="0">
+                <a:solidFill>
+                  <a:srgbClr val="002060"/>
+                </a:solidFill>
+              </a:rPr>
+              <a:t> </a:t>
+            </a:r>
+            <a:r>
+              <a:rPr lang="tr-TR" dirty="0" err="1" smtClean="0">
+                <a:solidFill>
+                  <a:srgbClr val="002060"/>
+                </a:solidFill>
+              </a:rPr>
+              <a:t>adverse</a:t>
+            </a:r>
+            <a:r>
+              <a:rPr lang="tr-TR" dirty="0" smtClean="0">
+                <a:solidFill>
+                  <a:srgbClr val="002060"/>
+                </a:solidFill>
+              </a:rPr>
+              <a:t> </a:t>
+            </a:r>
+            <a:r>
+              <a:rPr lang="tr-TR" dirty="0" err="1" smtClean="0">
+                <a:solidFill>
+                  <a:srgbClr val="002060"/>
+                </a:solidFill>
+              </a:rPr>
+              <a:t>effect</a:t>
+            </a:r>
+            <a:r>
+              <a:rPr lang="tr-TR" dirty="0" smtClean="0">
+                <a:solidFill>
+                  <a:srgbClr val="002060"/>
+                </a:solidFill>
+              </a:rPr>
+              <a:t> on rotor </a:t>
+            </a:r>
+            <a:r>
+              <a:rPr lang="tr-TR" dirty="0" err="1" smtClean="0">
+                <a:solidFill>
+                  <a:srgbClr val="002060"/>
+                </a:solidFill>
+              </a:rPr>
+              <a:t>losses</a:t>
+            </a:r>
+            <a:r>
+              <a:rPr lang="tr-TR" dirty="0" smtClean="0">
+                <a:solidFill>
+                  <a:srgbClr val="002060"/>
+                </a:solidFill>
+              </a:rPr>
+              <a:t> </a:t>
+            </a:r>
+            <a:r>
+              <a:rPr lang="tr-TR" dirty="0" err="1" smtClean="0">
+                <a:solidFill>
+                  <a:srgbClr val="002060"/>
+                </a:solidFill>
+              </a:rPr>
+              <a:t>due</a:t>
+            </a:r>
+            <a:r>
+              <a:rPr lang="tr-TR" dirty="0" smtClean="0">
+                <a:solidFill>
+                  <a:srgbClr val="002060"/>
+                </a:solidFill>
+              </a:rPr>
+              <a:t> </a:t>
+            </a:r>
+            <a:r>
+              <a:rPr lang="tr-TR" dirty="0" err="1" smtClean="0">
+                <a:solidFill>
+                  <a:srgbClr val="002060"/>
+                </a:solidFill>
+              </a:rPr>
+              <a:t>to</a:t>
+            </a:r>
+            <a:r>
+              <a:rPr lang="tr-TR" dirty="0" smtClean="0">
+                <a:solidFill>
+                  <a:srgbClr val="002060"/>
+                </a:solidFill>
+              </a:rPr>
+              <a:t> </a:t>
+            </a:r>
+            <a:r>
+              <a:rPr lang="tr-TR" b="1" dirty="0" err="1" smtClean="0">
+                <a:solidFill>
+                  <a:srgbClr val="002060"/>
+                </a:solidFill>
+              </a:rPr>
+              <a:t>being</a:t>
+            </a:r>
+            <a:r>
+              <a:rPr lang="tr-TR" b="1" dirty="0" smtClean="0">
+                <a:solidFill>
+                  <a:srgbClr val="002060"/>
+                </a:solidFill>
+              </a:rPr>
+              <a:t> </a:t>
+            </a:r>
+            <a:r>
+              <a:rPr lang="tr-TR" b="1" dirty="0" err="1" smtClean="0">
+                <a:solidFill>
+                  <a:srgbClr val="002060"/>
+                </a:solidFill>
+              </a:rPr>
+              <a:t>low</a:t>
+            </a:r>
+            <a:r>
+              <a:rPr lang="tr-TR" b="1" dirty="0" smtClean="0">
+                <a:solidFill>
+                  <a:srgbClr val="002060"/>
+                </a:solidFill>
+              </a:rPr>
+              <a:t> </a:t>
+            </a:r>
+            <a:r>
+              <a:rPr lang="tr-TR" b="1" dirty="0" err="1" smtClean="0">
+                <a:solidFill>
+                  <a:srgbClr val="002060"/>
+                </a:solidFill>
+              </a:rPr>
+              <a:t>order</a:t>
+            </a:r>
+            <a:endParaRPr lang="tr-TR" b="1" dirty="0" smtClean="0">
+              <a:solidFill>
+                <a:srgbClr val="002060"/>
+              </a:solidFill>
+            </a:endParaRPr>
+          </a:p>
+          <a:p>
+            <a:pPr marL="285750" indent="-285750">
+              <a:buFont typeface="Wingdings" panose="05000000000000000000" pitchFamily="2" charset="2"/>
+              <a:buChar char="§"/>
+            </a:pPr>
+            <a:r>
+              <a:rPr lang="en-US" dirty="0">
+                <a:solidFill>
+                  <a:srgbClr val="002060"/>
+                </a:solidFill>
+              </a:rPr>
+              <a:t>Another consequence of MMF subharmonics is an </a:t>
+            </a:r>
+            <a:r>
+              <a:rPr lang="en-US" b="1" dirty="0">
+                <a:solidFill>
+                  <a:srgbClr val="002060"/>
+                </a:solidFill>
+              </a:rPr>
+              <a:t>unbalanced saturation </a:t>
+            </a:r>
+            <a:r>
+              <a:rPr lang="en-US" dirty="0">
+                <a:solidFill>
+                  <a:srgbClr val="002060"/>
+                </a:solidFill>
+              </a:rPr>
+              <a:t>of the iron parts among the rotor poles.</a:t>
+            </a:r>
+            <a:r>
+              <a:rPr lang="tr-TR" dirty="0" smtClean="0">
+                <a:solidFill>
+                  <a:srgbClr val="002060"/>
+                </a:solidFill>
+              </a:rPr>
+              <a:t> </a:t>
+            </a:r>
+          </a:p>
+          <a:p>
+            <a:pPr marL="285750" indent="-285750">
+              <a:buFont typeface="Wingdings" panose="05000000000000000000" pitchFamily="2" charset="2"/>
+              <a:buChar char="§"/>
+            </a:pPr>
+            <a:r>
+              <a:rPr lang="en-US" dirty="0">
+                <a:solidFill>
+                  <a:srgbClr val="002060"/>
+                </a:solidFill>
+              </a:rPr>
+              <a:t>MMF subharmonics lead to low order </a:t>
+            </a:r>
+            <a:r>
+              <a:rPr lang="en-US" b="1" dirty="0">
+                <a:solidFill>
+                  <a:srgbClr val="002060"/>
+                </a:solidFill>
+              </a:rPr>
+              <a:t>radial forces </a:t>
+            </a:r>
+            <a:r>
+              <a:rPr lang="en-US" dirty="0">
+                <a:solidFill>
+                  <a:srgbClr val="002060"/>
+                </a:solidFill>
+              </a:rPr>
+              <a:t>between the rotor and the stator of the machine</a:t>
+            </a:r>
+            <a:r>
+              <a:rPr lang="en-US" dirty="0" smtClean="0">
+                <a:solidFill>
+                  <a:srgbClr val="002060"/>
+                </a:solidFill>
+              </a:rPr>
+              <a:t>.</a:t>
+            </a:r>
+            <a:endParaRPr lang="tr-TR" dirty="0" smtClean="0">
+              <a:solidFill>
+                <a:srgbClr val="002060"/>
+              </a:solidFill>
+            </a:endParaRPr>
+          </a:p>
+        </p:txBody>
+      </p:sp>
+    </p:spTree>
+    <p:extLst>
+      <p:ext uri="{BB962C8B-B14F-4D97-AF65-F5344CB8AC3E}">
+        <p14:creationId xmlns:p14="http://schemas.microsoft.com/office/powerpoint/2010/main" val="327505862"/>
+      </p:ext>
+    </p:extLst>
+  </p:cSld>
+  <p:clrMapOvr>
+    <a:masterClrMapping/>
+  </p:clrMapOvr>
+  <p:timing>
+    <p:tnLst>
+      <p:par>
+        <p:cTn id="1" dur="indefinite" restart="never" nodeType="tmRoot"/>
+      </p:par>
+    </p:tnLst>
+  </p:timing>
+</p:sld>
+</file>
+
+<file path=ppt/slides/slide63.xml><?xml version="1.0" encoding="utf-8"?>
+<p:sld xmlns:a="http://schemas.openxmlformats.org/drawingml/2006/main" xmlns:r="http://schemas.openxmlformats.org/officeDocument/2006/relationships" xmlns:p="http://schemas.openxmlformats.org/presentationml/2006/main">
+  <p:cSld>
+    <p:spTree>
+      <p:nvGrpSpPr>
+        <p:cNvPr id="1" name=""/>
+        <p:cNvGrpSpPr/>
+        <p:nvPr/>
+      </p:nvGrpSpPr>
+      <p:grpSpPr>
+        <a:xfrm>
+          <a:off x="0" y="0"/>
+          <a:ext cx="0" cy="0"/>
+          <a:chOff x="0" y="0"/>
+          <a:chExt cx="0" cy="0"/>
+        </a:xfrm>
+      </p:grpSpPr>
+      <p:sp>
+        <p:nvSpPr>
+          <p:cNvPr id="8" name="Rectangle 7"/>
+          <p:cNvSpPr/>
+          <p:nvPr/>
+        </p:nvSpPr>
+        <p:spPr>
+          <a:xfrm>
+            <a:off x="478970" y="150669"/>
+            <a:ext cx="8207829" cy="523220"/>
+          </a:xfrm>
+          <a:prstGeom prst="rect">
+            <a:avLst/>
+          </a:prstGeom>
+        </p:spPr>
+        <p:txBody>
+          <a:bodyPr wrap="square">
+            <a:spAutoFit/>
+          </a:bodyPr>
+          <a:lstStyle/>
+          <a:p>
+            <a:pPr algn="ctr"/>
+            <a:r>
+              <a:rPr lang="tr-TR" sz="2800" b="1" dirty="0" err="1" smtClean="0">
+                <a:solidFill>
+                  <a:schemeClr val="accent1">
+                    <a:lumMod val="50000"/>
+                  </a:schemeClr>
+                </a:solidFill>
+                <a:cs typeface="Arial" panose="020B0604020202020204" pitchFamily="34" charset="0"/>
+              </a:rPr>
+              <a:t>Fractional</a:t>
+            </a:r>
+            <a:r>
+              <a:rPr lang="tr-TR" sz="2800" b="1" dirty="0" smtClean="0">
+                <a:solidFill>
+                  <a:schemeClr val="accent1">
+                    <a:lumMod val="50000"/>
+                  </a:schemeClr>
+                </a:solidFill>
+                <a:cs typeface="Arial" panose="020B0604020202020204" pitchFamily="34" charset="0"/>
+              </a:rPr>
+              <a:t> </a:t>
+            </a:r>
+            <a:r>
+              <a:rPr lang="tr-TR" sz="2800" b="1" dirty="0" err="1" smtClean="0">
+                <a:solidFill>
+                  <a:schemeClr val="accent1">
+                    <a:lumMod val="50000"/>
+                  </a:schemeClr>
+                </a:solidFill>
+                <a:cs typeface="Arial" panose="020B0604020202020204" pitchFamily="34" charset="0"/>
+              </a:rPr>
+              <a:t>Slot</a:t>
+            </a:r>
+            <a:r>
+              <a:rPr lang="tr-TR" sz="2800" b="1" dirty="0" smtClean="0">
+                <a:solidFill>
+                  <a:schemeClr val="accent1">
+                    <a:lumMod val="50000"/>
+                  </a:schemeClr>
+                </a:solidFill>
+                <a:cs typeface="Arial" panose="020B0604020202020204" pitchFamily="34" charset="0"/>
+              </a:rPr>
+              <a:t> </a:t>
+            </a:r>
+            <a:r>
+              <a:rPr lang="tr-TR" sz="2800" b="1" dirty="0" err="1" smtClean="0">
+                <a:solidFill>
+                  <a:schemeClr val="accent1">
+                    <a:lumMod val="50000"/>
+                  </a:schemeClr>
+                </a:solidFill>
+                <a:cs typeface="Arial" panose="020B0604020202020204" pitchFamily="34" charset="0"/>
+              </a:rPr>
+              <a:t>Concentrated</a:t>
+            </a:r>
+            <a:r>
+              <a:rPr lang="tr-TR" sz="2800" b="1" dirty="0" smtClean="0">
+                <a:solidFill>
+                  <a:schemeClr val="accent1">
+                    <a:lumMod val="50000"/>
+                  </a:schemeClr>
+                </a:solidFill>
+                <a:cs typeface="Arial" panose="020B0604020202020204" pitchFamily="34" charset="0"/>
+              </a:rPr>
+              <a:t> </a:t>
+            </a:r>
+            <a:r>
+              <a:rPr lang="tr-TR" sz="2800" b="1" dirty="0" err="1" smtClean="0">
+                <a:solidFill>
+                  <a:schemeClr val="accent1">
+                    <a:lumMod val="50000"/>
+                  </a:schemeClr>
+                </a:solidFill>
+                <a:cs typeface="Arial" panose="020B0604020202020204" pitchFamily="34" charset="0"/>
+              </a:rPr>
+              <a:t>Winding</a:t>
+            </a:r>
+            <a:r>
+              <a:rPr lang="tr-TR" sz="2800" b="1" dirty="0" smtClean="0">
+                <a:solidFill>
+                  <a:schemeClr val="accent1">
+                    <a:lumMod val="50000"/>
+                  </a:schemeClr>
+                </a:solidFill>
+                <a:cs typeface="Arial" panose="020B0604020202020204" pitchFamily="34" charset="0"/>
+              </a:rPr>
+              <a:t> </a:t>
+            </a:r>
+            <a:r>
+              <a:rPr lang="tr-TR" sz="2800" b="1" dirty="0" err="1" smtClean="0">
+                <a:solidFill>
+                  <a:schemeClr val="accent1">
+                    <a:lumMod val="50000"/>
+                  </a:schemeClr>
+                </a:solidFill>
+                <a:cs typeface="Arial" panose="020B0604020202020204" pitchFamily="34" charset="0"/>
+              </a:rPr>
+              <a:t>Machines</a:t>
+            </a:r>
+            <a:endParaRPr lang="en-US" sz="2800" dirty="0">
+              <a:solidFill>
+                <a:schemeClr val="accent1">
+                  <a:lumMod val="50000"/>
+                </a:schemeClr>
+              </a:solidFill>
+              <a:cs typeface="Arial" panose="020B0604020202020204" pitchFamily="34" charset="0"/>
+            </a:endParaRPr>
+          </a:p>
+        </p:txBody>
+      </p:sp>
+      <p:sp>
+        <p:nvSpPr>
+          <p:cNvPr id="6" name="Rectangle 5"/>
+          <p:cNvSpPr/>
+          <p:nvPr/>
+        </p:nvSpPr>
+        <p:spPr>
+          <a:xfrm>
+            <a:off x="333702" y="673889"/>
+            <a:ext cx="8744983" cy="400110"/>
+          </a:xfrm>
+          <a:prstGeom prst="rect">
+            <a:avLst/>
+          </a:prstGeom>
+        </p:spPr>
+        <p:txBody>
+          <a:bodyPr wrap="square">
+            <a:spAutoFit/>
+          </a:bodyPr>
+          <a:lstStyle/>
+          <a:p>
+            <a:pPr algn="ctr"/>
+            <a:r>
+              <a:rPr lang="tr-TR" sz="2000" b="1" dirty="0" smtClean="0">
+                <a:solidFill>
+                  <a:srgbClr val="002060"/>
+                </a:solidFill>
+                <a:cs typeface="Arial" panose="020B0604020202020204" pitchFamily="34" charset="0"/>
+              </a:rPr>
+              <a:t>MMF </a:t>
+            </a:r>
+            <a:r>
+              <a:rPr lang="tr-TR" sz="2000" b="1" dirty="0" err="1" smtClean="0">
+                <a:solidFill>
+                  <a:srgbClr val="002060"/>
+                </a:solidFill>
+                <a:cs typeface="Arial" panose="020B0604020202020204" pitchFamily="34" charset="0"/>
+              </a:rPr>
+              <a:t>sub-harmonics</a:t>
+            </a:r>
+            <a:endParaRPr lang="tr-TR" sz="2000" b="1" dirty="0" smtClean="0">
+              <a:solidFill>
+                <a:srgbClr val="002060"/>
+              </a:solidFill>
+              <a:cs typeface="Arial" panose="020B0604020202020204" pitchFamily="34" charset="0"/>
+            </a:endParaRPr>
+          </a:p>
+        </p:txBody>
+      </p:sp>
+      <p:sp>
+        <p:nvSpPr>
+          <p:cNvPr id="10" name="Rectangle 9"/>
+          <p:cNvSpPr/>
+          <p:nvPr/>
+        </p:nvSpPr>
+        <p:spPr>
+          <a:xfrm>
+            <a:off x="333702" y="1063224"/>
+            <a:ext cx="8426577" cy="1200329"/>
+          </a:xfrm>
+          <a:prstGeom prst="rect">
+            <a:avLst/>
+          </a:prstGeom>
+        </p:spPr>
+        <p:txBody>
+          <a:bodyPr wrap="square">
+            <a:spAutoFit/>
+          </a:bodyPr>
+          <a:lstStyle/>
+          <a:p>
+            <a:pPr marL="285750" indent="-285750">
+              <a:buFont typeface="Wingdings" panose="05000000000000000000" pitchFamily="2" charset="2"/>
+              <a:buChar char="§"/>
+            </a:pPr>
+            <a:r>
+              <a:rPr lang="en-US" dirty="0">
+                <a:solidFill>
+                  <a:srgbClr val="002060"/>
+                </a:solidFill>
+              </a:rPr>
+              <a:t>MMF subharmonics are those with harmonic order </a:t>
+            </a:r>
+            <a:r>
+              <a:rPr lang="en-US" b="1" dirty="0">
+                <a:solidFill>
+                  <a:srgbClr val="002060"/>
+                </a:solidFill>
+              </a:rPr>
+              <a:t>ν &lt; p</a:t>
+            </a:r>
+            <a:r>
+              <a:rPr lang="en-US" b="1" dirty="0" smtClean="0">
+                <a:solidFill>
+                  <a:srgbClr val="002060"/>
+                </a:solidFill>
+              </a:rPr>
+              <a:t>.</a:t>
+            </a:r>
+            <a:endParaRPr lang="tr-TR" b="1" dirty="0" smtClean="0">
+              <a:solidFill>
+                <a:srgbClr val="002060"/>
+              </a:solidFill>
+            </a:endParaRPr>
+          </a:p>
+          <a:p>
+            <a:pPr marL="285750" indent="-285750">
+              <a:buFont typeface="Wingdings" panose="05000000000000000000" pitchFamily="2" charset="2"/>
+              <a:buChar char="§"/>
+            </a:pPr>
+            <a:r>
+              <a:rPr lang="en-US" b="1" dirty="0">
+                <a:solidFill>
+                  <a:srgbClr val="002060"/>
+                </a:solidFill>
+              </a:rPr>
+              <a:t>Almost all FSCWs</a:t>
+            </a:r>
+            <a:r>
+              <a:rPr lang="en-US" dirty="0">
+                <a:solidFill>
+                  <a:srgbClr val="002060"/>
+                </a:solidFill>
+              </a:rPr>
+              <a:t>, except those with q = 1/2, lead to armature MMF </a:t>
+            </a:r>
+            <a:r>
+              <a:rPr lang="en-US" dirty="0" smtClean="0">
+                <a:solidFill>
+                  <a:srgbClr val="002060"/>
+                </a:solidFill>
+              </a:rPr>
+              <a:t>subharmonics</a:t>
+            </a:r>
+            <a:endParaRPr lang="tr-TR" dirty="0" smtClean="0">
+              <a:solidFill>
+                <a:srgbClr val="002060"/>
+              </a:solidFill>
+            </a:endParaRPr>
+          </a:p>
+          <a:p>
+            <a:pPr marL="285750" indent="-285750">
+              <a:buFont typeface="Wingdings" panose="05000000000000000000" pitchFamily="2" charset="2"/>
+              <a:buChar char="§"/>
+            </a:pPr>
+            <a:r>
+              <a:rPr lang="tr-TR" dirty="0" smtClean="0">
+                <a:solidFill>
+                  <a:srgbClr val="002060"/>
+                </a:solidFill>
+              </a:rPr>
+              <a:t>T</a:t>
+            </a:r>
+            <a:r>
+              <a:rPr lang="en-US" dirty="0" smtClean="0">
+                <a:solidFill>
+                  <a:srgbClr val="002060"/>
+                </a:solidFill>
+              </a:rPr>
+              <a:t>he </a:t>
+            </a:r>
+            <a:r>
+              <a:rPr lang="en-US" dirty="0">
+                <a:solidFill>
+                  <a:srgbClr val="002060"/>
+                </a:solidFill>
+              </a:rPr>
+              <a:t>lower the </a:t>
+            </a:r>
+            <a:r>
+              <a:rPr lang="en-US" b="1" dirty="0">
+                <a:solidFill>
+                  <a:srgbClr val="002060"/>
+                </a:solidFill>
+              </a:rPr>
+              <a:t>number of layers </a:t>
+            </a:r>
+            <a:r>
+              <a:rPr lang="en-US" dirty="0">
+                <a:solidFill>
+                  <a:srgbClr val="002060"/>
+                </a:solidFill>
+              </a:rPr>
+              <a:t>for a particular combination, the higher the MMF subharmonic content</a:t>
+            </a:r>
+            <a:r>
+              <a:rPr lang="en-US" dirty="0" smtClean="0">
+                <a:solidFill>
+                  <a:srgbClr val="002060"/>
+                </a:solidFill>
+              </a:rPr>
+              <a:t>.</a:t>
+            </a:r>
+            <a:endParaRPr lang="tr-TR" dirty="0" smtClean="0">
+              <a:solidFill>
+                <a:srgbClr val="002060"/>
+              </a:solidFill>
+            </a:endParaRPr>
+          </a:p>
+        </p:txBody>
+      </p:sp>
+      <p:pic>
+        <p:nvPicPr>
+          <p:cNvPr id="9" name="Picture 8"/>
+          <p:cNvPicPr>
+            <a:picLocks noChangeAspect="1"/>
+          </p:cNvPicPr>
+          <p:nvPr/>
+        </p:nvPicPr>
+        <p:blipFill>
+          <a:blip r:embed="rId3"/>
+          <a:stretch>
+            <a:fillRect/>
+          </a:stretch>
+        </p:blipFill>
+        <p:spPr>
+          <a:xfrm>
+            <a:off x="458966" y="2416665"/>
+            <a:ext cx="8176048" cy="2506399"/>
+          </a:xfrm>
+          <a:prstGeom prst="rect">
+            <a:avLst/>
+          </a:prstGeom>
+        </p:spPr>
+      </p:pic>
+      <p:cxnSp>
+        <p:nvCxnSpPr>
+          <p:cNvPr id="12" name="Straight Arrow Connector 11"/>
+          <p:cNvCxnSpPr/>
+          <p:nvPr/>
+        </p:nvCxnSpPr>
+        <p:spPr>
+          <a:xfrm flipV="1">
+            <a:off x="1191985" y="2894275"/>
+            <a:ext cx="1967594" cy="1"/>
+          </a:xfrm>
+          <a:prstGeom prst="straightConnector1">
+            <a:avLst/>
+          </a:prstGeom>
+          <a:ln w="19050">
+            <a:solidFill>
+              <a:srgbClr val="FF0000"/>
+            </a:solidFill>
+            <a:tailEnd type="triangle"/>
+          </a:ln>
+        </p:spPr>
+        <p:style>
+          <a:lnRef idx="1">
+            <a:schemeClr val="accent1"/>
+          </a:lnRef>
+          <a:fillRef idx="0">
+            <a:schemeClr val="accent1"/>
+          </a:fillRef>
+          <a:effectRef idx="0">
+            <a:schemeClr val="accent1"/>
+          </a:effectRef>
+          <a:fontRef idx="minor">
+            <a:schemeClr val="tx1"/>
+          </a:fontRef>
+        </p:style>
+      </p:cxnSp>
+      <p:sp>
+        <p:nvSpPr>
+          <p:cNvPr id="13" name="Rectangle 12"/>
+          <p:cNvSpPr/>
+          <p:nvPr/>
+        </p:nvSpPr>
+        <p:spPr>
+          <a:xfrm>
+            <a:off x="2860182" y="2787075"/>
+            <a:ext cx="1964871" cy="584775"/>
+          </a:xfrm>
+          <a:prstGeom prst="rect">
+            <a:avLst/>
+          </a:prstGeom>
+        </p:spPr>
+        <p:txBody>
+          <a:bodyPr wrap="square">
+            <a:spAutoFit/>
+          </a:bodyPr>
+          <a:lstStyle/>
+          <a:p>
+            <a:pPr algn="ctr"/>
+            <a:r>
+              <a:rPr lang="tr-TR" sz="1600" dirty="0" err="1" smtClean="0">
+                <a:solidFill>
+                  <a:srgbClr val="C00000"/>
+                </a:solidFill>
+                <a:cs typeface="Arial" panose="020B0604020202020204" pitchFamily="34" charset="0"/>
+              </a:rPr>
+              <a:t>Sub-harmonic</a:t>
+            </a:r>
+            <a:r>
+              <a:rPr lang="tr-TR" sz="1600" dirty="0" smtClean="0">
+                <a:solidFill>
+                  <a:srgbClr val="C00000"/>
+                </a:solidFill>
+                <a:cs typeface="Arial" panose="020B0604020202020204" pitchFamily="34" charset="0"/>
+              </a:rPr>
+              <a:t>:</a:t>
+            </a:r>
+          </a:p>
+          <a:p>
+            <a:pPr algn="ctr"/>
+            <a:r>
+              <a:rPr lang="tr-TR" sz="1600" dirty="0" smtClean="0">
+                <a:solidFill>
+                  <a:srgbClr val="C00000"/>
+                </a:solidFill>
+                <a:cs typeface="Arial" panose="020B0604020202020204" pitchFamily="34" charset="0"/>
+              </a:rPr>
+              <a:t>Baya </a:t>
+            </a:r>
+            <a:r>
+              <a:rPr lang="tr-TR" sz="1600" dirty="0" err="1" smtClean="0">
+                <a:solidFill>
+                  <a:srgbClr val="C00000"/>
+                </a:solidFill>
+                <a:cs typeface="Arial" panose="020B0604020202020204" pitchFamily="34" charset="0"/>
+              </a:rPr>
+              <a:t>farkediyor</a:t>
+            </a:r>
+            <a:endParaRPr lang="tr-TR" sz="1600" dirty="0" smtClean="0">
+              <a:solidFill>
+                <a:srgbClr val="C00000"/>
+              </a:solidFill>
+              <a:cs typeface="Arial" panose="020B0604020202020204" pitchFamily="34" charset="0"/>
+            </a:endParaRPr>
+          </a:p>
+        </p:txBody>
+      </p:sp>
+      <p:cxnSp>
+        <p:nvCxnSpPr>
+          <p:cNvPr id="14" name="Straight Arrow Connector 13"/>
+          <p:cNvCxnSpPr/>
+          <p:nvPr/>
+        </p:nvCxnSpPr>
+        <p:spPr>
+          <a:xfrm flipH="1" flipV="1">
+            <a:off x="4098471" y="3371850"/>
+            <a:ext cx="1205593" cy="801499"/>
+          </a:xfrm>
+          <a:prstGeom prst="straightConnector1">
+            <a:avLst/>
+          </a:prstGeom>
+          <a:ln w="19050">
+            <a:solidFill>
+              <a:srgbClr val="FF0000"/>
+            </a:solidFill>
+            <a:tailEnd type="triangle"/>
+          </a:ln>
+        </p:spPr>
+        <p:style>
+          <a:lnRef idx="1">
+            <a:schemeClr val="accent1"/>
+          </a:lnRef>
+          <a:fillRef idx="0">
+            <a:schemeClr val="accent1"/>
+          </a:fillRef>
+          <a:effectRef idx="0">
+            <a:schemeClr val="accent1"/>
+          </a:effectRef>
+          <a:fontRef idx="minor">
+            <a:schemeClr val="tx1"/>
+          </a:fontRef>
+        </p:style>
+      </p:cxnSp>
+      <p:sp>
+        <p:nvSpPr>
+          <p:cNvPr id="15" name="Rectangle 14"/>
+          <p:cNvSpPr/>
+          <p:nvPr/>
+        </p:nvSpPr>
+        <p:spPr>
+          <a:xfrm>
+            <a:off x="3718831" y="4584510"/>
+            <a:ext cx="1964871" cy="338554"/>
+          </a:xfrm>
+          <a:prstGeom prst="rect">
+            <a:avLst/>
+          </a:prstGeom>
+        </p:spPr>
+        <p:txBody>
+          <a:bodyPr wrap="square">
+            <a:spAutoFit/>
+          </a:bodyPr>
+          <a:lstStyle/>
+          <a:p>
+            <a:pPr algn="ctr"/>
+            <a:r>
+              <a:rPr lang="tr-TR" sz="1600" dirty="0" smtClean="0">
+                <a:solidFill>
+                  <a:srgbClr val="002060"/>
+                </a:solidFill>
+                <a:cs typeface="Arial" panose="020B0604020202020204" pitchFamily="34" charset="0"/>
+              </a:rPr>
+              <a:t>p = 5</a:t>
+            </a:r>
+          </a:p>
+        </p:txBody>
+      </p:sp>
+      <p:sp>
+        <p:nvSpPr>
+          <p:cNvPr id="16" name="Rectangle 15"/>
+          <p:cNvSpPr/>
+          <p:nvPr/>
+        </p:nvSpPr>
+        <p:spPr>
+          <a:xfrm>
+            <a:off x="333701" y="4939530"/>
+            <a:ext cx="8426577" cy="1477328"/>
+          </a:xfrm>
+          <a:prstGeom prst="rect">
+            <a:avLst/>
+          </a:prstGeom>
+        </p:spPr>
+        <p:txBody>
+          <a:bodyPr wrap="square">
+            <a:spAutoFit/>
+          </a:bodyPr>
+          <a:lstStyle/>
+          <a:p>
+            <a:pPr marL="285750" indent="-285750">
+              <a:buFont typeface="Wingdings" panose="05000000000000000000" pitchFamily="2" charset="2"/>
+              <a:buChar char="§"/>
+            </a:pPr>
+            <a:r>
+              <a:rPr lang="tr-TR" dirty="0" err="1" smtClean="0">
+                <a:solidFill>
+                  <a:srgbClr val="002060"/>
+                </a:solidFill>
+              </a:rPr>
+              <a:t>Have</a:t>
+            </a:r>
+            <a:r>
+              <a:rPr lang="tr-TR" dirty="0" smtClean="0">
+                <a:solidFill>
+                  <a:srgbClr val="002060"/>
+                </a:solidFill>
+              </a:rPr>
+              <a:t> </a:t>
+            </a:r>
+            <a:r>
+              <a:rPr lang="tr-TR" dirty="0" err="1" smtClean="0">
+                <a:solidFill>
+                  <a:srgbClr val="002060"/>
+                </a:solidFill>
+              </a:rPr>
+              <a:t>more</a:t>
+            </a:r>
+            <a:r>
+              <a:rPr lang="tr-TR" dirty="0" smtClean="0">
+                <a:solidFill>
+                  <a:srgbClr val="002060"/>
+                </a:solidFill>
+              </a:rPr>
+              <a:t> </a:t>
+            </a:r>
+            <a:r>
+              <a:rPr lang="tr-TR" dirty="0" err="1" smtClean="0">
+                <a:solidFill>
+                  <a:srgbClr val="002060"/>
+                </a:solidFill>
+              </a:rPr>
+              <a:t>adverse</a:t>
+            </a:r>
+            <a:r>
+              <a:rPr lang="tr-TR" dirty="0" smtClean="0">
+                <a:solidFill>
+                  <a:srgbClr val="002060"/>
+                </a:solidFill>
+              </a:rPr>
+              <a:t> </a:t>
+            </a:r>
+            <a:r>
+              <a:rPr lang="tr-TR" dirty="0" err="1" smtClean="0">
+                <a:solidFill>
+                  <a:srgbClr val="002060"/>
+                </a:solidFill>
+              </a:rPr>
+              <a:t>effect</a:t>
+            </a:r>
+            <a:r>
+              <a:rPr lang="tr-TR" dirty="0" smtClean="0">
+                <a:solidFill>
+                  <a:srgbClr val="002060"/>
+                </a:solidFill>
+              </a:rPr>
+              <a:t> on rotor </a:t>
+            </a:r>
+            <a:r>
+              <a:rPr lang="tr-TR" dirty="0" err="1" smtClean="0">
+                <a:solidFill>
+                  <a:srgbClr val="002060"/>
+                </a:solidFill>
+              </a:rPr>
+              <a:t>losses</a:t>
+            </a:r>
+            <a:r>
+              <a:rPr lang="tr-TR" dirty="0" smtClean="0">
+                <a:solidFill>
+                  <a:srgbClr val="002060"/>
+                </a:solidFill>
+              </a:rPr>
+              <a:t> </a:t>
+            </a:r>
+            <a:r>
+              <a:rPr lang="tr-TR" dirty="0" err="1" smtClean="0">
+                <a:solidFill>
+                  <a:srgbClr val="002060"/>
+                </a:solidFill>
+              </a:rPr>
+              <a:t>due</a:t>
+            </a:r>
+            <a:r>
+              <a:rPr lang="tr-TR" dirty="0" smtClean="0">
+                <a:solidFill>
+                  <a:srgbClr val="002060"/>
+                </a:solidFill>
+              </a:rPr>
+              <a:t> </a:t>
+            </a:r>
+            <a:r>
+              <a:rPr lang="tr-TR" dirty="0" err="1" smtClean="0">
+                <a:solidFill>
+                  <a:srgbClr val="002060"/>
+                </a:solidFill>
+              </a:rPr>
+              <a:t>to</a:t>
+            </a:r>
+            <a:r>
+              <a:rPr lang="tr-TR" dirty="0" smtClean="0">
+                <a:solidFill>
+                  <a:srgbClr val="002060"/>
+                </a:solidFill>
+              </a:rPr>
+              <a:t> </a:t>
+            </a:r>
+            <a:r>
+              <a:rPr lang="tr-TR" b="1" dirty="0" err="1" smtClean="0">
+                <a:solidFill>
+                  <a:srgbClr val="002060"/>
+                </a:solidFill>
+              </a:rPr>
+              <a:t>being</a:t>
+            </a:r>
+            <a:r>
+              <a:rPr lang="tr-TR" b="1" dirty="0" smtClean="0">
+                <a:solidFill>
+                  <a:srgbClr val="002060"/>
+                </a:solidFill>
+              </a:rPr>
+              <a:t> </a:t>
+            </a:r>
+            <a:r>
+              <a:rPr lang="tr-TR" b="1" dirty="0" err="1" smtClean="0">
+                <a:solidFill>
+                  <a:srgbClr val="002060"/>
+                </a:solidFill>
+              </a:rPr>
+              <a:t>low</a:t>
+            </a:r>
+            <a:r>
+              <a:rPr lang="tr-TR" b="1" dirty="0" smtClean="0">
+                <a:solidFill>
+                  <a:srgbClr val="002060"/>
+                </a:solidFill>
+              </a:rPr>
+              <a:t> </a:t>
+            </a:r>
+            <a:r>
+              <a:rPr lang="tr-TR" b="1" dirty="0" err="1" smtClean="0">
+                <a:solidFill>
+                  <a:srgbClr val="002060"/>
+                </a:solidFill>
+              </a:rPr>
+              <a:t>order</a:t>
+            </a:r>
+            <a:endParaRPr lang="tr-TR" b="1" dirty="0" smtClean="0">
+              <a:solidFill>
+                <a:srgbClr val="002060"/>
+              </a:solidFill>
+            </a:endParaRPr>
+          </a:p>
+          <a:p>
+            <a:pPr marL="285750" indent="-285750">
+              <a:buFont typeface="Wingdings" panose="05000000000000000000" pitchFamily="2" charset="2"/>
+              <a:buChar char="§"/>
+            </a:pPr>
+            <a:r>
+              <a:rPr lang="en-US" dirty="0">
+                <a:solidFill>
+                  <a:srgbClr val="002060"/>
+                </a:solidFill>
+              </a:rPr>
+              <a:t>Another consequence of MMF subharmonics is an </a:t>
+            </a:r>
+            <a:r>
+              <a:rPr lang="en-US" b="1" dirty="0">
+                <a:solidFill>
+                  <a:srgbClr val="002060"/>
+                </a:solidFill>
+              </a:rPr>
+              <a:t>unbalanced saturation </a:t>
+            </a:r>
+            <a:r>
+              <a:rPr lang="en-US" dirty="0">
+                <a:solidFill>
+                  <a:srgbClr val="002060"/>
+                </a:solidFill>
+              </a:rPr>
+              <a:t>of the iron parts among the rotor poles.</a:t>
+            </a:r>
+            <a:r>
+              <a:rPr lang="tr-TR" dirty="0" smtClean="0">
+                <a:solidFill>
+                  <a:srgbClr val="002060"/>
+                </a:solidFill>
+              </a:rPr>
+              <a:t> </a:t>
+            </a:r>
+          </a:p>
+          <a:p>
+            <a:pPr marL="285750" indent="-285750">
+              <a:buFont typeface="Wingdings" panose="05000000000000000000" pitchFamily="2" charset="2"/>
+              <a:buChar char="§"/>
+            </a:pPr>
+            <a:r>
+              <a:rPr lang="en-US" dirty="0">
+                <a:solidFill>
+                  <a:srgbClr val="002060"/>
+                </a:solidFill>
+              </a:rPr>
+              <a:t>MMF subharmonics lead to low order </a:t>
+            </a:r>
+            <a:r>
+              <a:rPr lang="en-US" b="1" dirty="0">
+                <a:solidFill>
+                  <a:srgbClr val="002060"/>
+                </a:solidFill>
+              </a:rPr>
+              <a:t>radial forces </a:t>
+            </a:r>
+            <a:r>
+              <a:rPr lang="en-US" dirty="0">
+                <a:solidFill>
+                  <a:srgbClr val="002060"/>
+                </a:solidFill>
+              </a:rPr>
+              <a:t>between the rotor and the stator of the machine</a:t>
+            </a:r>
+            <a:r>
+              <a:rPr lang="en-US" dirty="0" smtClean="0">
+                <a:solidFill>
+                  <a:srgbClr val="002060"/>
+                </a:solidFill>
+              </a:rPr>
+              <a:t>.</a:t>
+            </a:r>
+            <a:endParaRPr lang="tr-TR" dirty="0" smtClean="0">
+              <a:solidFill>
+                <a:srgbClr val="002060"/>
+              </a:solidFill>
+            </a:endParaRPr>
+          </a:p>
+        </p:txBody>
+      </p:sp>
+    </p:spTree>
+    <p:extLst>
+      <p:ext uri="{BB962C8B-B14F-4D97-AF65-F5344CB8AC3E}">
+        <p14:creationId xmlns:p14="http://schemas.microsoft.com/office/powerpoint/2010/main" val="4173466549"/>
+      </p:ext>
+    </p:extLst>
+  </p:cSld>
+  <p:clrMapOvr>
+    <a:masterClrMapping/>
+  </p:clrMapOvr>
+  <p:timing>
+    <p:tnLst>
+      <p:par>
+        <p:cTn id="1" dur="indefinite" restart="never" nodeType="tmRoot"/>
+      </p:par>
+    </p:tnLst>
+  </p:timing>
+</p:sld>
+</file>
+
+<file path=ppt/slides/slide64.xml><?xml version="1.0" encoding="utf-8"?>
+<p:sld xmlns:a="http://schemas.openxmlformats.org/drawingml/2006/main" xmlns:r="http://schemas.openxmlformats.org/officeDocument/2006/relationships" xmlns:p="http://schemas.openxmlformats.org/presentationml/2006/main">
+  <p:cSld>
+    <p:spTree>
+      <p:nvGrpSpPr>
+        <p:cNvPr id="1" name=""/>
+        <p:cNvGrpSpPr/>
+        <p:nvPr/>
+      </p:nvGrpSpPr>
+      <p:grpSpPr>
+        <a:xfrm>
+          <a:off x="0" y="0"/>
+          <a:ext cx="0" cy="0"/>
+          <a:chOff x="0" y="0"/>
+          <a:chExt cx="0" cy="0"/>
+        </a:xfrm>
+      </p:grpSpPr>
+      <p:sp>
+        <p:nvSpPr>
+          <p:cNvPr id="8" name="Rectangle 7"/>
+          <p:cNvSpPr/>
+          <p:nvPr/>
+        </p:nvSpPr>
+        <p:spPr>
+          <a:xfrm>
+            <a:off x="478970" y="150669"/>
+            <a:ext cx="8207829" cy="523220"/>
+          </a:xfrm>
+          <a:prstGeom prst="rect">
+            <a:avLst/>
+          </a:prstGeom>
+        </p:spPr>
+        <p:txBody>
+          <a:bodyPr wrap="square">
+            <a:spAutoFit/>
+          </a:bodyPr>
+          <a:lstStyle/>
+          <a:p>
+            <a:pPr algn="ctr"/>
+            <a:r>
+              <a:rPr lang="tr-TR" sz="2800" b="1" dirty="0" err="1" smtClean="0">
+                <a:solidFill>
+                  <a:schemeClr val="accent1">
+                    <a:lumMod val="50000"/>
+                  </a:schemeClr>
+                </a:solidFill>
+                <a:cs typeface="Arial" panose="020B0604020202020204" pitchFamily="34" charset="0"/>
+              </a:rPr>
+              <a:t>Fractional</a:t>
+            </a:r>
+            <a:r>
+              <a:rPr lang="tr-TR" sz="2800" b="1" dirty="0" smtClean="0">
+                <a:solidFill>
+                  <a:schemeClr val="accent1">
+                    <a:lumMod val="50000"/>
+                  </a:schemeClr>
+                </a:solidFill>
+                <a:cs typeface="Arial" panose="020B0604020202020204" pitchFamily="34" charset="0"/>
+              </a:rPr>
+              <a:t> </a:t>
+            </a:r>
+            <a:r>
+              <a:rPr lang="tr-TR" sz="2800" b="1" dirty="0" err="1" smtClean="0">
+                <a:solidFill>
+                  <a:schemeClr val="accent1">
+                    <a:lumMod val="50000"/>
+                  </a:schemeClr>
+                </a:solidFill>
+                <a:cs typeface="Arial" panose="020B0604020202020204" pitchFamily="34" charset="0"/>
+              </a:rPr>
+              <a:t>Slot</a:t>
+            </a:r>
+            <a:r>
+              <a:rPr lang="tr-TR" sz="2800" b="1" dirty="0" smtClean="0">
+                <a:solidFill>
+                  <a:schemeClr val="accent1">
+                    <a:lumMod val="50000"/>
+                  </a:schemeClr>
+                </a:solidFill>
+                <a:cs typeface="Arial" panose="020B0604020202020204" pitchFamily="34" charset="0"/>
+              </a:rPr>
+              <a:t> </a:t>
+            </a:r>
+            <a:r>
+              <a:rPr lang="tr-TR" sz="2800" b="1" dirty="0" err="1" smtClean="0">
+                <a:solidFill>
+                  <a:schemeClr val="accent1">
+                    <a:lumMod val="50000"/>
+                  </a:schemeClr>
+                </a:solidFill>
+                <a:cs typeface="Arial" panose="020B0604020202020204" pitchFamily="34" charset="0"/>
+              </a:rPr>
+              <a:t>Concentrated</a:t>
+            </a:r>
+            <a:r>
+              <a:rPr lang="tr-TR" sz="2800" b="1" dirty="0" smtClean="0">
+                <a:solidFill>
+                  <a:schemeClr val="accent1">
+                    <a:lumMod val="50000"/>
+                  </a:schemeClr>
+                </a:solidFill>
+                <a:cs typeface="Arial" panose="020B0604020202020204" pitchFamily="34" charset="0"/>
+              </a:rPr>
+              <a:t> </a:t>
+            </a:r>
+            <a:r>
+              <a:rPr lang="tr-TR" sz="2800" b="1" dirty="0" err="1" smtClean="0">
+                <a:solidFill>
+                  <a:schemeClr val="accent1">
+                    <a:lumMod val="50000"/>
+                  </a:schemeClr>
+                </a:solidFill>
+                <a:cs typeface="Arial" panose="020B0604020202020204" pitchFamily="34" charset="0"/>
+              </a:rPr>
+              <a:t>Winding</a:t>
+            </a:r>
+            <a:r>
+              <a:rPr lang="tr-TR" sz="2800" b="1" dirty="0" smtClean="0">
+                <a:solidFill>
+                  <a:schemeClr val="accent1">
+                    <a:lumMod val="50000"/>
+                  </a:schemeClr>
+                </a:solidFill>
+                <a:cs typeface="Arial" panose="020B0604020202020204" pitchFamily="34" charset="0"/>
+              </a:rPr>
+              <a:t> </a:t>
+            </a:r>
+            <a:r>
+              <a:rPr lang="tr-TR" sz="2800" b="1" dirty="0" err="1" smtClean="0">
+                <a:solidFill>
+                  <a:schemeClr val="accent1">
+                    <a:lumMod val="50000"/>
+                  </a:schemeClr>
+                </a:solidFill>
+                <a:cs typeface="Arial" panose="020B0604020202020204" pitchFamily="34" charset="0"/>
+              </a:rPr>
+              <a:t>Machines</a:t>
+            </a:r>
+            <a:endParaRPr lang="en-US" sz="2800" dirty="0">
+              <a:solidFill>
+                <a:schemeClr val="accent1">
+                  <a:lumMod val="50000"/>
+                </a:schemeClr>
+              </a:solidFill>
+              <a:cs typeface="Arial" panose="020B0604020202020204" pitchFamily="34" charset="0"/>
+            </a:endParaRPr>
+          </a:p>
+        </p:txBody>
+      </p:sp>
+      <p:sp>
+        <p:nvSpPr>
+          <p:cNvPr id="6" name="Rectangle 5"/>
+          <p:cNvSpPr/>
+          <p:nvPr/>
+        </p:nvSpPr>
+        <p:spPr>
+          <a:xfrm>
+            <a:off x="333702" y="673889"/>
+            <a:ext cx="8744983" cy="400110"/>
+          </a:xfrm>
+          <a:prstGeom prst="rect">
+            <a:avLst/>
+          </a:prstGeom>
+        </p:spPr>
+        <p:txBody>
+          <a:bodyPr wrap="square">
+            <a:spAutoFit/>
+          </a:bodyPr>
+          <a:lstStyle/>
+          <a:p>
+            <a:pPr algn="ctr"/>
+            <a:r>
+              <a:rPr lang="tr-TR" sz="2000" b="1" dirty="0" smtClean="0">
+                <a:solidFill>
+                  <a:srgbClr val="002060"/>
+                </a:solidFill>
+                <a:cs typeface="Arial" panose="020B0604020202020204" pitchFamily="34" charset="0"/>
+              </a:rPr>
+              <a:t>MMF </a:t>
+            </a:r>
+            <a:r>
+              <a:rPr lang="tr-TR" sz="2000" b="1" dirty="0" err="1" smtClean="0">
+                <a:solidFill>
+                  <a:srgbClr val="002060"/>
+                </a:solidFill>
+                <a:cs typeface="Arial" panose="020B0604020202020204" pitchFamily="34" charset="0"/>
+              </a:rPr>
+              <a:t>distribution</a:t>
+            </a:r>
+            <a:r>
+              <a:rPr lang="tr-TR" sz="2000" b="1" dirty="0" smtClean="0">
+                <a:solidFill>
+                  <a:srgbClr val="002060"/>
+                </a:solidFill>
+                <a:cs typeface="Arial" panose="020B0604020202020204" pitchFamily="34" charset="0"/>
+              </a:rPr>
+              <a:t> – </a:t>
+            </a:r>
+            <a:r>
+              <a:rPr lang="tr-TR" sz="2000" b="1" dirty="0" err="1" smtClean="0">
+                <a:solidFill>
+                  <a:srgbClr val="002060"/>
+                </a:solidFill>
+                <a:cs typeface="Arial" panose="020B0604020202020204" pitchFamily="34" charset="0"/>
+              </a:rPr>
+              <a:t>Our</a:t>
+            </a:r>
+            <a:r>
+              <a:rPr lang="tr-TR" sz="2000" b="1" dirty="0" smtClean="0">
+                <a:solidFill>
+                  <a:srgbClr val="002060"/>
+                </a:solidFill>
+                <a:cs typeface="Arial" panose="020B0604020202020204" pitchFamily="34" charset="0"/>
+              </a:rPr>
+              <a:t> </a:t>
+            </a:r>
+            <a:r>
+              <a:rPr lang="tr-TR" sz="2000" b="1" dirty="0" err="1" smtClean="0">
+                <a:solidFill>
+                  <a:srgbClr val="002060"/>
+                </a:solidFill>
+                <a:cs typeface="Arial" panose="020B0604020202020204" pitchFamily="34" charset="0"/>
+              </a:rPr>
+              <a:t>machine</a:t>
+            </a:r>
+            <a:endParaRPr lang="tr-TR" sz="2000" b="1" dirty="0" smtClean="0">
+              <a:solidFill>
+                <a:srgbClr val="002060"/>
+              </a:solidFill>
+              <a:cs typeface="Arial" panose="020B0604020202020204" pitchFamily="34" charset="0"/>
+            </a:endParaRPr>
+          </a:p>
+        </p:txBody>
+      </p:sp>
+      <p:pic>
+        <p:nvPicPr>
+          <p:cNvPr id="2" name="Picture 1"/>
+          <p:cNvPicPr>
+            <a:picLocks noChangeAspect="1"/>
+          </p:cNvPicPr>
+          <p:nvPr/>
+        </p:nvPicPr>
+        <p:blipFill rotWithShape="1">
+          <a:blip r:embed="rId3"/>
+          <a:srcRect l="6142" t="5234" r="7454" b="5949"/>
+          <a:stretch/>
+        </p:blipFill>
+        <p:spPr>
+          <a:xfrm>
+            <a:off x="1473367" y="1073999"/>
+            <a:ext cx="6465651" cy="5784001"/>
+          </a:xfrm>
+          <a:prstGeom prst="rect">
+            <a:avLst/>
+          </a:prstGeom>
+        </p:spPr>
+      </p:pic>
+    </p:spTree>
+    <p:extLst>
+      <p:ext uri="{BB962C8B-B14F-4D97-AF65-F5344CB8AC3E}">
+        <p14:creationId xmlns:p14="http://schemas.microsoft.com/office/powerpoint/2010/main" val="3368415732"/>
+      </p:ext>
+    </p:extLst>
+  </p:cSld>
+  <p:clrMapOvr>
+    <a:masterClrMapping/>
+  </p:clrMapOvr>
+  <p:timing>
+    <p:tnLst>
+      <p:par>
+        <p:cTn id="1" dur="indefinite" restart="never" nodeType="tmRoot"/>
+      </p:par>
+    </p:tnLst>
+  </p:timing>
+</p:sld>
+</file>
+
+<file path=ppt/slides/slide65.xml><?xml version="1.0" encoding="utf-8"?>
+<p:sld xmlns:a="http://schemas.openxmlformats.org/drawingml/2006/main" xmlns:r="http://schemas.openxmlformats.org/officeDocument/2006/relationships" xmlns:p="http://schemas.openxmlformats.org/presentationml/2006/main">
+  <p:cSld>
+    <p:spTree>
+      <p:nvGrpSpPr>
+        <p:cNvPr id="1" name=""/>
+        <p:cNvGrpSpPr/>
+        <p:nvPr/>
+      </p:nvGrpSpPr>
+      <p:grpSpPr>
+        <a:xfrm>
+          <a:off x="0" y="0"/>
+          <a:ext cx="0" cy="0"/>
+          <a:chOff x="0" y="0"/>
+          <a:chExt cx="0" cy="0"/>
+        </a:xfrm>
+      </p:grpSpPr>
+      <p:pic>
+        <p:nvPicPr>
+          <p:cNvPr id="5" name="Picture 4"/>
+          <p:cNvPicPr>
+            <a:picLocks noChangeAspect="1"/>
+          </p:cNvPicPr>
+          <p:nvPr/>
+        </p:nvPicPr>
+        <p:blipFill rotWithShape="1">
+          <a:blip r:embed="rId3"/>
+          <a:srcRect l="7602" t="6528" r="7224" b="3341"/>
+          <a:stretch/>
+        </p:blipFill>
+        <p:spPr>
+          <a:xfrm>
+            <a:off x="1028700" y="1349509"/>
+            <a:ext cx="6883894" cy="5419725"/>
+          </a:xfrm>
+          <a:prstGeom prst="rect">
+            <a:avLst/>
+          </a:prstGeom>
+        </p:spPr>
+      </p:pic>
+      <p:sp>
+        <p:nvSpPr>
+          <p:cNvPr id="8" name="Rectangle 7"/>
+          <p:cNvSpPr/>
+          <p:nvPr/>
+        </p:nvSpPr>
+        <p:spPr>
+          <a:xfrm>
+            <a:off x="478970" y="150669"/>
+            <a:ext cx="8207829" cy="523220"/>
+          </a:xfrm>
+          <a:prstGeom prst="rect">
+            <a:avLst/>
+          </a:prstGeom>
+        </p:spPr>
+        <p:txBody>
+          <a:bodyPr wrap="square">
+            <a:spAutoFit/>
+          </a:bodyPr>
+          <a:lstStyle/>
+          <a:p>
+            <a:pPr algn="ctr"/>
+            <a:r>
+              <a:rPr lang="tr-TR" sz="2800" b="1" dirty="0" err="1" smtClean="0">
+                <a:solidFill>
+                  <a:schemeClr val="accent1">
+                    <a:lumMod val="50000"/>
+                  </a:schemeClr>
+                </a:solidFill>
+                <a:cs typeface="Arial" panose="020B0604020202020204" pitchFamily="34" charset="0"/>
+              </a:rPr>
+              <a:t>Fractional</a:t>
+            </a:r>
+            <a:r>
+              <a:rPr lang="tr-TR" sz="2800" b="1" dirty="0" smtClean="0">
+                <a:solidFill>
+                  <a:schemeClr val="accent1">
+                    <a:lumMod val="50000"/>
+                  </a:schemeClr>
+                </a:solidFill>
+                <a:cs typeface="Arial" panose="020B0604020202020204" pitchFamily="34" charset="0"/>
+              </a:rPr>
+              <a:t> </a:t>
+            </a:r>
+            <a:r>
+              <a:rPr lang="tr-TR" sz="2800" b="1" dirty="0" err="1" smtClean="0">
+                <a:solidFill>
+                  <a:schemeClr val="accent1">
+                    <a:lumMod val="50000"/>
+                  </a:schemeClr>
+                </a:solidFill>
+                <a:cs typeface="Arial" panose="020B0604020202020204" pitchFamily="34" charset="0"/>
+              </a:rPr>
+              <a:t>Slot</a:t>
+            </a:r>
+            <a:r>
+              <a:rPr lang="tr-TR" sz="2800" b="1" dirty="0" smtClean="0">
+                <a:solidFill>
+                  <a:schemeClr val="accent1">
+                    <a:lumMod val="50000"/>
+                  </a:schemeClr>
+                </a:solidFill>
+                <a:cs typeface="Arial" panose="020B0604020202020204" pitchFamily="34" charset="0"/>
+              </a:rPr>
+              <a:t> </a:t>
+            </a:r>
+            <a:r>
+              <a:rPr lang="tr-TR" sz="2800" b="1" dirty="0" err="1" smtClean="0">
+                <a:solidFill>
+                  <a:schemeClr val="accent1">
+                    <a:lumMod val="50000"/>
+                  </a:schemeClr>
+                </a:solidFill>
+                <a:cs typeface="Arial" panose="020B0604020202020204" pitchFamily="34" charset="0"/>
+              </a:rPr>
+              <a:t>Concentrated</a:t>
+            </a:r>
+            <a:r>
+              <a:rPr lang="tr-TR" sz="2800" b="1" dirty="0" smtClean="0">
+                <a:solidFill>
+                  <a:schemeClr val="accent1">
+                    <a:lumMod val="50000"/>
+                  </a:schemeClr>
+                </a:solidFill>
+                <a:cs typeface="Arial" panose="020B0604020202020204" pitchFamily="34" charset="0"/>
+              </a:rPr>
+              <a:t> </a:t>
+            </a:r>
+            <a:r>
+              <a:rPr lang="tr-TR" sz="2800" b="1" dirty="0" err="1" smtClean="0">
+                <a:solidFill>
+                  <a:schemeClr val="accent1">
+                    <a:lumMod val="50000"/>
+                  </a:schemeClr>
+                </a:solidFill>
+                <a:cs typeface="Arial" panose="020B0604020202020204" pitchFamily="34" charset="0"/>
+              </a:rPr>
+              <a:t>Winding</a:t>
+            </a:r>
+            <a:r>
+              <a:rPr lang="tr-TR" sz="2800" b="1" dirty="0" smtClean="0">
+                <a:solidFill>
+                  <a:schemeClr val="accent1">
+                    <a:lumMod val="50000"/>
+                  </a:schemeClr>
+                </a:solidFill>
+                <a:cs typeface="Arial" panose="020B0604020202020204" pitchFamily="34" charset="0"/>
+              </a:rPr>
+              <a:t> </a:t>
+            </a:r>
+            <a:r>
+              <a:rPr lang="tr-TR" sz="2800" b="1" dirty="0" err="1" smtClean="0">
+                <a:solidFill>
+                  <a:schemeClr val="accent1">
+                    <a:lumMod val="50000"/>
+                  </a:schemeClr>
+                </a:solidFill>
+                <a:cs typeface="Arial" panose="020B0604020202020204" pitchFamily="34" charset="0"/>
+              </a:rPr>
+              <a:t>Machines</a:t>
+            </a:r>
+            <a:endParaRPr lang="en-US" sz="2800" dirty="0">
+              <a:solidFill>
+                <a:schemeClr val="accent1">
+                  <a:lumMod val="50000"/>
+                </a:schemeClr>
+              </a:solidFill>
+              <a:cs typeface="Arial" panose="020B0604020202020204" pitchFamily="34" charset="0"/>
+            </a:endParaRPr>
+          </a:p>
+        </p:txBody>
+      </p:sp>
+      <p:sp>
+        <p:nvSpPr>
+          <p:cNvPr id="6" name="Rectangle 5"/>
+          <p:cNvSpPr/>
+          <p:nvPr/>
+        </p:nvSpPr>
+        <p:spPr>
+          <a:xfrm>
+            <a:off x="333702" y="673889"/>
+            <a:ext cx="8744983" cy="400110"/>
+          </a:xfrm>
+          <a:prstGeom prst="rect">
+            <a:avLst/>
+          </a:prstGeom>
+        </p:spPr>
+        <p:txBody>
+          <a:bodyPr wrap="square">
+            <a:spAutoFit/>
+          </a:bodyPr>
+          <a:lstStyle/>
+          <a:p>
+            <a:pPr algn="ctr"/>
+            <a:r>
+              <a:rPr lang="tr-TR" sz="2000" b="1" dirty="0" smtClean="0">
+                <a:solidFill>
+                  <a:srgbClr val="002060"/>
+                </a:solidFill>
+                <a:cs typeface="Arial" panose="020B0604020202020204" pitchFamily="34" charset="0"/>
+              </a:rPr>
+              <a:t>MMF </a:t>
+            </a:r>
+            <a:r>
+              <a:rPr lang="tr-TR" sz="2000" b="1" dirty="0" err="1" smtClean="0">
+                <a:solidFill>
+                  <a:srgbClr val="002060"/>
+                </a:solidFill>
+                <a:cs typeface="Arial" panose="020B0604020202020204" pitchFamily="34" charset="0"/>
+              </a:rPr>
+              <a:t>distribution</a:t>
+            </a:r>
+            <a:r>
+              <a:rPr lang="tr-TR" sz="2000" b="1" dirty="0" smtClean="0">
+                <a:solidFill>
+                  <a:srgbClr val="002060"/>
+                </a:solidFill>
+                <a:cs typeface="Arial" panose="020B0604020202020204" pitchFamily="34" charset="0"/>
+              </a:rPr>
+              <a:t> – </a:t>
+            </a:r>
+            <a:r>
+              <a:rPr lang="tr-TR" sz="2000" b="1" dirty="0" err="1" smtClean="0">
+                <a:solidFill>
+                  <a:srgbClr val="002060"/>
+                </a:solidFill>
+                <a:cs typeface="Arial" panose="020B0604020202020204" pitchFamily="34" charset="0"/>
+              </a:rPr>
+              <a:t>Our</a:t>
+            </a:r>
+            <a:r>
+              <a:rPr lang="tr-TR" sz="2000" b="1" dirty="0" smtClean="0">
+                <a:solidFill>
+                  <a:srgbClr val="002060"/>
+                </a:solidFill>
+                <a:cs typeface="Arial" panose="020B0604020202020204" pitchFamily="34" charset="0"/>
+              </a:rPr>
+              <a:t> </a:t>
+            </a:r>
+            <a:r>
+              <a:rPr lang="tr-TR" sz="2000" b="1" dirty="0" err="1" smtClean="0">
+                <a:solidFill>
+                  <a:srgbClr val="002060"/>
+                </a:solidFill>
+                <a:cs typeface="Arial" panose="020B0604020202020204" pitchFamily="34" charset="0"/>
+              </a:rPr>
+              <a:t>machine</a:t>
+            </a:r>
+            <a:endParaRPr lang="tr-TR" sz="2000" b="1" dirty="0" smtClean="0">
+              <a:solidFill>
+                <a:srgbClr val="002060"/>
+              </a:solidFill>
+              <a:cs typeface="Arial" panose="020B0604020202020204" pitchFamily="34" charset="0"/>
+            </a:endParaRPr>
+          </a:p>
+        </p:txBody>
+      </p:sp>
+      <p:sp>
+        <p:nvSpPr>
+          <p:cNvPr id="7" name="Rectangle 6"/>
+          <p:cNvSpPr/>
+          <p:nvPr/>
+        </p:nvSpPr>
+        <p:spPr>
+          <a:xfrm>
+            <a:off x="2860182" y="1830023"/>
+            <a:ext cx="1964871" cy="338554"/>
+          </a:xfrm>
+          <a:prstGeom prst="rect">
+            <a:avLst/>
+          </a:prstGeom>
+        </p:spPr>
+        <p:txBody>
+          <a:bodyPr wrap="square">
+            <a:spAutoFit/>
+          </a:bodyPr>
+          <a:lstStyle/>
+          <a:p>
+            <a:pPr algn="ctr"/>
+            <a:r>
+              <a:rPr lang="tr-TR" sz="1600" dirty="0" err="1" smtClean="0">
+                <a:solidFill>
+                  <a:srgbClr val="C00000"/>
+                </a:solidFill>
+                <a:cs typeface="Arial" panose="020B0604020202020204" pitchFamily="34" charset="0"/>
+              </a:rPr>
+              <a:t>Fundamental</a:t>
+            </a:r>
+            <a:endParaRPr lang="tr-TR" sz="1600" dirty="0" smtClean="0">
+              <a:solidFill>
+                <a:srgbClr val="C00000"/>
+              </a:solidFill>
+              <a:cs typeface="Arial" panose="020B0604020202020204" pitchFamily="34" charset="0"/>
+            </a:endParaRPr>
+          </a:p>
+        </p:txBody>
+      </p:sp>
+      <p:cxnSp>
+        <p:nvCxnSpPr>
+          <p:cNvPr id="9" name="Straight Arrow Connector 8"/>
+          <p:cNvCxnSpPr/>
+          <p:nvPr/>
+        </p:nvCxnSpPr>
+        <p:spPr>
+          <a:xfrm flipV="1">
+            <a:off x="2092941" y="2019300"/>
+            <a:ext cx="1021734" cy="379419"/>
+          </a:xfrm>
+          <a:prstGeom prst="straightConnector1">
+            <a:avLst/>
+          </a:prstGeom>
+          <a:ln w="19050">
+            <a:solidFill>
+              <a:srgbClr val="FF0000"/>
+            </a:solidFill>
+            <a:tailEnd type="triangle"/>
+          </a:ln>
+        </p:spPr>
+        <p:style>
+          <a:lnRef idx="1">
+            <a:schemeClr val="accent1"/>
+          </a:lnRef>
+          <a:fillRef idx="0">
+            <a:schemeClr val="accent1"/>
+          </a:fillRef>
+          <a:effectRef idx="0">
+            <a:schemeClr val="accent1"/>
+          </a:effectRef>
+          <a:fontRef idx="minor">
+            <a:schemeClr val="tx1"/>
+          </a:fontRef>
+        </p:style>
+      </p:cxnSp>
+      <p:cxnSp>
+        <p:nvCxnSpPr>
+          <p:cNvPr id="10" name="Straight Arrow Connector 9"/>
+          <p:cNvCxnSpPr/>
+          <p:nvPr/>
+        </p:nvCxnSpPr>
+        <p:spPr>
+          <a:xfrm flipH="1" flipV="1">
+            <a:off x="952500" y="4638675"/>
+            <a:ext cx="629575" cy="274645"/>
+          </a:xfrm>
+          <a:prstGeom prst="straightConnector1">
+            <a:avLst/>
+          </a:prstGeom>
+          <a:ln w="19050">
+            <a:solidFill>
+              <a:srgbClr val="FF0000"/>
+            </a:solidFill>
+            <a:tailEnd type="triangle"/>
+          </a:ln>
+        </p:spPr>
+        <p:style>
+          <a:lnRef idx="1">
+            <a:schemeClr val="accent1"/>
+          </a:lnRef>
+          <a:fillRef idx="0">
+            <a:schemeClr val="accent1"/>
+          </a:fillRef>
+          <a:effectRef idx="0">
+            <a:schemeClr val="accent1"/>
+          </a:effectRef>
+          <a:fontRef idx="minor">
+            <a:schemeClr val="tx1"/>
+          </a:fontRef>
+        </p:style>
+      </p:cxnSp>
+      <p:sp>
+        <p:nvSpPr>
+          <p:cNvPr id="12" name="Rectangle 11"/>
+          <p:cNvSpPr/>
+          <p:nvPr/>
+        </p:nvSpPr>
+        <p:spPr>
+          <a:xfrm>
+            <a:off x="-159184" y="4300121"/>
+            <a:ext cx="1502209" cy="584775"/>
+          </a:xfrm>
+          <a:prstGeom prst="rect">
+            <a:avLst/>
+          </a:prstGeom>
+        </p:spPr>
+        <p:txBody>
+          <a:bodyPr wrap="square">
+            <a:spAutoFit/>
+          </a:bodyPr>
+          <a:lstStyle/>
+          <a:p>
+            <a:pPr algn="ctr"/>
+            <a:r>
+              <a:rPr lang="tr-TR" sz="1600" dirty="0" err="1" smtClean="0">
+                <a:solidFill>
+                  <a:srgbClr val="C00000"/>
+                </a:solidFill>
+                <a:cs typeface="Arial" panose="020B0604020202020204" pitchFamily="34" charset="0"/>
+              </a:rPr>
+              <a:t>Sub-harmonic</a:t>
+            </a:r>
+            <a:endParaRPr lang="tr-TR" sz="1600" dirty="0" smtClean="0">
+              <a:solidFill>
+                <a:srgbClr val="C00000"/>
+              </a:solidFill>
+              <a:cs typeface="Arial" panose="020B0604020202020204" pitchFamily="34" charset="0"/>
+            </a:endParaRPr>
+          </a:p>
+          <a:p>
+            <a:pPr algn="ctr"/>
+            <a:r>
+              <a:rPr lang="tr-TR" sz="1600" dirty="0" smtClean="0">
+                <a:solidFill>
+                  <a:srgbClr val="C00000"/>
+                </a:solidFill>
+                <a:cs typeface="Arial" panose="020B0604020202020204" pitchFamily="34" charset="0"/>
+              </a:rPr>
+              <a:t>(2)</a:t>
+            </a:r>
+          </a:p>
+        </p:txBody>
+      </p:sp>
+      <p:sp>
+        <p:nvSpPr>
+          <p:cNvPr id="15" name="Rectangle 14"/>
+          <p:cNvSpPr/>
+          <p:nvPr/>
+        </p:nvSpPr>
+        <p:spPr>
+          <a:xfrm>
+            <a:off x="2260167" y="2685762"/>
+            <a:ext cx="444934" cy="338554"/>
+          </a:xfrm>
+          <a:prstGeom prst="rect">
+            <a:avLst/>
+          </a:prstGeom>
+        </p:spPr>
+        <p:txBody>
+          <a:bodyPr wrap="square">
+            <a:spAutoFit/>
+          </a:bodyPr>
+          <a:lstStyle/>
+          <a:p>
+            <a:pPr algn="ctr"/>
+            <a:r>
+              <a:rPr lang="tr-TR" sz="1600" dirty="0" smtClean="0">
+                <a:solidFill>
+                  <a:srgbClr val="C00000"/>
+                </a:solidFill>
+                <a:cs typeface="Arial" panose="020B0604020202020204" pitchFamily="34" charset="0"/>
+              </a:rPr>
+              <a:t>14</a:t>
+            </a:r>
+          </a:p>
+        </p:txBody>
+      </p:sp>
+    </p:spTree>
+    <p:extLst>
+      <p:ext uri="{BB962C8B-B14F-4D97-AF65-F5344CB8AC3E}">
+        <p14:creationId xmlns:p14="http://schemas.microsoft.com/office/powerpoint/2010/main" val="3903604165"/>
+      </p:ext>
+    </p:extLst>
+  </p:cSld>
+  <p:clrMapOvr>
+    <a:masterClrMapping/>
+  </p:clrMapOvr>
+  <p:timing>
+    <p:tnLst>
+      <p:par>
+        <p:cTn id="1" dur="indefinite" restart="never" nodeType="tmRoot"/>
+      </p:par>
+    </p:tnLst>
+  </p:timing>
+</p:sld>
+</file>
+
+<file path=ppt/slides/slide66.xml><?xml version="1.0" encoding="utf-8"?>
+<p:sld xmlns:a="http://schemas.openxmlformats.org/drawingml/2006/main" xmlns:r="http://schemas.openxmlformats.org/officeDocument/2006/relationships" xmlns:p="http://schemas.openxmlformats.org/presentationml/2006/main">
+  <p:cSld>
+    <p:spTree>
+      <p:nvGrpSpPr>
+        <p:cNvPr id="1" name=""/>
+        <p:cNvGrpSpPr/>
+        <p:nvPr/>
+      </p:nvGrpSpPr>
+      <p:grpSpPr>
+        <a:xfrm>
+          <a:off x="0" y="0"/>
+          <a:ext cx="0" cy="0"/>
+          <a:chOff x="0" y="0"/>
+          <a:chExt cx="0" cy="0"/>
+        </a:xfrm>
+      </p:grpSpPr>
+      <p:sp>
+        <p:nvSpPr>
+          <p:cNvPr id="8" name="Rectangle 7"/>
+          <p:cNvSpPr/>
+          <p:nvPr/>
+        </p:nvSpPr>
+        <p:spPr>
+          <a:xfrm>
+            <a:off x="478970" y="150669"/>
+            <a:ext cx="8207829" cy="523220"/>
+          </a:xfrm>
+          <a:prstGeom prst="rect">
+            <a:avLst/>
+          </a:prstGeom>
+        </p:spPr>
+        <p:txBody>
+          <a:bodyPr wrap="square">
+            <a:spAutoFit/>
+          </a:bodyPr>
+          <a:lstStyle/>
+          <a:p>
+            <a:pPr algn="ctr"/>
+            <a:r>
+              <a:rPr lang="tr-TR" sz="2800" b="1" dirty="0" err="1" smtClean="0">
+                <a:solidFill>
+                  <a:schemeClr val="accent1">
+                    <a:lumMod val="50000"/>
+                  </a:schemeClr>
+                </a:solidFill>
+                <a:cs typeface="Arial" panose="020B0604020202020204" pitchFamily="34" charset="0"/>
+              </a:rPr>
+              <a:t>Fractional</a:t>
+            </a:r>
+            <a:r>
+              <a:rPr lang="tr-TR" sz="2800" b="1" dirty="0" smtClean="0">
+                <a:solidFill>
+                  <a:schemeClr val="accent1">
+                    <a:lumMod val="50000"/>
+                  </a:schemeClr>
+                </a:solidFill>
+                <a:cs typeface="Arial" panose="020B0604020202020204" pitchFamily="34" charset="0"/>
+              </a:rPr>
+              <a:t> </a:t>
+            </a:r>
+            <a:r>
+              <a:rPr lang="tr-TR" sz="2800" b="1" dirty="0" err="1" smtClean="0">
+                <a:solidFill>
+                  <a:schemeClr val="accent1">
+                    <a:lumMod val="50000"/>
+                  </a:schemeClr>
+                </a:solidFill>
+                <a:cs typeface="Arial" panose="020B0604020202020204" pitchFamily="34" charset="0"/>
+              </a:rPr>
+              <a:t>Slot</a:t>
+            </a:r>
+            <a:r>
+              <a:rPr lang="tr-TR" sz="2800" b="1" dirty="0" smtClean="0">
+                <a:solidFill>
+                  <a:schemeClr val="accent1">
+                    <a:lumMod val="50000"/>
+                  </a:schemeClr>
+                </a:solidFill>
+                <a:cs typeface="Arial" panose="020B0604020202020204" pitchFamily="34" charset="0"/>
+              </a:rPr>
+              <a:t> </a:t>
+            </a:r>
+            <a:r>
+              <a:rPr lang="tr-TR" sz="2800" b="1" dirty="0" err="1" smtClean="0">
+                <a:solidFill>
+                  <a:schemeClr val="accent1">
+                    <a:lumMod val="50000"/>
+                  </a:schemeClr>
+                </a:solidFill>
+                <a:cs typeface="Arial" panose="020B0604020202020204" pitchFamily="34" charset="0"/>
+              </a:rPr>
+              <a:t>Concentrated</a:t>
+            </a:r>
+            <a:r>
+              <a:rPr lang="tr-TR" sz="2800" b="1" dirty="0" smtClean="0">
+                <a:solidFill>
+                  <a:schemeClr val="accent1">
+                    <a:lumMod val="50000"/>
+                  </a:schemeClr>
+                </a:solidFill>
+                <a:cs typeface="Arial" panose="020B0604020202020204" pitchFamily="34" charset="0"/>
+              </a:rPr>
+              <a:t> </a:t>
+            </a:r>
+            <a:r>
+              <a:rPr lang="tr-TR" sz="2800" b="1" dirty="0" err="1" smtClean="0">
+                <a:solidFill>
+                  <a:schemeClr val="accent1">
+                    <a:lumMod val="50000"/>
+                  </a:schemeClr>
+                </a:solidFill>
+                <a:cs typeface="Arial" panose="020B0604020202020204" pitchFamily="34" charset="0"/>
+              </a:rPr>
+              <a:t>Winding</a:t>
+            </a:r>
+            <a:r>
+              <a:rPr lang="tr-TR" sz="2800" b="1" dirty="0" smtClean="0">
+                <a:solidFill>
+                  <a:schemeClr val="accent1">
+                    <a:lumMod val="50000"/>
+                  </a:schemeClr>
+                </a:solidFill>
+                <a:cs typeface="Arial" panose="020B0604020202020204" pitchFamily="34" charset="0"/>
+              </a:rPr>
+              <a:t> </a:t>
+            </a:r>
+            <a:r>
+              <a:rPr lang="tr-TR" sz="2800" b="1" dirty="0" err="1" smtClean="0">
+                <a:solidFill>
+                  <a:schemeClr val="accent1">
+                    <a:lumMod val="50000"/>
+                  </a:schemeClr>
+                </a:solidFill>
+                <a:cs typeface="Arial" panose="020B0604020202020204" pitchFamily="34" charset="0"/>
+              </a:rPr>
+              <a:t>Machines</a:t>
+            </a:r>
+            <a:endParaRPr lang="en-US" sz="2800" dirty="0">
+              <a:solidFill>
+                <a:schemeClr val="accent1">
+                  <a:lumMod val="50000"/>
+                </a:schemeClr>
+              </a:solidFill>
+              <a:cs typeface="Arial" panose="020B0604020202020204" pitchFamily="34" charset="0"/>
+            </a:endParaRPr>
+          </a:p>
+        </p:txBody>
+      </p:sp>
+      <p:sp>
+        <p:nvSpPr>
+          <p:cNvPr id="6" name="Rectangle 5"/>
+          <p:cNvSpPr/>
+          <p:nvPr/>
+        </p:nvSpPr>
+        <p:spPr>
+          <a:xfrm>
+            <a:off x="333702" y="673889"/>
+            <a:ext cx="8744983" cy="400110"/>
+          </a:xfrm>
+          <a:prstGeom prst="rect">
+            <a:avLst/>
+          </a:prstGeom>
+        </p:spPr>
+        <p:txBody>
+          <a:bodyPr wrap="square">
+            <a:spAutoFit/>
+          </a:bodyPr>
+          <a:lstStyle/>
+          <a:p>
+            <a:pPr algn="ctr"/>
+            <a:r>
+              <a:rPr lang="tr-TR" sz="2000" b="1" dirty="0" smtClean="0">
+                <a:solidFill>
+                  <a:srgbClr val="002060"/>
+                </a:solidFill>
+                <a:cs typeface="Arial" panose="020B0604020202020204" pitchFamily="34" charset="0"/>
+              </a:rPr>
+              <a:t>MMF </a:t>
+            </a:r>
+            <a:r>
+              <a:rPr lang="tr-TR" sz="2000" b="1" dirty="0" err="1" smtClean="0">
+                <a:solidFill>
+                  <a:srgbClr val="002060"/>
+                </a:solidFill>
+                <a:cs typeface="Arial" panose="020B0604020202020204" pitchFamily="34" charset="0"/>
+              </a:rPr>
+              <a:t>distribution</a:t>
+            </a:r>
+            <a:r>
+              <a:rPr lang="tr-TR" sz="2000" b="1" dirty="0" smtClean="0">
+                <a:solidFill>
+                  <a:srgbClr val="002060"/>
+                </a:solidFill>
+                <a:cs typeface="Arial" panose="020B0604020202020204" pitchFamily="34" charset="0"/>
+              </a:rPr>
+              <a:t> – </a:t>
+            </a:r>
+            <a:r>
+              <a:rPr lang="tr-TR" sz="2000" b="1" dirty="0" err="1" smtClean="0">
+                <a:solidFill>
+                  <a:srgbClr val="002060"/>
+                </a:solidFill>
+                <a:cs typeface="Arial" panose="020B0604020202020204" pitchFamily="34" charset="0"/>
+              </a:rPr>
+              <a:t>Our</a:t>
+            </a:r>
+            <a:r>
+              <a:rPr lang="tr-TR" sz="2000" b="1" dirty="0" smtClean="0">
+                <a:solidFill>
+                  <a:srgbClr val="002060"/>
+                </a:solidFill>
+                <a:cs typeface="Arial" panose="020B0604020202020204" pitchFamily="34" charset="0"/>
+              </a:rPr>
+              <a:t> </a:t>
+            </a:r>
+            <a:r>
+              <a:rPr lang="tr-TR" sz="2000" b="1" dirty="0" err="1" smtClean="0">
+                <a:solidFill>
+                  <a:srgbClr val="002060"/>
+                </a:solidFill>
+                <a:cs typeface="Arial" panose="020B0604020202020204" pitchFamily="34" charset="0"/>
+              </a:rPr>
+              <a:t>machine</a:t>
+            </a:r>
+            <a:endParaRPr lang="tr-TR" sz="2000" b="1" dirty="0" smtClean="0">
+              <a:solidFill>
+                <a:srgbClr val="002060"/>
+              </a:solidFill>
+              <a:cs typeface="Arial" panose="020B0604020202020204" pitchFamily="34" charset="0"/>
+            </a:endParaRPr>
+          </a:p>
+        </p:txBody>
+      </p:sp>
+    </p:spTree>
+    <p:extLst>
+      <p:ext uri="{BB962C8B-B14F-4D97-AF65-F5344CB8AC3E}">
+        <p14:creationId xmlns:p14="http://schemas.microsoft.com/office/powerpoint/2010/main" val="1220374009"/>
       </p:ext>
     </p:extLst>
   </p:cSld>
